--- a/Election Data Study.pptx
+++ b/Election Data Study.pptx
@@ -10,7 +10,9 @@
     <p:sldId id="258" r:id="rId4"/>
     <p:sldId id="259" r:id="rId5"/>
     <p:sldId id="260" r:id="rId6"/>
-    <p:sldId id="261" r:id="rId7"/>
+    <p:sldId id="262" r:id="rId7"/>
+    <p:sldId id="263" r:id="rId8"/>
+    <p:sldId id="261" r:id="rId9"/>
   </p:sldIdLst>
   <p:sldSz cx="12192000" cy="6858000"/>
   <p:notesSz cx="6858000" cy="9144000"/>
@@ -109,7 +111,16 @@
       </a:defRPr>
     </a:lvl9pPr>
   </p:defaultTextStyle>
+  <p:extLst>
+    <p:ext uri="{EFAFB233-063F-42B5-8137-9DF3F51BA10A}">
+      <p15:sldGuideLst xmlns:p15="http://schemas.microsoft.com/office/powerpoint/2012/main"/>
+    </p:ext>
+  </p:extLst>
 </p:presentation>
+</file>
+
+<file path=ppt/revisionInfo.xml><?xml version="1.0" encoding="utf-8"?>
+<p1510:revInfo xmlns:a="http://schemas.openxmlformats.org/drawingml/2006/main" xmlns:r="http://schemas.openxmlformats.org/officeDocument/2006/relationships" xmlns:p1510="http://schemas.microsoft.com/office/powerpoint/2015/10/main"/>
 </file>
 
 <file path=ppt/slideLayouts/slideLayout1.xml><?xml version="1.0" encoding="utf-8"?>
@@ -301,7 +312,7 @@
             <a:fld id="{B61BEF0D-F0BB-DE4B-95CE-6DB70DBA9567}" type="datetimeFigureOut">
               <a:rPr lang="en-US" dirty="0"/>
               <a:pPr/>
-              <a:t>11/17/2018</a:t>
+              <a:t>11/19/2018</a:t>
             </a:fld>
             <a:endParaRPr lang="en-US" dirty="0"/>
           </a:p>
@@ -636,7 +647,7 @@
             <a:fld id="{B61BEF0D-F0BB-DE4B-95CE-6DB70DBA9567}" type="datetimeFigureOut">
               <a:rPr lang="en-US" dirty="0"/>
               <a:pPr/>
-              <a:t>11/17/2018</a:t>
+              <a:t>11/19/2018</a:t>
             </a:fld>
             <a:endParaRPr lang="en-US" dirty="0"/>
           </a:p>
@@ -1034,7 +1045,7 @@
             <a:fld id="{B61BEF0D-F0BB-DE4B-95CE-6DB70DBA9567}" type="datetimeFigureOut">
               <a:rPr lang="en-US" dirty="0"/>
               <a:pPr/>
-              <a:t>11/17/2018</a:t>
+              <a:t>11/19/2018</a:t>
             </a:fld>
             <a:endParaRPr lang="en-US" dirty="0"/>
           </a:p>
@@ -1366,7 +1377,7 @@
             <a:fld id="{B61BEF0D-F0BB-DE4B-95CE-6DB70DBA9567}" type="datetimeFigureOut">
               <a:rPr lang="en-US" dirty="0"/>
               <a:pPr/>
-              <a:t>11/17/2018</a:t>
+              <a:t>11/19/2018</a:t>
             </a:fld>
             <a:endParaRPr lang="en-US" dirty="0"/>
           </a:p>
@@ -1683,7 +1694,7 @@
             <a:fld id="{B61BEF0D-F0BB-DE4B-95CE-6DB70DBA9567}" type="datetimeFigureOut">
               <a:rPr lang="en-US" dirty="0"/>
               <a:pPr/>
-              <a:t>11/17/2018</a:t>
+              <a:t>11/19/2018</a:t>
             </a:fld>
             <a:endParaRPr lang="en-US" dirty="0"/>
           </a:p>
@@ -2076,7 +2087,7 @@
             <a:fld id="{B61BEF0D-F0BB-DE4B-95CE-6DB70DBA9567}" type="datetimeFigureOut">
               <a:rPr lang="en-US" dirty="0"/>
               <a:pPr/>
-              <a:t>11/17/2018</a:t>
+              <a:t>11/19/2018</a:t>
             </a:fld>
             <a:endParaRPr lang="en-US" dirty="0"/>
           </a:p>
@@ -2330,7 +2341,7 @@
             <a:fld id="{B61BEF0D-F0BB-DE4B-95CE-6DB70DBA9567}" type="datetimeFigureOut">
               <a:rPr lang="en-US" dirty="0"/>
               <a:pPr/>
-              <a:t>11/17/2018</a:t>
+              <a:t>11/19/2018</a:t>
             </a:fld>
             <a:endParaRPr lang="en-US" dirty="0"/>
           </a:p>
@@ -2589,7 +2600,7 @@
             <a:fld id="{B61BEF0D-F0BB-DE4B-95CE-6DB70DBA9567}" type="datetimeFigureOut">
               <a:rPr lang="en-US" dirty="0"/>
               <a:pPr/>
-              <a:t>11/17/2018</a:t>
+              <a:t>11/19/2018</a:t>
             </a:fld>
             <a:endParaRPr lang="en-US" dirty="0"/>
           </a:p>
@@ -2848,7 +2859,7 @@
             <a:fld id="{B61BEF0D-F0BB-DE4B-95CE-6DB70DBA9567}" type="datetimeFigureOut">
               <a:rPr lang="en-US" dirty="0"/>
               <a:pPr/>
-              <a:t>11/17/2018</a:t>
+              <a:t>11/19/2018</a:t>
             </a:fld>
             <a:endParaRPr lang="en-US" dirty="0"/>
           </a:p>
@@ -3174,7 +3185,7 @@
             <a:fld id="{B61BEF0D-F0BB-DE4B-95CE-6DB70DBA9567}" type="datetimeFigureOut">
               <a:rPr lang="en-US" dirty="0"/>
               <a:pPr/>
-              <a:t>11/17/2018</a:t>
+              <a:t>11/19/2018</a:t>
             </a:fld>
             <a:endParaRPr lang="en-US" dirty="0"/>
           </a:p>
@@ -3494,7 +3505,7 @@
             <a:fld id="{B61BEF0D-F0BB-DE4B-95CE-6DB70DBA9567}" type="datetimeFigureOut">
               <a:rPr lang="en-US" dirty="0"/>
               <a:pPr/>
-              <a:t>11/17/2018</a:t>
+              <a:t>11/19/2018</a:t>
             </a:fld>
             <a:endParaRPr lang="en-US" dirty="0"/>
           </a:p>
@@ -3948,7 +3959,7 @@
             <a:fld id="{B61BEF0D-F0BB-DE4B-95CE-6DB70DBA9567}" type="datetimeFigureOut">
               <a:rPr lang="en-US" dirty="0"/>
               <a:pPr/>
-              <a:t>11/17/2018</a:t>
+              <a:t>11/19/2018</a:t>
             </a:fld>
             <a:endParaRPr lang="en-US" dirty="0"/>
           </a:p>
@@ -4150,7 +4161,7 @@
             <a:fld id="{B61BEF0D-F0BB-DE4B-95CE-6DB70DBA9567}" type="datetimeFigureOut">
               <a:rPr lang="en-US" dirty="0"/>
               <a:pPr/>
-              <a:t>11/17/2018</a:t>
+              <a:t>11/19/2018</a:t>
             </a:fld>
             <a:endParaRPr lang="en-US" dirty="0"/>
           </a:p>
@@ -4324,7 +4335,7 @@
             <a:fld id="{B61BEF0D-F0BB-DE4B-95CE-6DB70DBA9567}" type="datetimeFigureOut">
               <a:rPr lang="en-US" dirty="0"/>
               <a:pPr/>
-              <a:t>11/17/2018</a:t>
+              <a:t>11/19/2018</a:t>
             </a:fld>
             <a:endParaRPr lang="en-US" dirty="0"/>
           </a:p>
@@ -4654,7 +4665,7 @@
             <a:fld id="{B61BEF0D-F0BB-DE4B-95CE-6DB70DBA9567}" type="datetimeFigureOut">
               <a:rPr lang="en-US" dirty="0"/>
               <a:pPr/>
-              <a:t>11/17/2018</a:t>
+              <a:t>11/19/2018</a:t>
             </a:fld>
             <a:endParaRPr lang="en-US" dirty="0"/>
           </a:p>
@@ -4996,7 +5007,7 @@
             <a:fld id="{B61BEF0D-F0BB-DE4B-95CE-6DB70DBA9567}" type="datetimeFigureOut">
               <a:rPr lang="en-US" dirty="0"/>
               <a:pPr/>
-              <a:t>11/17/2018</a:t>
+              <a:t>11/19/2018</a:t>
             </a:fld>
             <a:endParaRPr lang="en-US" dirty="0"/>
           </a:p>
@@ -7110,7 +7121,7 @@
             <a:fld id="{B61BEF0D-F0BB-DE4B-95CE-6DB70DBA9567}" type="datetimeFigureOut">
               <a:rPr lang="en-US" dirty="0"/>
               <a:pPr/>
-              <a:t>11/17/2018</a:t>
+              <a:t>11/19/2018</a:t>
             </a:fld>
             <a:endParaRPr lang="en-US" dirty="0"/>
           </a:p>
@@ -7691,7 +7702,10 @@
               <a:rPr lang="en-US" dirty="0" err="1"/>
               <a:t>Luoyo</a:t>
             </a:r>
-            <a:endParaRPr lang="en-US" dirty="0"/>
+            <a:r>
+              <a:rPr lang="en-US" dirty="0"/>
+              <a:t> Shen</a:t>
+            </a:r>
           </a:p>
         </p:txBody>
       </p:sp>
@@ -7914,19 +7928,7 @@
           <a:p>
             <a:r>
               <a:rPr lang="en-US" dirty="0"/>
-              <a:t>What states.  </a:t>
-            </a:r>
-          </a:p>
-          <a:p>
-            <a:r>
-              <a:rPr lang="en-US" dirty="0"/>
-              <a:t>The websites</a:t>
-            </a:r>
-          </a:p>
-          <a:p>
-            <a:r>
-              <a:rPr lang="en-US" dirty="0"/>
-              <a:t>Why we selected them . </a:t>
+              <a:t>What states.  -- Minnesota, Colorado, Arizona </a:t>
             </a:r>
           </a:p>
           <a:p>
@@ -7996,7 +7998,7 @@
           <a:p>
             <a:r>
               <a:rPr lang="en-US" dirty="0"/>
-              <a:t>Transforming The Data</a:t>
+              <a:t>Transforming The Data for Arizona</a:t>
             </a:r>
           </a:p>
         </p:txBody>
@@ -8017,28 +8019,37 @@
             <p:ph idx="1"/>
           </p:nvPr>
         </p:nvSpPr>
-        <p:spPr/>
+        <p:spPr>
+          <a:xfrm>
+            <a:off x="821635" y="1472911"/>
+            <a:ext cx="5029746" cy="2202873"/>
+          </a:xfrm>
+        </p:spPr>
         <p:txBody>
           <a:bodyPr/>
           <a:lstStyle/>
           <a:p>
             <a:r>
               <a:rPr lang="en-US" dirty="0"/>
-              <a:t>Python CSV Library</a:t>
-            </a:r>
-          </a:p>
-          <a:p>
-            <a:pPr lvl="1"/>
+              <a:t>Used the Python CSV Library</a:t>
+            </a:r>
+          </a:p>
+          <a:p>
             <a:r>
               <a:rPr lang="en-US" dirty="0"/>
-              <a:t>Where</a:t>
-            </a:r>
-          </a:p>
-          <a:p>
-            <a:pPr lvl="1"/>
+              <a:t>Reader reads a line at a time and puts “cells” in a list</a:t>
+            </a:r>
+          </a:p>
+          <a:p>
             <a:r>
               <a:rPr lang="en-US" dirty="0"/>
-              <a:t>Useful methods</a:t>
+              <a:t>Ignores commas inside a cell</a:t>
+            </a:r>
+          </a:p>
+          <a:p>
+            <a:r>
+              <a:rPr lang="en-US" dirty="0"/>
+              <a:t>Easy to learn and use</a:t>
             </a:r>
           </a:p>
           <a:p>
@@ -8049,6 +8060,1918 @@
           </a:p>
         </p:txBody>
       </p:sp>
+      <p:sp>
+        <p:nvSpPr>
+          <p:cNvPr id="5" name="Rectangle 1">
+            <a:extLst>
+              <a:ext uri="{FF2B5EF4-FFF2-40B4-BE49-F238E27FC236}">
+                <a16:creationId xmlns:a16="http://schemas.microsoft.com/office/drawing/2014/main" id="{E9BE27AA-AB4F-4549-88DA-5334DBB5DBD5}"/>
+              </a:ext>
+            </a:extLst>
+          </p:cNvPr>
+          <p:cNvSpPr>
+            <a:spLocks noChangeArrowheads="1"/>
+          </p:cNvSpPr>
+          <p:nvPr/>
+        </p:nvSpPr>
+        <p:spPr bwMode="auto">
+          <a:xfrm>
+            <a:off x="6345021" y="1479998"/>
+            <a:ext cx="5442006" cy="5001369"/>
+          </a:xfrm>
+          <a:prstGeom prst="rect">
+            <a:avLst/>
+          </a:prstGeom>
+          <a:solidFill>
+            <a:srgbClr val="FFFFFF"/>
+          </a:solidFill>
+          <a:ln w="44450">
+            <a:solidFill>
+              <a:schemeClr val="accent1"/>
+            </a:solidFill>
+            <a:miter lim="800000"/>
+            <a:headEnd/>
+            <a:tailEnd/>
+          </a:ln>
+          <a:effectLst/>
+          <a:extLst>
+            <a:ext uri="{AF507438-7753-43E0-B8FC-AC1667EBCBE1}">
+              <a14:hiddenEffects xmlns:a14="http://schemas.microsoft.com/office/drawing/2010/main">
+                <a:effectLst>
+                  <a:outerShdw dist="35921" dir="2700000" algn="ctr" rotWithShape="0">
+                    <a:schemeClr val="bg2"/>
+                  </a:outerShdw>
+                </a:effectLst>
+              </a14:hiddenEffects>
+            </a:ext>
+          </a:extLst>
+        </p:spPr>
+        <p:txBody>
+          <a:bodyPr vert="horz" wrap="square" lIns="91440" tIns="45720" rIns="91440" bIns="45720" numCol="1" anchor="ctr" anchorCtr="0" compatLnSpc="1">
+            <a:prstTxWarp prst="textNoShape">
+              <a:avLst/>
+            </a:prstTxWarp>
+            <a:spAutoFit/>
+          </a:bodyPr>
+          <a:lstStyle/>
+          <a:p>
+            <a:pPr marL="0" marR="0" lvl="0" indent="0" algn="l" defTabSz="914400" rtl="0" eaLnBrk="0" fontAlgn="base" latinLnBrk="0" hangingPunct="0">
+              <a:lnSpc>
+                <a:spcPct val="100000"/>
+              </a:lnSpc>
+              <a:spcBef>
+                <a:spcPct val="0"/>
+              </a:spcBef>
+              <a:spcAft>
+                <a:spcPct val="0"/>
+              </a:spcAft>
+              <a:buClrTx/>
+              <a:buSzTx/>
+              <a:buFontTx/>
+              <a:buNone/>
+              <a:tabLst/>
+            </a:pPr>
+            <a:r>
+              <a:rPr kumimoji="0" lang="en-US" altLang="en-US" sz="1100" b="1" i="0" u="none" strike="noStrike" cap="none" normalizeH="0" baseline="0" dirty="0">
+                <a:ln>
+                  <a:noFill/>
+                </a:ln>
+                <a:solidFill>
+                  <a:srgbClr val="000080"/>
+                </a:solidFill>
+                <a:effectLst/>
+                <a:latin typeface="Courier New" panose="02070309020205020404" pitchFamily="49" charset="0"/>
+                <a:cs typeface="Courier New" panose="02070309020205020404" pitchFamily="49" charset="0"/>
+              </a:rPr>
+              <a:t>from </a:t>
+            </a:r>
+            <a:r>
+              <a:rPr kumimoji="0" lang="en-US" altLang="en-US" sz="1100" b="0" i="0" u="none" strike="noStrike" cap="none" normalizeH="0" baseline="0" dirty="0">
+                <a:ln>
+                  <a:noFill/>
+                </a:ln>
+                <a:solidFill>
+                  <a:srgbClr val="000000"/>
+                </a:solidFill>
+                <a:effectLst/>
+                <a:latin typeface="Courier New" panose="02070309020205020404" pitchFamily="49" charset="0"/>
+                <a:cs typeface="Courier New" panose="02070309020205020404" pitchFamily="49" charset="0"/>
+              </a:rPr>
+              <a:t>csv </a:t>
+            </a:r>
+            <a:r>
+              <a:rPr kumimoji="0" lang="en-US" altLang="en-US" sz="1100" b="1" i="0" u="none" strike="noStrike" cap="none" normalizeH="0" baseline="0" dirty="0">
+                <a:ln>
+                  <a:noFill/>
+                </a:ln>
+                <a:solidFill>
+                  <a:srgbClr val="000080"/>
+                </a:solidFill>
+                <a:effectLst/>
+                <a:latin typeface="Courier New" panose="02070309020205020404" pitchFamily="49" charset="0"/>
+                <a:cs typeface="Courier New" panose="02070309020205020404" pitchFamily="49" charset="0"/>
+              </a:rPr>
+              <a:t>import </a:t>
+            </a:r>
+            <a:r>
+              <a:rPr kumimoji="0" lang="en-US" altLang="en-US" sz="1100" b="0" i="0" u="none" strike="noStrike" cap="none" normalizeH="0" baseline="0" dirty="0">
+                <a:ln>
+                  <a:noFill/>
+                </a:ln>
+                <a:solidFill>
+                  <a:srgbClr val="000000"/>
+                </a:solidFill>
+                <a:effectLst/>
+                <a:latin typeface="Courier New" panose="02070309020205020404" pitchFamily="49" charset="0"/>
+                <a:cs typeface="Courier New" panose="02070309020205020404" pitchFamily="49" charset="0"/>
+              </a:rPr>
+              <a:t>reader</a:t>
+            </a:r>
+            <a:br>
+              <a:rPr kumimoji="0" lang="en-US" altLang="en-US" sz="1100" b="0" i="0" u="none" strike="noStrike" cap="none" normalizeH="0" baseline="0" dirty="0">
+                <a:ln>
+                  <a:noFill/>
+                </a:ln>
+                <a:solidFill>
+                  <a:srgbClr val="000000"/>
+                </a:solidFill>
+                <a:effectLst/>
+                <a:latin typeface="Courier New" panose="02070309020205020404" pitchFamily="49" charset="0"/>
+                <a:cs typeface="Courier New" panose="02070309020205020404" pitchFamily="49" charset="0"/>
+              </a:rPr>
+            </a:br>
+            <a:br>
+              <a:rPr kumimoji="0" lang="en-US" altLang="en-US" sz="1100" b="0" i="0" u="none" strike="noStrike" cap="none" normalizeH="0" baseline="0" dirty="0">
+                <a:ln>
+                  <a:noFill/>
+                </a:ln>
+                <a:solidFill>
+                  <a:srgbClr val="000000"/>
+                </a:solidFill>
+                <a:effectLst/>
+                <a:latin typeface="Courier New" panose="02070309020205020404" pitchFamily="49" charset="0"/>
+                <a:cs typeface="Courier New" panose="02070309020205020404" pitchFamily="49" charset="0"/>
+              </a:rPr>
+            </a:br>
+            <a:r>
+              <a:rPr kumimoji="0" lang="en-US" altLang="en-US" sz="1100" b="1" i="0" u="none" strike="noStrike" cap="none" normalizeH="0" baseline="0" dirty="0">
+                <a:ln>
+                  <a:noFill/>
+                </a:ln>
+                <a:solidFill>
+                  <a:srgbClr val="000080"/>
+                </a:solidFill>
+                <a:effectLst/>
+                <a:latin typeface="Courier New" panose="02070309020205020404" pitchFamily="49" charset="0"/>
+                <a:cs typeface="Courier New" panose="02070309020205020404" pitchFamily="49" charset="0"/>
+              </a:rPr>
+              <a:t>def </a:t>
+            </a:r>
+            <a:r>
+              <a:rPr kumimoji="0" lang="en-US" altLang="en-US" sz="1100" b="0" i="0" u="none" strike="noStrike" cap="none" normalizeH="0" baseline="0" dirty="0" err="1">
+                <a:ln>
+                  <a:noFill/>
+                </a:ln>
+                <a:solidFill>
+                  <a:srgbClr val="000000"/>
+                </a:solidFill>
+                <a:effectLst/>
+                <a:latin typeface="Courier New" panose="02070309020205020404" pitchFamily="49" charset="0"/>
+                <a:cs typeface="Courier New" panose="02070309020205020404" pitchFamily="49" charset="0"/>
+              </a:rPr>
+              <a:t>readElectionData</a:t>
+            </a:r>
+            <a:r>
+              <a:rPr kumimoji="0" lang="en-US" altLang="en-US" sz="1100" b="0" i="0" u="none" strike="noStrike" cap="none" normalizeH="0" baseline="0" dirty="0">
+                <a:ln>
+                  <a:noFill/>
+                </a:ln>
+                <a:solidFill>
+                  <a:srgbClr val="000000"/>
+                </a:solidFill>
+                <a:effectLst/>
+                <a:latin typeface="Courier New" panose="02070309020205020404" pitchFamily="49" charset="0"/>
+                <a:cs typeface="Courier New" panose="02070309020205020404" pitchFamily="49" charset="0"/>
+              </a:rPr>
+              <a:t> (filename, county, </a:t>
+            </a:r>
+            <a:r>
+              <a:rPr kumimoji="0" lang="en-US" altLang="en-US" sz="1100" b="0" i="0" u="none" strike="noStrike" cap="none" normalizeH="0" baseline="0" dirty="0" err="1">
+                <a:ln>
+                  <a:noFill/>
+                </a:ln>
+                <a:solidFill>
+                  <a:srgbClr val="000000"/>
+                </a:solidFill>
+                <a:effectLst/>
+                <a:latin typeface="Courier New" panose="02070309020205020404" pitchFamily="49" charset="0"/>
+                <a:cs typeface="Courier New" panose="02070309020205020404" pitchFamily="49" charset="0"/>
+              </a:rPr>
+              <a:t>red_cnt</a:t>
+            </a:r>
+            <a:r>
+              <a:rPr kumimoji="0" lang="en-US" altLang="en-US" sz="1100" b="0" i="0" u="none" strike="noStrike" cap="none" normalizeH="0" baseline="0" dirty="0">
+                <a:ln>
+                  <a:noFill/>
+                </a:ln>
+                <a:solidFill>
+                  <a:srgbClr val="000000"/>
+                </a:solidFill>
+                <a:effectLst/>
+                <a:latin typeface="Courier New" panose="02070309020205020404" pitchFamily="49" charset="0"/>
+                <a:cs typeface="Courier New" panose="02070309020205020404" pitchFamily="49" charset="0"/>
+              </a:rPr>
+              <a:t>, </a:t>
+            </a:r>
+            <a:r>
+              <a:rPr kumimoji="0" lang="en-US" altLang="en-US" sz="1100" b="0" i="0" u="none" strike="noStrike" cap="none" normalizeH="0" baseline="0" dirty="0" err="1">
+                <a:ln>
+                  <a:noFill/>
+                </a:ln>
+                <a:solidFill>
+                  <a:srgbClr val="000000"/>
+                </a:solidFill>
+                <a:effectLst/>
+                <a:latin typeface="Courier New" panose="02070309020205020404" pitchFamily="49" charset="0"/>
+                <a:cs typeface="Courier New" panose="02070309020205020404" pitchFamily="49" charset="0"/>
+              </a:rPr>
+              <a:t>blue_cnt</a:t>
+            </a:r>
+            <a:r>
+              <a:rPr kumimoji="0" lang="en-US" altLang="en-US" sz="1100" b="0" i="0" u="none" strike="noStrike" cap="none" normalizeH="0" baseline="0" dirty="0">
+                <a:ln>
+                  <a:noFill/>
+                </a:ln>
+                <a:solidFill>
+                  <a:srgbClr val="000000"/>
+                </a:solidFill>
+                <a:effectLst/>
+                <a:latin typeface="Courier New" panose="02070309020205020404" pitchFamily="49" charset="0"/>
+                <a:cs typeface="Courier New" panose="02070309020205020404" pitchFamily="49" charset="0"/>
+              </a:rPr>
+              <a:t>, </a:t>
+            </a:r>
+            <a:r>
+              <a:rPr kumimoji="0" lang="en-US" altLang="en-US" sz="1100" b="0" i="0" u="none" strike="noStrike" cap="none" normalizeH="0" baseline="0" dirty="0" err="1">
+                <a:ln>
+                  <a:noFill/>
+                </a:ln>
+                <a:solidFill>
+                  <a:srgbClr val="000000"/>
+                </a:solidFill>
+                <a:effectLst/>
+                <a:latin typeface="Courier New" panose="02070309020205020404" pitchFamily="49" charset="0"/>
+                <a:cs typeface="Courier New" panose="02070309020205020404" pitchFamily="49" charset="0"/>
+              </a:rPr>
+              <a:t>green_cnt</a:t>
+            </a:r>
+            <a:r>
+              <a:rPr kumimoji="0" lang="en-US" altLang="en-US" sz="1100" b="0" i="0" u="none" strike="noStrike" cap="none" normalizeH="0" baseline="0" dirty="0">
+                <a:ln>
+                  <a:noFill/>
+                </a:ln>
+                <a:solidFill>
+                  <a:srgbClr val="000000"/>
+                </a:solidFill>
+                <a:effectLst/>
+                <a:latin typeface="Courier New" panose="02070309020205020404" pitchFamily="49" charset="0"/>
+                <a:cs typeface="Courier New" panose="02070309020205020404" pitchFamily="49" charset="0"/>
+              </a:rPr>
+              <a:t>):</a:t>
+            </a:r>
+            <a:br>
+              <a:rPr kumimoji="0" lang="en-US" altLang="en-US" sz="1100" b="0" i="0" u="none" strike="noStrike" cap="none" normalizeH="0" baseline="0" dirty="0">
+                <a:ln>
+                  <a:noFill/>
+                </a:ln>
+                <a:solidFill>
+                  <a:srgbClr val="000000"/>
+                </a:solidFill>
+                <a:effectLst/>
+                <a:latin typeface="Courier New" panose="02070309020205020404" pitchFamily="49" charset="0"/>
+                <a:cs typeface="Courier New" panose="02070309020205020404" pitchFamily="49" charset="0"/>
+              </a:rPr>
+            </a:br>
+            <a:r>
+              <a:rPr kumimoji="0" lang="en-US" altLang="en-US" sz="1100" b="0" i="0" u="none" strike="noStrike" cap="none" normalizeH="0" baseline="0" dirty="0">
+                <a:ln>
+                  <a:noFill/>
+                </a:ln>
+                <a:solidFill>
+                  <a:srgbClr val="000000"/>
+                </a:solidFill>
+                <a:effectLst/>
+                <a:latin typeface="Courier New" panose="02070309020205020404" pitchFamily="49" charset="0"/>
+                <a:cs typeface="Courier New" panose="02070309020205020404" pitchFamily="49" charset="0"/>
+              </a:rPr>
+              <a:t>    </a:t>
+            </a:r>
+            <a:r>
+              <a:rPr kumimoji="0" lang="en-US" altLang="en-US" sz="1100" b="0" i="1" u="none" strike="noStrike" cap="none" normalizeH="0" baseline="0" dirty="0">
+                <a:ln>
+                  <a:noFill/>
+                </a:ln>
+                <a:solidFill>
+                  <a:srgbClr val="808080"/>
+                </a:solidFill>
+                <a:effectLst/>
+                <a:latin typeface="Courier New" panose="02070309020205020404" pitchFamily="49" charset="0"/>
+                <a:cs typeface="Courier New" panose="02070309020205020404" pitchFamily="49" charset="0"/>
+              </a:rPr>
+              <a:t># Open the Excel file with the governor</a:t>
+            </a:r>
+            <a:br>
+              <a:rPr kumimoji="0" lang="en-US" altLang="en-US" sz="1100" b="0" i="1" u="none" strike="noStrike" cap="none" normalizeH="0" baseline="0" dirty="0">
+                <a:ln>
+                  <a:noFill/>
+                </a:ln>
+                <a:solidFill>
+                  <a:srgbClr val="808080"/>
+                </a:solidFill>
+                <a:effectLst/>
+                <a:latin typeface="Courier New" panose="02070309020205020404" pitchFamily="49" charset="0"/>
+                <a:cs typeface="Courier New" panose="02070309020205020404" pitchFamily="49" charset="0"/>
+              </a:rPr>
+            </a:br>
+            <a:r>
+              <a:rPr kumimoji="0" lang="en-US" altLang="en-US" sz="1100" b="0" i="1" u="none" strike="noStrike" cap="none" normalizeH="0" baseline="0" dirty="0">
+                <a:ln>
+                  <a:noFill/>
+                </a:ln>
+                <a:solidFill>
+                  <a:srgbClr val="808080"/>
+                </a:solidFill>
+                <a:effectLst/>
+                <a:latin typeface="Courier New" panose="02070309020205020404" pitchFamily="49" charset="0"/>
+                <a:cs typeface="Courier New" panose="02070309020205020404" pitchFamily="49" charset="0"/>
+              </a:rPr>
+              <a:t>    </a:t>
+            </a:r>
+            <a:r>
+              <a:rPr kumimoji="0" lang="en-US" altLang="en-US" sz="1100" b="0" i="0" u="none" strike="noStrike" cap="none" normalizeH="0" baseline="0" dirty="0" err="1">
+                <a:ln>
+                  <a:noFill/>
+                </a:ln>
+                <a:solidFill>
+                  <a:srgbClr val="000000"/>
+                </a:solidFill>
+                <a:effectLst/>
+                <a:latin typeface="Courier New" panose="02070309020205020404" pitchFamily="49" charset="0"/>
+                <a:cs typeface="Courier New" panose="02070309020205020404" pitchFamily="49" charset="0"/>
+              </a:rPr>
+              <a:t>AZGovDataFile</a:t>
+            </a:r>
+            <a:r>
+              <a:rPr kumimoji="0" lang="en-US" altLang="en-US" sz="1100" b="0" i="0" u="none" strike="noStrike" cap="none" normalizeH="0" baseline="0" dirty="0">
+                <a:ln>
+                  <a:noFill/>
+                </a:ln>
+                <a:solidFill>
+                  <a:srgbClr val="000000"/>
+                </a:solidFill>
+                <a:effectLst/>
+                <a:latin typeface="Courier New" panose="02070309020205020404" pitchFamily="49" charset="0"/>
+                <a:cs typeface="Courier New" panose="02070309020205020404" pitchFamily="49" charset="0"/>
+              </a:rPr>
+              <a:t> = </a:t>
+            </a:r>
+            <a:r>
+              <a:rPr kumimoji="0" lang="en-US" altLang="en-US" sz="1100" b="0" i="0" u="none" strike="noStrike" cap="none" normalizeH="0" baseline="0" dirty="0">
+                <a:ln>
+                  <a:noFill/>
+                </a:ln>
+                <a:solidFill>
+                  <a:srgbClr val="000080"/>
+                </a:solidFill>
+                <a:effectLst/>
+                <a:latin typeface="Courier New" panose="02070309020205020404" pitchFamily="49" charset="0"/>
+                <a:cs typeface="Courier New" panose="02070309020205020404" pitchFamily="49" charset="0"/>
+              </a:rPr>
+              <a:t>open</a:t>
+            </a:r>
+            <a:r>
+              <a:rPr kumimoji="0" lang="en-US" altLang="en-US" sz="1100" b="0" i="0" u="none" strike="noStrike" cap="none" normalizeH="0" baseline="0" dirty="0">
+                <a:ln>
+                  <a:noFill/>
+                </a:ln>
+                <a:solidFill>
+                  <a:srgbClr val="000000"/>
+                </a:solidFill>
+                <a:effectLst/>
+                <a:latin typeface="Courier New" panose="02070309020205020404" pitchFamily="49" charset="0"/>
+                <a:cs typeface="Courier New" panose="02070309020205020404" pitchFamily="49" charset="0"/>
+              </a:rPr>
+              <a:t>(</a:t>
+            </a:r>
+            <a:r>
+              <a:rPr kumimoji="0" lang="en-US" altLang="en-US" sz="1100" b="0" i="0" u="none" strike="noStrike" cap="none" normalizeH="0" baseline="0" dirty="0" err="1">
+                <a:ln>
+                  <a:noFill/>
+                </a:ln>
+                <a:solidFill>
+                  <a:srgbClr val="000000"/>
+                </a:solidFill>
+                <a:effectLst/>
+                <a:latin typeface="Courier New" panose="02070309020205020404" pitchFamily="49" charset="0"/>
+                <a:cs typeface="Courier New" panose="02070309020205020404" pitchFamily="49" charset="0"/>
+              </a:rPr>
+              <a:t>filename,</a:t>
+            </a:r>
+            <a:r>
+              <a:rPr kumimoji="0" lang="en-US" altLang="en-US" sz="1100" b="1" i="0" u="none" strike="noStrike" cap="none" normalizeH="0" baseline="0" dirty="0" err="1">
+                <a:ln>
+                  <a:noFill/>
+                </a:ln>
+                <a:solidFill>
+                  <a:srgbClr val="008000"/>
+                </a:solidFill>
+                <a:effectLst/>
+                <a:latin typeface="Courier New" panose="02070309020205020404" pitchFamily="49" charset="0"/>
+                <a:cs typeface="Courier New" panose="02070309020205020404" pitchFamily="49" charset="0"/>
+              </a:rPr>
+              <a:t>'r</a:t>
+            </a:r>
+            <a:r>
+              <a:rPr kumimoji="0" lang="en-US" altLang="en-US" sz="1100" b="1" i="0" u="none" strike="noStrike" cap="none" normalizeH="0" baseline="0" dirty="0">
+                <a:ln>
+                  <a:noFill/>
+                </a:ln>
+                <a:solidFill>
+                  <a:srgbClr val="008000"/>
+                </a:solidFill>
+                <a:effectLst/>
+                <a:latin typeface="Courier New" panose="02070309020205020404" pitchFamily="49" charset="0"/>
+                <a:cs typeface="Courier New" panose="02070309020205020404" pitchFamily="49" charset="0"/>
+              </a:rPr>
+              <a:t>'</a:t>
+            </a:r>
+            <a:r>
+              <a:rPr kumimoji="0" lang="en-US" altLang="en-US" sz="1100" b="0" i="0" u="none" strike="noStrike" cap="none" normalizeH="0" baseline="0" dirty="0">
+                <a:ln>
+                  <a:noFill/>
+                </a:ln>
+                <a:solidFill>
+                  <a:srgbClr val="000000"/>
+                </a:solidFill>
+                <a:effectLst/>
+                <a:latin typeface="Courier New" panose="02070309020205020404" pitchFamily="49" charset="0"/>
+                <a:cs typeface="Courier New" panose="02070309020205020404" pitchFamily="49" charset="0"/>
+              </a:rPr>
+              <a:t>)</a:t>
+            </a:r>
+            <a:br>
+              <a:rPr kumimoji="0" lang="en-US" altLang="en-US" sz="1100" b="0" i="0" u="none" strike="noStrike" cap="none" normalizeH="0" baseline="0" dirty="0">
+                <a:ln>
+                  <a:noFill/>
+                </a:ln>
+                <a:solidFill>
+                  <a:srgbClr val="000000"/>
+                </a:solidFill>
+                <a:effectLst/>
+                <a:latin typeface="Courier New" panose="02070309020205020404" pitchFamily="49" charset="0"/>
+                <a:cs typeface="Courier New" panose="02070309020205020404" pitchFamily="49" charset="0"/>
+              </a:rPr>
+            </a:br>
+            <a:br>
+              <a:rPr kumimoji="0" lang="en-US" altLang="en-US" sz="1100" b="0" i="0" u="none" strike="noStrike" cap="none" normalizeH="0" baseline="0" dirty="0">
+                <a:ln>
+                  <a:noFill/>
+                </a:ln>
+                <a:solidFill>
+                  <a:srgbClr val="000000"/>
+                </a:solidFill>
+                <a:effectLst/>
+                <a:latin typeface="Courier New" panose="02070309020205020404" pitchFamily="49" charset="0"/>
+                <a:cs typeface="Courier New" panose="02070309020205020404" pitchFamily="49" charset="0"/>
+              </a:rPr>
+            </a:br>
+            <a:r>
+              <a:rPr kumimoji="0" lang="en-US" altLang="en-US" sz="1100" b="0" i="0" u="none" strike="noStrike" cap="none" normalizeH="0" baseline="0" dirty="0">
+                <a:ln>
+                  <a:noFill/>
+                </a:ln>
+                <a:solidFill>
+                  <a:srgbClr val="000000"/>
+                </a:solidFill>
+                <a:effectLst/>
+                <a:latin typeface="Courier New" panose="02070309020205020404" pitchFamily="49" charset="0"/>
+                <a:cs typeface="Courier New" panose="02070309020205020404" pitchFamily="49" charset="0"/>
+              </a:rPr>
+              <a:t>    </a:t>
+            </a:r>
+            <a:r>
+              <a:rPr kumimoji="0" lang="en-US" altLang="en-US" sz="1100" b="0" i="1" u="none" strike="noStrike" cap="none" normalizeH="0" baseline="0" dirty="0">
+                <a:ln>
+                  <a:noFill/>
+                </a:ln>
+                <a:solidFill>
+                  <a:srgbClr val="808080"/>
+                </a:solidFill>
+                <a:effectLst/>
+                <a:latin typeface="Courier New" panose="02070309020205020404" pitchFamily="49" charset="0"/>
+                <a:cs typeface="Courier New" panose="02070309020205020404" pitchFamily="49" charset="0"/>
+              </a:rPr>
+              <a:t># Line Count to skip the header line</a:t>
+            </a:r>
+            <a:br>
+              <a:rPr kumimoji="0" lang="en-US" altLang="en-US" sz="1100" b="0" i="1" u="none" strike="noStrike" cap="none" normalizeH="0" baseline="0" dirty="0">
+                <a:ln>
+                  <a:noFill/>
+                </a:ln>
+                <a:solidFill>
+                  <a:srgbClr val="808080"/>
+                </a:solidFill>
+                <a:effectLst/>
+                <a:latin typeface="Courier New" panose="02070309020205020404" pitchFamily="49" charset="0"/>
+                <a:cs typeface="Courier New" panose="02070309020205020404" pitchFamily="49" charset="0"/>
+              </a:rPr>
+            </a:br>
+            <a:r>
+              <a:rPr kumimoji="0" lang="en-US" altLang="en-US" sz="1100" b="0" i="1" u="none" strike="noStrike" cap="none" normalizeH="0" baseline="0" dirty="0">
+                <a:ln>
+                  <a:noFill/>
+                </a:ln>
+                <a:solidFill>
+                  <a:srgbClr val="808080"/>
+                </a:solidFill>
+                <a:effectLst/>
+                <a:latin typeface="Courier New" panose="02070309020205020404" pitchFamily="49" charset="0"/>
+                <a:cs typeface="Courier New" panose="02070309020205020404" pitchFamily="49" charset="0"/>
+              </a:rPr>
+              <a:t>    </a:t>
+            </a:r>
+            <a:r>
+              <a:rPr kumimoji="0" lang="en-US" altLang="en-US" sz="1100" b="0" i="0" u="none" strike="noStrike" cap="none" normalizeH="0" baseline="0" dirty="0" err="1">
+                <a:ln>
+                  <a:noFill/>
+                </a:ln>
+                <a:solidFill>
+                  <a:srgbClr val="000000"/>
+                </a:solidFill>
+                <a:effectLst/>
+                <a:latin typeface="Courier New" panose="02070309020205020404" pitchFamily="49" charset="0"/>
+                <a:cs typeface="Courier New" panose="02070309020205020404" pitchFamily="49" charset="0"/>
+              </a:rPr>
+              <a:t>lineCount</a:t>
+            </a:r>
+            <a:r>
+              <a:rPr kumimoji="0" lang="en-US" altLang="en-US" sz="1100" b="0" i="0" u="none" strike="noStrike" cap="none" normalizeH="0" baseline="0" dirty="0">
+                <a:ln>
+                  <a:noFill/>
+                </a:ln>
+                <a:solidFill>
+                  <a:srgbClr val="000000"/>
+                </a:solidFill>
+                <a:effectLst/>
+                <a:latin typeface="Courier New" panose="02070309020205020404" pitchFamily="49" charset="0"/>
+                <a:cs typeface="Courier New" panose="02070309020205020404" pitchFamily="49" charset="0"/>
+              </a:rPr>
+              <a:t> = </a:t>
+            </a:r>
+            <a:r>
+              <a:rPr kumimoji="0" lang="en-US" altLang="en-US" sz="1100" b="0" i="0" u="none" strike="noStrike" cap="none" normalizeH="0" baseline="0" dirty="0">
+                <a:ln>
+                  <a:noFill/>
+                </a:ln>
+                <a:solidFill>
+                  <a:srgbClr val="0000FF"/>
+                </a:solidFill>
+                <a:effectLst/>
+                <a:latin typeface="Courier New" panose="02070309020205020404" pitchFamily="49" charset="0"/>
+                <a:cs typeface="Courier New" panose="02070309020205020404" pitchFamily="49" charset="0"/>
+              </a:rPr>
+              <a:t>1</a:t>
+            </a:r>
+            <a:br>
+              <a:rPr kumimoji="0" lang="en-US" altLang="en-US" sz="1100" b="0" i="0" u="none" strike="noStrike" cap="none" normalizeH="0" baseline="0" dirty="0">
+                <a:ln>
+                  <a:noFill/>
+                </a:ln>
+                <a:solidFill>
+                  <a:srgbClr val="0000FF"/>
+                </a:solidFill>
+                <a:effectLst/>
+                <a:latin typeface="Courier New" panose="02070309020205020404" pitchFamily="49" charset="0"/>
+                <a:cs typeface="Courier New" panose="02070309020205020404" pitchFamily="49" charset="0"/>
+              </a:rPr>
+            </a:br>
+            <a:br>
+              <a:rPr kumimoji="0" lang="en-US" altLang="en-US" sz="1100" b="0" i="0" u="none" strike="noStrike" cap="none" normalizeH="0" baseline="0" dirty="0">
+                <a:ln>
+                  <a:noFill/>
+                </a:ln>
+                <a:solidFill>
+                  <a:srgbClr val="0000FF"/>
+                </a:solidFill>
+                <a:effectLst/>
+                <a:latin typeface="Courier New" panose="02070309020205020404" pitchFamily="49" charset="0"/>
+                <a:cs typeface="Courier New" panose="02070309020205020404" pitchFamily="49" charset="0"/>
+              </a:rPr>
+            </a:br>
+            <a:r>
+              <a:rPr kumimoji="0" lang="en-US" altLang="en-US" sz="1100" b="0" i="0" u="none" strike="noStrike" cap="none" normalizeH="0" baseline="0" dirty="0">
+                <a:ln>
+                  <a:noFill/>
+                </a:ln>
+                <a:solidFill>
+                  <a:srgbClr val="0000FF"/>
+                </a:solidFill>
+                <a:effectLst/>
+                <a:latin typeface="Courier New" panose="02070309020205020404" pitchFamily="49" charset="0"/>
+                <a:cs typeface="Courier New" panose="02070309020205020404" pitchFamily="49" charset="0"/>
+              </a:rPr>
+              <a:t>    </a:t>
+            </a:r>
+            <a:r>
+              <a:rPr kumimoji="0" lang="en-US" altLang="en-US" sz="1100" b="0" i="1" u="none" strike="noStrike" cap="none" normalizeH="0" baseline="0" dirty="0">
+                <a:ln>
+                  <a:noFill/>
+                </a:ln>
+                <a:solidFill>
+                  <a:srgbClr val="808080"/>
+                </a:solidFill>
+                <a:effectLst/>
+                <a:latin typeface="Courier New" panose="02070309020205020404" pitchFamily="49" charset="0"/>
+                <a:cs typeface="Courier New" panose="02070309020205020404" pitchFamily="49" charset="0"/>
+              </a:rPr>
+              <a:t># Column Positions in the file</a:t>
+            </a:r>
+            <a:br>
+              <a:rPr kumimoji="0" lang="en-US" altLang="en-US" sz="1100" b="0" i="1" u="none" strike="noStrike" cap="none" normalizeH="0" baseline="0" dirty="0">
+                <a:ln>
+                  <a:noFill/>
+                </a:ln>
+                <a:solidFill>
+                  <a:srgbClr val="808080"/>
+                </a:solidFill>
+                <a:effectLst/>
+                <a:latin typeface="Courier New" panose="02070309020205020404" pitchFamily="49" charset="0"/>
+                <a:cs typeface="Courier New" panose="02070309020205020404" pitchFamily="49" charset="0"/>
+              </a:rPr>
+            </a:br>
+            <a:r>
+              <a:rPr kumimoji="0" lang="en-US" altLang="en-US" sz="1100" b="0" i="1" u="none" strike="noStrike" cap="none" normalizeH="0" baseline="0" dirty="0">
+                <a:ln>
+                  <a:noFill/>
+                </a:ln>
+                <a:solidFill>
+                  <a:srgbClr val="808080"/>
+                </a:solidFill>
+                <a:effectLst/>
+                <a:latin typeface="Courier New" panose="02070309020205020404" pitchFamily="49" charset="0"/>
+                <a:cs typeface="Courier New" panose="02070309020205020404" pitchFamily="49" charset="0"/>
+              </a:rPr>
+              <a:t>    </a:t>
+            </a:r>
+            <a:r>
+              <a:rPr kumimoji="0" lang="en-US" altLang="en-US" sz="1100" b="0" i="0" u="none" strike="noStrike" cap="none" normalizeH="0" baseline="0" dirty="0" err="1">
+                <a:ln>
+                  <a:noFill/>
+                </a:ln>
+                <a:solidFill>
+                  <a:srgbClr val="000000"/>
+                </a:solidFill>
+                <a:effectLst/>
+                <a:latin typeface="Courier New" panose="02070309020205020404" pitchFamily="49" charset="0"/>
+                <a:cs typeface="Courier New" panose="02070309020205020404" pitchFamily="49" charset="0"/>
+              </a:rPr>
+              <a:t>ctyNamePos</a:t>
+            </a:r>
+            <a:r>
+              <a:rPr kumimoji="0" lang="en-US" altLang="en-US" sz="1100" b="0" i="0" u="none" strike="noStrike" cap="none" normalizeH="0" baseline="0" dirty="0">
+                <a:ln>
+                  <a:noFill/>
+                </a:ln>
+                <a:solidFill>
+                  <a:srgbClr val="000000"/>
+                </a:solidFill>
+                <a:effectLst/>
+                <a:latin typeface="Courier New" panose="02070309020205020404" pitchFamily="49" charset="0"/>
+                <a:cs typeface="Courier New" panose="02070309020205020404" pitchFamily="49" charset="0"/>
+              </a:rPr>
+              <a:t> = </a:t>
+            </a:r>
+            <a:r>
+              <a:rPr kumimoji="0" lang="en-US" altLang="en-US" sz="1100" b="0" i="0" u="none" strike="noStrike" cap="none" normalizeH="0" baseline="0" dirty="0">
+                <a:ln>
+                  <a:noFill/>
+                </a:ln>
+                <a:solidFill>
+                  <a:srgbClr val="0000FF"/>
+                </a:solidFill>
+                <a:effectLst/>
+                <a:latin typeface="Courier New" panose="02070309020205020404" pitchFamily="49" charset="0"/>
+                <a:cs typeface="Courier New" panose="02070309020205020404" pitchFamily="49" charset="0"/>
+              </a:rPr>
+              <a:t>0</a:t>
+            </a:r>
+            <a:br>
+              <a:rPr kumimoji="0" lang="en-US" altLang="en-US" sz="1100" b="0" i="0" u="none" strike="noStrike" cap="none" normalizeH="0" baseline="0" dirty="0">
+                <a:ln>
+                  <a:noFill/>
+                </a:ln>
+                <a:solidFill>
+                  <a:srgbClr val="0000FF"/>
+                </a:solidFill>
+                <a:effectLst/>
+                <a:latin typeface="Courier New" panose="02070309020205020404" pitchFamily="49" charset="0"/>
+                <a:cs typeface="Courier New" panose="02070309020205020404" pitchFamily="49" charset="0"/>
+              </a:rPr>
+            </a:br>
+            <a:r>
+              <a:rPr kumimoji="0" lang="en-US" altLang="en-US" sz="1100" b="0" i="0" u="none" strike="noStrike" cap="none" normalizeH="0" baseline="0" dirty="0">
+                <a:ln>
+                  <a:noFill/>
+                </a:ln>
+                <a:solidFill>
+                  <a:srgbClr val="0000FF"/>
+                </a:solidFill>
+                <a:effectLst/>
+                <a:latin typeface="Courier New" panose="02070309020205020404" pitchFamily="49" charset="0"/>
+                <a:cs typeface="Courier New" panose="02070309020205020404" pitchFamily="49" charset="0"/>
+              </a:rPr>
+              <a:t>    </a:t>
+            </a:r>
+            <a:r>
+              <a:rPr kumimoji="0" lang="en-US" altLang="en-US" sz="1100" b="0" i="0" u="none" strike="noStrike" cap="none" normalizeH="0" baseline="0" dirty="0" err="1">
+                <a:ln>
+                  <a:noFill/>
+                </a:ln>
+                <a:solidFill>
+                  <a:srgbClr val="000000"/>
+                </a:solidFill>
+                <a:effectLst/>
+                <a:latin typeface="Courier New" panose="02070309020205020404" pitchFamily="49" charset="0"/>
+                <a:cs typeface="Courier New" panose="02070309020205020404" pitchFamily="49" charset="0"/>
+              </a:rPr>
+              <a:t>RepulicanPos</a:t>
+            </a:r>
+            <a:r>
+              <a:rPr kumimoji="0" lang="en-US" altLang="en-US" sz="1100" b="0" i="0" u="none" strike="noStrike" cap="none" normalizeH="0" baseline="0" dirty="0">
+                <a:ln>
+                  <a:noFill/>
+                </a:ln>
+                <a:solidFill>
+                  <a:srgbClr val="000000"/>
+                </a:solidFill>
+                <a:effectLst/>
+                <a:latin typeface="Courier New" panose="02070309020205020404" pitchFamily="49" charset="0"/>
+                <a:cs typeface="Courier New" panose="02070309020205020404" pitchFamily="49" charset="0"/>
+              </a:rPr>
+              <a:t> = </a:t>
+            </a:r>
+            <a:r>
+              <a:rPr kumimoji="0" lang="en-US" altLang="en-US" sz="1100" b="0" i="0" u="none" strike="noStrike" cap="none" normalizeH="0" baseline="0" dirty="0">
+                <a:ln>
+                  <a:noFill/>
+                </a:ln>
+                <a:solidFill>
+                  <a:srgbClr val="0000FF"/>
+                </a:solidFill>
+                <a:effectLst/>
+                <a:latin typeface="Courier New" panose="02070309020205020404" pitchFamily="49" charset="0"/>
+                <a:cs typeface="Courier New" panose="02070309020205020404" pitchFamily="49" charset="0"/>
+              </a:rPr>
+              <a:t>3</a:t>
+            </a:r>
+            <a:br>
+              <a:rPr kumimoji="0" lang="en-US" altLang="en-US" sz="1100" b="0" i="0" u="none" strike="noStrike" cap="none" normalizeH="0" baseline="0" dirty="0">
+                <a:ln>
+                  <a:noFill/>
+                </a:ln>
+                <a:solidFill>
+                  <a:srgbClr val="0000FF"/>
+                </a:solidFill>
+                <a:effectLst/>
+                <a:latin typeface="Courier New" panose="02070309020205020404" pitchFamily="49" charset="0"/>
+                <a:cs typeface="Courier New" panose="02070309020205020404" pitchFamily="49" charset="0"/>
+              </a:rPr>
+            </a:br>
+            <a:r>
+              <a:rPr kumimoji="0" lang="en-US" altLang="en-US" sz="1100" b="0" i="0" u="none" strike="noStrike" cap="none" normalizeH="0" baseline="0" dirty="0">
+                <a:ln>
+                  <a:noFill/>
+                </a:ln>
+                <a:solidFill>
+                  <a:srgbClr val="0000FF"/>
+                </a:solidFill>
+                <a:effectLst/>
+                <a:latin typeface="Courier New" panose="02070309020205020404" pitchFamily="49" charset="0"/>
+                <a:cs typeface="Courier New" panose="02070309020205020404" pitchFamily="49" charset="0"/>
+              </a:rPr>
+              <a:t>    </a:t>
+            </a:r>
+            <a:r>
+              <a:rPr kumimoji="0" lang="en-US" altLang="en-US" sz="1100" b="0" i="0" u="none" strike="noStrike" cap="none" normalizeH="0" baseline="0" dirty="0" err="1">
+                <a:ln>
+                  <a:noFill/>
+                </a:ln>
+                <a:solidFill>
+                  <a:srgbClr val="000000"/>
+                </a:solidFill>
+                <a:effectLst/>
+                <a:latin typeface="Courier New" panose="02070309020205020404" pitchFamily="49" charset="0"/>
+                <a:cs typeface="Courier New" panose="02070309020205020404" pitchFamily="49" charset="0"/>
+              </a:rPr>
+              <a:t>DemocratPos</a:t>
+            </a:r>
+            <a:r>
+              <a:rPr kumimoji="0" lang="en-US" altLang="en-US" sz="1100" b="0" i="0" u="none" strike="noStrike" cap="none" normalizeH="0" baseline="0" dirty="0">
+                <a:ln>
+                  <a:noFill/>
+                </a:ln>
+                <a:solidFill>
+                  <a:srgbClr val="000000"/>
+                </a:solidFill>
+                <a:effectLst/>
+                <a:latin typeface="Courier New" panose="02070309020205020404" pitchFamily="49" charset="0"/>
+                <a:cs typeface="Courier New" panose="02070309020205020404" pitchFamily="49" charset="0"/>
+              </a:rPr>
+              <a:t> = </a:t>
+            </a:r>
+            <a:r>
+              <a:rPr kumimoji="0" lang="en-US" altLang="en-US" sz="1100" b="0" i="0" u="none" strike="noStrike" cap="none" normalizeH="0" baseline="0" dirty="0">
+                <a:ln>
+                  <a:noFill/>
+                </a:ln>
+                <a:solidFill>
+                  <a:srgbClr val="0000FF"/>
+                </a:solidFill>
+                <a:effectLst/>
+                <a:latin typeface="Courier New" panose="02070309020205020404" pitchFamily="49" charset="0"/>
+                <a:cs typeface="Courier New" panose="02070309020205020404" pitchFamily="49" charset="0"/>
+              </a:rPr>
+              <a:t>4</a:t>
+            </a:r>
+            <a:br>
+              <a:rPr kumimoji="0" lang="en-US" altLang="en-US" sz="1100" b="0" i="0" u="none" strike="noStrike" cap="none" normalizeH="0" baseline="0" dirty="0">
+                <a:ln>
+                  <a:noFill/>
+                </a:ln>
+                <a:solidFill>
+                  <a:srgbClr val="0000FF"/>
+                </a:solidFill>
+                <a:effectLst/>
+                <a:latin typeface="Courier New" panose="02070309020205020404" pitchFamily="49" charset="0"/>
+                <a:cs typeface="Courier New" panose="02070309020205020404" pitchFamily="49" charset="0"/>
+              </a:rPr>
+            </a:br>
+            <a:r>
+              <a:rPr kumimoji="0" lang="en-US" altLang="en-US" sz="1100" b="0" i="0" u="none" strike="noStrike" cap="none" normalizeH="0" baseline="0" dirty="0">
+                <a:ln>
+                  <a:noFill/>
+                </a:ln>
+                <a:solidFill>
+                  <a:srgbClr val="0000FF"/>
+                </a:solidFill>
+                <a:effectLst/>
+                <a:latin typeface="Courier New" panose="02070309020205020404" pitchFamily="49" charset="0"/>
+                <a:cs typeface="Courier New" panose="02070309020205020404" pitchFamily="49" charset="0"/>
+              </a:rPr>
+              <a:t>    </a:t>
+            </a:r>
+            <a:r>
+              <a:rPr kumimoji="0" lang="en-US" altLang="en-US" sz="1100" b="0" i="0" u="none" strike="noStrike" cap="none" normalizeH="0" baseline="0" dirty="0" err="1">
+                <a:ln>
+                  <a:noFill/>
+                </a:ln>
+                <a:solidFill>
+                  <a:srgbClr val="000000"/>
+                </a:solidFill>
+                <a:effectLst/>
+                <a:latin typeface="Courier New" panose="02070309020205020404" pitchFamily="49" charset="0"/>
+                <a:cs typeface="Courier New" panose="02070309020205020404" pitchFamily="49" charset="0"/>
+              </a:rPr>
+              <a:t>GreenPartyPos</a:t>
+            </a:r>
+            <a:r>
+              <a:rPr kumimoji="0" lang="en-US" altLang="en-US" sz="1100" b="0" i="0" u="none" strike="noStrike" cap="none" normalizeH="0" baseline="0" dirty="0">
+                <a:ln>
+                  <a:noFill/>
+                </a:ln>
+                <a:solidFill>
+                  <a:srgbClr val="000000"/>
+                </a:solidFill>
+                <a:effectLst/>
+                <a:latin typeface="Courier New" panose="02070309020205020404" pitchFamily="49" charset="0"/>
+                <a:cs typeface="Courier New" panose="02070309020205020404" pitchFamily="49" charset="0"/>
+              </a:rPr>
+              <a:t> = </a:t>
+            </a:r>
+            <a:r>
+              <a:rPr kumimoji="0" lang="en-US" altLang="en-US" sz="1100" b="0" i="0" u="none" strike="noStrike" cap="none" normalizeH="0" baseline="0" dirty="0">
+                <a:ln>
+                  <a:noFill/>
+                </a:ln>
+                <a:solidFill>
+                  <a:srgbClr val="0000FF"/>
+                </a:solidFill>
+                <a:effectLst/>
+                <a:latin typeface="Courier New" panose="02070309020205020404" pitchFamily="49" charset="0"/>
+                <a:cs typeface="Courier New" panose="02070309020205020404" pitchFamily="49" charset="0"/>
+              </a:rPr>
+              <a:t>5</a:t>
+            </a:r>
+            <a:br>
+              <a:rPr kumimoji="0" lang="en-US" altLang="en-US" sz="1100" b="0" i="0" u="none" strike="noStrike" cap="none" normalizeH="0" baseline="0" dirty="0">
+                <a:ln>
+                  <a:noFill/>
+                </a:ln>
+                <a:solidFill>
+                  <a:srgbClr val="0000FF"/>
+                </a:solidFill>
+                <a:effectLst/>
+                <a:latin typeface="Courier New" panose="02070309020205020404" pitchFamily="49" charset="0"/>
+                <a:cs typeface="Courier New" panose="02070309020205020404" pitchFamily="49" charset="0"/>
+              </a:rPr>
+            </a:br>
+            <a:br>
+              <a:rPr kumimoji="0" lang="en-US" altLang="en-US" sz="1100" b="0" i="0" u="none" strike="noStrike" cap="none" normalizeH="0" baseline="0" dirty="0">
+                <a:ln>
+                  <a:noFill/>
+                </a:ln>
+                <a:solidFill>
+                  <a:srgbClr val="0000FF"/>
+                </a:solidFill>
+                <a:effectLst/>
+                <a:latin typeface="Courier New" panose="02070309020205020404" pitchFamily="49" charset="0"/>
+                <a:cs typeface="Courier New" panose="02070309020205020404" pitchFamily="49" charset="0"/>
+              </a:rPr>
+            </a:br>
+            <a:r>
+              <a:rPr kumimoji="0" lang="en-US" altLang="en-US" sz="1100" b="0" i="0" u="none" strike="noStrike" cap="none" normalizeH="0" baseline="0" dirty="0">
+                <a:ln>
+                  <a:noFill/>
+                </a:ln>
+                <a:solidFill>
+                  <a:srgbClr val="0000FF"/>
+                </a:solidFill>
+                <a:effectLst/>
+                <a:latin typeface="Courier New" panose="02070309020205020404" pitchFamily="49" charset="0"/>
+                <a:cs typeface="Courier New" panose="02070309020205020404" pitchFamily="49" charset="0"/>
+              </a:rPr>
+              <a:t>    </a:t>
+            </a:r>
+            <a:r>
+              <a:rPr kumimoji="0" lang="en-US" altLang="en-US" sz="1100" b="0" i="1" u="none" strike="noStrike" cap="none" normalizeH="0" baseline="0" dirty="0">
+                <a:ln>
+                  <a:noFill/>
+                </a:ln>
+                <a:solidFill>
+                  <a:srgbClr val="808080"/>
+                </a:solidFill>
+                <a:effectLst/>
+                <a:latin typeface="Courier New" panose="02070309020205020404" pitchFamily="49" charset="0"/>
+                <a:cs typeface="Courier New" panose="02070309020205020404" pitchFamily="49" charset="0"/>
+              </a:rPr>
+              <a:t># Loop through rows</a:t>
+            </a:r>
+            <a:br>
+              <a:rPr kumimoji="0" lang="en-US" altLang="en-US" sz="1100" b="0" i="1" u="none" strike="noStrike" cap="none" normalizeH="0" baseline="0" dirty="0">
+                <a:ln>
+                  <a:noFill/>
+                </a:ln>
+                <a:solidFill>
+                  <a:srgbClr val="808080"/>
+                </a:solidFill>
+                <a:effectLst/>
+                <a:latin typeface="Courier New" panose="02070309020205020404" pitchFamily="49" charset="0"/>
+                <a:cs typeface="Courier New" panose="02070309020205020404" pitchFamily="49" charset="0"/>
+              </a:rPr>
+            </a:br>
+            <a:r>
+              <a:rPr kumimoji="0" lang="en-US" altLang="en-US" sz="1100" b="0" i="1" u="none" strike="noStrike" cap="none" normalizeH="0" baseline="0" dirty="0">
+                <a:ln>
+                  <a:noFill/>
+                </a:ln>
+                <a:solidFill>
+                  <a:srgbClr val="808080"/>
+                </a:solidFill>
+                <a:effectLst/>
+                <a:latin typeface="Courier New" panose="02070309020205020404" pitchFamily="49" charset="0"/>
+                <a:cs typeface="Courier New" panose="02070309020205020404" pitchFamily="49" charset="0"/>
+              </a:rPr>
+              <a:t>    </a:t>
+            </a:r>
+            <a:r>
+              <a:rPr kumimoji="0" lang="en-US" altLang="en-US" sz="1100" b="1" i="0" u="none" strike="noStrike" cap="none" normalizeH="0" baseline="0" dirty="0">
+                <a:ln>
+                  <a:noFill/>
+                </a:ln>
+                <a:solidFill>
+                  <a:srgbClr val="000080"/>
+                </a:solidFill>
+                <a:effectLst/>
+                <a:latin typeface="Courier New" panose="02070309020205020404" pitchFamily="49" charset="0"/>
+                <a:cs typeface="Courier New" panose="02070309020205020404" pitchFamily="49" charset="0"/>
+              </a:rPr>
+              <a:t>for </a:t>
+            </a:r>
+            <a:r>
+              <a:rPr kumimoji="0" lang="en-US" altLang="en-US" sz="1100" b="0" i="0" u="none" strike="noStrike" cap="none" normalizeH="0" baseline="0" dirty="0" err="1">
+                <a:ln>
+                  <a:noFill/>
+                </a:ln>
+                <a:solidFill>
+                  <a:srgbClr val="000000"/>
+                </a:solidFill>
+                <a:effectLst/>
+                <a:latin typeface="Courier New" panose="02070309020205020404" pitchFamily="49" charset="0"/>
+                <a:cs typeface="Courier New" panose="02070309020205020404" pitchFamily="49" charset="0"/>
+              </a:rPr>
+              <a:t>aline</a:t>
+            </a:r>
+            <a:r>
+              <a:rPr kumimoji="0" lang="en-US" altLang="en-US" sz="1100" b="0" i="0" u="none" strike="noStrike" cap="none" normalizeH="0" baseline="0" dirty="0">
+                <a:ln>
+                  <a:noFill/>
+                </a:ln>
+                <a:solidFill>
+                  <a:srgbClr val="000000"/>
+                </a:solidFill>
+                <a:effectLst/>
+                <a:latin typeface="Courier New" panose="02070309020205020404" pitchFamily="49" charset="0"/>
+                <a:cs typeface="Courier New" panose="02070309020205020404" pitchFamily="49" charset="0"/>
+              </a:rPr>
+              <a:t> </a:t>
+            </a:r>
+            <a:r>
+              <a:rPr kumimoji="0" lang="en-US" altLang="en-US" sz="1100" b="1" i="0" u="none" strike="noStrike" cap="none" normalizeH="0" baseline="0" dirty="0">
+                <a:ln>
+                  <a:noFill/>
+                </a:ln>
+                <a:solidFill>
+                  <a:srgbClr val="000080"/>
+                </a:solidFill>
+                <a:effectLst/>
+                <a:latin typeface="Courier New" panose="02070309020205020404" pitchFamily="49" charset="0"/>
+                <a:cs typeface="Courier New" panose="02070309020205020404" pitchFamily="49" charset="0"/>
+              </a:rPr>
+              <a:t>in </a:t>
+            </a:r>
+            <a:r>
+              <a:rPr kumimoji="0" lang="en-US" altLang="en-US" sz="1100" b="0" i="0" u="none" strike="noStrike" cap="none" normalizeH="0" baseline="0" dirty="0">
+                <a:ln>
+                  <a:noFill/>
+                </a:ln>
+                <a:solidFill>
+                  <a:srgbClr val="000000"/>
+                </a:solidFill>
+                <a:effectLst/>
+                <a:latin typeface="Courier New" panose="02070309020205020404" pitchFamily="49" charset="0"/>
+                <a:cs typeface="Courier New" panose="02070309020205020404" pitchFamily="49" charset="0"/>
+              </a:rPr>
+              <a:t>reader(</a:t>
+            </a:r>
+            <a:r>
+              <a:rPr kumimoji="0" lang="en-US" altLang="en-US" sz="1100" b="0" i="0" u="none" strike="noStrike" cap="none" normalizeH="0" baseline="0" dirty="0" err="1">
+                <a:ln>
+                  <a:noFill/>
+                </a:ln>
+                <a:solidFill>
+                  <a:srgbClr val="000000"/>
+                </a:solidFill>
+                <a:effectLst/>
+                <a:latin typeface="Courier New" panose="02070309020205020404" pitchFamily="49" charset="0"/>
+                <a:cs typeface="Courier New" panose="02070309020205020404" pitchFamily="49" charset="0"/>
+              </a:rPr>
+              <a:t>AZGovDataFile</a:t>
+            </a:r>
+            <a:r>
+              <a:rPr kumimoji="0" lang="en-US" altLang="en-US" sz="1100" b="0" i="0" u="none" strike="noStrike" cap="none" normalizeH="0" baseline="0" dirty="0">
+                <a:ln>
+                  <a:noFill/>
+                </a:ln>
+                <a:solidFill>
+                  <a:srgbClr val="000000"/>
+                </a:solidFill>
+                <a:effectLst/>
+                <a:latin typeface="Courier New" panose="02070309020205020404" pitchFamily="49" charset="0"/>
+                <a:cs typeface="Courier New" panose="02070309020205020404" pitchFamily="49" charset="0"/>
+              </a:rPr>
+              <a:t>):</a:t>
+            </a:r>
+            <a:br>
+              <a:rPr kumimoji="0" lang="en-US" altLang="en-US" sz="1100" b="0" i="0" u="none" strike="noStrike" cap="none" normalizeH="0" baseline="0" dirty="0">
+                <a:ln>
+                  <a:noFill/>
+                </a:ln>
+                <a:solidFill>
+                  <a:srgbClr val="000000"/>
+                </a:solidFill>
+                <a:effectLst/>
+                <a:latin typeface="Courier New" panose="02070309020205020404" pitchFamily="49" charset="0"/>
+                <a:cs typeface="Courier New" panose="02070309020205020404" pitchFamily="49" charset="0"/>
+              </a:rPr>
+            </a:br>
+            <a:br>
+              <a:rPr kumimoji="0" lang="en-US" altLang="en-US" sz="1100" b="0" i="0" u="none" strike="noStrike" cap="none" normalizeH="0" baseline="0" dirty="0">
+                <a:ln>
+                  <a:noFill/>
+                </a:ln>
+                <a:solidFill>
+                  <a:srgbClr val="000000"/>
+                </a:solidFill>
+                <a:effectLst/>
+                <a:latin typeface="Courier New" panose="02070309020205020404" pitchFamily="49" charset="0"/>
+                <a:cs typeface="Courier New" panose="02070309020205020404" pitchFamily="49" charset="0"/>
+              </a:rPr>
+            </a:br>
+            <a:r>
+              <a:rPr kumimoji="0" lang="en-US" altLang="en-US" sz="1100" b="0" i="0" u="none" strike="noStrike" cap="none" normalizeH="0" baseline="0" dirty="0">
+                <a:ln>
+                  <a:noFill/>
+                </a:ln>
+                <a:solidFill>
+                  <a:srgbClr val="000000"/>
+                </a:solidFill>
+                <a:effectLst/>
+                <a:latin typeface="Courier New" panose="02070309020205020404" pitchFamily="49" charset="0"/>
+                <a:cs typeface="Courier New" panose="02070309020205020404" pitchFamily="49" charset="0"/>
+              </a:rPr>
+              <a:t>        </a:t>
+            </a:r>
+            <a:r>
+              <a:rPr kumimoji="0" lang="en-US" altLang="en-US" sz="1100" b="1" i="0" u="none" strike="noStrike" cap="none" normalizeH="0" baseline="0" dirty="0">
+                <a:ln>
+                  <a:noFill/>
+                </a:ln>
+                <a:solidFill>
+                  <a:srgbClr val="000080"/>
+                </a:solidFill>
+                <a:effectLst/>
+                <a:latin typeface="Courier New" panose="02070309020205020404" pitchFamily="49" charset="0"/>
+                <a:cs typeface="Courier New" panose="02070309020205020404" pitchFamily="49" charset="0"/>
+              </a:rPr>
+              <a:t>if </a:t>
+            </a:r>
+            <a:r>
+              <a:rPr kumimoji="0" lang="en-US" altLang="en-US" sz="1100" b="0" i="0" u="none" strike="noStrike" cap="none" normalizeH="0" baseline="0" dirty="0" err="1">
+                <a:ln>
+                  <a:noFill/>
+                </a:ln>
+                <a:solidFill>
+                  <a:srgbClr val="000000"/>
+                </a:solidFill>
+                <a:effectLst/>
+                <a:latin typeface="Courier New" panose="02070309020205020404" pitchFamily="49" charset="0"/>
+                <a:cs typeface="Courier New" panose="02070309020205020404" pitchFamily="49" charset="0"/>
+              </a:rPr>
+              <a:t>lineCount</a:t>
+            </a:r>
+            <a:r>
+              <a:rPr kumimoji="0" lang="en-US" altLang="en-US" sz="1100" b="0" i="0" u="none" strike="noStrike" cap="none" normalizeH="0" baseline="0" dirty="0">
+                <a:ln>
+                  <a:noFill/>
+                </a:ln>
+                <a:solidFill>
+                  <a:srgbClr val="000000"/>
+                </a:solidFill>
+                <a:effectLst/>
+                <a:latin typeface="Courier New" panose="02070309020205020404" pitchFamily="49" charset="0"/>
+                <a:cs typeface="Courier New" panose="02070309020205020404" pitchFamily="49" charset="0"/>
+              </a:rPr>
+              <a:t> &lt;&gt; </a:t>
+            </a:r>
+            <a:r>
+              <a:rPr kumimoji="0" lang="en-US" altLang="en-US" sz="1100" b="0" i="0" u="none" strike="noStrike" cap="none" normalizeH="0" baseline="0" dirty="0">
+                <a:ln>
+                  <a:noFill/>
+                </a:ln>
+                <a:solidFill>
+                  <a:srgbClr val="0000FF"/>
+                </a:solidFill>
+                <a:effectLst/>
+                <a:latin typeface="Courier New" panose="02070309020205020404" pitchFamily="49" charset="0"/>
+                <a:cs typeface="Courier New" panose="02070309020205020404" pitchFamily="49" charset="0"/>
+              </a:rPr>
+              <a:t>1 </a:t>
+            </a:r>
+            <a:r>
+              <a:rPr kumimoji="0" lang="en-US" altLang="en-US" sz="1100" b="0" i="0" u="none" strike="noStrike" cap="none" normalizeH="0" baseline="0" dirty="0">
+                <a:ln>
+                  <a:noFill/>
+                </a:ln>
+                <a:solidFill>
+                  <a:srgbClr val="000000"/>
+                </a:solidFill>
+                <a:effectLst/>
+                <a:latin typeface="Courier New" panose="02070309020205020404" pitchFamily="49" charset="0"/>
+                <a:cs typeface="Courier New" panose="02070309020205020404" pitchFamily="49" charset="0"/>
+              </a:rPr>
+              <a:t>:</a:t>
+            </a:r>
+            <a:br>
+              <a:rPr kumimoji="0" lang="en-US" altLang="en-US" sz="1100" b="0" i="0" u="none" strike="noStrike" cap="none" normalizeH="0" baseline="0" dirty="0">
+                <a:ln>
+                  <a:noFill/>
+                </a:ln>
+                <a:solidFill>
+                  <a:srgbClr val="000000"/>
+                </a:solidFill>
+                <a:effectLst/>
+                <a:latin typeface="Courier New" panose="02070309020205020404" pitchFamily="49" charset="0"/>
+                <a:cs typeface="Courier New" panose="02070309020205020404" pitchFamily="49" charset="0"/>
+              </a:rPr>
+            </a:br>
+            <a:r>
+              <a:rPr kumimoji="0" lang="en-US" altLang="en-US" sz="1100" b="0" i="0" u="none" strike="noStrike" cap="none" normalizeH="0" baseline="0" dirty="0">
+                <a:ln>
+                  <a:noFill/>
+                </a:ln>
+                <a:solidFill>
+                  <a:srgbClr val="000000"/>
+                </a:solidFill>
+                <a:effectLst/>
+                <a:latin typeface="Courier New" panose="02070309020205020404" pitchFamily="49" charset="0"/>
+                <a:cs typeface="Courier New" panose="02070309020205020404" pitchFamily="49" charset="0"/>
+              </a:rPr>
+              <a:t>            </a:t>
+            </a:r>
+            <a:r>
+              <a:rPr kumimoji="0" lang="en-US" altLang="en-US" sz="1100" b="0" i="0" u="none" strike="noStrike" cap="none" normalizeH="0" baseline="0" dirty="0" err="1">
+                <a:ln>
+                  <a:noFill/>
+                </a:ln>
+                <a:solidFill>
+                  <a:srgbClr val="000000"/>
+                </a:solidFill>
+                <a:effectLst/>
+                <a:latin typeface="Courier New" panose="02070309020205020404" pitchFamily="49" charset="0"/>
+                <a:cs typeface="Courier New" panose="02070309020205020404" pitchFamily="49" charset="0"/>
+              </a:rPr>
+              <a:t>county.append</a:t>
+            </a:r>
+            <a:r>
+              <a:rPr kumimoji="0" lang="en-US" altLang="en-US" sz="1100" b="0" i="0" u="none" strike="noStrike" cap="none" normalizeH="0" baseline="0" dirty="0">
+                <a:ln>
+                  <a:noFill/>
+                </a:ln>
+                <a:solidFill>
+                  <a:srgbClr val="000000"/>
+                </a:solidFill>
+                <a:effectLst/>
+                <a:latin typeface="Courier New" panose="02070309020205020404" pitchFamily="49" charset="0"/>
+                <a:cs typeface="Courier New" panose="02070309020205020404" pitchFamily="49" charset="0"/>
+              </a:rPr>
+              <a:t>(</a:t>
+            </a:r>
+            <a:r>
+              <a:rPr kumimoji="0" lang="en-US" altLang="en-US" sz="1100" b="0" i="0" u="none" strike="noStrike" cap="none" normalizeH="0" baseline="0" dirty="0" err="1">
+                <a:ln>
+                  <a:noFill/>
+                </a:ln>
+                <a:solidFill>
+                  <a:srgbClr val="000000"/>
+                </a:solidFill>
+                <a:effectLst/>
+                <a:latin typeface="Courier New" panose="02070309020205020404" pitchFamily="49" charset="0"/>
+                <a:cs typeface="Courier New" panose="02070309020205020404" pitchFamily="49" charset="0"/>
+              </a:rPr>
+              <a:t>aline</a:t>
+            </a:r>
+            <a:r>
+              <a:rPr kumimoji="0" lang="en-US" altLang="en-US" sz="1100" b="0" i="0" u="none" strike="noStrike" cap="none" normalizeH="0" baseline="0" dirty="0">
+                <a:ln>
+                  <a:noFill/>
+                </a:ln>
+                <a:solidFill>
+                  <a:srgbClr val="000000"/>
+                </a:solidFill>
+                <a:effectLst/>
+                <a:latin typeface="Courier New" panose="02070309020205020404" pitchFamily="49" charset="0"/>
+                <a:cs typeface="Courier New" panose="02070309020205020404" pitchFamily="49" charset="0"/>
+              </a:rPr>
+              <a:t>[</a:t>
+            </a:r>
+            <a:r>
+              <a:rPr kumimoji="0" lang="en-US" altLang="en-US" sz="1100" b="0" i="0" u="none" strike="noStrike" cap="none" normalizeH="0" baseline="0" dirty="0" err="1">
+                <a:ln>
+                  <a:noFill/>
+                </a:ln>
+                <a:solidFill>
+                  <a:srgbClr val="000000"/>
+                </a:solidFill>
+                <a:effectLst/>
+                <a:latin typeface="Courier New" panose="02070309020205020404" pitchFamily="49" charset="0"/>
+                <a:cs typeface="Courier New" panose="02070309020205020404" pitchFamily="49" charset="0"/>
+              </a:rPr>
+              <a:t>ctyNamePos</a:t>
+            </a:r>
+            <a:r>
+              <a:rPr kumimoji="0" lang="en-US" altLang="en-US" sz="1100" b="0" i="0" u="none" strike="noStrike" cap="none" normalizeH="0" baseline="0" dirty="0">
+                <a:ln>
+                  <a:noFill/>
+                </a:ln>
+                <a:solidFill>
+                  <a:srgbClr val="000000"/>
+                </a:solidFill>
+                <a:effectLst/>
+                <a:latin typeface="Courier New" panose="02070309020205020404" pitchFamily="49" charset="0"/>
+                <a:cs typeface="Courier New" panose="02070309020205020404" pitchFamily="49" charset="0"/>
+              </a:rPr>
+              <a:t>])</a:t>
+            </a:r>
+            <a:br>
+              <a:rPr kumimoji="0" lang="en-US" altLang="en-US" sz="1100" b="0" i="0" u="none" strike="noStrike" cap="none" normalizeH="0" baseline="0" dirty="0">
+                <a:ln>
+                  <a:noFill/>
+                </a:ln>
+                <a:solidFill>
+                  <a:srgbClr val="000000"/>
+                </a:solidFill>
+                <a:effectLst/>
+                <a:latin typeface="Courier New" panose="02070309020205020404" pitchFamily="49" charset="0"/>
+                <a:cs typeface="Courier New" panose="02070309020205020404" pitchFamily="49" charset="0"/>
+              </a:rPr>
+            </a:br>
+            <a:r>
+              <a:rPr kumimoji="0" lang="en-US" altLang="en-US" sz="1100" b="0" i="0" u="none" strike="noStrike" cap="none" normalizeH="0" baseline="0" dirty="0">
+                <a:ln>
+                  <a:noFill/>
+                </a:ln>
+                <a:solidFill>
+                  <a:srgbClr val="000000"/>
+                </a:solidFill>
+                <a:effectLst/>
+                <a:latin typeface="Courier New" panose="02070309020205020404" pitchFamily="49" charset="0"/>
+                <a:cs typeface="Courier New" panose="02070309020205020404" pitchFamily="49" charset="0"/>
+              </a:rPr>
+              <a:t>            </a:t>
+            </a:r>
+            <a:r>
+              <a:rPr kumimoji="0" lang="en-US" altLang="en-US" sz="1100" b="0" i="0" u="none" strike="noStrike" cap="none" normalizeH="0" baseline="0" dirty="0" err="1">
+                <a:ln>
+                  <a:noFill/>
+                </a:ln>
+                <a:solidFill>
+                  <a:srgbClr val="000000"/>
+                </a:solidFill>
+                <a:effectLst/>
+                <a:latin typeface="Courier New" panose="02070309020205020404" pitchFamily="49" charset="0"/>
+                <a:cs typeface="Courier New" panose="02070309020205020404" pitchFamily="49" charset="0"/>
+              </a:rPr>
+              <a:t>red_cnt.append</a:t>
+            </a:r>
+            <a:r>
+              <a:rPr kumimoji="0" lang="en-US" altLang="en-US" sz="1100" b="0" i="0" u="none" strike="noStrike" cap="none" normalizeH="0" baseline="0" dirty="0">
+                <a:ln>
+                  <a:noFill/>
+                </a:ln>
+                <a:solidFill>
+                  <a:srgbClr val="000000"/>
+                </a:solidFill>
+                <a:effectLst/>
+                <a:latin typeface="Courier New" panose="02070309020205020404" pitchFamily="49" charset="0"/>
+                <a:cs typeface="Courier New" panose="02070309020205020404" pitchFamily="49" charset="0"/>
+              </a:rPr>
+              <a:t>(</a:t>
+            </a:r>
+            <a:r>
+              <a:rPr kumimoji="0" lang="en-US" altLang="en-US" sz="1100" b="0" i="0" u="none" strike="noStrike" cap="none" normalizeH="0" baseline="0" dirty="0" err="1">
+                <a:ln>
+                  <a:noFill/>
+                </a:ln>
+                <a:solidFill>
+                  <a:srgbClr val="000000"/>
+                </a:solidFill>
+                <a:effectLst/>
+                <a:latin typeface="Courier New" panose="02070309020205020404" pitchFamily="49" charset="0"/>
+                <a:cs typeface="Courier New" panose="02070309020205020404" pitchFamily="49" charset="0"/>
+              </a:rPr>
+              <a:t>aline</a:t>
+            </a:r>
+            <a:r>
+              <a:rPr kumimoji="0" lang="en-US" altLang="en-US" sz="1100" b="0" i="0" u="none" strike="noStrike" cap="none" normalizeH="0" baseline="0" dirty="0">
+                <a:ln>
+                  <a:noFill/>
+                </a:ln>
+                <a:solidFill>
+                  <a:srgbClr val="000000"/>
+                </a:solidFill>
+                <a:effectLst/>
+                <a:latin typeface="Courier New" panose="02070309020205020404" pitchFamily="49" charset="0"/>
+                <a:cs typeface="Courier New" panose="02070309020205020404" pitchFamily="49" charset="0"/>
+              </a:rPr>
+              <a:t>[</a:t>
+            </a:r>
+            <a:r>
+              <a:rPr kumimoji="0" lang="en-US" altLang="en-US" sz="1100" b="0" i="0" u="none" strike="noStrike" cap="none" normalizeH="0" baseline="0" dirty="0" err="1">
+                <a:ln>
+                  <a:noFill/>
+                </a:ln>
+                <a:solidFill>
+                  <a:srgbClr val="000000"/>
+                </a:solidFill>
+                <a:effectLst/>
+                <a:latin typeface="Courier New" panose="02070309020205020404" pitchFamily="49" charset="0"/>
+                <a:cs typeface="Courier New" panose="02070309020205020404" pitchFamily="49" charset="0"/>
+              </a:rPr>
+              <a:t>RepulicanPos</a:t>
+            </a:r>
+            <a:r>
+              <a:rPr kumimoji="0" lang="en-US" altLang="en-US" sz="1100" b="0" i="0" u="none" strike="noStrike" cap="none" normalizeH="0" baseline="0" dirty="0">
+                <a:ln>
+                  <a:noFill/>
+                </a:ln>
+                <a:solidFill>
+                  <a:srgbClr val="000000"/>
+                </a:solidFill>
+                <a:effectLst/>
+                <a:latin typeface="Courier New" panose="02070309020205020404" pitchFamily="49" charset="0"/>
+                <a:cs typeface="Courier New" panose="02070309020205020404" pitchFamily="49" charset="0"/>
+              </a:rPr>
+              <a:t>])</a:t>
+            </a:r>
+            <a:br>
+              <a:rPr kumimoji="0" lang="en-US" altLang="en-US" sz="1100" b="0" i="0" u="none" strike="noStrike" cap="none" normalizeH="0" baseline="0" dirty="0">
+                <a:ln>
+                  <a:noFill/>
+                </a:ln>
+                <a:solidFill>
+                  <a:srgbClr val="000000"/>
+                </a:solidFill>
+                <a:effectLst/>
+                <a:latin typeface="Courier New" panose="02070309020205020404" pitchFamily="49" charset="0"/>
+                <a:cs typeface="Courier New" panose="02070309020205020404" pitchFamily="49" charset="0"/>
+              </a:rPr>
+            </a:br>
+            <a:r>
+              <a:rPr kumimoji="0" lang="en-US" altLang="en-US" sz="1100" b="0" i="0" u="none" strike="noStrike" cap="none" normalizeH="0" baseline="0" dirty="0">
+                <a:ln>
+                  <a:noFill/>
+                </a:ln>
+                <a:solidFill>
+                  <a:srgbClr val="000000"/>
+                </a:solidFill>
+                <a:effectLst/>
+                <a:latin typeface="Courier New" panose="02070309020205020404" pitchFamily="49" charset="0"/>
+                <a:cs typeface="Courier New" panose="02070309020205020404" pitchFamily="49" charset="0"/>
+              </a:rPr>
+              <a:t>            </a:t>
+            </a:r>
+            <a:r>
+              <a:rPr kumimoji="0" lang="en-US" altLang="en-US" sz="1100" b="0" i="0" u="none" strike="noStrike" cap="none" normalizeH="0" baseline="0" dirty="0" err="1">
+                <a:ln>
+                  <a:noFill/>
+                </a:ln>
+                <a:solidFill>
+                  <a:srgbClr val="000000"/>
+                </a:solidFill>
+                <a:effectLst/>
+                <a:latin typeface="Courier New" panose="02070309020205020404" pitchFamily="49" charset="0"/>
+                <a:cs typeface="Courier New" panose="02070309020205020404" pitchFamily="49" charset="0"/>
+              </a:rPr>
+              <a:t>blue_cnt.append</a:t>
+            </a:r>
+            <a:r>
+              <a:rPr kumimoji="0" lang="en-US" altLang="en-US" sz="1100" b="0" i="0" u="none" strike="noStrike" cap="none" normalizeH="0" baseline="0" dirty="0">
+                <a:ln>
+                  <a:noFill/>
+                </a:ln>
+                <a:solidFill>
+                  <a:srgbClr val="000000"/>
+                </a:solidFill>
+                <a:effectLst/>
+                <a:latin typeface="Courier New" panose="02070309020205020404" pitchFamily="49" charset="0"/>
+                <a:cs typeface="Courier New" panose="02070309020205020404" pitchFamily="49" charset="0"/>
+              </a:rPr>
+              <a:t>(</a:t>
+            </a:r>
+            <a:r>
+              <a:rPr kumimoji="0" lang="en-US" altLang="en-US" sz="1100" b="0" i="0" u="none" strike="noStrike" cap="none" normalizeH="0" baseline="0" dirty="0" err="1">
+                <a:ln>
+                  <a:noFill/>
+                </a:ln>
+                <a:solidFill>
+                  <a:srgbClr val="000000"/>
+                </a:solidFill>
+                <a:effectLst/>
+                <a:latin typeface="Courier New" panose="02070309020205020404" pitchFamily="49" charset="0"/>
+                <a:cs typeface="Courier New" panose="02070309020205020404" pitchFamily="49" charset="0"/>
+              </a:rPr>
+              <a:t>aline</a:t>
+            </a:r>
+            <a:r>
+              <a:rPr kumimoji="0" lang="en-US" altLang="en-US" sz="1100" b="0" i="0" u="none" strike="noStrike" cap="none" normalizeH="0" baseline="0" dirty="0">
+                <a:ln>
+                  <a:noFill/>
+                </a:ln>
+                <a:solidFill>
+                  <a:srgbClr val="000000"/>
+                </a:solidFill>
+                <a:effectLst/>
+                <a:latin typeface="Courier New" panose="02070309020205020404" pitchFamily="49" charset="0"/>
+                <a:cs typeface="Courier New" panose="02070309020205020404" pitchFamily="49" charset="0"/>
+              </a:rPr>
+              <a:t>[</a:t>
+            </a:r>
+            <a:r>
+              <a:rPr kumimoji="0" lang="en-US" altLang="en-US" sz="1100" b="0" i="0" u="none" strike="noStrike" cap="none" normalizeH="0" baseline="0" dirty="0" err="1">
+                <a:ln>
+                  <a:noFill/>
+                </a:ln>
+                <a:solidFill>
+                  <a:srgbClr val="000000"/>
+                </a:solidFill>
+                <a:effectLst/>
+                <a:latin typeface="Courier New" panose="02070309020205020404" pitchFamily="49" charset="0"/>
+                <a:cs typeface="Courier New" panose="02070309020205020404" pitchFamily="49" charset="0"/>
+              </a:rPr>
+              <a:t>DemocratPos</a:t>
+            </a:r>
+            <a:r>
+              <a:rPr kumimoji="0" lang="en-US" altLang="en-US" sz="1100" b="0" i="0" u="none" strike="noStrike" cap="none" normalizeH="0" baseline="0" dirty="0">
+                <a:ln>
+                  <a:noFill/>
+                </a:ln>
+                <a:solidFill>
+                  <a:srgbClr val="000000"/>
+                </a:solidFill>
+                <a:effectLst/>
+                <a:latin typeface="Courier New" panose="02070309020205020404" pitchFamily="49" charset="0"/>
+                <a:cs typeface="Courier New" panose="02070309020205020404" pitchFamily="49" charset="0"/>
+              </a:rPr>
+              <a:t>])</a:t>
+            </a:r>
+            <a:br>
+              <a:rPr kumimoji="0" lang="en-US" altLang="en-US" sz="1100" b="0" i="0" u="none" strike="noStrike" cap="none" normalizeH="0" baseline="0" dirty="0">
+                <a:ln>
+                  <a:noFill/>
+                </a:ln>
+                <a:solidFill>
+                  <a:srgbClr val="000000"/>
+                </a:solidFill>
+                <a:effectLst/>
+                <a:latin typeface="Courier New" panose="02070309020205020404" pitchFamily="49" charset="0"/>
+                <a:cs typeface="Courier New" panose="02070309020205020404" pitchFamily="49" charset="0"/>
+              </a:rPr>
+            </a:br>
+            <a:r>
+              <a:rPr kumimoji="0" lang="en-US" altLang="en-US" sz="1100" b="0" i="0" u="none" strike="noStrike" cap="none" normalizeH="0" baseline="0" dirty="0">
+                <a:ln>
+                  <a:noFill/>
+                </a:ln>
+                <a:solidFill>
+                  <a:srgbClr val="000000"/>
+                </a:solidFill>
+                <a:effectLst/>
+                <a:latin typeface="Courier New" panose="02070309020205020404" pitchFamily="49" charset="0"/>
+                <a:cs typeface="Courier New" panose="02070309020205020404" pitchFamily="49" charset="0"/>
+              </a:rPr>
+              <a:t>            </a:t>
+            </a:r>
+            <a:r>
+              <a:rPr kumimoji="0" lang="en-US" altLang="en-US" sz="1100" b="0" i="0" u="none" strike="noStrike" cap="none" normalizeH="0" baseline="0" dirty="0" err="1">
+                <a:ln>
+                  <a:noFill/>
+                </a:ln>
+                <a:solidFill>
+                  <a:srgbClr val="000000"/>
+                </a:solidFill>
+                <a:effectLst/>
+                <a:latin typeface="Courier New" panose="02070309020205020404" pitchFamily="49" charset="0"/>
+                <a:cs typeface="Courier New" panose="02070309020205020404" pitchFamily="49" charset="0"/>
+              </a:rPr>
+              <a:t>green_cnt.append</a:t>
+            </a:r>
+            <a:r>
+              <a:rPr kumimoji="0" lang="en-US" altLang="en-US" sz="1100" b="0" i="0" u="none" strike="noStrike" cap="none" normalizeH="0" baseline="0" dirty="0">
+                <a:ln>
+                  <a:noFill/>
+                </a:ln>
+                <a:solidFill>
+                  <a:srgbClr val="000000"/>
+                </a:solidFill>
+                <a:effectLst/>
+                <a:latin typeface="Courier New" panose="02070309020205020404" pitchFamily="49" charset="0"/>
+                <a:cs typeface="Courier New" panose="02070309020205020404" pitchFamily="49" charset="0"/>
+              </a:rPr>
+              <a:t>(</a:t>
+            </a:r>
+            <a:r>
+              <a:rPr kumimoji="0" lang="en-US" altLang="en-US" sz="1100" b="0" i="0" u="none" strike="noStrike" cap="none" normalizeH="0" baseline="0" dirty="0" err="1">
+                <a:ln>
+                  <a:noFill/>
+                </a:ln>
+                <a:solidFill>
+                  <a:srgbClr val="000000"/>
+                </a:solidFill>
+                <a:effectLst/>
+                <a:latin typeface="Courier New" panose="02070309020205020404" pitchFamily="49" charset="0"/>
+                <a:cs typeface="Courier New" panose="02070309020205020404" pitchFamily="49" charset="0"/>
+              </a:rPr>
+              <a:t>aline</a:t>
+            </a:r>
+            <a:r>
+              <a:rPr kumimoji="0" lang="en-US" altLang="en-US" sz="1100" b="0" i="0" u="none" strike="noStrike" cap="none" normalizeH="0" baseline="0" dirty="0">
+                <a:ln>
+                  <a:noFill/>
+                </a:ln>
+                <a:solidFill>
+                  <a:srgbClr val="000000"/>
+                </a:solidFill>
+                <a:effectLst/>
+                <a:latin typeface="Courier New" panose="02070309020205020404" pitchFamily="49" charset="0"/>
+                <a:cs typeface="Courier New" panose="02070309020205020404" pitchFamily="49" charset="0"/>
+              </a:rPr>
+              <a:t>[</a:t>
+            </a:r>
+            <a:r>
+              <a:rPr kumimoji="0" lang="en-US" altLang="en-US" sz="1100" b="0" i="0" u="none" strike="noStrike" cap="none" normalizeH="0" baseline="0" dirty="0" err="1">
+                <a:ln>
+                  <a:noFill/>
+                </a:ln>
+                <a:solidFill>
+                  <a:srgbClr val="000000"/>
+                </a:solidFill>
+                <a:effectLst/>
+                <a:latin typeface="Courier New" panose="02070309020205020404" pitchFamily="49" charset="0"/>
+                <a:cs typeface="Courier New" panose="02070309020205020404" pitchFamily="49" charset="0"/>
+              </a:rPr>
+              <a:t>GreenPartyPos</a:t>
+            </a:r>
+            <a:r>
+              <a:rPr kumimoji="0" lang="en-US" altLang="en-US" sz="1100" b="0" i="0" u="none" strike="noStrike" cap="none" normalizeH="0" baseline="0" dirty="0">
+                <a:ln>
+                  <a:noFill/>
+                </a:ln>
+                <a:solidFill>
+                  <a:srgbClr val="000000"/>
+                </a:solidFill>
+                <a:effectLst/>
+                <a:latin typeface="Courier New" panose="02070309020205020404" pitchFamily="49" charset="0"/>
+                <a:cs typeface="Courier New" panose="02070309020205020404" pitchFamily="49" charset="0"/>
+              </a:rPr>
+              <a:t>])</a:t>
+            </a:r>
+            <a:br>
+              <a:rPr kumimoji="0" lang="en-US" altLang="en-US" sz="1100" b="0" i="0" u="none" strike="noStrike" cap="none" normalizeH="0" baseline="0" dirty="0">
+                <a:ln>
+                  <a:noFill/>
+                </a:ln>
+                <a:solidFill>
+                  <a:srgbClr val="000000"/>
+                </a:solidFill>
+                <a:effectLst/>
+                <a:latin typeface="Courier New" panose="02070309020205020404" pitchFamily="49" charset="0"/>
+                <a:cs typeface="Courier New" panose="02070309020205020404" pitchFamily="49" charset="0"/>
+              </a:rPr>
+            </a:br>
+            <a:br>
+              <a:rPr kumimoji="0" lang="en-US" altLang="en-US" sz="1100" b="0" i="0" u="none" strike="noStrike" cap="none" normalizeH="0" baseline="0" dirty="0">
+                <a:ln>
+                  <a:noFill/>
+                </a:ln>
+                <a:solidFill>
+                  <a:srgbClr val="000000"/>
+                </a:solidFill>
+                <a:effectLst/>
+                <a:latin typeface="Courier New" panose="02070309020205020404" pitchFamily="49" charset="0"/>
+                <a:cs typeface="Courier New" panose="02070309020205020404" pitchFamily="49" charset="0"/>
+              </a:rPr>
+            </a:br>
+            <a:r>
+              <a:rPr kumimoji="0" lang="en-US" altLang="en-US" sz="1100" b="0" i="0" u="none" strike="noStrike" cap="none" normalizeH="0" baseline="0" dirty="0">
+                <a:ln>
+                  <a:noFill/>
+                </a:ln>
+                <a:solidFill>
+                  <a:srgbClr val="000000"/>
+                </a:solidFill>
+                <a:effectLst/>
+                <a:latin typeface="Courier New" panose="02070309020205020404" pitchFamily="49" charset="0"/>
+                <a:cs typeface="Courier New" panose="02070309020205020404" pitchFamily="49" charset="0"/>
+              </a:rPr>
+              <a:t>        </a:t>
+            </a:r>
+            <a:r>
+              <a:rPr kumimoji="0" lang="en-US" altLang="en-US" sz="1100" b="0" i="0" u="none" strike="noStrike" cap="none" normalizeH="0" baseline="0" dirty="0" err="1">
+                <a:ln>
+                  <a:noFill/>
+                </a:ln>
+                <a:solidFill>
+                  <a:srgbClr val="000000"/>
+                </a:solidFill>
+                <a:effectLst/>
+                <a:latin typeface="Courier New" panose="02070309020205020404" pitchFamily="49" charset="0"/>
+                <a:cs typeface="Courier New" panose="02070309020205020404" pitchFamily="49" charset="0"/>
+              </a:rPr>
+              <a:t>lineCount</a:t>
+            </a:r>
+            <a:r>
+              <a:rPr kumimoji="0" lang="en-US" altLang="en-US" sz="1100" b="0" i="0" u="none" strike="noStrike" cap="none" normalizeH="0" baseline="0" dirty="0">
+                <a:ln>
+                  <a:noFill/>
+                </a:ln>
+                <a:solidFill>
+                  <a:srgbClr val="000000"/>
+                </a:solidFill>
+                <a:effectLst/>
+                <a:latin typeface="Courier New" panose="02070309020205020404" pitchFamily="49" charset="0"/>
+                <a:cs typeface="Courier New" panose="02070309020205020404" pitchFamily="49" charset="0"/>
+              </a:rPr>
+              <a:t> = </a:t>
+            </a:r>
+            <a:r>
+              <a:rPr kumimoji="0" lang="en-US" altLang="en-US" sz="1100" b="0" i="0" u="none" strike="noStrike" cap="none" normalizeH="0" baseline="0" dirty="0" err="1">
+                <a:ln>
+                  <a:noFill/>
+                </a:ln>
+                <a:solidFill>
+                  <a:srgbClr val="000000"/>
+                </a:solidFill>
+                <a:effectLst/>
+                <a:latin typeface="Courier New" panose="02070309020205020404" pitchFamily="49" charset="0"/>
+                <a:cs typeface="Courier New" panose="02070309020205020404" pitchFamily="49" charset="0"/>
+              </a:rPr>
+              <a:t>lineCount</a:t>
+            </a:r>
+            <a:r>
+              <a:rPr kumimoji="0" lang="en-US" altLang="en-US" sz="1100" b="0" i="0" u="none" strike="noStrike" cap="none" normalizeH="0" baseline="0" dirty="0">
+                <a:ln>
+                  <a:noFill/>
+                </a:ln>
+                <a:solidFill>
+                  <a:srgbClr val="000000"/>
+                </a:solidFill>
+                <a:effectLst/>
+                <a:latin typeface="Courier New" panose="02070309020205020404" pitchFamily="49" charset="0"/>
+                <a:cs typeface="Courier New" panose="02070309020205020404" pitchFamily="49" charset="0"/>
+              </a:rPr>
+              <a:t> + </a:t>
+            </a:r>
+            <a:r>
+              <a:rPr kumimoji="0" lang="en-US" altLang="en-US" sz="1100" b="0" i="0" u="none" strike="noStrike" cap="none" normalizeH="0" baseline="0" dirty="0">
+                <a:ln>
+                  <a:noFill/>
+                </a:ln>
+                <a:solidFill>
+                  <a:srgbClr val="0000FF"/>
+                </a:solidFill>
+                <a:effectLst/>
+                <a:latin typeface="Courier New" panose="02070309020205020404" pitchFamily="49" charset="0"/>
+                <a:cs typeface="Courier New" panose="02070309020205020404" pitchFamily="49" charset="0"/>
+              </a:rPr>
+              <a:t>1</a:t>
+            </a:r>
+            <a:br>
+              <a:rPr kumimoji="0" lang="en-US" altLang="en-US" sz="1100" b="0" i="0" u="none" strike="noStrike" cap="none" normalizeH="0" baseline="0" dirty="0">
+                <a:ln>
+                  <a:noFill/>
+                </a:ln>
+                <a:solidFill>
+                  <a:srgbClr val="0000FF"/>
+                </a:solidFill>
+                <a:effectLst/>
+                <a:latin typeface="Courier New" panose="02070309020205020404" pitchFamily="49" charset="0"/>
+                <a:cs typeface="Courier New" panose="02070309020205020404" pitchFamily="49" charset="0"/>
+              </a:rPr>
+            </a:br>
+            <a:br>
+              <a:rPr kumimoji="0" lang="en-US" altLang="en-US" sz="1100" b="0" i="0" u="none" strike="noStrike" cap="none" normalizeH="0" baseline="0" dirty="0">
+                <a:ln>
+                  <a:noFill/>
+                </a:ln>
+                <a:solidFill>
+                  <a:srgbClr val="0000FF"/>
+                </a:solidFill>
+                <a:effectLst/>
+                <a:latin typeface="Courier New" panose="02070309020205020404" pitchFamily="49" charset="0"/>
+                <a:cs typeface="Courier New" panose="02070309020205020404" pitchFamily="49" charset="0"/>
+              </a:rPr>
+            </a:br>
+            <a:br>
+              <a:rPr kumimoji="0" lang="en-US" altLang="en-US" sz="1100" b="0" i="0" u="none" strike="noStrike" cap="none" normalizeH="0" baseline="0" dirty="0">
+                <a:ln>
+                  <a:noFill/>
+                </a:ln>
+                <a:solidFill>
+                  <a:srgbClr val="000000"/>
+                </a:solidFill>
+                <a:effectLst/>
+                <a:latin typeface="Courier New" panose="02070309020205020404" pitchFamily="49" charset="0"/>
+                <a:cs typeface="Courier New" panose="02070309020205020404" pitchFamily="49" charset="0"/>
+              </a:rPr>
+            </a:br>
+            <a:r>
+              <a:rPr kumimoji="0" lang="en-US" altLang="en-US" sz="1100" b="0" i="0" u="none" strike="noStrike" cap="none" normalizeH="0" baseline="0" dirty="0">
+                <a:ln>
+                  <a:noFill/>
+                </a:ln>
+                <a:solidFill>
+                  <a:srgbClr val="000000"/>
+                </a:solidFill>
+                <a:effectLst/>
+                <a:latin typeface="Courier New" panose="02070309020205020404" pitchFamily="49" charset="0"/>
+                <a:cs typeface="Courier New" panose="02070309020205020404" pitchFamily="49" charset="0"/>
+              </a:rPr>
+              <a:t>    </a:t>
+            </a:r>
+            <a:r>
+              <a:rPr kumimoji="0" lang="en-US" altLang="en-US" sz="1100" b="0" i="0" u="none" strike="noStrike" cap="none" normalizeH="0" baseline="0" dirty="0" err="1">
+                <a:ln>
+                  <a:noFill/>
+                </a:ln>
+                <a:solidFill>
+                  <a:srgbClr val="000000"/>
+                </a:solidFill>
+                <a:effectLst/>
+                <a:latin typeface="Courier New" panose="02070309020205020404" pitchFamily="49" charset="0"/>
+                <a:cs typeface="Courier New" panose="02070309020205020404" pitchFamily="49" charset="0"/>
+              </a:rPr>
+              <a:t>AZGovDataFile.close</a:t>
+            </a:r>
+            <a:r>
+              <a:rPr kumimoji="0" lang="en-US" altLang="en-US" sz="1100" b="0" i="0" u="none" strike="noStrike" cap="none" normalizeH="0" baseline="0" dirty="0">
+                <a:ln>
+                  <a:noFill/>
+                </a:ln>
+                <a:solidFill>
+                  <a:srgbClr val="000000"/>
+                </a:solidFill>
+                <a:effectLst/>
+                <a:latin typeface="Courier New" panose="02070309020205020404" pitchFamily="49" charset="0"/>
+                <a:cs typeface="Courier New" panose="02070309020205020404" pitchFamily="49" charset="0"/>
+              </a:rPr>
+              <a:t>()</a:t>
+            </a:r>
+            <a:endParaRPr kumimoji="0" lang="en-US" altLang="en-US" sz="2800" b="0" i="0" u="none" strike="noStrike" cap="none" normalizeH="0" baseline="0" dirty="0">
+              <a:ln>
+                <a:noFill/>
+              </a:ln>
+              <a:solidFill>
+                <a:schemeClr val="tx1"/>
+              </a:solidFill>
+              <a:effectLst/>
+              <a:latin typeface="Arial" panose="020B0604020202020204" pitchFamily="34" charset="0"/>
+            </a:endParaRPr>
+          </a:p>
+        </p:txBody>
+      </p:sp>
+      <p:graphicFrame>
+        <p:nvGraphicFramePr>
+          <p:cNvPr id="6" name="Object 5">
+            <a:extLst>
+              <a:ext uri="{FF2B5EF4-FFF2-40B4-BE49-F238E27FC236}">
+                <a16:creationId xmlns:a16="http://schemas.microsoft.com/office/drawing/2014/main" id="{A20B9C81-BF25-4D16-A4C8-00DADDCD5E69}"/>
+              </a:ext>
+            </a:extLst>
+          </p:cNvPr>
+          <p:cNvGraphicFramePr>
+            <a:graphicFrameLocks noChangeAspect="1"/>
+          </p:cNvGraphicFramePr>
+          <p:nvPr>
+            <p:extLst>
+              <p:ext uri="{D42A27DB-BD31-4B8C-83A1-F6EECF244321}">
+                <p14:modId xmlns:p14="http://schemas.microsoft.com/office/powerpoint/2010/main" val="1145855939"/>
+              </p:ext>
+            </p:extLst>
+          </p:nvPr>
+        </p:nvGraphicFramePr>
+        <p:xfrm>
+          <a:off x="660256" y="3675784"/>
+          <a:ext cx="5191125" cy="3057525"/>
+        </p:xfrm>
+        <a:graphic>
+          <a:graphicData uri="http://schemas.openxmlformats.org/presentationml/2006/ole">
+            <mc:AlternateContent xmlns:mc="http://schemas.openxmlformats.org/markup-compatibility/2006">
+              <mc:Choice xmlns:v="urn:schemas-microsoft-com:vml" Requires="v">
+                <p:oleObj spid="_x0000_s1029" name="Worksheet" r:id="rId3" imgW="5191233" imgH="3057538" progId="Excel.Sheet.12">
+                  <p:embed/>
+                </p:oleObj>
+              </mc:Choice>
+              <mc:Fallback>
+                <p:oleObj name="Worksheet" r:id="rId3" imgW="5191233" imgH="3057538" progId="Excel.Sheet.12">
+                  <p:embed/>
+                  <p:pic>
+                    <p:nvPicPr>
+                      <p:cNvPr id="0" name=""/>
+                      <p:cNvPicPr/>
+                      <p:nvPr/>
+                    </p:nvPicPr>
+                    <p:blipFill>
+                      <a:blip r:embed="rId4"/>
+                      <a:stretch>
+                        <a:fillRect/>
+                      </a:stretch>
+                    </p:blipFill>
+                    <p:spPr>
+                      <a:xfrm>
+                        <a:off x="660256" y="3675784"/>
+                        <a:ext cx="5191125" cy="3057525"/>
+                      </a:xfrm>
+                      <a:prstGeom prst="rect">
+                        <a:avLst/>
+                      </a:prstGeom>
+                    </p:spPr>
+                  </p:pic>
+                </p:oleObj>
+              </mc:Fallback>
+            </mc:AlternateContent>
+          </a:graphicData>
+        </a:graphic>
+      </p:graphicFrame>
     </p:spTree>
     <p:extLst>
       <p:ext uri="{BB962C8B-B14F-4D97-AF65-F5344CB8AC3E}">
@@ -8147,21 +10070,46 @@
             <a:pPr lvl="1"/>
             <a:r>
               <a:rPr lang="en-US" dirty="0"/>
-              <a:t>How to install</a:t>
+              <a:t>Easy to Install</a:t>
             </a:r>
           </a:p>
           <a:p>
             <a:pPr lvl="1"/>
             <a:r>
               <a:rPr lang="en-US" dirty="0"/>
-              <a:t>Visuals we Used</a:t>
+              <a:t>It’s really a JavaScript library</a:t>
             </a:r>
           </a:p>
           <a:p>
             <a:pPr lvl="1"/>
             <a:r>
               <a:rPr lang="en-US" dirty="0"/>
-              <a:t>The Code</a:t>
+              <a:t>It takes JSON</a:t>
+            </a:r>
+          </a:p>
+          <a:p>
+            <a:pPr lvl="1"/>
+            <a:r>
+              <a:rPr lang="en-US" dirty="0"/>
+              <a:t>The JSON can be built using Python lists and dictionaries</a:t>
+            </a:r>
+          </a:p>
+          <a:p>
+            <a:pPr lvl="1"/>
+            <a:r>
+              <a:rPr lang="en-US" dirty="0"/>
+              <a:t>Some of the visualizations are hard. Others are easy.</a:t>
+            </a:r>
+          </a:p>
+          <a:p>
+            <a:pPr lvl="1"/>
+            <a:r>
+              <a:rPr lang="en-US" dirty="0" err="1"/>
+              <a:t>Jupyter</a:t>
+            </a:r>
+            <a:r>
+              <a:rPr lang="en-US" dirty="0"/>
+              <a:t>??</a:t>
             </a:r>
           </a:p>
         </p:txBody>
@@ -8232,7 +10180,187 @@
             </a:br>
             <a:r>
               <a:rPr lang="en-US" dirty="0"/>
-              <a:t>USA County Choropleth Map</a:t>
+              <a:t>Horizontal Bar Chart</a:t>
+            </a:r>
+            <a:br>
+              <a:rPr lang="en-US" dirty="0"/>
+            </a:br>
+            <a:endParaRPr lang="en-US" dirty="0"/>
+          </a:p>
+        </p:txBody>
+      </p:sp>
+      <p:pic>
+        <p:nvPicPr>
+          <p:cNvPr id="5" name="Picture 4">
+            <a:extLst>
+              <a:ext uri="{FF2B5EF4-FFF2-40B4-BE49-F238E27FC236}">
+                <a16:creationId xmlns:a16="http://schemas.microsoft.com/office/drawing/2014/main" id="{A9CBE7D8-B4F8-4A70-9FC9-958AE7B1E447}"/>
+              </a:ext>
+            </a:extLst>
+          </p:cNvPr>
+          <p:cNvPicPr>
+            <a:picLocks noChangeAspect="1"/>
+          </p:cNvPicPr>
+          <p:nvPr/>
+        </p:nvPicPr>
+        <p:blipFill>
+          <a:blip r:embed="rId2"/>
+          <a:stretch>
+            <a:fillRect/>
+          </a:stretch>
+        </p:blipFill>
+        <p:spPr>
+          <a:xfrm>
+            <a:off x="2309646" y="2184237"/>
+            <a:ext cx="8530633" cy="4066592"/>
+          </a:xfrm>
+          <a:prstGeom prst="rect">
+            <a:avLst/>
+          </a:prstGeom>
+        </p:spPr>
+      </p:pic>
+    </p:spTree>
+    <p:extLst>
+      <p:ext uri="{BB962C8B-B14F-4D97-AF65-F5344CB8AC3E}">
+        <p14:creationId xmlns:p14="http://schemas.microsoft.com/office/powerpoint/2010/main" val="606036557"/>
+      </p:ext>
+    </p:extLst>
+  </p:cSld>
+  <p:clrMapOvr>
+    <a:masterClrMapping/>
+  </p:clrMapOvr>
+</p:sld>
+</file>
+
+<file path=ppt/slides/slide7.xml><?xml version="1.0" encoding="utf-8"?>
+<p:sld xmlns:a="http://schemas.openxmlformats.org/drawingml/2006/main" xmlns:r="http://schemas.openxmlformats.org/officeDocument/2006/relationships" xmlns:p="http://schemas.openxmlformats.org/presentationml/2006/main">
+  <p:cSld>
+    <p:spTree>
+      <p:nvGrpSpPr>
+        <p:cNvPr id="1" name=""/>
+        <p:cNvGrpSpPr/>
+        <p:nvPr/>
+      </p:nvGrpSpPr>
+      <p:grpSpPr>
+        <a:xfrm>
+          <a:off x="0" y="0"/>
+          <a:ext cx="0" cy="0"/>
+          <a:chOff x="0" y="0"/>
+          <a:chExt cx="0" cy="0"/>
+        </a:xfrm>
+      </p:grpSpPr>
+      <p:sp>
+        <p:nvSpPr>
+          <p:cNvPr id="2" name="Title 1">
+            <a:extLst>
+              <a:ext uri="{FF2B5EF4-FFF2-40B4-BE49-F238E27FC236}">
+                <a16:creationId xmlns:a16="http://schemas.microsoft.com/office/drawing/2014/main" id="{B663AEC8-6646-48B2-A733-C5433CC6061D}"/>
+              </a:ext>
+            </a:extLst>
+          </p:cNvPr>
+          <p:cNvSpPr>
+            <a:spLocks noGrp="1"/>
+          </p:cNvSpPr>
+          <p:nvPr>
+            <p:ph type="title"/>
+          </p:nvPr>
+        </p:nvSpPr>
+        <p:spPr/>
+        <p:txBody>
+          <a:bodyPr>
+            <a:normAutofit fontScale="90000"/>
+          </a:bodyPr>
+          <a:lstStyle/>
+          <a:p>
+            <a:r>
+              <a:rPr lang="en-US" dirty="0"/>
+              <a:t>Using </a:t>
+            </a:r>
+            <a:r>
+              <a:rPr lang="en-US" dirty="0" err="1"/>
+              <a:t>Plotly</a:t>
+            </a:r>
+            <a:br>
+              <a:rPr lang="en-US" dirty="0"/>
+            </a:br>
+            <a:r>
+              <a:rPr lang="en-US" dirty="0"/>
+              <a:t>Arizona Election Data Horizontal Bar Chart</a:t>
+            </a:r>
+            <a:br>
+              <a:rPr lang="en-US" dirty="0"/>
+            </a:br>
+            <a:endParaRPr lang="en-US" dirty="0"/>
+          </a:p>
+        </p:txBody>
+      </p:sp>
+    </p:spTree>
+    <p:extLst>
+      <p:ext uri="{BB962C8B-B14F-4D97-AF65-F5344CB8AC3E}">
+        <p14:creationId xmlns:p14="http://schemas.microsoft.com/office/powerpoint/2010/main" val="3042691540"/>
+      </p:ext>
+    </p:extLst>
+  </p:cSld>
+  <p:clrMapOvr>
+    <a:masterClrMapping/>
+  </p:clrMapOvr>
+</p:sld>
+</file>
+
+<file path=ppt/slides/slide8.xml><?xml version="1.0" encoding="utf-8"?>
+<p:sld xmlns:a="http://schemas.openxmlformats.org/drawingml/2006/main" xmlns:r="http://schemas.openxmlformats.org/officeDocument/2006/relationships" xmlns:p="http://schemas.openxmlformats.org/presentationml/2006/main">
+  <p:cSld>
+    <p:spTree>
+      <p:nvGrpSpPr>
+        <p:cNvPr id="1" name=""/>
+        <p:cNvGrpSpPr/>
+        <p:nvPr/>
+      </p:nvGrpSpPr>
+      <p:grpSpPr>
+        <a:xfrm>
+          <a:off x="0" y="0"/>
+          <a:ext cx="0" cy="0"/>
+          <a:chOff x="0" y="0"/>
+          <a:chExt cx="0" cy="0"/>
+        </a:xfrm>
+      </p:grpSpPr>
+      <p:sp>
+        <p:nvSpPr>
+          <p:cNvPr id="2" name="Title 1">
+            <a:extLst>
+              <a:ext uri="{FF2B5EF4-FFF2-40B4-BE49-F238E27FC236}">
+                <a16:creationId xmlns:a16="http://schemas.microsoft.com/office/drawing/2014/main" id="{B663AEC8-6646-48B2-A733-C5433CC6061D}"/>
+              </a:ext>
+            </a:extLst>
+          </p:cNvPr>
+          <p:cNvSpPr>
+            <a:spLocks noGrp="1"/>
+          </p:cNvSpPr>
+          <p:nvPr>
+            <p:ph type="title"/>
+          </p:nvPr>
+        </p:nvSpPr>
+        <p:spPr/>
+        <p:txBody>
+          <a:bodyPr>
+            <a:normAutofit fontScale="90000"/>
+          </a:bodyPr>
+          <a:lstStyle/>
+          <a:p>
+            <a:r>
+              <a:rPr lang="en-US" dirty="0"/>
+              <a:t>Using </a:t>
+            </a:r>
+            <a:r>
+              <a:rPr lang="en-US" dirty="0" err="1"/>
+              <a:t>Plotly</a:t>
+            </a:r>
+            <a:br>
+              <a:rPr lang="en-US" dirty="0"/>
+            </a:br>
+            <a:r>
+              <a:rPr lang="en-US" dirty="0"/>
+              <a:t>Horizontal Bar Chart</a:t>
             </a:r>
             <a:br>
               <a:rPr lang="en-US" dirty="0"/>
@@ -8260,7 +10388,7 @@
         <p:spPr/>
         <p:txBody>
           <a:bodyPr>
-            <a:normAutofit fontScale="92500" lnSpcReduction="10000"/>
+            <a:normAutofit/>
           </a:bodyPr>
           <a:lstStyle/>
           <a:p>
@@ -8268,80 +10396,46 @@
               <a:rPr lang="en-US" dirty="0">
                 <a:hlinkClick r:id="rId2"/>
               </a:rPr>
-              <a:t>https://plot.ly/python/county-choropleth/</a:t>
-            </a:r>
+              <a:t>https://plot.ly/python/horizontal-bar-charts/</a:t>
+            </a:r>
+            <a:endParaRPr lang="en-US" dirty="0"/>
+          </a:p>
+          <a:p>
             <a:r>
               <a:rPr lang="en-US" dirty="0"/>
-              <a:t> </a:t>
+              <a:t>Learned how to use lists</a:t>
             </a:r>
           </a:p>
           <a:p>
             <a:r>
               <a:rPr lang="en-US" dirty="0"/>
-              <a:t>Every US state and county has an assigned ID regulated by the US Federal Government under the term</a:t>
-            </a:r>
-            <a:r>
-              <a:rPr lang="en-US" b="1" dirty="0">
-                <a:solidFill>
-                  <a:schemeClr val="accent6"/>
-                </a:solidFill>
-              </a:rPr>
-              <a:t> FIPS (Federal Information Processing Standards)</a:t>
+              <a:t>Learned how to use dictionaries</a:t>
+            </a:r>
+          </a:p>
+          <a:p>
+            <a:r>
+              <a:rPr lang="en-US" dirty="0" err="1"/>
+              <a:t>Plotly</a:t>
             </a:r>
             <a:r>
               <a:rPr lang="en-US" dirty="0"/>
-              <a:t> codes. There are state codes and county codes: the 2016 state and county FIPS codes can be found at the </a:t>
-            </a:r>
-            <a:r>
-              <a:rPr lang="en-US" dirty="0">
-                <a:hlinkClick r:id="rId3"/>
-              </a:rPr>
-              <a:t>US Census Website</a:t>
+              <a:t> is powerful but you need </a:t>
+            </a:r>
+            <a:r>
+              <a:rPr lang="en-US" dirty="0" err="1"/>
+              <a:t>ot</a:t>
             </a:r>
             <a:r>
               <a:rPr lang="en-US" dirty="0"/>
-              <a:t>.</a:t>
-            </a:r>
-          </a:p>
-          <a:p>
+              <a:t> know </a:t>
+            </a:r>
+            <a:r>
+              <a:rPr lang="en-US"/>
+              <a:t>some basic </a:t>
+            </a:r>
             <a:r>
               <a:rPr lang="en-US" dirty="0"/>
-              <a:t>How to install</a:t>
-            </a:r>
-          </a:p>
-          <a:p>
-            <a:pPr lvl="1"/>
-            <a:r>
-              <a:rPr lang="en-US" dirty="0"/>
-              <a:t>Visuals we Used</a:t>
-            </a:r>
-          </a:p>
-          <a:p>
-            <a:pPr lvl="1"/>
-            <a:r>
-              <a:rPr lang="en-US" dirty="0"/>
-              <a:t>The Code</a:t>
-            </a:r>
-          </a:p>
-          <a:p>
-            <a:pPr lvl="1"/>
-            <a:endParaRPr lang="en-US" dirty="0"/>
-          </a:p>
-          <a:p>
-            <a:pPr lvl="1"/>
-            <a:r>
-              <a:rPr lang="en-US" dirty="0">
-                <a:hlinkClick r:id="rId4"/>
-              </a:rPr>
-              <a:t>https://plot.ly/python/mapbox-county-choropleth/</a:t>
-            </a:r>
-            <a:endParaRPr lang="en-US" dirty="0"/>
-          </a:p>
-          <a:p>
-            <a:pPr lvl="1"/>
-            <a:r>
-              <a:rPr lang="en-US" dirty="0"/>
-              <a:t>pk.eyJ1IjoibWFydDQ1NDYiLCJhIjoiY2pvbHk1bXpiMDFlczN3bzV0bXpweTZneSJ9.WyH1w1jRnd5oSs8Ty3FX_g</a:t>
+              <a:t>UI technologies</a:t>
             </a:r>
           </a:p>
         </p:txBody>

--- a/Election Data Study.pptx
+++ b/Election Data Study.pptx
@@ -4,15 +4,21 @@
   <p:sldMasterIdLst>
     <p:sldMasterId id="2147483648" r:id="rId1"/>
   </p:sldMasterIdLst>
+  <p:notesMasterIdLst>
+    <p:notesMasterId r:id="rId13"/>
+  </p:notesMasterIdLst>
   <p:sldIdLst>
     <p:sldId id="256" r:id="rId2"/>
     <p:sldId id="257" r:id="rId3"/>
-    <p:sldId id="258" r:id="rId4"/>
-    <p:sldId id="259" r:id="rId5"/>
-    <p:sldId id="260" r:id="rId6"/>
-    <p:sldId id="262" r:id="rId7"/>
-    <p:sldId id="263" r:id="rId8"/>
-    <p:sldId id="261" r:id="rId9"/>
+    <p:sldId id="269" r:id="rId4"/>
+    <p:sldId id="270" r:id="rId5"/>
+    <p:sldId id="259" r:id="rId6"/>
+    <p:sldId id="260" r:id="rId7"/>
+    <p:sldId id="262" r:id="rId8"/>
+    <p:sldId id="265" r:id="rId9"/>
+    <p:sldId id="268" r:id="rId10"/>
+    <p:sldId id="261" r:id="rId11"/>
+    <p:sldId id="267" r:id="rId12"/>
   </p:sldIdLst>
   <p:sldSz cx="12192000" cy="6858000"/>
   <p:notesSz cx="6858000" cy="9144000"/>
@@ -123,6 +129,782 @@
 <p1510:revInfo xmlns:a="http://schemas.openxmlformats.org/drawingml/2006/main" xmlns:r="http://schemas.openxmlformats.org/officeDocument/2006/relationships" xmlns:p1510="http://schemas.microsoft.com/office/powerpoint/2015/10/main"/>
 </file>
 
+<file path=ppt/changesInfos/changesInfo1.xml><?xml version="1.0" encoding="utf-8"?>
+<pc:chgInfo xmlns:a="http://schemas.openxmlformats.org/drawingml/2006/main" xmlns:r="http://schemas.openxmlformats.org/officeDocument/2006/relationships" xmlns:ac="http://schemas.microsoft.com/office/drawing/2013/main/command" xmlns:pc="http://schemas.microsoft.com/office/powerpoint/2013/main/command">
+  <pc:docChgLst>
+    <pc:chgData name="Friedman, Ellen C." userId="95cf2700-1fbc-4f1a-b1a7-c8732ca6f58e" providerId="ADAL" clId="{C413AAC9-79BE-47B5-A0D2-3E9CD14F0E4D}"/>
+    <pc:docChg chg="undo custSel addSld modSld">
+      <pc:chgData name="Friedman, Ellen C." userId="95cf2700-1fbc-4f1a-b1a7-c8732ca6f58e" providerId="ADAL" clId="{C413AAC9-79BE-47B5-A0D2-3E9CD14F0E4D}" dt="2018-11-29T00:02:55.290" v="233" actId="255"/>
+      <pc:docMkLst>
+        <pc:docMk/>
+      </pc:docMkLst>
+      <pc:sldChg chg="addSp delSp modSp">
+        <pc:chgData name="Friedman, Ellen C." userId="95cf2700-1fbc-4f1a-b1a7-c8732ca6f58e" providerId="ADAL" clId="{C413AAC9-79BE-47B5-A0D2-3E9CD14F0E4D}" dt="2018-11-29T00:01:30.015" v="203" actId="20577"/>
+        <pc:sldMkLst>
+          <pc:docMk/>
+          <pc:sldMk cId="1744850629" sldId="261"/>
+        </pc:sldMkLst>
+        <pc:spChg chg="mod">
+          <ac:chgData name="Friedman, Ellen C." userId="95cf2700-1fbc-4f1a-b1a7-c8732ca6f58e" providerId="ADAL" clId="{C413AAC9-79BE-47B5-A0D2-3E9CD14F0E4D}" dt="2018-11-29T00:01:30.015" v="203" actId="20577"/>
+          <ac:spMkLst>
+            <pc:docMk/>
+            <pc:sldMk cId="1744850629" sldId="261"/>
+            <ac:spMk id="2" creationId="{B663AEC8-6646-48B2-A733-C5433CC6061D}"/>
+          </ac:spMkLst>
+        </pc:spChg>
+        <pc:spChg chg="del">
+          <ac:chgData name="Friedman, Ellen C." userId="95cf2700-1fbc-4f1a-b1a7-c8732ca6f58e" providerId="ADAL" clId="{C413AAC9-79BE-47B5-A0D2-3E9CD14F0E4D}" dt="2018-11-29T00:00:58.129" v="198"/>
+          <ac:spMkLst>
+            <pc:docMk/>
+            <pc:sldMk cId="1744850629" sldId="261"/>
+            <ac:spMk id="3" creationId="{6207D7D2-FD51-4A48-9F71-E86B357BFD98}"/>
+          </ac:spMkLst>
+        </pc:spChg>
+        <pc:picChg chg="add mod">
+          <ac:chgData name="Friedman, Ellen C." userId="95cf2700-1fbc-4f1a-b1a7-c8732ca6f58e" providerId="ADAL" clId="{C413AAC9-79BE-47B5-A0D2-3E9CD14F0E4D}" dt="2018-11-29T00:00:58.129" v="198"/>
+          <ac:picMkLst>
+            <pc:docMk/>
+            <pc:sldMk cId="1744850629" sldId="261"/>
+            <ac:picMk id="5" creationId="{0166F849-9DC0-4D2C-AEC6-1AA83461DD97}"/>
+          </ac:picMkLst>
+        </pc:picChg>
+      </pc:sldChg>
+      <pc:sldChg chg="addSp delSp modSp">
+        <pc:chgData name="Friedman, Ellen C." userId="95cf2700-1fbc-4f1a-b1a7-c8732ca6f58e" providerId="ADAL" clId="{C413AAC9-79BE-47B5-A0D2-3E9CD14F0E4D}" dt="2018-11-28T23:59:42.084" v="196" actId="14100"/>
+        <pc:sldMkLst>
+          <pc:docMk/>
+          <pc:sldMk cId="3475812986" sldId="265"/>
+        </pc:sldMkLst>
+        <pc:spChg chg="mod">
+          <ac:chgData name="Friedman, Ellen C." userId="95cf2700-1fbc-4f1a-b1a7-c8732ca6f58e" providerId="ADAL" clId="{C413AAC9-79BE-47B5-A0D2-3E9CD14F0E4D}" dt="2018-11-28T23:59:42.084" v="196" actId="14100"/>
+          <ac:spMkLst>
+            <pc:docMk/>
+            <pc:sldMk cId="3475812986" sldId="265"/>
+            <ac:spMk id="3" creationId="{2EBBC175-F330-42D7-B627-F9B36D30B597}"/>
+          </ac:spMkLst>
+        </pc:spChg>
+        <pc:spChg chg="add del">
+          <ac:chgData name="Friedman, Ellen C." userId="95cf2700-1fbc-4f1a-b1a7-c8732ca6f58e" providerId="ADAL" clId="{C413AAC9-79BE-47B5-A0D2-3E9CD14F0E4D}" dt="2018-11-28T23:48:49.306" v="5"/>
+          <ac:spMkLst>
+            <pc:docMk/>
+            <pc:sldMk cId="3475812986" sldId="265"/>
+            <ac:spMk id="4" creationId="{D1E5E425-C2AD-4AEF-BBF6-F581E012CD67}"/>
+          </ac:spMkLst>
+        </pc:spChg>
+        <pc:spChg chg="mod">
+          <ac:chgData name="Friedman, Ellen C." userId="95cf2700-1fbc-4f1a-b1a7-c8732ca6f58e" providerId="ADAL" clId="{C413AAC9-79BE-47B5-A0D2-3E9CD14F0E4D}" dt="2018-11-28T23:56:04.425" v="152"/>
+          <ac:spMkLst>
+            <pc:docMk/>
+            <pc:sldMk cId="3475812986" sldId="265"/>
+            <ac:spMk id="5" creationId="{E9BE27AA-AB4F-4549-88DA-5334DBB5DBD5}"/>
+          </ac:spMkLst>
+        </pc:spChg>
+        <pc:spChg chg="add del">
+          <ac:chgData name="Friedman, Ellen C." userId="95cf2700-1fbc-4f1a-b1a7-c8732ca6f58e" providerId="ADAL" clId="{C413AAC9-79BE-47B5-A0D2-3E9CD14F0E4D}" dt="2018-11-28T23:48:47.106" v="3"/>
+          <ac:spMkLst>
+            <pc:docMk/>
+            <pc:sldMk cId="3475812986" sldId="265"/>
+            <ac:spMk id="7" creationId="{E05B5456-509B-47E1-86D5-8921E0CDCB6B}"/>
+          </ac:spMkLst>
+        </pc:spChg>
+        <pc:spChg chg="add del">
+          <ac:chgData name="Friedman, Ellen C." userId="95cf2700-1fbc-4f1a-b1a7-c8732ca6f58e" providerId="ADAL" clId="{C413AAC9-79BE-47B5-A0D2-3E9CD14F0E4D}" dt="2018-11-28T23:49:09.680" v="8"/>
+          <ac:spMkLst>
+            <pc:docMk/>
+            <pc:sldMk cId="3475812986" sldId="265"/>
+            <ac:spMk id="8" creationId="{A3465819-EC39-43CE-AB31-3F6D45D6B92B}"/>
+          </ac:spMkLst>
+        </pc:spChg>
+        <pc:spChg chg="add del">
+          <ac:chgData name="Friedman, Ellen C." userId="95cf2700-1fbc-4f1a-b1a7-c8732ca6f58e" providerId="ADAL" clId="{C413AAC9-79BE-47B5-A0D2-3E9CD14F0E4D}" dt="2018-11-28T23:49:33.778" v="10"/>
+          <ac:spMkLst>
+            <pc:docMk/>
+            <pc:sldMk cId="3475812986" sldId="265"/>
+            <ac:spMk id="9" creationId="{F00C0399-C845-4052-B957-432D106FCF51}"/>
+          </ac:spMkLst>
+        </pc:spChg>
+        <pc:spChg chg="add del">
+          <ac:chgData name="Friedman, Ellen C." userId="95cf2700-1fbc-4f1a-b1a7-c8732ca6f58e" providerId="ADAL" clId="{C413AAC9-79BE-47B5-A0D2-3E9CD14F0E4D}" dt="2018-11-28T23:50:37.408" v="17"/>
+          <ac:spMkLst>
+            <pc:docMk/>
+            <pc:sldMk cId="3475812986" sldId="265"/>
+            <ac:spMk id="10" creationId="{3931E182-4F41-4D43-A82F-86BA8B12BD9C}"/>
+          </ac:spMkLst>
+        </pc:spChg>
+        <pc:spChg chg="add del">
+          <ac:chgData name="Friedman, Ellen C." userId="95cf2700-1fbc-4f1a-b1a7-c8732ca6f58e" providerId="ADAL" clId="{C413AAC9-79BE-47B5-A0D2-3E9CD14F0E4D}" dt="2018-11-28T23:52:44.171" v="142"/>
+          <ac:spMkLst>
+            <pc:docMk/>
+            <pc:sldMk cId="3475812986" sldId="265"/>
+            <ac:spMk id="11" creationId="{1593ED6D-E482-499B-8845-111BFDC4160A}"/>
+          </ac:spMkLst>
+        </pc:spChg>
+        <pc:spChg chg="add del">
+          <ac:chgData name="Friedman, Ellen C." userId="95cf2700-1fbc-4f1a-b1a7-c8732ca6f58e" providerId="ADAL" clId="{C413AAC9-79BE-47B5-A0D2-3E9CD14F0E4D}" dt="2018-11-28T23:53:30.562" v="144"/>
+          <ac:spMkLst>
+            <pc:docMk/>
+            <pc:sldMk cId="3475812986" sldId="265"/>
+            <ac:spMk id="12" creationId="{96769DDC-C7EF-4A84-B32A-C2523AF2E4BC}"/>
+          </ac:spMkLst>
+        </pc:spChg>
+        <pc:spChg chg="add mod">
+          <ac:chgData name="Friedman, Ellen C." userId="95cf2700-1fbc-4f1a-b1a7-c8732ca6f58e" providerId="ADAL" clId="{C413AAC9-79BE-47B5-A0D2-3E9CD14F0E4D}" dt="2018-11-28T23:58:34.757" v="159" actId="1582"/>
+          <ac:spMkLst>
+            <pc:docMk/>
+            <pc:sldMk cId="3475812986" sldId="265"/>
+            <ac:spMk id="14" creationId="{557F370E-B726-4C95-AA0A-DE81D14837A5}"/>
+          </ac:spMkLst>
+        </pc:spChg>
+        <pc:graphicFrameChg chg="del">
+          <ac:chgData name="Friedman, Ellen C." userId="95cf2700-1fbc-4f1a-b1a7-c8732ca6f58e" providerId="ADAL" clId="{C413AAC9-79BE-47B5-A0D2-3E9CD14F0E4D}" dt="2018-11-28T23:52:28.899" v="140" actId="478"/>
+          <ac:graphicFrameMkLst>
+            <pc:docMk/>
+            <pc:sldMk cId="3475812986" sldId="265"/>
+            <ac:graphicFrameMk id="6" creationId="{A20B9C81-BF25-4D16-A4C8-00DADDCD5E69}"/>
+          </ac:graphicFrameMkLst>
+        </pc:graphicFrameChg>
+        <pc:graphicFrameChg chg="del mod">
+          <ac:chgData name="Friedman, Ellen C." userId="95cf2700-1fbc-4f1a-b1a7-c8732ca6f58e" providerId="ADAL" clId="{C413AAC9-79BE-47B5-A0D2-3E9CD14F0E4D}" dt="2018-11-28T23:57:28.472" v="154" actId="3680"/>
+          <ac:graphicFrameMkLst>
+            <pc:docMk/>
+            <pc:sldMk cId="3475812986" sldId="265"/>
+            <ac:graphicFrameMk id="13" creationId="{C6F71170-807D-4D2B-A7EA-5B7FBC4E39B7}"/>
+          </ac:graphicFrameMkLst>
+        </pc:graphicFrameChg>
+      </pc:sldChg>
+      <pc:sldChg chg="addSp delSp modSp add">
+        <pc:chgData name="Friedman, Ellen C." userId="95cf2700-1fbc-4f1a-b1a7-c8732ca6f58e" providerId="ADAL" clId="{C413AAC9-79BE-47B5-A0D2-3E9CD14F0E4D}" dt="2018-11-29T00:02:55.290" v="233" actId="255"/>
+        <pc:sldMkLst>
+          <pc:docMk/>
+          <pc:sldMk cId="3737374806" sldId="267"/>
+        </pc:sldMkLst>
+        <pc:spChg chg="mod">
+          <ac:chgData name="Friedman, Ellen C." userId="95cf2700-1fbc-4f1a-b1a7-c8732ca6f58e" providerId="ADAL" clId="{C413AAC9-79BE-47B5-A0D2-3E9CD14F0E4D}" dt="2018-11-29T00:02:55.290" v="233" actId="255"/>
+          <ac:spMkLst>
+            <pc:docMk/>
+            <pc:sldMk cId="3737374806" sldId="267"/>
+            <ac:spMk id="2" creationId="{A8AA9A22-C43C-4F6B-ADBE-71964937F366}"/>
+          </ac:spMkLst>
+        </pc:spChg>
+        <pc:spChg chg="del">
+          <ac:chgData name="Friedman, Ellen C." userId="95cf2700-1fbc-4f1a-b1a7-c8732ca6f58e" providerId="ADAL" clId="{C413AAC9-79BE-47B5-A0D2-3E9CD14F0E4D}" dt="2018-11-29T00:02:11.944" v="232"/>
+          <ac:spMkLst>
+            <pc:docMk/>
+            <pc:sldMk cId="3737374806" sldId="267"/>
+            <ac:spMk id="3" creationId="{ACA595B4-5D70-47A7-A8A5-2096A6E5C261}"/>
+          </ac:spMkLst>
+        </pc:spChg>
+        <pc:picChg chg="add mod">
+          <ac:chgData name="Friedman, Ellen C." userId="95cf2700-1fbc-4f1a-b1a7-c8732ca6f58e" providerId="ADAL" clId="{C413AAC9-79BE-47B5-A0D2-3E9CD14F0E4D}" dt="2018-11-29T00:02:11.944" v="232"/>
+          <ac:picMkLst>
+            <pc:docMk/>
+            <pc:sldMk cId="3737374806" sldId="267"/>
+            <ac:picMk id="5" creationId="{B8A20776-E1BA-4E88-93B2-1E1962DA44B2}"/>
+          </ac:picMkLst>
+        </pc:picChg>
+      </pc:sldChg>
+    </pc:docChg>
+  </pc:docChgLst>
+</pc:chgInfo>
+</file>
+
+<file path=ppt/notesMasters/notesMaster1.xml><?xml version="1.0" encoding="utf-8"?>
+<p:notesMaster xmlns:a="http://schemas.openxmlformats.org/drawingml/2006/main" xmlns:r="http://schemas.openxmlformats.org/officeDocument/2006/relationships" xmlns:p="http://schemas.openxmlformats.org/presentationml/2006/main">
+  <p:cSld>
+    <p:bg>
+      <p:bgRef idx="1001">
+        <a:schemeClr val="bg1"/>
+      </p:bgRef>
+    </p:bg>
+    <p:spTree>
+      <p:nvGrpSpPr>
+        <p:cNvPr id="1" name=""/>
+        <p:cNvGrpSpPr/>
+        <p:nvPr/>
+      </p:nvGrpSpPr>
+      <p:grpSpPr>
+        <a:xfrm>
+          <a:off x="0" y="0"/>
+          <a:ext cx="0" cy="0"/>
+          <a:chOff x="0" y="0"/>
+          <a:chExt cx="0" cy="0"/>
+        </a:xfrm>
+      </p:grpSpPr>
+      <p:sp>
+        <p:nvSpPr>
+          <p:cNvPr id="2" name="Header Placeholder 1"/>
+          <p:cNvSpPr>
+            <a:spLocks noGrp="1"/>
+          </p:cNvSpPr>
+          <p:nvPr>
+            <p:ph type="hdr" sz="quarter"/>
+          </p:nvPr>
+        </p:nvSpPr>
+        <p:spPr>
+          <a:xfrm>
+            <a:off x="0" y="0"/>
+            <a:ext cx="2971800" cy="458788"/>
+          </a:xfrm>
+          <a:prstGeom prst="rect">
+            <a:avLst/>
+          </a:prstGeom>
+        </p:spPr>
+        <p:txBody>
+          <a:bodyPr vert="horz" lIns="91440" tIns="45720" rIns="91440" bIns="45720" rtlCol="0"/>
+          <a:lstStyle>
+            <a:lvl1pPr algn="l">
+              <a:defRPr sz="1200"/>
+            </a:lvl1pPr>
+          </a:lstStyle>
+          <a:p>
+            <a:endParaRPr lang="en-US"/>
+          </a:p>
+        </p:txBody>
+      </p:sp>
+      <p:sp>
+        <p:nvSpPr>
+          <p:cNvPr id="3" name="Date Placeholder 2"/>
+          <p:cNvSpPr>
+            <a:spLocks noGrp="1"/>
+          </p:cNvSpPr>
+          <p:nvPr>
+            <p:ph type="dt" idx="1"/>
+          </p:nvPr>
+        </p:nvSpPr>
+        <p:spPr>
+          <a:xfrm>
+            <a:off x="3884613" y="0"/>
+            <a:ext cx="2971800" cy="458788"/>
+          </a:xfrm>
+          <a:prstGeom prst="rect">
+            <a:avLst/>
+          </a:prstGeom>
+        </p:spPr>
+        <p:txBody>
+          <a:bodyPr vert="horz" lIns="91440" tIns="45720" rIns="91440" bIns="45720" rtlCol="0"/>
+          <a:lstStyle>
+            <a:lvl1pPr algn="r">
+              <a:defRPr sz="1200"/>
+            </a:lvl1pPr>
+          </a:lstStyle>
+          <a:p>
+            <a:fld id="{0F71EEA0-B7A1-4F0C-ADB3-C0B710EA81CA}" type="datetimeFigureOut">
+              <a:rPr lang="en-US" smtClean="0"/>
+              <a:t>11/29/2018</a:t>
+            </a:fld>
+            <a:endParaRPr lang="en-US"/>
+          </a:p>
+        </p:txBody>
+      </p:sp>
+      <p:sp>
+        <p:nvSpPr>
+          <p:cNvPr id="4" name="Slide Image Placeholder 3"/>
+          <p:cNvSpPr>
+            <a:spLocks noGrp="1" noRot="1" noChangeAspect="1"/>
+          </p:cNvSpPr>
+          <p:nvPr>
+            <p:ph type="sldImg" idx="2"/>
+          </p:nvPr>
+        </p:nvSpPr>
+        <p:spPr>
+          <a:xfrm>
+            <a:off x="685800" y="1143000"/>
+            <a:ext cx="5486400" cy="3086100"/>
+          </a:xfrm>
+          <a:prstGeom prst="rect">
+            <a:avLst/>
+          </a:prstGeom>
+          <a:noFill/>
+          <a:ln w="12700">
+            <a:solidFill>
+              <a:prstClr val="black"/>
+            </a:solidFill>
+          </a:ln>
+        </p:spPr>
+        <p:txBody>
+          <a:bodyPr vert="horz" lIns="91440" tIns="45720" rIns="91440" bIns="45720" rtlCol="0" anchor="ctr"/>
+          <a:lstStyle/>
+          <a:p>
+            <a:endParaRPr lang="en-US"/>
+          </a:p>
+        </p:txBody>
+      </p:sp>
+      <p:sp>
+        <p:nvSpPr>
+          <p:cNvPr id="5" name="Notes Placeholder 4"/>
+          <p:cNvSpPr>
+            <a:spLocks noGrp="1"/>
+          </p:cNvSpPr>
+          <p:nvPr>
+            <p:ph type="body" sz="quarter" idx="3"/>
+          </p:nvPr>
+        </p:nvSpPr>
+        <p:spPr>
+          <a:xfrm>
+            <a:off x="685800" y="4400550"/>
+            <a:ext cx="5486400" cy="3600450"/>
+          </a:xfrm>
+          <a:prstGeom prst="rect">
+            <a:avLst/>
+          </a:prstGeom>
+        </p:spPr>
+        <p:txBody>
+          <a:bodyPr vert="horz" lIns="91440" tIns="45720" rIns="91440" bIns="45720" rtlCol="0"/>
+          <a:lstStyle/>
+          <a:p>
+            <a:pPr lvl="0"/>
+            <a:r>
+              <a:rPr lang="en-US"/>
+              <a:t>Edit Master text styles</a:t>
+            </a:r>
+          </a:p>
+          <a:p>
+            <a:pPr lvl="1"/>
+            <a:r>
+              <a:rPr lang="en-US"/>
+              <a:t>Second level</a:t>
+            </a:r>
+          </a:p>
+          <a:p>
+            <a:pPr lvl="2"/>
+            <a:r>
+              <a:rPr lang="en-US"/>
+              <a:t>Third level</a:t>
+            </a:r>
+          </a:p>
+          <a:p>
+            <a:pPr lvl="3"/>
+            <a:r>
+              <a:rPr lang="en-US"/>
+              <a:t>Fourth level</a:t>
+            </a:r>
+          </a:p>
+          <a:p>
+            <a:pPr lvl="4"/>
+            <a:r>
+              <a:rPr lang="en-US"/>
+              <a:t>Fifth level</a:t>
+            </a:r>
+          </a:p>
+        </p:txBody>
+      </p:sp>
+      <p:sp>
+        <p:nvSpPr>
+          <p:cNvPr id="6" name="Footer Placeholder 5"/>
+          <p:cNvSpPr>
+            <a:spLocks noGrp="1"/>
+          </p:cNvSpPr>
+          <p:nvPr>
+            <p:ph type="ftr" sz="quarter" idx="4"/>
+          </p:nvPr>
+        </p:nvSpPr>
+        <p:spPr>
+          <a:xfrm>
+            <a:off x="0" y="8685213"/>
+            <a:ext cx="2971800" cy="458787"/>
+          </a:xfrm>
+          <a:prstGeom prst="rect">
+            <a:avLst/>
+          </a:prstGeom>
+        </p:spPr>
+        <p:txBody>
+          <a:bodyPr vert="horz" lIns="91440" tIns="45720" rIns="91440" bIns="45720" rtlCol="0" anchor="b"/>
+          <a:lstStyle>
+            <a:lvl1pPr algn="l">
+              <a:defRPr sz="1200"/>
+            </a:lvl1pPr>
+          </a:lstStyle>
+          <a:p>
+            <a:endParaRPr lang="en-US"/>
+          </a:p>
+        </p:txBody>
+      </p:sp>
+      <p:sp>
+        <p:nvSpPr>
+          <p:cNvPr id="7" name="Slide Number Placeholder 6"/>
+          <p:cNvSpPr>
+            <a:spLocks noGrp="1"/>
+          </p:cNvSpPr>
+          <p:nvPr>
+            <p:ph type="sldNum" sz="quarter" idx="5"/>
+          </p:nvPr>
+        </p:nvSpPr>
+        <p:spPr>
+          <a:xfrm>
+            <a:off x="3884613" y="8685213"/>
+            <a:ext cx="2971800" cy="458787"/>
+          </a:xfrm>
+          <a:prstGeom prst="rect">
+            <a:avLst/>
+          </a:prstGeom>
+        </p:spPr>
+        <p:txBody>
+          <a:bodyPr vert="horz" lIns="91440" tIns="45720" rIns="91440" bIns="45720" rtlCol="0" anchor="b"/>
+          <a:lstStyle>
+            <a:lvl1pPr algn="r">
+              <a:defRPr sz="1200"/>
+            </a:lvl1pPr>
+          </a:lstStyle>
+          <a:p>
+            <a:fld id="{8772F2C1-EE30-458F-AF1C-192D50BF6A06}" type="slidenum">
+              <a:rPr lang="en-US" smtClean="0"/>
+              <a:t>‹#›</a:t>
+            </a:fld>
+            <a:endParaRPr lang="en-US"/>
+          </a:p>
+        </p:txBody>
+      </p:sp>
+    </p:spTree>
+    <p:extLst>
+      <p:ext uri="{BB962C8B-B14F-4D97-AF65-F5344CB8AC3E}">
+        <p14:creationId xmlns:p14="http://schemas.microsoft.com/office/powerpoint/2010/main" val="201769260"/>
+      </p:ext>
+    </p:extLst>
+  </p:cSld>
+  <p:clrMap bg1="lt1" tx1="dk1" bg2="lt2" tx2="dk2" accent1="accent1" accent2="accent2" accent3="accent3" accent4="accent4" accent5="accent5" accent6="accent6" hlink="hlink" folHlink="folHlink"/>
+  <p:notesStyle>
+    <a:lvl1pPr marL="0" algn="l" defTabSz="914400" rtl="0" eaLnBrk="1" latinLnBrk="0" hangingPunct="1">
+      <a:defRPr sz="1200" kern="1200">
+        <a:solidFill>
+          <a:schemeClr val="tx1"/>
+        </a:solidFill>
+        <a:latin typeface="+mn-lt"/>
+        <a:ea typeface="+mn-ea"/>
+        <a:cs typeface="+mn-cs"/>
+      </a:defRPr>
+    </a:lvl1pPr>
+    <a:lvl2pPr marL="457200" algn="l" defTabSz="914400" rtl="0" eaLnBrk="1" latinLnBrk="0" hangingPunct="1">
+      <a:defRPr sz="1200" kern="1200">
+        <a:solidFill>
+          <a:schemeClr val="tx1"/>
+        </a:solidFill>
+        <a:latin typeface="+mn-lt"/>
+        <a:ea typeface="+mn-ea"/>
+        <a:cs typeface="+mn-cs"/>
+      </a:defRPr>
+    </a:lvl2pPr>
+    <a:lvl3pPr marL="914400" algn="l" defTabSz="914400" rtl="0" eaLnBrk="1" latinLnBrk="0" hangingPunct="1">
+      <a:defRPr sz="1200" kern="1200">
+        <a:solidFill>
+          <a:schemeClr val="tx1"/>
+        </a:solidFill>
+        <a:latin typeface="+mn-lt"/>
+        <a:ea typeface="+mn-ea"/>
+        <a:cs typeface="+mn-cs"/>
+      </a:defRPr>
+    </a:lvl3pPr>
+    <a:lvl4pPr marL="1371600" algn="l" defTabSz="914400" rtl="0" eaLnBrk="1" latinLnBrk="0" hangingPunct="1">
+      <a:defRPr sz="1200" kern="1200">
+        <a:solidFill>
+          <a:schemeClr val="tx1"/>
+        </a:solidFill>
+        <a:latin typeface="+mn-lt"/>
+        <a:ea typeface="+mn-ea"/>
+        <a:cs typeface="+mn-cs"/>
+      </a:defRPr>
+    </a:lvl4pPr>
+    <a:lvl5pPr marL="1828800" algn="l" defTabSz="914400" rtl="0" eaLnBrk="1" latinLnBrk="0" hangingPunct="1">
+      <a:defRPr sz="1200" kern="1200">
+        <a:solidFill>
+          <a:schemeClr val="tx1"/>
+        </a:solidFill>
+        <a:latin typeface="+mn-lt"/>
+        <a:ea typeface="+mn-ea"/>
+        <a:cs typeface="+mn-cs"/>
+      </a:defRPr>
+    </a:lvl5pPr>
+    <a:lvl6pPr marL="2286000" algn="l" defTabSz="914400" rtl="0" eaLnBrk="1" latinLnBrk="0" hangingPunct="1">
+      <a:defRPr sz="1200" kern="1200">
+        <a:solidFill>
+          <a:schemeClr val="tx1"/>
+        </a:solidFill>
+        <a:latin typeface="+mn-lt"/>
+        <a:ea typeface="+mn-ea"/>
+        <a:cs typeface="+mn-cs"/>
+      </a:defRPr>
+    </a:lvl6pPr>
+    <a:lvl7pPr marL="2743200" algn="l" defTabSz="914400" rtl="0" eaLnBrk="1" latinLnBrk="0" hangingPunct="1">
+      <a:defRPr sz="1200" kern="1200">
+        <a:solidFill>
+          <a:schemeClr val="tx1"/>
+        </a:solidFill>
+        <a:latin typeface="+mn-lt"/>
+        <a:ea typeface="+mn-ea"/>
+        <a:cs typeface="+mn-cs"/>
+      </a:defRPr>
+    </a:lvl7pPr>
+    <a:lvl8pPr marL="3200400" algn="l" defTabSz="914400" rtl="0" eaLnBrk="1" latinLnBrk="0" hangingPunct="1">
+      <a:defRPr sz="1200" kern="1200">
+        <a:solidFill>
+          <a:schemeClr val="tx1"/>
+        </a:solidFill>
+        <a:latin typeface="+mn-lt"/>
+        <a:ea typeface="+mn-ea"/>
+        <a:cs typeface="+mn-cs"/>
+      </a:defRPr>
+    </a:lvl8pPr>
+    <a:lvl9pPr marL="3657600" algn="l" defTabSz="914400" rtl="0" eaLnBrk="1" latinLnBrk="0" hangingPunct="1">
+      <a:defRPr sz="1200" kern="1200">
+        <a:solidFill>
+          <a:schemeClr val="tx1"/>
+        </a:solidFill>
+        <a:latin typeface="+mn-lt"/>
+        <a:ea typeface="+mn-ea"/>
+        <a:cs typeface="+mn-cs"/>
+      </a:defRPr>
+    </a:lvl9pPr>
+  </p:notesStyle>
+</p:notesMaster>
+</file>
+
+<file path=ppt/notesSlides/notesSlide1.xml><?xml version="1.0" encoding="utf-8"?>
+<p:notes xmlns:a="http://schemas.openxmlformats.org/drawingml/2006/main" xmlns:r="http://schemas.openxmlformats.org/officeDocument/2006/relationships" xmlns:p="http://schemas.openxmlformats.org/presentationml/2006/main">
+  <p:cSld>
+    <p:spTree>
+      <p:nvGrpSpPr>
+        <p:cNvPr id="1" name=""/>
+        <p:cNvGrpSpPr/>
+        <p:nvPr/>
+      </p:nvGrpSpPr>
+      <p:grpSpPr>
+        <a:xfrm>
+          <a:off x="0" y="0"/>
+          <a:ext cx="0" cy="0"/>
+          <a:chOff x="0" y="0"/>
+          <a:chExt cx="0" cy="0"/>
+        </a:xfrm>
+      </p:grpSpPr>
+      <p:sp>
+        <p:nvSpPr>
+          <p:cNvPr id="2" name="Slide Image Placeholder 1"/>
+          <p:cNvSpPr>
+            <a:spLocks noGrp="1" noRot="1" noChangeAspect="1"/>
+          </p:cNvSpPr>
+          <p:nvPr>
+            <p:ph type="sldImg"/>
+          </p:nvPr>
+        </p:nvSpPr>
+        <p:spPr/>
+      </p:sp>
+      <p:sp>
+        <p:nvSpPr>
+          <p:cNvPr id="3" name="Notes Placeholder 2"/>
+          <p:cNvSpPr>
+            <a:spLocks noGrp="1"/>
+          </p:cNvSpPr>
+          <p:nvPr>
+            <p:ph type="body" idx="1"/>
+          </p:nvPr>
+        </p:nvSpPr>
+        <p:spPr/>
+        <p:txBody>
+          <a:bodyPr/>
+          <a:lstStyle/>
+          <a:p>
+            <a:r>
+              <a:rPr lang="en-US" sz="1200" b="0" i="0" kern="1200" dirty="0" err="1">
+                <a:solidFill>
+                  <a:schemeClr val="tx1"/>
+                </a:solidFill>
+                <a:effectLst/>
+                <a:latin typeface="+mn-lt"/>
+                <a:ea typeface="+mn-ea"/>
+                <a:cs typeface="+mn-cs"/>
+              </a:rPr>
+              <a:t>Javascript</a:t>
+            </a:r>
+            <a:r>
+              <a:rPr lang="en-US" sz="1200" b="0" i="0" kern="1200" dirty="0">
+                <a:solidFill>
+                  <a:schemeClr val="tx1"/>
+                </a:solidFill>
+                <a:effectLst/>
+                <a:latin typeface="+mn-lt"/>
+                <a:ea typeface="+mn-ea"/>
+                <a:cs typeface="+mn-cs"/>
+              </a:rPr>
+              <a:t> is an object-oriented computer programming language commonly used to create interactive effects within web browsers.</a:t>
+            </a:r>
+          </a:p>
+          <a:p>
+            <a:r>
+              <a:rPr lang="en-US" sz="1200" b="0" i="0" kern="1200" dirty="0">
+                <a:solidFill>
+                  <a:schemeClr val="tx1"/>
+                </a:solidFill>
+                <a:effectLst/>
+                <a:latin typeface="+mn-lt"/>
+                <a:ea typeface="+mn-ea"/>
+                <a:cs typeface="+mn-cs"/>
+              </a:rPr>
+              <a:t>A JavaScript library is a library of pre-written JavaScript which allows for easier development of JavaScript-based applications</a:t>
+            </a:r>
+          </a:p>
+          <a:p>
+            <a:endParaRPr lang="en-US" dirty="0"/>
+          </a:p>
+        </p:txBody>
+      </p:sp>
+      <p:sp>
+        <p:nvSpPr>
+          <p:cNvPr id="4" name="Slide Number Placeholder 3"/>
+          <p:cNvSpPr>
+            <a:spLocks noGrp="1"/>
+          </p:cNvSpPr>
+          <p:nvPr>
+            <p:ph type="sldNum" sz="quarter" idx="10"/>
+          </p:nvPr>
+        </p:nvSpPr>
+        <p:spPr/>
+        <p:txBody>
+          <a:bodyPr/>
+          <a:lstStyle/>
+          <a:p>
+            <a:fld id="{8772F2C1-EE30-458F-AF1C-192D50BF6A06}" type="slidenum">
+              <a:rPr lang="en-US" smtClean="0"/>
+              <a:t>6</a:t>
+            </a:fld>
+            <a:endParaRPr lang="en-US"/>
+          </a:p>
+        </p:txBody>
+      </p:sp>
+    </p:spTree>
+    <p:extLst>
+      <p:ext uri="{BB962C8B-B14F-4D97-AF65-F5344CB8AC3E}">
+        <p14:creationId xmlns:p14="http://schemas.microsoft.com/office/powerpoint/2010/main" val="511629314"/>
+      </p:ext>
+    </p:extLst>
+  </p:cSld>
+  <p:clrMapOvr>
+    <a:masterClrMapping/>
+  </p:clrMapOvr>
+</p:notes>
+</file>
+
+<file path=ppt/notesSlides/notesSlide2.xml><?xml version="1.0" encoding="utf-8"?>
+<p:notes xmlns:a="http://schemas.openxmlformats.org/drawingml/2006/main" xmlns:r="http://schemas.openxmlformats.org/officeDocument/2006/relationships" xmlns:p="http://schemas.openxmlformats.org/presentationml/2006/main">
+  <p:cSld>
+    <p:spTree>
+      <p:nvGrpSpPr>
+        <p:cNvPr id="1" name=""/>
+        <p:cNvGrpSpPr/>
+        <p:nvPr/>
+      </p:nvGrpSpPr>
+      <p:grpSpPr>
+        <a:xfrm>
+          <a:off x="0" y="0"/>
+          <a:ext cx="0" cy="0"/>
+          <a:chOff x="0" y="0"/>
+          <a:chExt cx="0" cy="0"/>
+        </a:xfrm>
+      </p:grpSpPr>
+      <p:sp>
+        <p:nvSpPr>
+          <p:cNvPr id="2" name="Slide Image Placeholder 1"/>
+          <p:cNvSpPr>
+            <a:spLocks noGrp="1" noRot="1" noChangeAspect="1"/>
+          </p:cNvSpPr>
+          <p:nvPr>
+            <p:ph type="sldImg"/>
+          </p:nvPr>
+        </p:nvSpPr>
+        <p:spPr/>
+      </p:sp>
+      <p:sp>
+        <p:nvSpPr>
+          <p:cNvPr id="3" name="Notes Placeholder 2"/>
+          <p:cNvSpPr>
+            <a:spLocks noGrp="1"/>
+          </p:cNvSpPr>
+          <p:nvPr>
+            <p:ph type="body" idx="1"/>
+          </p:nvPr>
+        </p:nvSpPr>
+        <p:spPr/>
+        <p:txBody>
+          <a:bodyPr/>
+          <a:lstStyle/>
+          <a:p>
+            <a:r>
+              <a:rPr lang="en-US" sz="1200" b="0" i="0" kern="1200" dirty="0" err="1">
+                <a:solidFill>
+                  <a:schemeClr val="tx1"/>
+                </a:solidFill>
+                <a:effectLst/>
+                <a:latin typeface="+mn-lt"/>
+                <a:ea typeface="+mn-ea"/>
+                <a:cs typeface="+mn-cs"/>
+              </a:rPr>
+              <a:t>Javascript</a:t>
+            </a:r>
+            <a:r>
+              <a:rPr lang="en-US" sz="1200" b="0" i="0" kern="1200" dirty="0">
+                <a:solidFill>
+                  <a:schemeClr val="tx1"/>
+                </a:solidFill>
+                <a:effectLst/>
+                <a:latin typeface="+mn-lt"/>
+                <a:ea typeface="+mn-ea"/>
+                <a:cs typeface="+mn-cs"/>
+              </a:rPr>
+              <a:t> is an object-oriented computer programming language commonly used to create interactive effects within web browsers.</a:t>
+            </a:r>
+          </a:p>
+          <a:p>
+            <a:r>
+              <a:rPr lang="en-US" sz="1200" b="0" i="0" kern="1200" dirty="0">
+                <a:solidFill>
+                  <a:schemeClr val="tx1"/>
+                </a:solidFill>
+                <a:effectLst/>
+                <a:latin typeface="+mn-lt"/>
+                <a:ea typeface="+mn-ea"/>
+                <a:cs typeface="+mn-cs"/>
+              </a:rPr>
+              <a:t>A JavaScript library is a library of pre-written JavaScript which allows for easier development of JavaScript-based applications</a:t>
+            </a:r>
+          </a:p>
+          <a:p>
+            <a:endParaRPr lang="en-US" dirty="0"/>
+          </a:p>
+        </p:txBody>
+      </p:sp>
+      <p:sp>
+        <p:nvSpPr>
+          <p:cNvPr id="4" name="Slide Number Placeholder 3"/>
+          <p:cNvSpPr>
+            <a:spLocks noGrp="1"/>
+          </p:cNvSpPr>
+          <p:nvPr>
+            <p:ph type="sldNum" sz="quarter" idx="10"/>
+          </p:nvPr>
+        </p:nvSpPr>
+        <p:spPr/>
+        <p:txBody>
+          <a:bodyPr/>
+          <a:lstStyle/>
+          <a:p>
+            <a:fld id="{8772F2C1-EE30-458F-AF1C-192D50BF6A06}" type="slidenum">
+              <a:rPr lang="en-US" smtClean="0"/>
+              <a:t>9</a:t>
+            </a:fld>
+            <a:endParaRPr lang="en-US"/>
+          </a:p>
+        </p:txBody>
+      </p:sp>
+    </p:spTree>
+    <p:extLst>
+      <p:ext uri="{BB962C8B-B14F-4D97-AF65-F5344CB8AC3E}">
+        <p14:creationId xmlns:p14="http://schemas.microsoft.com/office/powerpoint/2010/main" val="7347494"/>
+      </p:ext>
+    </p:extLst>
+  </p:cSld>
+  <p:clrMapOvr>
+    <a:masterClrMapping/>
+  </p:clrMapOvr>
+</p:notes>
+</file>
+
 <file path=ppt/slideLayouts/slideLayout1.xml><?xml version="1.0" encoding="utf-8"?>
 <p:sldLayout xmlns:a="http://schemas.openxmlformats.org/drawingml/2006/main" xmlns:r="http://schemas.openxmlformats.org/officeDocument/2006/relationships" xmlns:p="http://schemas.openxmlformats.org/presentationml/2006/main" type="title" preserve="1">
   <p:cSld name="Title Slide">
@@ -312,7 +1094,7 @@
             <a:fld id="{B61BEF0D-F0BB-DE4B-95CE-6DB70DBA9567}" type="datetimeFigureOut">
               <a:rPr lang="en-US" dirty="0"/>
               <a:pPr/>
-              <a:t>11/19/2018</a:t>
+              <a:t>11/29/2018</a:t>
             </a:fld>
             <a:endParaRPr lang="en-US" dirty="0"/>
           </a:p>
@@ -647,7 +1429,7 @@
             <a:fld id="{B61BEF0D-F0BB-DE4B-95CE-6DB70DBA9567}" type="datetimeFigureOut">
               <a:rPr lang="en-US" dirty="0"/>
               <a:pPr/>
-              <a:t>11/19/2018</a:t>
+              <a:t>11/29/2018</a:t>
             </a:fld>
             <a:endParaRPr lang="en-US" dirty="0"/>
           </a:p>
@@ -1045,7 +1827,7 @@
             <a:fld id="{B61BEF0D-F0BB-DE4B-95CE-6DB70DBA9567}" type="datetimeFigureOut">
               <a:rPr lang="en-US" dirty="0"/>
               <a:pPr/>
-              <a:t>11/19/2018</a:t>
+              <a:t>11/29/2018</a:t>
             </a:fld>
             <a:endParaRPr lang="en-US" dirty="0"/>
           </a:p>
@@ -1377,7 +2159,7 @@
             <a:fld id="{B61BEF0D-F0BB-DE4B-95CE-6DB70DBA9567}" type="datetimeFigureOut">
               <a:rPr lang="en-US" dirty="0"/>
               <a:pPr/>
-              <a:t>11/19/2018</a:t>
+              <a:t>11/29/2018</a:t>
             </a:fld>
             <a:endParaRPr lang="en-US" dirty="0"/>
           </a:p>
@@ -1694,7 +2476,7 @@
             <a:fld id="{B61BEF0D-F0BB-DE4B-95CE-6DB70DBA9567}" type="datetimeFigureOut">
               <a:rPr lang="en-US" dirty="0"/>
               <a:pPr/>
-              <a:t>11/19/2018</a:t>
+              <a:t>11/29/2018</a:t>
             </a:fld>
             <a:endParaRPr lang="en-US" dirty="0"/>
           </a:p>
@@ -2087,7 +2869,7 @@
             <a:fld id="{B61BEF0D-F0BB-DE4B-95CE-6DB70DBA9567}" type="datetimeFigureOut">
               <a:rPr lang="en-US" dirty="0"/>
               <a:pPr/>
-              <a:t>11/19/2018</a:t>
+              <a:t>11/29/2018</a:t>
             </a:fld>
             <a:endParaRPr lang="en-US" dirty="0"/>
           </a:p>
@@ -2341,7 +3123,7 @@
             <a:fld id="{B61BEF0D-F0BB-DE4B-95CE-6DB70DBA9567}" type="datetimeFigureOut">
               <a:rPr lang="en-US" dirty="0"/>
               <a:pPr/>
-              <a:t>11/19/2018</a:t>
+              <a:t>11/29/2018</a:t>
             </a:fld>
             <a:endParaRPr lang="en-US" dirty="0"/>
           </a:p>
@@ -2600,7 +3382,7 @@
             <a:fld id="{B61BEF0D-F0BB-DE4B-95CE-6DB70DBA9567}" type="datetimeFigureOut">
               <a:rPr lang="en-US" dirty="0"/>
               <a:pPr/>
-              <a:t>11/19/2018</a:t>
+              <a:t>11/29/2018</a:t>
             </a:fld>
             <a:endParaRPr lang="en-US" dirty="0"/>
           </a:p>
@@ -2859,7 +3641,7 @@
             <a:fld id="{B61BEF0D-F0BB-DE4B-95CE-6DB70DBA9567}" type="datetimeFigureOut">
               <a:rPr lang="en-US" dirty="0"/>
               <a:pPr/>
-              <a:t>11/19/2018</a:t>
+              <a:t>11/29/2018</a:t>
             </a:fld>
             <a:endParaRPr lang="en-US" dirty="0"/>
           </a:p>
@@ -3185,7 +3967,7 @@
             <a:fld id="{B61BEF0D-F0BB-DE4B-95CE-6DB70DBA9567}" type="datetimeFigureOut">
               <a:rPr lang="en-US" dirty="0"/>
               <a:pPr/>
-              <a:t>11/19/2018</a:t>
+              <a:t>11/29/2018</a:t>
             </a:fld>
             <a:endParaRPr lang="en-US" dirty="0"/>
           </a:p>
@@ -3505,7 +4287,7 @@
             <a:fld id="{B61BEF0D-F0BB-DE4B-95CE-6DB70DBA9567}" type="datetimeFigureOut">
               <a:rPr lang="en-US" dirty="0"/>
               <a:pPr/>
-              <a:t>11/19/2018</a:t>
+              <a:t>11/29/2018</a:t>
             </a:fld>
             <a:endParaRPr lang="en-US" dirty="0"/>
           </a:p>
@@ -3959,7 +4741,7 @@
             <a:fld id="{B61BEF0D-F0BB-DE4B-95CE-6DB70DBA9567}" type="datetimeFigureOut">
               <a:rPr lang="en-US" dirty="0"/>
               <a:pPr/>
-              <a:t>11/19/2018</a:t>
+              <a:t>11/29/2018</a:t>
             </a:fld>
             <a:endParaRPr lang="en-US" dirty="0"/>
           </a:p>
@@ -4161,7 +4943,7 @@
             <a:fld id="{B61BEF0D-F0BB-DE4B-95CE-6DB70DBA9567}" type="datetimeFigureOut">
               <a:rPr lang="en-US" dirty="0"/>
               <a:pPr/>
-              <a:t>11/19/2018</a:t>
+              <a:t>11/29/2018</a:t>
             </a:fld>
             <a:endParaRPr lang="en-US" dirty="0"/>
           </a:p>
@@ -4335,7 +5117,7 @@
             <a:fld id="{B61BEF0D-F0BB-DE4B-95CE-6DB70DBA9567}" type="datetimeFigureOut">
               <a:rPr lang="en-US" dirty="0"/>
               <a:pPr/>
-              <a:t>11/19/2018</a:t>
+              <a:t>11/29/2018</a:t>
             </a:fld>
             <a:endParaRPr lang="en-US" dirty="0"/>
           </a:p>
@@ -4665,7 +5447,7 @@
             <a:fld id="{B61BEF0D-F0BB-DE4B-95CE-6DB70DBA9567}" type="datetimeFigureOut">
               <a:rPr lang="en-US" dirty="0"/>
               <a:pPr/>
-              <a:t>11/19/2018</a:t>
+              <a:t>11/29/2018</a:t>
             </a:fld>
             <a:endParaRPr lang="en-US" dirty="0"/>
           </a:p>
@@ -5007,7 +5789,7 @@
             <a:fld id="{B61BEF0D-F0BB-DE4B-95CE-6DB70DBA9567}" type="datetimeFigureOut">
               <a:rPr lang="en-US" dirty="0"/>
               <a:pPr/>
-              <a:t>11/19/2018</a:t>
+              <a:t>11/29/2018</a:t>
             </a:fld>
             <a:endParaRPr lang="en-US" dirty="0"/>
           </a:p>
@@ -7121,7 +7903,7 @@
             <a:fld id="{B61BEF0D-F0BB-DE4B-95CE-6DB70DBA9567}" type="datetimeFigureOut">
               <a:rPr lang="en-US" dirty="0"/>
               <a:pPr/>
-              <a:t>11/19/2018</a:t>
+              <a:t>11/29/2018</a:t>
             </a:fld>
             <a:endParaRPr lang="en-US" dirty="0"/>
           </a:p>
@@ -7699,12 +8481,8 @@
           </a:p>
           <a:p>
             <a:r>
-              <a:rPr lang="en-US" dirty="0" err="1"/>
-              <a:t>Luoyo</a:t>
-            </a:r>
-            <a:r>
               <a:rPr lang="en-US" dirty="0"/>
-              <a:t> Shen</a:t>
+              <a:t>Luoyu Shen</a:t>
             </a:r>
           </a:p>
         </p:txBody>
@@ -7713,6 +8491,216 @@
     <p:extLst>
       <p:ext uri="{BB962C8B-B14F-4D97-AF65-F5344CB8AC3E}">
         <p14:creationId xmlns:p14="http://schemas.microsoft.com/office/powerpoint/2010/main" val="283707763"/>
+      </p:ext>
+    </p:extLst>
+  </p:cSld>
+  <p:clrMapOvr>
+    <a:masterClrMapping/>
+  </p:clrMapOvr>
+</p:sld>
+</file>
+
+<file path=ppt/slides/slide10.xml><?xml version="1.0" encoding="utf-8"?>
+<p:sld xmlns:a="http://schemas.openxmlformats.org/drawingml/2006/main" xmlns:r="http://schemas.openxmlformats.org/officeDocument/2006/relationships" xmlns:p="http://schemas.openxmlformats.org/presentationml/2006/main">
+  <p:cSld>
+    <p:spTree>
+      <p:nvGrpSpPr>
+        <p:cNvPr id="1" name=""/>
+        <p:cNvGrpSpPr/>
+        <p:nvPr/>
+      </p:nvGrpSpPr>
+      <p:grpSpPr>
+        <a:xfrm>
+          <a:off x="0" y="0"/>
+          <a:ext cx="0" cy="0"/>
+          <a:chOff x="0" y="0"/>
+          <a:chExt cx="0" cy="0"/>
+        </a:xfrm>
+      </p:grpSpPr>
+      <p:sp>
+        <p:nvSpPr>
+          <p:cNvPr id="2" name="Title 1">
+            <a:extLst>
+              <a:ext uri="{FF2B5EF4-FFF2-40B4-BE49-F238E27FC236}">
+                <a16:creationId xmlns:a16="http://schemas.microsoft.com/office/drawing/2014/main" id="{B663AEC8-6646-48B2-A733-C5433CC6061D}"/>
+              </a:ext>
+            </a:extLst>
+          </p:cNvPr>
+          <p:cNvSpPr>
+            <a:spLocks noGrp="1"/>
+          </p:cNvSpPr>
+          <p:nvPr>
+            <p:ph type="title"/>
+          </p:nvPr>
+        </p:nvSpPr>
+        <p:spPr/>
+        <p:txBody>
+          <a:bodyPr>
+            <a:normAutofit fontScale="90000"/>
+          </a:bodyPr>
+          <a:lstStyle/>
+          <a:p>
+            <a:r>
+              <a:rPr lang="en-US" dirty="0"/>
+              <a:t>Using </a:t>
+            </a:r>
+            <a:r>
+              <a:rPr lang="en-US" dirty="0" err="1"/>
+              <a:t>Plotly</a:t>
+            </a:r>
+            <a:br>
+              <a:rPr lang="en-US" dirty="0"/>
+            </a:br>
+            <a:r>
+              <a:rPr lang="en-US" dirty="0"/>
+              <a:t>State </a:t>
+            </a:r>
+            <a:r>
+              <a:rPr lang="en-US" dirty="0">
+                <a:hlinkClick r:id="rId2"/>
+              </a:rPr>
+              <a:t>Choropleth</a:t>
+            </a:r>
+            <a:br>
+              <a:rPr lang="en-US" dirty="0"/>
+            </a:br>
+            <a:endParaRPr lang="en-US" dirty="0"/>
+          </a:p>
+        </p:txBody>
+      </p:sp>
+      <p:pic>
+        <p:nvPicPr>
+          <p:cNvPr id="5" name="Content Placeholder 4">
+            <a:extLst>
+              <a:ext uri="{FF2B5EF4-FFF2-40B4-BE49-F238E27FC236}">
+                <a16:creationId xmlns:a16="http://schemas.microsoft.com/office/drawing/2014/main" id="{0166F849-9DC0-4D2C-AEC6-1AA83461DD97}"/>
+              </a:ext>
+            </a:extLst>
+          </p:cNvPr>
+          <p:cNvPicPr>
+            <a:picLocks noGrp="1" noChangeAspect="1"/>
+          </p:cNvPicPr>
+          <p:nvPr>
+            <p:ph idx="1"/>
+          </p:nvPr>
+        </p:nvPicPr>
+        <p:blipFill>
+          <a:blip r:embed="rId3"/>
+          <a:stretch>
+            <a:fillRect/>
+          </a:stretch>
+        </p:blipFill>
+        <p:spPr>
+          <a:xfrm>
+            <a:off x="3268663" y="2133600"/>
+            <a:ext cx="7556500" cy="3778250"/>
+          </a:xfrm>
+        </p:spPr>
+      </p:pic>
+    </p:spTree>
+    <p:extLst>
+      <p:ext uri="{BB962C8B-B14F-4D97-AF65-F5344CB8AC3E}">
+        <p14:creationId xmlns:p14="http://schemas.microsoft.com/office/powerpoint/2010/main" val="1744850629"/>
+      </p:ext>
+    </p:extLst>
+  </p:cSld>
+  <p:clrMapOvr>
+    <a:masterClrMapping/>
+  </p:clrMapOvr>
+</p:sld>
+</file>
+
+<file path=ppt/slides/slide11.xml><?xml version="1.0" encoding="utf-8"?>
+<p:sld xmlns:a="http://schemas.openxmlformats.org/drawingml/2006/main" xmlns:r="http://schemas.openxmlformats.org/officeDocument/2006/relationships" xmlns:p="http://schemas.openxmlformats.org/presentationml/2006/main">
+  <p:cSld>
+    <p:spTree>
+      <p:nvGrpSpPr>
+        <p:cNvPr id="1" name=""/>
+        <p:cNvGrpSpPr/>
+        <p:nvPr/>
+      </p:nvGrpSpPr>
+      <p:grpSpPr>
+        <a:xfrm>
+          <a:off x="0" y="0"/>
+          <a:ext cx="0" cy="0"/>
+          <a:chOff x="0" y="0"/>
+          <a:chExt cx="0" cy="0"/>
+        </a:xfrm>
+      </p:grpSpPr>
+      <p:sp>
+        <p:nvSpPr>
+          <p:cNvPr id="2" name="Title 1">
+            <a:extLst>
+              <a:ext uri="{FF2B5EF4-FFF2-40B4-BE49-F238E27FC236}">
+                <a16:creationId xmlns:a16="http://schemas.microsoft.com/office/drawing/2014/main" id="{A8AA9A22-C43C-4F6B-ADBE-71964937F366}"/>
+              </a:ext>
+            </a:extLst>
+          </p:cNvPr>
+          <p:cNvSpPr>
+            <a:spLocks noGrp="1"/>
+          </p:cNvSpPr>
+          <p:nvPr>
+            <p:ph type="title"/>
+          </p:nvPr>
+        </p:nvSpPr>
+        <p:spPr/>
+        <p:txBody>
+          <a:bodyPr>
+            <a:normAutofit/>
+          </a:bodyPr>
+          <a:lstStyle/>
+          <a:p>
+            <a:r>
+              <a:rPr lang="en-US" sz="3200" dirty="0"/>
+              <a:t>Using </a:t>
+            </a:r>
+            <a:r>
+              <a:rPr lang="en-US" sz="3200" dirty="0" err="1"/>
+              <a:t>Plotly</a:t>
+            </a:r>
+            <a:br>
+              <a:rPr lang="en-US" sz="3200" dirty="0"/>
+            </a:br>
+            <a:r>
+              <a:rPr lang="en-US" sz="3200" dirty="0"/>
+              <a:t>USA Choropleth</a:t>
+            </a:r>
+          </a:p>
+        </p:txBody>
+      </p:sp>
+      <p:pic>
+        <p:nvPicPr>
+          <p:cNvPr id="5" name="Content Placeholder 4">
+            <a:extLst>
+              <a:ext uri="{FF2B5EF4-FFF2-40B4-BE49-F238E27FC236}">
+                <a16:creationId xmlns:a16="http://schemas.microsoft.com/office/drawing/2014/main" id="{B8A20776-E1BA-4E88-93B2-1E1962DA44B2}"/>
+              </a:ext>
+            </a:extLst>
+          </p:cNvPr>
+          <p:cNvPicPr>
+            <a:picLocks noGrp="1" noChangeAspect="1"/>
+          </p:cNvPicPr>
+          <p:nvPr>
+            <p:ph idx="1"/>
+          </p:nvPr>
+        </p:nvPicPr>
+        <p:blipFill>
+          <a:blip r:embed="rId2"/>
+          <a:stretch>
+            <a:fillRect/>
+          </a:stretch>
+        </p:blipFill>
+        <p:spPr>
+          <a:xfrm>
+            <a:off x="3268663" y="2133600"/>
+            <a:ext cx="7556500" cy="3778250"/>
+          </a:xfrm>
+        </p:spPr>
+      </p:pic>
+    </p:spTree>
+    <p:extLst>
+      <p:ext uri="{BB962C8B-B14F-4D97-AF65-F5344CB8AC3E}">
+        <p14:creationId xmlns:p14="http://schemas.microsoft.com/office/powerpoint/2010/main" val="3737374806"/>
       </p:ext>
     </p:extLst>
   </p:cSld>
@@ -7828,21 +8816,14 @@
             <a:pPr lvl="1"/>
             <a:r>
               <a:rPr lang="en-US" dirty="0"/>
-              <a:t>How to install</a:t>
+              <a:t>What It Is and Lessons Learned</a:t>
             </a:r>
           </a:p>
           <a:p>
             <a:pPr lvl="1"/>
             <a:r>
               <a:rPr lang="en-US" dirty="0"/>
-              <a:t>Visuals we Used</a:t>
-            </a:r>
-          </a:p>
-          <a:p>
-            <a:pPr lvl="1"/>
-            <a:r>
-              <a:rPr lang="en-US" dirty="0"/>
-              <a:t>The Code</a:t>
+              <a:t>Visuals we Created</a:t>
             </a:r>
           </a:p>
         </p:txBody>
@@ -7900,7 +8881,7 @@
           <a:p>
             <a:r>
               <a:rPr lang="en-US" dirty="0"/>
-              <a:t>Finding The Data</a:t>
+              <a:t>Transforming The Data for Colorado</a:t>
             </a:r>
           </a:p>
         </p:txBody>
@@ -7921,20 +8902,36 @@
             <p:ph idx="1"/>
           </p:nvPr>
         </p:nvSpPr>
-        <p:spPr/>
+        <p:spPr>
+          <a:xfrm>
+            <a:off x="821635" y="1472911"/>
+            <a:ext cx="5029746" cy="2202873"/>
+          </a:xfrm>
+        </p:spPr>
         <p:txBody>
           <a:bodyPr/>
           <a:lstStyle/>
           <a:p>
             <a:r>
               <a:rPr lang="en-US" dirty="0"/>
-              <a:t>What states.  -- Minnesota, Colorado, Arizona </a:t>
+              <a:t>Used the Python Pandas and NumPy Modules</a:t>
             </a:r>
           </a:p>
           <a:p>
             <a:r>
               <a:rPr lang="en-US" dirty="0"/>
-              <a:t>Formats we found</a:t>
+              <a:t>Pandas read csv as </a:t>
+            </a:r>
+            <a:r>
+              <a:rPr lang="en-US" dirty="0" err="1"/>
+              <a:t>DataFrame</a:t>
+            </a:r>
+            <a:endParaRPr lang="en-US" dirty="0"/>
+          </a:p>
+          <a:p>
+            <a:r>
+              <a:rPr lang="en-US" dirty="0"/>
+              <a:t>Clean data easily</a:t>
             </a:r>
           </a:p>
           <a:p>
@@ -7943,12 +8940,1069 @@
             </a:pPr>
             <a:endParaRPr lang="en-US" dirty="0"/>
           </a:p>
+          <a:p>
+            <a:pPr marL="0" indent="0">
+              <a:buNone/>
+            </a:pPr>
+            <a:endParaRPr lang="en-US" dirty="0"/>
+          </a:p>
         </p:txBody>
       </p:sp>
+      <p:sp>
+        <p:nvSpPr>
+          <p:cNvPr id="5" name="Rectangle 1">
+            <a:extLst>
+              <a:ext uri="{FF2B5EF4-FFF2-40B4-BE49-F238E27FC236}">
+                <a16:creationId xmlns:a16="http://schemas.microsoft.com/office/drawing/2014/main" id="{E9BE27AA-AB4F-4549-88DA-5334DBB5DBD5}"/>
+              </a:ext>
+            </a:extLst>
+          </p:cNvPr>
+          <p:cNvSpPr>
+            <a:spLocks noChangeArrowheads="1"/>
+          </p:cNvSpPr>
+          <p:nvPr/>
+        </p:nvSpPr>
+        <p:spPr bwMode="auto">
+          <a:xfrm>
+            <a:off x="6345021" y="1226088"/>
+            <a:ext cx="5442006" cy="5509200"/>
+          </a:xfrm>
+          <a:prstGeom prst="rect">
+            <a:avLst/>
+          </a:prstGeom>
+          <a:solidFill>
+            <a:srgbClr val="FFFFFF"/>
+          </a:solidFill>
+          <a:ln w="44450">
+            <a:solidFill>
+              <a:schemeClr val="accent1"/>
+            </a:solidFill>
+            <a:miter lim="800000"/>
+            <a:headEnd/>
+            <a:tailEnd/>
+          </a:ln>
+          <a:effectLst/>
+          <a:extLst>
+            <a:ext uri="{AF507438-7753-43E0-B8FC-AC1667EBCBE1}">
+              <a14:hiddenEffects xmlns:a14="http://schemas.microsoft.com/office/drawing/2010/main">
+                <a:effectLst>
+                  <a:outerShdw dist="35921" dir="2700000" algn="ctr" rotWithShape="0">
+                    <a:schemeClr val="bg2"/>
+                  </a:outerShdw>
+                </a:effectLst>
+              </a14:hiddenEffects>
+            </a:ext>
+          </a:extLst>
+        </p:spPr>
+        <p:txBody>
+          <a:bodyPr vert="horz" wrap="square" lIns="91440" tIns="45720" rIns="91440" bIns="45720" numCol="1" anchor="ctr" anchorCtr="0" compatLnSpc="1">
+            <a:prstTxWarp prst="textNoShape">
+              <a:avLst/>
+            </a:prstTxWarp>
+            <a:spAutoFit/>
+          </a:bodyPr>
+          <a:lstStyle/>
+          <a:p>
+            <a:pPr lvl="0" defTabSz="914400" eaLnBrk="0" fontAlgn="base" hangingPunct="0">
+              <a:spcBef>
+                <a:spcPct val="0"/>
+              </a:spcBef>
+              <a:spcAft>
+                <a:spcPct val="0"/>
+              </a:spcAft>
+              <a:defRPr/>
+            </a:pPr>
+            <a:r>
+              <a:rPr lang="en-US" altLang="en-US" sz="1100" b="1" dirty="0">
+                <a:solidFill>
+                  <a:srgbClr val="000080"/>
+                </a:solidFill>
+                <a:latin typeface="Courier New" panose="02070309020205020404" pitchFamily="49" charset="0"/>
+                <a:cs typeface="Courier New" panose="02070309020205020404" pitchFamily="49" charset="0"/>
+              </a:rPr>
+              <a:t>import pandas as pd</a:t>
+            </a:r>
+          </a:p>
+          <a:p>
+            <a:pPr lvl="0" defTabSz="914400" eaLnBrk="0" fontAlgn="base" hangingPunct="0">
+              <a:spcBef>
+                <a:spcPct val="0"/>
+              </a:spcBef>
+              <a:spcAft>
+                <a:spcPct val="0"/>
+              </a:spcAft>
+              <a:defRPr/>
+            </a:pPr>
+            <a:r>
+              <a:rPr lang="en-US" altLang="en-US" sz="1100" b="1" dirty="0">
+                <a:solidFill>
+                  <a:srgbClr val="000080"/>
+                </a:solidFill>
+                <a:latin typeface="Courier New" panose="02070309020205020404" pitchFamily="49" charset="0"/>
+                <a:cs typeface="Courier New" panose="02070309020205020404" pitchFamily="49" charset="0"/>
+              </a:rPr>
+              <a:t>import </a:t>
+            </a:r>
+            <a:r>
+              <a:rPr lang="en-US" altLang="en-US" sz="1100" b="1" dirty="0" err="1">
+                <a:solidFill>
+                  <a:srgbClr val="000080"/>
+                </a:solidFill>
+                <a:latin typeface="Courier New" panose="02070309020205020404" pitchFamily="49" charset="0"/>
+                <a:cs typeface="Courier New" panose="02070309020205020404" pitchFamily="49" charset="0"/>
+              </a:rPr>
+              <a:t>numpy</a:t>
+            </a:r>
+            <a:r>
+              <a:rPr lang="en-US" altLang="en-US" sz="1100" b="1" dirty="0">
+                <a:solidFill>
+                  <a:srgbClr val="000080"/>
+                </a:solidFill>
+                <a:latin typeface="Courier New" panose="02070309020205020404" pitchFamily="49" charset="0"/>
+                <a:cs typeface="Courier New" panose="02070309020205020404" pitchFamily="49" charset="0"/>
+              </a:rPr>
+              <a:t> as np</a:t>
+            </a:r>
+            <a:endParaRPr lang="en-US" altLang="en-US" sz="1100" dirty="0">
+              <a:latin typeface="Courier New" panose="02070309020205020404" pitchFamily="49" charset="0"/>
+              <a:cs typeface="Courier New" panose="02070309020205020404" pitchFamily="49" charset="0"/>
+            </a:endParaRPr>
+          </a:p>
+          <a:p>
+            <a:pPr lvl="0" defTabSz="914400" eaLnBrk="0" fontAlgn="base" hangingPunct="0">
+              <a:spcBef>
+                <a:spcPct val="0"/>
+              </a:spcBef>
+              <a:spcAft>
+                <a:spcPct val="0"/>
+              </a:spcAft>
+              <a:defRPr/>
+            </a:pPr>
+            <a:r>
+              <a:rPr lang="en-US" altLang="en-US" sz="1100" dirty="0">
+                <a:latin typeface="Courier New" panose="02070309020205020404" pitchFamily="49" charset="0"/>
+                <a:cs typeface="Courier New" panose="02070309020205020404" pitchFamily="49" charset="0"/>
+              </a:rPr>
+              <a:t>def </a:t>
+            </a:r>
+            <a:r>
+              <a:rPr lang="en-US" altLang="en-US" sz="1100" dirty="0" err="1">
+                <a:latin typeface="Courier New" panose="02070309020205020404" pitchFamily="49" charset="0"/>
+                <a:cs typeface="Courier New" panose="02070309020205020404" pitchFamily="49" charset="0"/>
+              </a:rPr>
+              <a:t>coData</a:t>
+            </a:r>
+            <a:r>
+              <a:rPr lang="en-US" altLang="en-US" sz="1100" dirty="0">
+                <a:latin typeface="Courier New" panose="02070309020205020404" pitchFamily="49" charset="0"/>
+                <a:cs typeface="Courier New" panose="02070309020205020404" pitchFamily="49" charset="0"/>
+              </a:rPr>
+              <a:t>(df):   </a:t>
+            </a:r>
+          </a:p>
+          <a:p>
+            <a:pPr lvl="0" defTabSz="914400" eaLnBrk="0" fontAlgn="base" hangingPunct="0">
+              <a:spcBef>
+                <a:spcPct val="0"/>
+              </a:spcBef>
+              <a:spcAft>
+                <a:spcPct val="0"/>
+              </a:spcAft>
+              <a:defRPr/>
+            </a:pPr>
+            <a:r>
+              <a:rPr lang="en-US" altLang="en-US" sz="1100" dirty="0">
+                <a:latin typeface="Courier New" panose="02070309020205020404" pitchFamily="49" charset="0"/>
+                <a:cs typeface="Courier New" panose="02070309020205020404" pitchFamily="49" charset="0"/>
+              </a:rPr>
+              <a:t>    '''</a:t>
+            </a:r>
+          </a:p>
+          <a:p>
+            <a:pPr lvl="0" defTabSz="914400" eaLnBrk="0" fontAlgn="base" hangingPunct="0">
+              <a:spcBef>
+                <a:spcPct val="0"/>
+              </a:spcBef>
+              <a:spcAft>
+                <a:spcPct val="0"/>
+              </a:spcAft>
+              <a:defRPr/>
+            </a:pPr>
+            <a:r>
+              <a:rPr lang="en-US" altLang="en-US" sz="1100" dirty="0">
+                <a:latin typeface="Courier New" panose="02070309020205020404" pitchFamily="49" charset="0"/>
+                <a:cs typeface="Courier New" panose="02070309020205020404" pitchFamily="49" charset="0"/>
+              </a:rPr>
+              <a:t>     :param df: a </a:t>
+            </a:r>
+            <a:r>
+              <a:rPr lang="en-US" altLang="en-US" sz="1100" dirty="0" err="1">
+                <a:latin typeface="Courier New" panose="02070309020205020404" pitchFamily="49" charset="0"/>
+                <a:cs typeface="Courier New" panose="02070309020205020404" pitchFamily="49" charset="0"/>
+              </a:rPr>
+              <a:t>DataFrame</a:t>
+            </a:r>
+            <a:r>
+              <a:rPr lang="en-US" altLang="en-US" sz="1100" dirty="0">
+                <a:latin typeface="Courier New" panose="02070309020205020404" pitchFamily="49" charset="0"/>
+                <a:cs typeface="Courier New" panose="02070309020205020404" pitchFamily="49" charset="0"/>
+              </a:rPr>
+              <a:t> of Colorado election data</a:t>
+            </a:r>
+          </a:p>
+          <a:p>
+            <a:pPr lvl="0" defTabSz="914400" eaLnBrk="0" fontAlgn="base" hangingPunct="0">
+              <a:spcBef>
+                <a:spcPct val="0"/>
+              </a:spcBef>
+              <a:spcAft>
+                <a:spcPct val="0"/>
+              </a:spcAft>
+              <a:defRPr/>
+            </a:pPr>
+            <a:r>
+              <a:rPr lang="en-US" altLang="en-US" sz="1100" dirty="0">
+                <a:latin typeface="Courier New" panose="02070309020205020404" pitchFamily="49" charset="0"/>
+                <a:cs typeface="Courier New" panose="02070309020205020404" pitchFamily="49" charset="0"/>
+              </a:rPr>
+              <a:t>    '''</a:t>
+            </a:r>
+          </a:p>
+          <a:p>
+            <a:pPr lvl="0" defTabSz="914400" eaLnBrk="0" fontAlgn="base" hangingPunct="0">
+              <a:spcBef>
+                <a:spcPct val="0"/>
+              </a:spcBef>
+              <a:spcAft>
+                <a:spcPct val="0"/>
+              </a:spcAft>
+              <a:defRPr/>
+            </a:pPr>
+            <a:r>
+              <a:rPr lang="en-US" altLang="en-US" sz="1100" dirty="0">
+                <a:latin typeface="Courier New" panose="02070309020205020404" pitchFamily="49" charset="0"/>
+                <a:cs typeface="Courier New" panose="02070309020205020404" pitchFamily="49" charset="0"/>
+              </a:rPr>
+              <a:t>    #Delete duplicate information rows</a:t>
+            </a:r>
+          </a:p>
+          <a:p>
+            <a:pPr lvl="0" defTabSz="914400" eaLnBrk="0" fontAlgn="base" hangingPunct="0">
+              <a:spcBef>
+                <a:spcPct val="0"/>
+              </a:spcBef>
+              <a:spcAft>
+                <a:spcPct val="0"/>
+              </a:spcAft>
+              <a:defRPr/>
+            </a:pPr>
+            <a:r>
+              <a:rPr lang="en-US" altLang="en-US" sz="1100" dirty="0">
+                <a:latin typeface="Courier New" panose="02070309020205020404" pitchFamily="49" charset="0"/>
+                <a:cs typeface="Courier New" panose="02070309020205020404" pitchFamily="49" charset="0"/>
+              </a:rPr>
+              <a:t>    df = </a:t>
+            </a:r>
+            <a:r>
+              <a:rPr lang="en-US" altLang="en-US" sz="1100" dirty="0" err="1">
+                <a:latin typeface="Courier New" panose="02070309020205020404" pitchFamily="49" charset="0"/>
+                <a:cs typeface="Courier New" panose="02070309020205020404" pitchFamily="49" charset="0"/>
+              </a:rPr>
+              <a:t>df.drop</a:t>
+            </a:r>
+            <a:r>
+              <a:rPr lang="en-US" altLang="en-US" sz="1100" dirty="0">
+                <a:latin typeface="Courier New" panose="02070309020205020404" pitchFamily="49" charset="0"/>
+                <a:cs typeface="Courier New" panose="02070309020205020404" pitchFamily="49" charset="0"/>
+              </a:rPr>
+              <a:t>(['Total Votes', 'Total Votes.2', 'Total Votes.4', 'Total Votes.6'],1) </a:t>
+            </a:r>
+          </a:p>
+          <a:p>
+            <a:pPr lvl="0" defTabSz="914400" eaLnBrk="0" fontAlgn="base" hangingPunct="0">
+              <a:spcBef>
+                <a:spcPct val="0"/>
+              </a:spcBef>
+              <a:spcAft>
+                <a:spcPct val="0"/>
+              </a:spcAft>
+              <a:defRPr/>
+            </a:pPr>
+            <a:r>
+              <a:rPr lang="en-US" altLang="en-US" sz="1100" dirty="0">
+                <a:latin typeface="Courier New" panose="02070309020205020404" pitchFamily="49" charset="0"/>
+                <a:cs typeface="Courier New" panose="02070309020205020404" pitchFamily="49" charset="0"/>
+              </a:rPr>
+              <a:t>    #rename party information   </a:t>
+            </a:r>
+          </a:p>
+          <a:p>
+            <a:pPr lvl="0" defTabSz="914400" eaLnBrk="0" fontAlgn="base" hangingPunct="0">
+              <a:spcBef>
+                <a:spcPct val="0"/>
+              </a:spcBef>
+              <a:spcAft>
+                <a:spcPct val="0"/>
+              </a:spcAft>
+              <a:defRPr/>
+            </a:pPr>
+            <a:r>
+              <a:rPr lang="en-US" altLang="en-US" sz="1100" dirty="0">
+                <a:latin typeface="Courier New" panose="02070309020205020404" pitchFamily="49" charset="0"/>
+                <a:cs typeface="Courier New" panose="02070309020205020404" pitchFamily="49" charset="0"/>
+              </a:rPr>
+              <a:t>    </a:t>
+            </a:r>
+            <a:r>
+              <a:rPr lang="en-US" altLang="en-US" sz="1100" dirty="0" err="1">
+                <a:latin typeface="Courier New" panose="02070309020205020404" pitchFamily="49" charset="0"/>
+                <a:cs typeface="Courier New" panose="02070309020205020404" pitchFamily="49" charset="0"/>
+              </a:rPr>
+              <a:t>df_clear</a:t>
+            </a:r>
+            <a:r>
+              <a:rPr lang="en-US" altLang="en-US" sz="1100" dirty="0">
+                <a:latin typeface="Courier New" panose="02070309020205020404" pitchFamily="49" charset="0"/>
+                <a:cs typeface="Courier New" panose="02070309020205020404" pitchFamily="49" charset="0"/>
+              </a:rPr>
+              <a:t> = df[:-1].rename({'Total Votes.1':'Dem', 'Total Votes.3':'Rep', 'Total Votes.5': '</a:t>
+            </a:r>
+            <a:r>
+              <a:rPr lang="en-US" altLang="en-US" sz="1100" dirty="0" err="1">
+                <a:latin typeface="Courier New" panose="02070309020205020404" pitchFamily="49" charset="0"/>
+                <a:cs typeface="Courier New" panose="02070309020205020404" pitchFamily="49" charset="0"/>
+              </a:rPr>
+              <a:t>Unt</a:t>
+            </a:r>
+            <a:r>
+              <a:rPr lang="en-US" altLang="en-US" sz="1100" dirty="0">
+                <a:latin typeface="Courier New" panose="02070309020205020404" pitchFamily="49" charset="0"/>
+                <a:cs typeface="Courier New" panose="02070309020205020404" pitchFamily="49" charset="0"/>
+              </a:rPr>
+              <a:t>', 'Total Votes.7':'Lib'}, axis = 'columns’)</a:t>
+            </a:r>
+          </a:p>
+          <a:p>
+            <a:pPr lvl="0" defTabSz="914400" eaLnBrk="0" fontAlgn="base" hangingPunct="0">
+              <a:spcBef>
+                <a:spcPct val="0"/>
+              </a:spcBef>
+              <a:spcAft>
+                <a:spcPct val="0"/>
+              </a:spcAft>
+              <a:defRPr/>
+            </a:pPr>
+            <a:r>
+              <a:rPr lang="en-US" altLang="en-US" sz="1100" dirty="0">
+                <a:latin typeface="Courier New" panose="02070309020205020404" pitchFamily="49" charset="0"/>
+                <a:cs typeface="Courier New" panose="02070309020205020404" pitchFamily="49" charset="0"/>
+              </a:rPr>
+              <a:t>    #incorporate Lib and </a:t>
+            </a:r>
+            <a:r>
+              <a:rPr lang="en-US" altLang="en-US" sz="1100" dirty="0" err="1">
+                <a:latin typeface="Courier New" panose="02070309020205020404" pitchFamily="49" charset="0"/>
+                <a:cs typeface="Courier New" panose="02070309020205020404" pitchFamily="49" charset="0"/>
+              </a:rPr>
+              <a:t>Unt</a:t>
+            </a:r>
+            <a:r>
+              <a:rPr lang="en-US" altLang="en-US" sz="1100" dirty="0">
+                <a:latin typeface="Courier New" panose="02070309020205020404" pitchFamily="49" charset="0"/>
+                <a:cs typeface="Courier New" panose="02070309020205020404" pitchFamily="49" charset="0"/>
+              </a:rPr>
+              <a:t> parties election result into Other parties</a:t>
+            </a:r>
+          </a:p>
+          <a:p>
+            <a:pPr lvl="0" defTabSz="914400" eaLnBrk="0" fontAlgn="base" hangingPunct="0">
+              <a:spcBef>
+                <a:spcPct val="0"/>
+              </a:spcBef>
+              <a:spcAft>
+                <a:spcPct val="0"/>
+              </a:spcAft>
+              <a:defRPr/>
+            </a:pPr>
+            <a:r>
+              <a:rPr lang="en-US" altLang="en-US" sz="1100" dirty="0">
+                <a:latin typeface="Courier New" panose="02070309020205020404" pitchFamily="49" charset="0"/>
+                <a:cs typeface="Courier New" panose="02070309020205020404" pitchFamily="49" charset="0"/>
+              </a:rPr>
+              <a:t>    </a:t>
+            </a:r>
+            <a:r>
+              <a:rPr lang="en-US" altLang="en-US" sz="1100" dirty="0" err="1">
+                <a:latin typeface="Courier New" panose="02070309020205020404" pitchFamily="49" charset="0"/>
+                <a:cs typeface="Courier New" panose="02070309020205020404" pitchFamily="49" charset="0"/>
+              </a:rPr>
+              <a:t>df_clear</a:t>
+            </a:r>
+            <a:r>
+              <a:rPr lang="en-US" altLang="en-US" sz="1100" dirty="0">
+                <a:latin typeface="Courier New" panose="02070309020205020404" pitchFamily="49" charset="0"/>
+                <a:cs typeface="Courier New" panose="02070309020205020404" pitchFamily="49" charset="0"/>
+              </a:rPr>
+              <a:t>['Other Parties'] = </a:t>
+            </a:r>
+            <a:r>
+              <a:rPr lang="en-US" altLang="en-US" sz="1100" dirty="0" err="1">
+                <a:latin typeface="Courier New" panose="02070309020205020404" pitchFamily="49" charset="0"/>
+                <a:cs typeface="Courier New" panose="02070309020205020404" pitchFamily="49" charset="0"/>
+              </a:rPr>
+              <a:t>df_clear</a:t>
+            </a:r>
+            <a:r>
+              <a:rPr lang="en-US" altLang="en-US" sz="1100" dirty="0">
+                <a:latin typeface="Courier New" panose="02070309020205020404" pitchFamily="49" charset="0"/>
+                <a:cs typeface="Courier New" panose="02070309020205020404" pitchFamily="49" charset="0"/>
+              </a:rPr>
+              <a:t>[['</a:t>
+            </a:r>
+            <a:r>
+              <a:rPr lang="en-US" altLang="en-US" sz="1100" dirty="0" err="1">
+                <a:latin typeface="Courier New" panose="02070309020205020404" pitchFamily="49" charset="0"/>
+                <a:cs typeface="Courier New" panose="02070309020205020404" pitchFamily="49" charset="0"/>
+              </a:rPr>
+              <a:t>Unt</a:t>
+            </a:r>
+            <a:r>
+              <a:rPr lang="en-US" altLang="en-US" sz="1100" dirty="0">
+                <a:latin typeface="Courier New" panose="02070309020205020404" pitchFamily="49" charset="0"/>
+                <a:cs typeface="Courier New" panose="02070309020205020404" pitchFamily="49" charset="0"/>
+              </a:rPr>
+              <a:t>','Lib']].apply(</a:t>
+            </a:r>
+            <a:r>
+              <a:rPr lang="en-US" altLang="en-US" sz="1100" dirty="0" err="1">
+                <a:latin typeface="Courier New" panose="02070309020205020404" pitchFamily="49" charset="0"/>
+                <a:cs typeface="Courier New" panose="02070309020205020404" pitchFamily="49" charset="0"/>
+              </a:rPr>
+              <a:t>np.sum</a:t>
+            </a:r>
+            <a:r>
+              <a:rPr lang="en-US" altLang="en-US" sz="1100" dirty="0">
+                <a:latin typeface="Courier New" panose="02070309020205020404" pitchFamily="49" charset="0"/>
+                <a:cs typeface="Courier New" panose="02070309020205020404" pitchFamily="49" charset="0"/>
+              </a:rPr>
+              <a:t>, axis = 1)</a:t>
+            </a:r>
+          </a:p>
+          <a:p>
+            <a:pPr lvl="0" defTabSz="914400" eaLnBrk="0" fontAlgn="base" hangingPunct="0">
+              <a:spcBef>
+                <a:spcPct val="0"/>
+              </a:spcBef>
+              <a:spcAft>
+                <a:spcPct val="0"/>
+              </a:spcAft>
+              <a:defRPr/>
+            </a:pPr>
+            <a:r>
+              <a:rPr lang="en-US" altLang="en-US" sz="1100" dirty="0">
+                <a:latin typeface="Courier New" panose="02070309020205020404" pitchFamily="49" charset="0"/>
+                <a:cs typeface="Courier New" panose="02070309020205020404" pitchFamily="49" charset="0"/>
+              </a:rPr>
+              <a:t>    counties = </a:t>
+            </a:r>
+            <a:r>
+              <a:rPr lang="en-US" altLang="en-US" sz="1100" dirty="0" err="1">
+                <a:latin typeface="Courier New" panose="02070309020205020404" pitchFamily="49" charset="0"/>
+                <a:cs typeface="Courier New" panose="02070309020205020404" pitchFamily="49" charset="0"/>
+              </a:rPr>
+              <a:t>df_clear</a:t>
+            </a:r>
+            <a:r>
+              <a:rPr lang="en-US" altLang="en-US" sz="1100" dirty="0">
+                <a:latin typeface="Courier New" panose="02070309020205020404" pitchFamily="49" charset="0"/>
+                <a:cs typeface="Courier New" panose="02070309020205020404" pitchFamily="49" charset="0"/>
+              </a:rPr>
+              <a:t>['County'][:-1]</a:t>
+            </a:r>
+          </a:p>
+          <a:p>
+            <a:pPr lvl="0" defTabSz="914400" eaLnBrk="0" fontAlgn="base" hangingPunct="0">
+              <a:spcBef>
+                <a:spcPct val="0"/>
+              </a:spcBef>
+              <a:spcAft>
+                <a:spcPct val="0"/>
+              </a:spcAft>
+              <a:defRPr/>
+            </a:pPr>
+            <a:r>
+              <a:rPr lang="en-US" altLang="en-US" sz="1100" dirty="0">
+                <a:latin typeface="Courier New" panose="02070309020205020404" pitchFamily="49" charset="0"/>
+                <a:cs typeface="Courier New" panose="02070309020205020404" pitchFamily="49" charset="0"/>
+              </a:rPr>
+              <a:t>    #set bar chart colors</a:t>
+            </a:r>
+          </a:p>
+          <a:p>
+            <a:pPr lvl="0" defTabSz="914400" eaLnBrk="0" fontAlgn="base" hangingPunct="0">
+              <a:spcBef>
+                <a:spcPct val="0"/>
+              </a:spcBef>
+              <a:spcAft>
+                <a:spcPct val="0"/>
+              </a:spcAft>
+              <a:defRPr/>
+            </a:pPr>
+            <a:r>
+              <a:rPr lang="en-US" altLang="en-US" sz="1100" dirty="0">
+                <a:latin typeface="Courier New" panose="02070309020205020404" pitchFamily="49" charset="0"/>
+                <a:cs typeface="Courier New" panose="02070309020205020404" pitchFamily="49" charset="0"/>
+              </a:rPr>
+              <a:t>    colors = ['</a:t>
+            </a:r>
+            <a:r>
+              <a:rPr lang="en-US" altLang="en-US" sz="1100" dirty="0" err="1">
+                <a:latin typeface="Courier New" panose="02070309020205020404" pitchFamily="49" charset="0"/>
+                <a:cs typeface="Courier New" panose="02070309020205020404" pitchFamily="49" charset="0"/>
+              </a:rPr>
+              <a:t>rgb</a:t>
+            </a:r>
+            <a:r>
+              <a:rPr lang="en-US" altLang="en-US" sz="1100" dirty="0">
+                <a:latin typeface="Courier New" panose="02070309020205020404" pitchFamily="49" charset="0"/>
+                <a:cs typeface="Courier New" panose="02070309020205020404" pitchFamily="49" charset="0"/>
+              </a:rPr>
+              <a:t>(255, 242, 230)', '</a:t>
+            </a:r>
+            <a:r>
+              <a:rPr lang="en-US" altLang="en-US" sz="1100" dirty="0" err="1">
+                <a:latin typeface="Courier New" panose="02070309020205020404" pitchFamily="49" charset="0"/>
+                <a:cs typeface="Courier New" panose="02070309020205020404" pitchFamily="49" charset="0"/>
+              </a:rPr>
+              <a:t>rgb</a:t>
+            </a:r>
+            <a:r>
+              <a:rPr lang="en-US" altLang="en-US" sz="1100" dirty="0">
+                <a:latin typeface="Courier New" panose="02070309020205020404" pitchFamily="49" charset="0"/>
+                <a:cs typeface="Courier New" panose="02070309020205020404" pitchFamily="49" charset="0"/>
+              </a:rPr>
+              <a:t>(255, 204, 153)','</a:t>
+            </a:r>
+            <a:r>
+              <a:rPr lang="en-US" altLang="en-US" sz="1100" dirty="0" err="1">
+                <a:latin typeface="Courier New" panose="02070309020205020404" pitchFamily="49" charset="0"/>
+                <a:cs typeface="Courier New" panose="02070309020205020404" pitchFamily="49" charset="0"/>
+              </a:rPr>
+              <a:t>rgb</a:t>
+            </a:r>
+            <a:r>
+              <a:rPr lang="en-US" altLang="en-US" sz="1100" dirty="0">
+                <a:latin typeface="Courier New" panose="02070309020205020404" pitchFamily="49" charset="0"/>
+                <a:cs typeface="Courier New" panose="02070309020205020404" pitchFamily="49" charset="0"/>
+              </a:rPr>
+              <a:t>(255, 166, 77)’]</a:t>
+            </a:r>
+          </a:p>
+          <a:p>
+            <a:pPr lvl="0" defTabSz="914400" eaLnBrk="0" fontAlgn="base" hangingPunct="0">
+              <a:spcBef>
+                <a:spcPct val="0"/>
+              </a:spcBef>
+              <a:spcAft>
+                <a:spcPct val="0"/>
+              </a:spcAft>
+              <a:defRPr/>
+            </a:pPr>
+            <a:r>
+              <a:rPr lang="en-US" altLang="en-US" sz="1100" dirty="0">
+                <a:latin typeface="Courier New" panose="02070309020205020404" pitchFamily="49" charset="0"/>
+                <a:cs typeface="Courier New" panose="02070309020205020404" pitchFamily="49" charset="0"/>
+              </a:rPr>
+              <a:t>    #pick up parties information</a:t>
+            </a:r>
+          </a:p>
+          <a:p>
+            <a:pPr lvl="0" defTabSz="914400" eaLnBrk="0" fontAlgn="base" hangingPunct="0">
+              <a:spcBef>
+                <a:spcPct val="0"/>
+              </a:spcBef>
+              <a:spcAft>
+                <a:spcPct val="0"/>
+              </a:spcAft>
+              <a:defRPr/>
+            </a:pPr>
+            <a:r>
+              <a:rPr lang="en-US" altLang="en-US" sz="1100" dirty="0">
+                <a:latin typeface="Courier New" panose="02070309020205020404" pitchFamily="49" charset="0"/>
+                <a:cs typeface="Courier New" panose="02070309020205020404" pitchFamily="49" charset="0"/>
+              </a:rPr>
+              <a:t>    </a:t>
+            </a:r>
+            <a:r>
+              <a:rPr lang="en-US" altLang="en-US" sz="1100" dirty="0" err="1">
+                <a:latin typeface="Courier New" panose="02070309020205020404" pitchFamily="49" charset="0"/>
+                <a:cs typeface="Courier New" panose="02070309020205020404" pitchFamily="49" charset="0"/>
+              </a:rPr>
+              <a:t>parties_election</a:t>
+            </a:r>
+            <a:r>
+              <a:rPr lang="en-US" altLang="en-US" sz="1100" dirty="0">
+                <a:latin typeface="Courier New" panose="02070309020205020404" pitchFamily="49" charset="0"/>
+                <a:cs typeface="Courier New" panose="02070309020205020404" pitchFamily="49" charset="0"/>
+              </a:rPr>
+              <a:t> = </a:t>
+            </a:r>
+            <a:r>
+              <a:rPr lang="en-US" altLang="en-US" sz="1100" dirty="0" err="1">
+                <a:latin typeface="Courier New" panose="02070309020205020404" pitchFamily="49" charset="0"/>
+                <a:cs typeface="Courier New" panose="02070309020205020404" pitchFamily="49" charset="0"/>
+              </a:rPr>
+              <a:t>df_clear.iloc</a:t>
+            </a:r>
+            <a:r>
+              <a:rPr lang="en-US" altLang="en-US" sz="1100" dirty="0">
+                <a:latin typeface="Courier New" panose="02070309020205020404" pitchFamily="49" charset="0"/>
+                <a:cs typeface="Courier New" panose="02070309020205020404" pitchFamily="49" charset="0"/>
+              </a:rPr>
+              <a:t>[[2, 3, -1]]</a:t>
+            </a:r>
+          </a:p>
+          <a:p>
+            <a:pPr lvl="0" defTabSz="914400" eaLnBrk="0" fontAlgn="base" hangingPunct="0">
+              <a:spcBef>
+                <a:spcPct val="0"/>
+              </a:spcBef>
+              <a:spcAft>
+                <a:spcPct val="0"/>
+              </a:spcAft>
+              <a:defRPr/>
+            </a:pPr>
+            <a:r>
+              <a:rPr lang="en-US" altLang="en-US" sz="1100" dirty="0">
+                <a:latin typeface="Courier New" panose="02070309020205020404" pitchFamily="49" charset="0"/>
+                <a:cs typeface="Courier New" panose="02070309020205020404" pitchFamily="49" charset="0"/>
+              </a:rPr>
+              <a:t>    </a:t>
+            </a:r>
+            <a:r>
+              <a:rPr lang="en-US" altLang="en-US" sz="1100" dirty="0" err="1">
+                <a:latin typeface="Courier New" panose="02070309020205020404" pitchFamily="49" charset="0"/>
+                <a:cs typeface="Courier New" panose="02070309020205020404" pitchFamily="49" charset="0"/>
+              </a:rPr>
+              <a:t>parties_election_np</a:t>
+            </a:r>
+            <a:r>
+              <a:rPr lang="en-US" altLang="en-US" sz="1100" dirty="0">
+                <a:latin typeface="Courier New" panose="02070309020205020404" pitchFamily="49" charset="0"/>
+                <a:cs typeface="Courier New" panose="02070309020205020404" pitchFamily="49" charset="0"/>
+              </a:rPr>
+              <a:t> = list(map(lambda x: </a:t>
+            </a:r>
+            <a:r>
+              <a:rPr lang="en-US" altLang="en-US" sz="1100" dirty="0" err="1">
+                <a:latin typeface="Courier New" panose="02070309020205020404" pitchFamily="49" charset="0"/>
+                <a:cs typeface="Courier New" panose="02070309020205020404" pitchFamily="49" charset="0"/>
+              </a:rPr>
+              <a:t>np.array</a:t>
+            </a:r>
+            <a:r>
+              <a:rPr lang="en-US" altLang="en-US" sz="1100" dirty="0">
+                <a:latin typeface="Courier New" panose="02070309020205020404" pitchFamily="49" charset="0"/>
+                <a:cs typeface="Courier New" panose="02070309020205020404" pitchFamily="49" charset="0"/>
+              </a:rPr>
+              <a:t>(</a:t>
+            </a:r>
+            <a:r>
+              <a:rPr lang="en-US" altLang="en-US" sz="1100" dirty="0" err="1">
+                <a:latin typeface="Courier New" panose="02070309020205020404" pitchFamily="49" charset="0"/>
+                <a:cs typeface="Courier New" panose="02070309020205020404" pitchFamily="49" charset="0"/>
+              </a:rPr>
+              <a:t>df_clear</a:t>
+            </a:r>
+            <a:r>
+              <a:rPr lang="en-US" altLang="en-US" sz="1100" dirty="0">
+                <a:latin typeface="Courier New" panose="02070309020205020404" pitchFamily="49" charset="0"/>
+                <a:cs typeface="Courier New" panose="02070309020205020404" pitchFamily="49" charset="0"/>
+              </a:rPr>
+              <a:t>[x]).</a:t>
+            </a:r>
+            <a:r>
+              <a:rPr lang="en-US" altLang="en-US" sz="1100" dirty="0" err="1">
+                <a:latin typeface="Courier New" panose="02070309020205020404" pitchFamily="49" charset="0"/>
+                <a:cs typeface="Courier New" panose="02070309020205020404" pitchFamily="49" charset="0"/>
+              </a:rPr>
+              <a:t>tolist</a:t>
+            </a:r>
+            <a:r>
+              <a:rPr lang="en-US" altLang="en-US" sz="1100" dirty="0">
+                <a:latin typeface="Courier New" panose="02070309020205020404" pitchFamily="49" charset="0"/>
+                <a:cs typeface="Courier New" panose="02070309020205020404" pitchFamily="49" charset="0"/>
+              </a:rPr>
+              <a:t>(),</a:t>
+            </a:r>
+            <a:r>
+              <a:rPr lang="en-US" altLang="en-US" sz="1100" dirty="0" err="1">
+                <a:latin typeface="Courier New" panose="02070309020205020404" pitchFamily="49" charset="0"/>
+                <a:cs typeface="Courier New" panose="02070309020205020404" pitchFamily="49" charset="0"/>
+              </a:rPr>
+              <a:t>parties_election.columns</a:t>
+            </a:r>
+            <a:r>
+              <a:rPr lang="en-US" altLang="en-US" sz="1100" dirty="0">
+                <a:latin typeface="Courier New" panose="02070309020205020404" pitchFamily="49" charset="0"/>
+                <a:cs typeface="Courier New" panose="02070309020205020404" pitchFamily="49" charset="0"/>
+              </a:rPr>
+              <a:t>))</a:t>
+            </a:r>
+          </a:p>
+          <a:p>
+            <a:pPr lvl="0" defTabSz="914400" eaLnBrk="0" fontAlgn="base" hangingPunct="0">
+              <a:spcBef>
+                <a:spcPct val="0"/>
+              </a:spcBef>
+              <a:spcAft>
+                <a:spcPct val="0"/>
+              </a:spcAft>
+              <a:defRPr/>
+            </a:pPr>
+            <a:r>
+              <a:rPr lang="en-US" altLang="en-US" sz="1100" dirty="0">
+                <a:latin typeface="Courier New" panose="02070309020205020404" pitchFamily="49" charset="0"/>
+                <a:cs typeface="Courier New" panose="02070309020205020404" pitchFamily="49" charset="0"/>
+              </a:rPr>
+              <a:t>    return </a:t>
+            </a:r>
+            <a:r>
+              <a:rPr lang="en-US" altLang="en-US" sz="1100" dirty="0" err="1">
+                <a:latin typeface="Courier New" panose="02070309020205020404" pitchFamily="49" charset="0"/>
+                <a:cs typeface="Courier New" panose="02070309020205020404" pitchFamily="49" charset="0"/>
+              </a:rPr>
+              <a:t>parties_election_np</a:t>
+            </a:r>
+            <a:r>
+              <a:rPr lang="en-US" altLang="en-US" sz="1100" dirty="0">
+                <a:latin typeface="Courier New" panose="02070309020205020404" pitchFamily="49" charset="0"/>
+                <a:cs typeface="Courier New" panose="02070309020205020404" pitchFamily="49" charset="0"/>
+              </a:rPr>
+              <a:t>, counties, </a:t>
+            </a:r>
+            <a:r>
+              <a:rPr lang="en-US" altLang="en-US" sz="1100" dirty="0" err="1">
+                <a:latin typeface="Courier New" panose="02070309020205020404" pitchFamily="49" charset="0"/>
+                <a:cs typeface="Courier New" panose="02070309020205020404" pitchFamily="49" charset="0"/>
+              </a:rPr>
+              <a:t>colorsdef</a:t>
+            </a:r>
+            <a:r>
+              <a:rPr lang="en-US" altLang="en-US" sz="1100" dirty="0">
+                <a:latin typeface="Courier New" panose="02070309020205020404" pitchFamily="49" charset="0"/>
+                <a:cs typeface="Courier New" panose="02070309020205020404" pitchFamily="49" charset="0"/>
+              </a:rPr>
+              <a:t> main():</a:t>
+            </a:r>
+          </a:p>
+          <a:p>
+            <a:pPr lvl="0" defTabSz="914400" eaLnBrk="0" fontAlgn="base" hangingPunct="0">
+              <a:spcBef>
+                <a:spcPct val="0"/>
+              </a:spcBef>
+              <a:spcAft>
+                <a:spcPct val="0"/>
+              </a:spcAft>
+              <a:defRPr/>
+            </a:pPr>
+            <a:r>
+              <a:rPr kumimoji="0" lang="en-US" altLang="en-US" sz="1100" i="0" u="none" strike="noStrike" kern="1200" cap="none" spc="0" normalizeH="0" baseline="0" noProof="0" dirty="0">
+                <a:ln>
+                  <a:noFill/>
+                </a:ln>
+                <a:effectLst/>
+                <a:uLnTx/>
+                <a:uFillTx/>
+                <a:latin typeface="Courier New" panose="02070309020205020404" pitchFamily="49" charset="0"/>
+                <a:cs typeface="Courier New" panose="02070309020205020404" pitchFamily="49" charset="0"/>
+              </a:rPr>
+              <a:t>    #read Colorado csv</a:t>
+            </a:r>
+            <a:endParaRPr lang="en-US" altLang="en-US" sz="1100" dirty="0">
+              <a:latin typeface="Courier New" panose="02070309020205020404" pitchFamily="49" charset="0"/>
+              <a:cs typeface="Courier New" panose="02070309020205020404" pitchFamily="49" charset="0"/>
+            </a:endParaRPr>
+          </a:p>
+          <a:p>
+            <a:pPr lvl="0" defTabSz="914400" eaLnBrk="0" fontAlgn="base" hangingPunct="0">
+              <a:spcBef>
+                <a:spcPct val="0"/>
+              </a:spcBef>
+              <a:spcAft>
+                <a:spcPct val="0"/>
+              </a:spcAft>
+              <a:defRPr/>
+            </a:pPr>
+            <a:r>
+              <a:rPr lang="en-US" altLang="en-US" sz="1100" dirty="0">
+                <a:latin typeface="Courier New" panose="02070309020205020404" pitchFamily="49" charset="0"/>
+                <a:cs typeface="Courier New" panose="02070309020205020404" pitchFamily="49" charset="0"/>
+              </a:rPr>
+              <a:t>    CO = </a:t>
+            </a:r>
+            <a:r>
+              <a:rPr lang="en-US" altLang="en-US" sz="1100" dirty="0" err="1">
+                <a:latin typeface="Courier New" panose="02070309020205020404" pitchFamily="49" charset="0"/>
+                <a:cs typeface="Courier New" panose="02070309020205020404" pitchFamily="49" charset="0"/>
+              </a:rPr>
+              <a:t>pd.read_csv</a:t>
+            </a:r>
+            <a:r>
+              <a:rPr lang="en-US" altLang="en-US" sz="1100" dirty="0">
+                <a:latin typeface="Courier New" panose="02070309020205020404" pitchFamily="49" charset="0"/>
+                <a:cs typeface="Courier New" panose="02070309020205020404" pitchFamily="49" charset="0"/>
+              </a:rPr>
+              <a:t>('CGGED.csv', header = 2)</a:t>
+            </a:r>
+          </a:p>
+          <a:p>
+            <a:pPr lvl="0" defTabSz="914400" eaLnBrk="0" fontAlgn="base" hangingPunct="0">
+              <a:spcBef>
+                <a:spcPct val="0"/>
+              </a:spcBef>
+              <a:spcAft>
+                <a:spcPct val="0"/>
+              </a:spcAft>
+              <a:defRPr/>
+            </a:pPr>
+            <a:r>
+              <a:rPr lang="en-US" altLang="en-US" sz="1100" dirty="0">
+                <a:latin typeface="Courier New" panose="02070309020205020404" pitchFamily="49" charset="0"/>
+                <a:cs typeface="Courier New" panose="02070309020205020404" pitchFamily="49" charset="0"/>
+              </a:rPr>
+              <a:t>    #change it into </a:t>
+            </a:r>
+            <a:r>
+              <a:rPr lang="en-US" altLang="en-US" sz="1100" dirty="0" err="1">
+                <a:latin typeface="Courier New" panose="02070309020205020404" pitchFamily="49" charset="0"/>
+                <a:cs typeface="Courier New" panose="02070309020205020404" pitchFamily="49" charset="0"/>
+              </a:rPr>
+              <a:t>DataFrame</a:t>
+            </a:r>
+            <a:r>
+              <a:rPr lang="en-US" altLang="en-US" sz="1100" dirty="0">
+                <a:latin typeface="Courier New" panose="02070309020205020404" pitchFamily="49" charset="0"/>
+                <a:cs typeface="Courier New" panose="02070309020205020404" pitchFamily="49" charset="0"/>
+              </a:rPr>
+              <a:t> type</a:t>
+            </a:r>
+          </a:p>
+          <a:p>
+            <a:pPr lvl="0" defTabSz="914400" eaLnBrk="0" fontAlgn="base" hangingPunct="0">
+              <a:spcBef>
+                <a:spcPct val="0"/>
+              </a:spcBef>
+              <a:spcAft>
+                <a:spcPct val="0"/>
+              </a:spcAft>
+              <a:defRPr/>
+            </a:pPr>
+            <a:r>
+              <a:rPr lang="en-US" altLang="en-US" sz="1100" dirty="0">
+                <a:latin typeface="Courier New" panose="02070309020205020404" pitchFamily="49" charset="0"/>
+                <a:cs typeface="Courier New" panose="02070309020205020404" pitchFamily="49" charset="0"/>
+              </a:rPr>
+              <a:t>    </a:t>
+            </a:r>
+            <a:r>
+              <a:rPr lang="en-US" altLang="en-US" sz="1100" dirty="0" err="1">
+                <a:latin typeface="Courier New" panose="02070309020205020404" pitchFamily="49" charset="0"/>
+                <a:cs typeface="Courier New" panose="02070309020205020404" pitchFamily="49" charset="0"/>
+              </a:rPr>
+              <a:t>CO_df</a:t>
+            </a:r>
+            <a:r>
+              <a:rPr lang="en-US" altLang="en-US" sz="1100" dirty="0">
+                <a:latin typeface="Courier New" panose="02070309020205020404" pitchFamily="49" charset="0"/>
+                <a:cs typeface="Courier New" panose="02070309020205020404" pitchFamily="49" charset="0"/>
+              </a:rPr>
+              <a:t> = </a:t>
+            </a:r>
+            <a:r>
+              <a:rPr lang="en-US" altLang="en-US" sz="1100" dirty="0" err="1">
+                <a:latin typeface="Courier New" panose="02070309020205020404" pitchFamily="49" charset="0"/>
+                <a:cs typeface="Courier New" panose="02070309020205020404" pitchFamily="49" charset="0"/>
+              </a:rPr>
+              <a:t>pd.DataFrame</a:t>
+            </a:r>
+            <a:r>
+              <a:rPr lang="en-US" altLang="en-US" sz="1100" dirty="0">
+                <a:latin typeface="Courier New" panose="02070309020205020404" pitchFamily="49" charset="0"/>
+                <a:cs typeface="Courier New" panose="02070309020205020404" pitchFamily="49" charset="0"/>
+              </a:rPr>
+              <a:t>(CO)</a:t>
+            </a:r>
+          </a:p>
+          <a:p>
+            <a:pPr lvl="0" defTabSz="914400" eaLnBrk="0" fontAlgn="base" hangingPunct="0">
+              <a:spcBef>
+                <a:spcPct val="0"/>
+              </a:spcBef>
+              <a:spcAft>
+                <a:spcPct val="0"/>
+              </a:spcAft>
+              <a:defRPr/>
+            </a:pPr>
+            <a:r>
+              <a:rPr kumimoji="0" lang="en-US" altLang="en-US" sz="1100" i="0" u="none" strike="noStrike" kern="1200" cap="none" spc="0" normalizeH="0" baseline="0" noProof="0" dirty="0">
+                <a:ln>
+                  <a:noFill/>
+                </a:ln>
+                <a:effectLst/>
+                <a:uLnTx/>
+                <a:uFillTx/>
+                <a:latin typeface="Courier New" panose="02070309020205020404" pitchFamily="49" charset="0"/>
+                <a:cs typeface="Courier New" panose="02070309020205020404" pitchFamily="49" charset="0"/>
+              </a:rPr>
+              <a:t>    </a:t>
+            </a:r>
+            <a:r>
+              <a:rPr lang="en-US" altLang="en-US" sz="1100" dirty="0" err="1">
+                <a:latin typeface="Courier New" panose="02070309020205020404" pitchFamily="49" charset="0"/>
+                <a:cs typeface="Courier New" panose="02070309020205020404" pitchFamily="49" charset="0"/>
+              </a:rPr>
+              <a:t>CO_elections</a:t>
+            </a:r>
+            <a:r>
+              <a:rPr lang="en-US" altLang="en-US" sz="1100" dirty="0">
+                <a:latin typeface="Courier New" panose="02070309020205020404" pitchFamily="49" charset="0"/>
+                <a:cs typeface="Courier New" panose="02070309020205020404" pitchFamily="49" charset="0"/>
+              </a:rPr>
+              <a:t>, </a:t>
+            </a:r>
+            <a:r>
+              <a:rPr lang="en-US" altLang="en-US" sz="1100" dirty="0" err="1">
+                <a:latin typeface="Courier New" panose="02070309020205020404" pitchFamily="49" charset="0"/>
+                <a:cs typeface="Courier New" panose="02070309020205020404" pitchFamily="49" charset="0"/>
+              </a:rPr>
+              <a:t>CO_counties</a:t>
+            </a:r>
+            <a:r>
+              <a:rPr lang="en-US" altLang="en-US" sz="1100" dirty="0">
+                <a:latin typeface="Courier New" panose="02070309020205020404" pitchFamily="49" charset="0"/>
+                <a:cs typeface="Courier New" panose="02070309020205020404" pitchFamily="49" charset="0"/>
+              </a:rPr>
+              <a:t>, </a:t>
+            </a:r>
+            <a:r>
+              <a:rPr lang="en-US" altLang="en-US" sz="1100" dirty="0" err="1">
+                <a:latin typeface="Courier New" panose="02070309020205020404" pitchFamily="49" charset="0"/>
+                <a:cs typeface="Courier New" panose="02070309020205020404" pitchFamily="49" charset="0"/>
+              </a:rPr>
+              <a:t>CO_colors</a:t>
+            </a:r>
+            <a:r>
+              <a:rPr lang="en-US" altLang="en-US" sz="1100" dirty="0">
+                <a:latin typeface="Courier New" panose="02070309020205020404" pitchFamily="49" charset="0"/>
+                <a:cs typeface="Courier New" panose="02070309020205020404" pitchFamily="49" charset="0"/>
+              </a:rPr>
+              <a:t> = </a:t>
+            </a:r>
+            <a:r>
+              <a:rPr lang="en-US" altLang="en-US" sz="1100" dirty="0" err="1">
+                <a:latin typeface="Courier New" panose="02070309020205020404" pitchFamily="49" charset="0"/>
+                <a:cs typeface="Courier New" panose="02070309020205020404" pitchFamily="49" charset="0"/>
+              </a:rPr>
+              <a:t>coData</a:t>
+            </a:r>
+            <a:r>
+              <a:rPr lang="en-US" altLang="en-US" sz="1100" dirty="0">
+                <a:latin typeface="Courier New" panose="02070309020205020404" pitchFamily="49" charset="0"/>
+                <a:cs typeface="Courier New" panose="02070309020205020404" pitchFamily="49" charset="0"/>
+              </a:rPr>
+              <a:t>(</a:t>
+            </a:r>
+            <a:r>
+              <a:rPr lang="en-US" altLang="en-US" sz="1100" dirty="0" err="1">
+                <a:latin typeface="Courier New" panose="02070309020205020404" pitchFamily="49" charset="0"/>
+                <a:cs typeface="Courier New" panose="02070309020205020404" pitchFamily="49" charset="0"/>
+              </a:rPr>
+              <a:t>CO_df</a:t>
+            </a:r>
+            <a:r>
+              <a:rPr lang="en-US" altLang="en-US" sz="1100" dirty="0">
+                <a:latin typeface="Courier New" panose="02070309020205020404" pitchFamily="49" charset="0"/>
+                <a:cs typeface="Courier New" panose="02070309020205020404" pitchFamily="49" charset="0"/>
+              </a:rPr>
+              <a:t>)</a:t>
+            </a:r>
+            <a:endParaRPr kumimoji="0" lang="en-US" altLang="en-US" sz="2800" i="0" u="none" strike="noStrike" kern="1200" cap="none" spc="0" normalizeH="0" baseline="0" noProof="0" dirty="0">
+              <a:ln>
+                <a:noFill/>
+              </a:ln>
+              <a:effectLst/>
+              <a:uLnTx/>
+              <a:uFillTx/>
+              <a:latin typeface="Arial" panose="020B0604020202020204" pitchFamily="34" charset="0"/>
+            </a:endParaRPr>
+          </a:p>
+        </p:txBody>
+      </p:sp>
+      <p:pic>
+        <p:nvPicPr>
+          <p:cNvPr id="9" name="图片 8">
+            <a:extLst>
+              <a:ext uri="{FF2B5EF4-FFF2-40B4-BE49-F238E27FC236}">
+                <a16:creationId xmlns:a16="http://schemas.microsoft.com/office/drawing/2014/main" id="{25C5BC8F-5E40-413A-8BDA-A3E547AB46F6}"/>
+              </a:ext>
+            </a:extLst>
+          </p:cNvPr>
+          <p:cNvPicPr>
+            <a:picLocks noChangeAspect="1"/>
+          </p:cNvPicPr>
+          <p:nvPr/>
+        </p:nvPicPr>
+        <p:blipFill>
+          <a:blip r:embed="rId2"/>
+          <a:stretch>
+            <a:fillRect/>
+          </a:stretch>
+        </p:blipFill>
+        <p:spPr>
+          <a:xfrm>
+            <a:off x="821635" y="3371929"/>
+            <a:ext cx="3722085" cy="2737469"/>
+          </a:xfrm>
+          <a:prstGeom prst="rect">
+            <a:avLst/>
+          </a:prstGeom>
+        </p:spPr>
+      </p:pic>
+      <p:pic>
+        <p:nvPicPr>
+          <p:cNvPr id="11" name="图片 10">
+            <a:extLst>
+              <a:ext uri="{FF2B5EF4-FFF2-40B4-BE49-F238E27FC236}">
+                <a16:creationId xmlns:a16="http://schemas.microsoft.com/office/drawing/2014/main" id="{1324E068-F7C2-48B3-9A55-E62D3C981C7F}"/>
+              </a:ext>
+            </a:extLst>
+          </p:cNvPr>
+          <p:cNvPicPr>
+            <a:picLocks noChangeAspect="1"/>
+          </p:cNvPicPr>
+          <p:nvPr/>
+        </p:nvPicPr>
+        <p:blipFill>
+          <a:blip r:embed="rId3"/>
+          <a:stretch>
+            <a:fillRect/>
+          </a:stretch>
+        </p:blipFill>
+        <p:spPr>
+          <a:xfrm>
+            <a:off x="4543720" y="3371929"/>
+            <a:ext cx="1325995" cy="2737469"/>
+          </a:xfrm>
+          <a:prstGeom prst="rect">
+            <a:avLst/>
+          </a:prstGeom>
+        </p:spPr>
+      </p:pic>
     </p:spTree>
     <p:extLst>
       <p:ext uri="{BB962C8B-B14F-4D97-AF65-F5344CB8AC3E}">
-        <p14:creationId xmlns:p14="http://schemas.microsoft.com/office/powerpoint/2010/main" val="73174220"/>
+        <p14:creationId xmlns:p14="http://schemas.microsoft.com/office/powerpoint/2010/main" val="1357531516"/>
       </p:ext>
     </p:extLst>
   </p:cSld>
@@ -7959,6 +10013,112 @@
 </file>
 
 <file path=ppt/slides/slide4.xml><?xml version="1.0" encoding="utf-8"?>
+<p:sld xmlns:a="http://schemas.openxmlformats.org/drawingml/2006/main" xmlns:r="http://schemas.openxmlformats.org/officeDocument/2006/relationships" xmlns:p="http://schemas.openxmlformats.org/presentationml/2006/main">
+  <p:cSld>
+    <p:spTree>
+      <p:nvGrpSpPr>
+        <p:cNvPr id="1" name=""/>
+        <p:cNvGrpSpPr/>
+        <p:nvPr/>
+      </p:nvGrpSpPr>
+      <p:grpSpPr>
+        <a:xfrm>
+          <a:off x="0" y="0"/>
+          <a:ext cx="0" cy="0"/>
+          <a:chOff x="0" y="0"/>
+          <a:chExt cx="0" cy="0"/>
+        </a:xfrm>
+      </p:grpSpPr>
+      <p:sp>
+        <p:nvSpPr>
+          <p:cNvPr id="2" name="Title 1">
+            <a:extLst>
+              <a:ext uri="{FF2B5EF4-FFF2-40B4-BE49-F238E27FC236}">
+                <a16:creationId xmlns:a16="http://schemas.microsoft.com/office/drawing/2014/main" id="{B663AEC8-6646-48B2-A733-C5433CC6061D}"/>
+              </a:ext>
+            </a:extLst>
+          </p:cNvPr>
+          <p:cNvSpPr>
+            <a:spLocks noGrp="1"/>
+          </p:cNvSpPr>
+          <p:nvPr>
+            <p:ph type="title"/>
+          </p:nvPr>
+        </p:nvSpPr>
+        <p:spPr>
+          <a:xfrm>
+            <a:off x="2592925" y="624110"/>
+            <a:ext cx="8911687" cy="1280890"/>
+          </a:xfrm>
+        </p:spPr>
+        <p:txBody>
+          <a:bodyPr>
+            <a:normAutofit fontScale="90000"/>
+          </a:bodyPr>
+          <a:lstStyle/>
+          <a:p>
+            <a:r>
+              <a:rPr lang="en-US"/>
+              <a:t>Using Plotly</a:t>
+            </a:r>
+            <a:br>
+              <a:rPr lang="en-US"/>
+            </a:br>
+            <a:r>
+              <a:rPr lang="en-US"/>
+              <a:t>Vertical Bar Chart</a:t>
+            </a:r>
+            <a:br>
+              <a:rPr lang="en-US"/>
+            </a:br>
+            <a:endParaRPr lang="en-US" dirty="0"/>
+          </a:p>
+        </p:txBody>
+      </p:sp>
+      <p:pic>
+        <p:nvPicPr>
+          <p:cNvPr id="4" name="Picture 3">
+            <a:extLst>
+              <a:ext uri="{FF2B5EF4-FFF2-40B4-BE49-F238E27FC236}">
+                <a16:creationId xmlns:a16="http://schemas.microsoft.com/office/drawing/2014/main" id="{FF21EE1D-6843-4859-89E0-BDCF85D7F605}"/>
+              </a:ext>
+            </a:extLst>
+          </p:cNvPr>
+          <p:cNvPicPr>
+            <a:picLocks noChangeAspect="1"/>
+          </p:cNvPicPr>
+          <p:nvPr/>
+        </p:nvPicPr>
+        <p:blipFill>
+          <a:blip r:embed="rId2"/>
+          <a:stretch>
+            <a:fillRect/>
+          </a:stretch>
+        </p:blipFill>
+        <p:spPr>
+          <a:xfrm>
+            <a:off x="1663418" y="1905000"/>
+            <a:ext cx="9664154" cy="4667250"/>
+          </a:xfrm>
+          <a:prstGeom prst="rect">
+            <a:avLst/>
+          </a:prstGeom>
+        </p:spPr>
+      </p:pic>
+    </p:spTree>
+    <p:extLst>
+      <p:ext uri="{BB962C8B-B14F-4D97-AF65-F5344CB8AC3E}">
+        <p14:creationId xmlns:p14="http://schemas.microsoft.com/office/powerpoint/2010/main" val="3470662803"/>
+      </p:ext>
+    </p:extLst>
+  </p:cSld>
+  <p:clrMapOvr>
+    <a:masterClrMapping/>
+  </p:clrMapOvr>
+</p:sld>
+</file>
+
+<file path=ppt/slides/slide5.xml><?xml version="1.0" encoding="utf-8"?>
 <p:sld xmlns:a="http://schemas.openxmlformats.org/drawingml/2006/main" xmlns:r="http://schemas.openxmlformats.org/officeDocument/2006/relationships" xmlns:p="http://schemas.openxmlformats.org/presentationml/2006/main">
   <p:cSld>
     <p:spTree>
@@ -9937,7 +12097,7 @@
           <a:graphicData uri="http://schemas.openxmlformats.org/presentationml/2006/ole">
             <mc:AlternateContent xmlns:mc="http://schemas.openxmlformats.org/markup-compatibility/2006">
               <mc:Choice xmlns:v="urn:schemas-microsoft-com:vml" Requires="v">
-                <p:oleObj spid="_x0000_s1029" name="Worksheet" r:id="rId3" imgW="5191233" imgH="3057538" progId="Excel.Sheet.12">
+                <p:oleObj spid="_x0000_s1030" name="Worksheet" r:id="rId3" imgW="5191233" imgH="3057538" progId="Excel.Sheet.12">
                   <p:embed/>
                 </p:oleObj>
               </mc:Choice>
@@ -9946,7 +12106,13 @@
                   <p:embed/>
                   <p:pic>
                     <p:nvPicPr>
-                      <p:cNvPr id="0" name=""/>
+                      <p:cNvPr id="6" name="Object 5">
+                        <a:extLst>
+                          <a:ext uri="{FF2B5EF4-FFF2-40B4-BE49-F238E27FC236}">
+                            <a16:creationId xmlns:a16="http://schemas.microsoft.com/office/drawing/2014/main" id="{A20B9C81-BF25-4D16-A4C8-00DADDCD5E69}"/>
+                          </a:ext>
+                        </a:extLst>
+                      </p:cNvPr>
                       <p:cNvPicPr/>
                       <p:nvPr/>
                     </p:nvPicPr>
@@ -9976,148 +12142,6 @@
     <p:extLst>
       <p:ext uri="{BB962C8B-B14F-4D97-AF65-F5344CB8AC3E}">
         <p14:creationId xmlns:p14="http://schemas.microsoft.com/office/powerpoint/2010/main" val="3137011964"/>
-      </p:ext>
-    </p:extLst>
-  </p:cSld>
-  <p:clrMapOvr>
-    <a:masterClrMapping/>
-  </p:clrMapOvr>
-</p:sld>
-</file>
-
-<file path=ppt/slides/slide5.xml><?xml version="1.0" encoding="utf-8"?>
-<p:sld xmlns:a="http://schemas.openxmlformats.org/drawingml/2006/main" xmlns:r="http://schemas.openxmlformats.org/officeDocument/2006/relationships" xmlns:p="http://schemas.openxmlformats.org/presentationml/2006/main">
-  <p:cSld>
-    <p:spTree>
-      <p:nvGrpSpPr>
-        <p:cNvPr id="1" name=""/>
-        <p:cNvGrpSpPr/>
-        <p:nvPr/>
-      </p:nvGrpSpPr>
-      <p:grpSpPr>
-        <a:xfrm>
-          <a:off x="0" y="0"/>
-          <a:ext cx="0" cy="0"/>
-          <a:chOff x="0" y="0"/>
-          <a:chExt cx="0" cy="0"/>
-        </a:xfrm>
-      </p:grpSpPr>
-      <p:sp>
-        <p:nvSpPr>
-          <p:cNvPr id="2" name="Title 1">
-            <a:extLst>
-              <a:ext uri="{FF2B5EF4-FFF2-40B4-BE49-F238E27FC236}">
-                <a16:creationId xmlns:a16="http://schemas.microsoft.com/office/drawing/2014/main" id="{B663AEC8-6646-48B2-A733-C5433CC6061D}"/>
-              </a:ext>
-            </a:extLst>
-          </p:cNvPr>
-          <p:cNvSpPr>
-            <a:spLocks noGrp="1"/>
-          </p:cNvSpPr>
-          <p:nvPr>
-            <p:ph type="title"/>
-          </p:nvPr>
-        </p:nvSpPr>
-        <p:spPr/>
-        <p:txBody>
-          <a:bodyPr/>
-          <a:lstStyle/>
-          <a:p>
-            <a:r>
-              <a:rPr lang="en-US" dirty="0"/>
-              <a:t>Using </a:t>
-            </a:r>
-            <a:r>
-              <a:rPr lang="en-US" dirty="0" err="1"/>
-              <a:t>Plotly</a:t>
-            </a:r>
-            <a:endParaRPr lang="en-US" dirty="0"/>
-          </a:p>
-        </p:txBody>
-      </p:sp>
-      <p:sp>
-        <p:nvSpPr>
-          <p:cNvPr id="3" name="Content Placeholder 2">
-            <a:extLst>
-              <a:ext uri="{FF2B5EF4-FFF2-40B4-BE49-F238E27FC236}">
-                <a16:creationId xmlns:a16="http://schemas.microsoft.com/office/drawing/2014/main" id="{6207D7D2-FD51-4A48-9F71-E86B357BFD98}"/>
-              </a:ext>
-            </a:extLst>
-          </p:cNvPr>
-          <p:cNvSpPr>
-            <a:spLocks noGrp="1"/>
-          </p:cNvSpPr>
-          <p:nvPr>
-            <p:ph idx="1"/>
-          </p:nvPr>
-        </p:nvSpPr>
-        <p:spPr/>
-        <p:txBody>
-          <a:bodyPr/>
-          <a:lstStyle/>
-          <a:p>
-            <a:r>
-              <a:rPr lang="en-US" dirty="0"/>
-              <a:t>Using </a:t>
-            </a:r>
-            <a:r>
-              <a:rPr lang="en-US" dirty="0" err="1"/>
-              <a:t>Plotly</a:t>
-            </a:r>
-            <a:endParaRPr lang="en-US" dirty="0"/>
-          </a:p>
-          <a:p>
-            <a:pPr lvl="1"/>
-            <a:r>
-              <a:rPr lang="en-US" dirty="0"/>
-              <a:t>Easy to Install</a:t>
-            </a:r>
-          </a:p>
-          <a:p>
-            <a:pPr lvl="1"/>
-            <a:r>
-              <a:rPr lang="en-US" dirty="0"/>
-              <a:t>It’s really a JavaScript library</a:t>
-            </a:r>
-          </a:p>
-          <a:p>
-            <a:pPr lvl="1"/>
-            <a:r>
-              <a:rPr lang="en-US" dirty="0"/>
-              <a:t>It takes JSON</a:t>
-            </a:r>
-          </a:p>
-          <a:p>
-            <a:pPr lvl="1"/>
-            <a:r>
-              <a:rPr lang="en-US" dirty="0"/>
-              <a:t>The JSON can be built using Python lists and dictionaries</a:t>
-            </a:r>
-          </a:p>
-          <a:p>
-            <a:pPr lvl="1"/>
-            <a:r>
-              <a:rPr lang="en-US" dirty="0"/>
-              <a:t>Some of the visualizations are hard. Others are easy.</a:t>
-            </a:r>
-          </a:p>
-          <a:p>
-            <a:pPr lvl="1"/>
-            <a:r>
-              <a:rPr lang="en-US" dirty="0" err="1"/>
-              <a:t>Jupyter</a:t>
-            </a:r>
-            <a:r>
-              <a:rPr lang="en-US" dirty="0"/>
-              <a:t>??</a:t>
-            </a:r>
-          </a:p>
-        </p:txBody>
-      </p:sp>
-    </p:spTree>
-    <p:extLst>
-      <p:ext uri="{BB962C8B-B14F-4D97-AF65-F5344CB8AC3E}">
-        <p14:creationId xmlns:p14="http://schemas.microsoft.com/office/powerpoint/2010/main" val="2364038438"/>
       </p:ext>
     </p:extLst>
   </p:cSld>
@@ -10162,9 +12186,7 @@
         </p:nvSpPr>
         <p:spPr/>
         <p:txBody>
-          <a:bodyPr>
-            <a:normAutofit fontScale="90000"/>
-          </a:bodyPr>
+          <a:bodyPr/>
           <a:lstStyle/>
           <a:p>
             <a:r>
@@ -10175,54 +12197,350 @@
               <a:rPr lang="en-US" dirty="0" err="1"/>
               <a:t>Plotly</a:t>
             </a:r>
-            <a:br>
-              <a:rPr lang="en-US" dirty="0"/>
-            </a:br>
-            <a:r>
-              <a:rPr lang="en-US" dirty="0"/>
-              <a:t>Horizontal Bar Chart</a:t>
-            </a:r>
-            <a:br>
-              <a:rPr lang="en-US" dirty="0"/>
-            </a:br>
             <a:endParaRPr lang="en-US" dirty="0"/>
           </a:p>
         </p:txBody>
       </p:sp>
-      <p:pic>
-        <p:nvPicPr>
-          <p:cNvPr id="5" name="Picture 4">
+      <p:sp>
+        <p:nvSpPr>
+          <p:cNvPr id="3" name="Content Placeholder 2">
             <a:extLst>
               <a:ext uri="{FF2B5EF4-FFF2-40B4-BE49-F238E27FC236}">
-                <a16:creationId xmlns:a16="http://schemas.microsoft.com/office/drawing/2014/main" id="{A9CBE7D8-B4F8-4A70-9FC9-958AE7B1E447}"/>
+                <a16:creationId xmlns:a16="http://schemas.microsoft.com/office/drawing/2014/main" id="{6207D7D2-FD51-4A48-9F71-E86B357BFD98}"/>
               </a:ext>
             </a:extLst>
           </p:cNvPr>
-          <p:cNvPicPr>
-            <a:picLocks noChangeAspect="1"/>
-          </p:cNvPicPr>
-          <p:nvPr/>
-        </p:nvPicPr>
-        <p:blipFill>
-          <a:blip r:embed="rId2"/>
-          <a:stretch>
-            <a:fillRect/>
-          </a:stretch>
-        </p:blipFill>
+          <p:cNvSpPr>
+            <a:spLocks noGrp="1"/>
+          </p:cNvSpPr>
+          <p:nvPr>
+            <p:ph idx="1"/>
+          </p:nvPr>
+        </p:nvSpPr>
         <p:spPr>
           <a:xfrm>
-            <a:off x="2309646" y="2184237"/>
-            <a:ext cx="8530633" cy="4066592"/>
+            <a:off x="1943169" y="1517374"/>
+            <a:ext cx="8915400" cy="1675992"/>
+          </a:xfrm>
+        </p:spPr>
+        <p:txBody>
+          <a:bodyPr/>
+          <a:lstStyle/>
+          <a:p>
+            <a:pPr lvl="1"/>
+            <a:r>
+              <a:rPr lang="en-US" dirty="0"/>
+              <a:t>Easy to Install the main library.  Supporting graph libraries can be a challenge</a:t>
+            </a:r>
+          </a:p>
+          <a:p>
+            <a:pPr lvl="1"/>
+            <a:r>
+              <a:rPr lang="en-US" dirty="0"/>
+              <a:t>It’s a JavaScript library</a:t>
+            </a:r>
+          </a:p>
+          <a:p>
+            <a:pPr lvl="1"/>
+            <a:r>
+              <a:rPr lang="en-US" dirty="0"/>
+              <a:t>It uses </a:t>
+            </a:r>
+            <a:r>
+              <a:rPr lang="en-US" dirty="0">
+                <a:hlinkClick r:id="rId3"/>
+              </a:rPr>
+              <a:t>JSON</a:t>
+            </a:r>
+            <a:r>
+              <a:rPr lang="en-US" dirty="0"/>
+              <a:t> to describe your visualizations</a:t>
+            </a:r>
+          </a:p>
+          <a:p>
+            <a:pPr lvl="1"/>
+            <a:r>
+              <a:rPr lang="en-US" dirty="0"/>
+              <a:t>The JSON can be built using Python lists and dictionaries</a:t>
+            </a:r>
+          </a:p>
+        </p:txBody>
+      </p:sp>
+      <p:sp>
+        <p:nvSpPr>
+          <p:cNvPr id="6" name="Rectangle 1">
+            <a:extLst>
+              <a:ext uri="{FF2B5EF4-FFF2-40B4-BE49-F238E27FC236}">
+                <a16:creationId xmlns:a16="http://schemas.microsoft.com/office/drawing/2014/main" id="{CBF7476D-ECDF-4440-B124-3B6715565D53}"/>
+              </a:ext>
+            </a:extLst>
+          </p:cNvPr>
+          <p:cNvSpPr>
+            <a:spLocks noChangeArrowheads="1"/>
+          </p:cNvSpPr>
+          <p:nvPr/>
+        </p:nvSpPr>
+        <p:spPr bwMode="auto">
+          <a:xfrm>
+            <a:off x="7623311" y="3387493"/>
+            <a:ext cx="4164495" cy="2800767"/>
           </a:xfrm>
           <a:prstGeom prst="rect">
             <a:avLst/>
           </a:prstGeom>
+          <a:solidFill>
+            <a:srgbClr val="FFFFFF"/>
+          </a:solidFill>
+          <a:ln w="44450">
+            <a:solidFill>
+              <a:schemeClr val="accent1"/>
+            </a:solidFill>
+            <a:miter lim="800000"/>
+            <a:headEnd/>
+            <a:tailEnd/>
+          </a:ln>
+          <a:effectLst/>
+          <a:extLst>
+            <a:ext uri="{AF507438-7753-43E0-B8FC-AC1667EBCBE1}">
+              <a14:hiddenEffects xmlns:a14="http://schemas.microsoft.com/office/drawing/2010/main">
+                <a:effectLst>
+                  <a:outerShdw dist="35921" dir="2700000" algn="ctr" rotWithShape="0">
+                    <a:schemeClr val="bg2"/>
+                  </a:outerShdw>
+                </a:effectLst>
+              </a14:hiddenEffects>
+            </a:ext>
+          </a:extLst>
         </p:spPr>
-      </p:pic>
+        <p:txBody>
+          <a:bodyPr vert="horz" wrap="square" lIns="91440" tIns="45720" rIns="91440" bIns="45720" numCol="1" anchor="ctr" anchorCtr="0" compatLnSpc="1">
+            <a:prstTxWarp prst="textNoShape">
+              <a:avLst/>
+            </a:prstTxWarp>
+            <a:spAutoFit/>
+          </a:bodyPr>
+          <a:lstStyle/>
+          <a:p>
+            <a:r>
+              <a:rPr lang="en-US" sz="1100" dirty="0"/>
+              <a:t>def </a:t>
+            </a:r>
+            <a:r>
+              <a:rPr lang="en-US" sz="1100" dirty="0" err="1"/>
+              <a:t>createBar</a:t>
+            </a:r>
+            <a:r>
+              <a:rPr lang="en-US" sz="1100" dirty="0"/>
+              <a:t> (</a:t>
+            </a:r>
+            <a:r>
+              <a:rPr lang="en-US" sz="1100" dirty="0" err="1"/>
+              <a:t>voteCounts</a:t>
+            </a:r>
+            <a:r>
+              <a:rPr lang="en-US" sz="1100" dirty="0"/>
+              <a:t>, </a:t>
+            </a:r>
+            <a:r>
+              <a:rPr lang="en-US" sz="1100" dirty="0" err="1"/>
+              <a:t>countyName</a:t>
+            </a:r>
+            <a:r>
+              <a:rPr lang="en-US" sz="1100" dirty="0"/>
+              <a:t>, </a:t>
+            </a:r>
+            <a:r>
+              <a:rPr lang="en-US" sz="1100" dirty="0" err="1"/>
+              <a:t>countyColor</a:t>
+            </a:r>
+            <a:r>
+              <a:rPr lang="en-US" sz="1100" dirty="0"/>
+              <a:t>):</a:t>
+            </a:r>
+          </a:p>
+          <a:p>
+            <a:endParaRPr lang="en-US" sz="1100" dirty="0"/>
+          </a:p>
+          <a:p>
+            <a:r>
+              <a:rPr lang="en-US" sz="1100" dirty="0"/>
+              <a:t>    </a:t>
+            </a:r>
+            <a:r>
+              <a:rPr lang="en-US" sz="1100" dirty="0" err="1"/>
+              <a:t>cLine</a:t>
+            </a:r>
+            <a:r>
+              <a:rPr lang="en-US" sz="1100" dirty="0"/>
+              <a:t> = </a:t>
+            </a:r>
+            <a:r>
+              <a:rPr lang="en-US" sz="1100" dirty="0" err="1"/>
+              <a:t>go.Bar</a:t>
+            </a:r>
+            <a:r>
+              <a:rPr lang="en-US" sz="1100" dirty="0"/>
+              <a:t>(</a:t>
+            </a:r>
+          </a:p>
+          <a:p>
+            <a:r>
+              <a:rPr lang="en-US" sz="1100" dirty="0"/>
+              <a:t>        y=['</a:t>
+            </a:r>
+            <a:r>
+              <a:rPr lang="en-US" sz="1100" dirty="0" err="1"/>
+              <a:t>Repulican</a:t>
+            </a:r>
+            <a:r>
+              <a:rPr lang="en-US" sz="1100" dirty="0"/>
+              <a:t>', 'Democrat', 'Other'],</a:t>
+            </a:r>
+          </a:p>
+          <a:p>
+            <a:r>
+              <a:rPr lang="en-US" sz="1100" dirty="0"/>
+              <a:t>        x=[</a:t>
+            </a:r>
+            <a:r>
+              <a:rPr lang="en-US" sz="1100" dirty="0" err="1"/>
+              <a:t>voteCounts</a:t>
+            </a:r>
+            <a:r>
+              <a:rPr lang="en-US" sz="1100" dirty="0"/>
+              <a:t>[0], </a:t>
+            </a:r>
+            <a:r>
+              <a:rPr lang="en-US" sz="1100" dirty="0" err="1"/>
+              <a:t>voteCounts</a:t>
+            </a:r>
+            <a:r>
+              <a:rPr lang="en-US" sz="1100" dirty="0"/>
+              <a:t>[1], </a:t>
+            </a:r>
+            <a:r>
+              <a:rPr lang="en-US" sz="1100" dirty="0" err="1"/>
+              <a:t>voteCounts</a:t>
+            </a:r>
+            <a:r>
+              <a:rPr lang="en-US" sz="1100" dirty="0"/>
+              <a:t>[2]],</a:t>
+            </a:r>
+          </a:p>
+          <a:p>
+            <a:r>
+              <a:rPr lang="en-US" sz="1100" dirty="0"/>
+              <a:t>        name=</a:t>
+            </a:r>
+            <a:r>
+              <a:rPr lang="en-US" sz="1100" dirty="0" err="1"/>
+              <a:t>countyName</a:t>
+            </a:r>
+            <a:r>
+              <a:rPr lang="en-US" sz="1100" dirty="0"/>
+              <a:t>,</a:t>
+            </a:r>
+          </a:p>
+          <a:p>
+            <a:r>
+              <a:rPr lang="en-US" sz="1100" dirty="0"/>
+              <a:t>        orientation = 'h',</a:t>
+            </a:r>
+          </a:p>
+          <a:p>
+            <a:r>
+              <a:rPr lang="en-US" sz="1100" dirty="0"/>
+              <a:t>        marker = </a:t>
+            </a:r>
+            <a:r>
+              <a:rPr lang="en-US" sz="1100" dirty="0" err="1"/>
+              <a:t>dict</a:t>
+            </a:r>
+            <a:r>
+              <a:rPr lang="en-US" sz="1100" dirty="0"/>
+              <a:t>(</a:t>
+            </a:r>
+          </a:p>
+          <a:p>
+            <a:r>
+              <a:rPr lang="en-US" sz="1100" dirty="0"/>
+              <a:t>            color = [</a:t>
+            </a:r>
+            <a:r>
+              <a:rPr lang="en-US" sz="1100" dirty="0" err="1"/>
+              <a:t>countyColor,countyColor,countyColor</a:t>
+            </a:r>
+            <a:r>
+              <a:rPr lang="en-US" sz="1100" dirty="0"/>
+              <a:t>],</a:t>
+            </a:r>
+          </a:p>
+          <a:p>
+            <a:r>
+              <a:rPr lang="en-US" sz="1100" dirty="0"/>
+              <a:t>            line = </a:t>
+            </a:r>
+            <a:r>
+              <a:rPr lang="en-US" sz="1100" dirty="0" err="1"/>
+              <a:t>dict</a:t>
+            </a:r>
+            <a:r>
+              <a:rPr lang="en-US" sz="1100" dirty="0"/>
+              <a:t>(</a:t>
+            </a:r>
+          </a:p>
+          <a:p>
+            <a:r>
+              <a:rPr lang="en-US" sz="1100" dirty="0"/>
+              <a:t>                color = '</a:t>
+            </a:r>
+            <a:r>
+              <a:rPr lang="en-US" sz="1100" dirty="0" err="1"/>
+              <a:t>rgba</a:t>
+            </a:r>
+            <a:r>
+              <a:rPr lang="en-US" sz="1100" dirty="0"/>
+              <a:t>(0, 0, 0, 1.0)',</a:t>
+            </a:r>
+          </a:p>
+          <a:p>
+            <a:r>
+              <a:rPr lang="en-US" sz="1100" dirty="0"/>
+              <a:t>                width = 3)</a:t>
+            </a:r>
+          </a:p>
+          <a:p>
+            <a:r>
+              <a:rPr lang="en-US" sz="1100" dirty="0"/>
+              <a:t>        )</a:t>
+            </a:r>
+          </a:p>
+          <a:p>
+            <a:r>
+              <a:rPr lang="en-US" sz="1100" dirty="0"/>
+              <a:t>    )</a:t>
+            </a:r>
+          </a:p>
+          <a:p>
+            <a:endParaRPr lang="en-US" sz="1100" dirty="0"/>
+          </a:p>
+          <a:p>
+            <a:r>
+              <a:rPr lang="en-US" sz="1100" dirty="0"/>
+              <a:t>    return </a:t>
+            </a:r>
+            <a:r>
+              <a:rPr lang="en-US" sz="1100" dirty="0" err="1"/>
+              <a:t>cLine</a:t>
+            </a:r>
+            <a:endParaRPr lang="en-US" sz="1100" dirty="0"/>
+          </a:p>
+        </p:txBody>
+      </p:sp>
     </p:spTree>
     <p:extLst>
       <p:ext uri="{BB962C8B-B14F-4D97-AF65-F5344CB8AC3E}">
-        <p14:creationId xmlns:p14="http://schemas.microsoft.com/office/powerpoint/2010/main" val="606036557"/>
+        <p14:creationId xmlns:p14="http://schemas.microsoft.com/office/powerpoint/2010/main" val="2364038438"/>
       </p:ext>
     </p:extLst>
   </p:cSld>
@@ -10284,8 +12602,20 @@
               <a:rPr lang="en-US" dirty="0"/>
             </a:br>
             <a:r>
+              <a:rPr lang="en-US" dirty="0">
+                <a:hlinkClick r:id="rId2"/>
+              </a:rPr>
+              <a:t>Horizontal Bar Chart </a:t>
+            </a:r>
+            <a:r>
               <a:rPr lang="en-US" dirty="0"/>
-              <a:t>Arizona Election Data Horizontal Bar Chart</a:t>
+              <a:t>– </a:t>
+            </a:r>
+            <a:r>
+              <a:rPr lang="en-US" dirty="0">
+                <a:hlinkClick r:id="rId3"/>
+              </a:rPr>
+              <a:t>MN Results</a:t>
             </a:r>
             <a:br>
               <a:rPr lang="en-US" dirty="0"/>
@@ -10294,10 +12624,40 @@
           </a:p>
         </p:txBody>
       </p:sp>
+      <p:pic>
+        <p:nvPicPr>
+          <p:cNvPr id="7" name="Picture 6">
+            <a:extLst>
+              <a:ext uri="{FF2B5EF4-FFF2-40B4-BE49-F238E27FC236}">
+                <a16:creationId xmlns:a16="http://schemas.microsoft.com/office/drawing/2014/main" id="{B5714534-C80C-4DC6-9336-D650C2261B52}"/>
+              </a:ext>
+            </a:extLst>
+          </p:cNvPr>
+          <p:cNvPicPr>
+            <a:picLocks noChangeAspect="1"/>
+          </p:cNvPicPr>
+          <p:nvPr/>
+        </p:nvPicPr>
+        <p:blipFill>
+          <a:blip r:embed="rId4"/>
+          <a:stretch>
+            <a:fillRect/>
+          </a:stretch>
+        </p:blipFill>
+        <p:spPr>
+          <a:xfrm>
+            <a:off x="2176669" y="1905000"/>
+            <a:ext cx="9428922" cy="4713347"/>
+          </a:xfrm>
+          <a:prstGeom prst="rect">
+            <a:avLst/>
+          </a:prstGeom>
+        </p:spPr>
+      </p:pic>
     </p:spTree>
     <p:extLst>
       <p:ext uri="{BB962C8B-B14F-4D97-AF65-F5344CB8AC3E}">
-        <p14:creationId xmlns:p14="http://schemas.microsoft.com/office/powerpoint/2010/main" val="3042691540"/>
+        <p14:creationId xmlns:p14="http://schemas.microsoft.com/office/powerpoint/2010/main" val="606036557"/>
       </p:ext>
     </p:extLst>
   </p:cSld>
@@ -10308,6 +12668,1344 @@
 </file>
 
 <file path=ppt/slides/slide8.xml><?xml version="1.0" encoding="utf-8"?>
+<p:sld xmlns:a="http://schemas.openxmlformats.org/drawingml/2006/main" xmlns:r="http://schemas.openxmlformats.org/officeDocument/2006/relationships" xmlns:p="http://schemas.openxmlformats.org/presentationml/2006/main">
+  <p:cSld>
+    <p:spTree>
+      <p:nvGrpSpPr>
+        <p:cNvPr id="1" name=""/>
+        <p:cNvGrpSpPr/>
+        <p:nvPr/>
+      </p:nvGrpSpPr>
+      <p:grpSpPr>
+        <a:xfrm>
+          <a:off x="0" y="0"/>
+          <a:ext cx="0" cy="0"/>
+          <a:chOff x="0" y="0"/>
+          <a:chExt cx="0" cy="0"/>
+        </a:xfrm>
+      </p:grpSpPr>
+      <p:sp>
+        <p:nvSpPr>
+          <p:cNvPr id="2" name="Title 1">
+            <a:extLst>
+              <a:ext uri="{FF2B5EF4-FFF2-40B4-BE49-F238E27FC236}">
+                <a16:creationId xmlns:a16="http://schemas.microsoft.com/office/drawing/2014/main" id="{053EB343-5F9C-4EB4-A14A-EEA47DBA9A4B}"/>
+              </a:ext>
+            </a:extLst>
+          </p:cNvPr>
+          <p:cNvSpPr>
+            <a:spLocks noGrp="1"/>
+          </p:cNvSpPr>
+          <p:nvPr>
+            <p:ph type="title"/>
+          </p:nvPr>
+        </p:nvSpPr>
+        <p:spPr/>
+        <p:txBody>
+          <a:bodyPr/>
+          <a:lstStyle/>
+          <a:p>
+            <a:r>
+              <a:rPr lang="en-US" dirty="0"/>
+              <a:t>Transforming The Data for Minnesota</a:t>
+            </a:r>
+          </a:p>
+        </p:txBody>
+      </p:sp>
+      <p:sp>
+        <p:nvSpPr>
+          <p:cNvPr id="3" name="Content Placeholder 2">
+            <a:extLst>
+              <a:ext uri="{FF2B5EF4-FFF2-40B4-BE49-F238E27FC236}">
+                <a16:creationId xmlns:a16="http://schemas.microsoft.com/office/drawing/2014/main" id="{2EBBC175-F330-42D7-B627-F9B36D30B597}"/>
+              </a:ext>
+            </a:extLst>
+          </p:cNvPr>
+          <p:cNvSpPr>
+            <a:spLocks noGrp="1"/>
+          </p:cNvSpPr>
+          <p:nvPr>
+            <p:ph idx="1"/>
+          </p:nvPr>
+        </p:nvSpPr>
+        <p:spPr>
+          <a:xfrm>
+            <a:off x="821634" y="1472911"/>
+            <a:ext cx="5366101" cy="2202873"/>
+          </a:xfrm>
+        </p:spPr>
+        <p:txBody>
+          <a:bodyPr/>
+          <a:lstStyle/>
+          <a:p>
+            <a:r>
+              <a:rPr lang="en-US" dirty="0"/>
+              <a:t>Original text file was at precinct level</a:t>
+            </a:r>
+          </a:p>
+          <a:p>
+            <a:r>
+              <a:rPr lang="en-US" dirty="0"/>
+              <a:t>Data needed to be collapsed to county level</a:t>
+            </a:r>
+          </a:p>
+          <a:p>
+            <a:r>
+              <a:rPr lang="en-US" dirty="0"/>
+              <a:t>Inserted FIPS codes for each county</a:t>
+            </a:r>
+          </a:p>
+          <a:p>
+            <a:r>
+              <a:rPr lang="en-US" dirty="0"/>
+              <a:t>Ready for </a:t>
+            </a:r>
+            <a:r>
+              <a:rPr lang="en-US" dirty="0" err="1"/>
+              <a:t>Plotly</a:t>
+            </a:r>
+            <a:r>
+              <a:rPr lang="en-US" dirty="0"/>
+              <a:t> map</a:t>
+            </a:r>
+          </a:p>
+          <a:p>
+            <a:pPr marL="0" indent="0">
+              <a:buNone/>
+            </a:pPr>
+            <a:endParaRPr lang="en-US" dirty="0"/>
+          </a:p>
+        </p:txBody>
+      </p:sp>
+      <p:sp>
+        <p:nvSpPr>
+          <p:cNvPr id="5" name="Rectangle 1">
+            <a:extLst>
+              <a:ext uri="{FF2B5EF4-FFF2-40B4-BE49-F238E27FC236}">
+                <a16:creationId xmlns:a16="http://schemas.microsoft.com/office/drawing/2014/main" id="{E9BE27AA-AB4F-4549-88DA-5334DBB5DBD5}"/>
+              </a:ext>
+            </a:extLst>
+          </p:cNvPr>
+          <p:cNvSpPr>
+            <a:spLocks noChangeArrowheads="1"/>
+          </p:cNvSpPr>
+          <p:nvPr/>
+        </p:nvSpPr>
+        <p:spPr bwMode="auto">
+          <a:xfrm>
+            <a:off x="6338656" y="2666248"/>
+            <a:ext cx="5448371" cy="2460866"/>
+          </a:xfrm>
+          <a:prstGeom prst="rect">
+            <a:avLst/>
+          </a:prstGeom>
+          <a:solidFill>
+            <a:srgbClr val="FFFFFF"/>
+          </a:solidFill>
+          <a:ln w="44450">
+            <a:solidFill>
+              <a:schemeClr val="accent1"/>
+            </a:solidFill>
+            <a:miter lim="800000"/>
+            <a:headEnd/>
+            <a:tailEnd/>
+          </a:ln>
+          <a:effectLst/>
+          <a:extLst>
+            <a:ext uri="{AF507438-7753-43E0-B8FC-AC1667EBCBE1}">
+              <a14:hiddenEffects xmlns:a14="http://schemas.microsoft.com/office/drawing/2010/main">
+                <a:effectLst>
+                  <a:outerShdw dist="35921" dir="2700000" algn="ctr" rotWithShape="0">
+                    <a:schemeClr val="bg2"/>
+                  </a:outerShdw>
+                </a:effectLst>
+              </a14:hiddenEffects>
+            </a:ext>
+          </a:extLst>
+        </p:spPr>
+        <p:txBody>
+          <a:bodyPr vert="horz" wrap="square" lIns="91440" tIns="45720" rIns="91440" bIns="45720" numCol="1" anchor="ctr" anchorCtr="0" compatLnSpc="1">
+            <a:prstTxWarp prst="textNoShape">
+              <a:avLst/>
+            </a:prstTxWarp>
+            <a:spAutoFit/>
+          </a:bodyPr>
+          <a:lstStyle/>
+          <a:p>
+            <a:pPr>
+              <a:lnSpc>
+                <a:spcPct val="107000"/>
+              </a:lnSpc>
+              <a:tabLst>
+                <a:tab pos="581660" algn="l"/>
+                <a:tab pos="1163320" algn="l"/>
+                <a:tab pos="1744980" algn="l"/>
+                <a:tab pos="2326640" algn="l"/>
+                <a:tab pos="2908300" algn="l"/>
+                <a:tab pos="3489960" algn="l"/>
+                <a:tab pos="4071620" algn="l"/>
+                <a:tab pos="4653280" algn="l"/>
+                <a:tab pos="5234940" algn="l"/>
+                <a:tab pos="5816600" algn="l"/>
+                <a:tab pos="6398260" algn="l"/>
+                <a:tab pos="6979920" algn="l"/>
+                <a:tab pos="7561580" algn="l"/>
+                <a:tab pos="8143240" algn="l"/>
+                <a:tab pos="8724900" algn="l"/>
+                <a:tab pos="9306560" algn="l"/>
+              </a:tabLst>
+            </a:pPr>
+            <a:r>
+              <a:rPr lang="en-US" sz="900" b="1" dirty="0">
+                <a:solidFill>
+                  <a:srgbClr val="000080"/>
+                </a:solidFill>
+                <a:latin typeface="Courier New" panose="02070309020205020404" pitchFamily="49" charset="0"/>
+                <a:ea typeface="Times New Roman" panose="02020603050405020304" pitchFamily="18" charset="0"/>
+                <a:cs typeface="Times New Roman" panose="02020603050405020304" pitchFamily="18" charset="0"/>
+              </a:rPr>
+              <a:t>def </a:t>
+            </a:r>
+            <a:r>
+              <a:rPr lang="en-US" sz="900" dirty="0" err="1">
+                <a:solidFill>
+                  <a:srgbClr val="000000"/>
+                </a:solidFill>
+                <a:latin typeface="Courier New" panose="02070309020205020404" pitchFamily="49" charset="0"/>
+                <a:ea typeface="Times New Roman" panose="02020603050405020304" pitchFamily="18" charset="0"/>
+                <a:cs typeface="Times New Roman" panose="02020603050405020304" pitchFamily="18" charset="0"/>
+              </a:rPr>
+              <a:t>CollapsePrecincts</a:t>
+            </a:r>
+            <a:r>
+              <a:rPr lang="en-US" sz="900" dirty="0">
+                <a:solidFill>
+                  <a:srgbClr val="000000"/>
+                </a:solidFill>
+                <a:latin typeface="Courier New" panose="02070309020205020404" pitchFamily="49" charset="0"/>
+                <a:ea typeface="Times New Roman" panose="02020603050405020304" pitchFamily="18" charset="0"/>
+                <a:cs typeface="Times New Roman" panose="02020603050405020304" pitchFamily="18" charset="0"/>
+              </a:rPr>
+              <a:t>(Precincts):</a:t>
+            </a:r>
+            <a:br>
+              <a:rPr lang="en-US" sz="900" dirty="0">
+                <a:solidFill>
+                  <a:srgbClr val="000000"/>
+                </a:solidFill>
+                <a:latin typeface="Courier New" panose="02070309020205020404" pitchFamily="49" charset="0"/>
+                <a:ea typeface="Times New Roman" panose="02020603050405020304" pitchFamily="18" charset="0"/>
+                <a:cs typeface="Times New Roman" panose="02020603050405020304" pitchFamily="18" charset="0"/>
+              </a:rPr>
+            </a:br>
+            <a:r>
+              <a:rPr lang="en-US" sz="900" dirty="0">
+                <a:solidFill>
+                  <a:srgbClr val="000000"/>
+                </a:solidFill>
+                <a:latin typeface="Courier New" panose="02070309020205020404" pitchFamily="49" charset="0"/>
+                <a:ea typeface="Times New Roman" panose="02020603050405020304" pitchFamily="18" charset="0"/>
+                <a:cs typeface="Times New Roman" panose="02020603050405020304" pitchFamily="18" charset="0"/>
+              </a:rPr>
+              <a:t>    </a:t>
+            </a:r>
+            <a:r>
+              <a:rPr lang="en-US" sz="900" i="1" dirty="0">
+                <a:solidFill>
+                  <a:srgbClr val="808080"/>
+                </a:solidFill>
+                <a:latin typeface="Courier New" panose="02070309020205020404" pitchFamily="49" charset="0"/>
+                <a:ea typeface="Times New Roman" panose="02020603050405020304" pitchFamily="18" charset="0"/>
+                <a:cs typeface="Times New Roman" panose="02020603050405020304" pitchFamily="18" charset="0"/>
+              </a:rPr>
+              <a:t># a collection of precincts sorted by county, precinct.</a:t>
+            </a:r>
+            <a:br>
+              <a:rPr lang="en-US" sz="900" i="1" dirty="0">
+                <a:solidFill>
+                  <a:srgbClr val="808080"/>
+                </a:solidFill>
+                <a:latin typeface="Courier New" panose="02070309020205020404" pitchFamily="49" charset="0"/>
+                <a:ea typeface="Times New Roman" panose="02020603050405020304" pitchFamily="18" charset="0"/>
+                <a:cs typeface="Times New Roman" panose="02020603050405020304" pitchFamily="18" charset="0"/>
+              </a:rPr>
+            </a:br>
+            <a:r>
+              <a:rPr lang="en-US" sz="900" i="1" dirty="0">
+                <a:solidFill>
+                  <a:srgbClr val="808080"/>
+                </a:solidFill>
+                <a:latin typeface="Courier New" panose="02070309020205020404" pitchFamily="49" charset="0"/>
+                <a:ea typeface="Times New Roman" panose="02020603050405020304" pitchFamily="18" charset="0"/>
+                <a:cs typeface="Times New Roman" panose="02020603050405020304" pitchFamily="18" charset="0"/>
+              </a:rPr>
+              <a:t>    # Collapse each precinct into its county and sum the votes.</a:t>
+            </a:r>
+            <a:br>
+              <a:rPr lang="en-US" sz="900" i="1" dirty="0">
+                <a:solidFill>
+                  <a:srgbClr val="808080"/>
+                </a:solidFill>
+                <a:latin typeface="Courier New" panose="02070309020205020404" pitchFamily="49" charset="0"/>
+                <a:ea typeface="Times New Roman" panose="02020603050405020304" pitchFamily="18" charset="0"/>
+                <a:cs typeface="Times New Roman" panose="02020603050405020304" pitchFamily="18" charset="0"/>
+              </a:rPr>
+            </a:br>
+            <a:br>
+              <a:rPr lang="en-US" sz="900" i="1" dirty="0">
+                <a:solidFill>
+                  <a:srgbClr val="808080"/>
+                </a:solidFill>
+                <a:latin typeface="Courier New" panose="02070309020205020404" pitchFamily="49" charset="0"/>
+                <a:ea typeface="Times New Roman" panose="02020603050405020304" pitchFamily="18" charset="0"/>
+                <a:cs typeface="Times New Roman" panose="02020603050405020304" pitchFamily="18" charset="0"/>
+              </a:rPr>
+            </a:br>
+            <a:r>
+              <a:rPr lang="en-US" sz="900" i="1" dirty="0">
+                <a:solidFill>
+                  <a:srgbClr val="808080"/>
+                </a:solidFill>
+                <a:latin typeface="Courier New" panose="02070309020205020404" pitchFamily="49" charset="0"/>
+                <a:ea typeface="Times New Roman" panose="02020603050405020304" pitchFamily="18" charset="0"/>
+                <a:cs typeface="Times New Roman" panose="02020603050405020304" pitchFamily="18" charset="0"/>
+              </a:rPr>
+              <a:t>    </a:t>
+            </a:r>
+            <a:r>
+              <a:rPr lang="en-US" sz="900" dirty="0" err="1">
+                <a:solidFill>
+                  <a:srgbClr val="000000"/>
+                </a:solidFill>
+                <a:latin typeface="Courier New" panose="02070309020205020404" pitchFamily="49" charset="0"/>
+                <a:ea typeface="Times New Roman" panose="02020603050405020304" pitchFamily="18" charset="0"/>
+                <a:cs typeface="Times New Roman" panose="02020603050405020304" pitchFamily="18" charset="0"/>
+              </a:rPr>
+              <a:t>currentCountyName</a:t>
+            </a:r>
+            <a:r>
+              <a:rPr lang="en-US" sz="900" dirty="0">
+                <a:solidFill>
+                  <a:srgbClr val="000000"/>
+                </a:solidFill>
+                <a:latin typeface="Courier New" panose="02070309020205020404" pitchFamily="49" charset="0"/>
+                <a:ea typeface="Times New Roman" panose="02020603050405020304" pitchFamily="18" charset="0"/>
+                <a:cs typeface="Times New Roman" panose="02020603050405020304" pitchFamily="18" charset="0"/>
+              </a:rPr>
+              <a:t> = </a:t>
+            </a:r>
+            <a:r>
+              <a:rPr lang="en-US" sz="900" b="1" dirty="0">
+                <a:solidFill>
+                  <a:srgbClr val="008080"/>
+                </a:solidFill>
+                <a:latin typeface="Courier New" panose="02070309020205020404" pitchFamily="49" charset="0"/>
+                <a:ea typeface="Times New Roman" panose="02020603050405020304" pitchFamily="18" charset="0"/>
+                <a:cs typeface="Times New Roman" panose="02020603050405020304" pitchFamily="18" charset="0"/>
+              </a:rPr>
+              <a:t>""</a:t>
+            </a:r>
+            <a:br>
+              <a:rPr lang="en-US" sz="900" b="1" dirty="0">
+                <a:solidFill>
+                  <a:srgbClr val="008080"/>
+                </a:solidFill>
+                <a:latin typeface="Courier New" panose="02070309020205020404" pitchFamily="49" charset="0"/>
+                <a:ea typeface="Times New Roman" panose="02020603050405020304" pitchFamily="18" charset="0"/>
+                <a:cs typeface="Times New Roman" panose="02020603050405020304" pitchFamily="18" charset="0"/>
+              </a:rPr>
+            </a:br>
+            <a:r>
+              <a:rPr lang="en-US" sz="900" b="1" dirty="0">
+                <a:solidFill>
+                  <a:srgbClr val="008080"/>
+                </a:solidFill>
+                <a:latin typeface="Courier New" panose="02070309020205020404" pitchFamily="49" charset="0"/>
+                <a:ea typeface="Times New Roman" panose="02020603050405020304" pitchFamily="18" charset="0"/>
+                <a:cs typeface="Times New Roman" panose="02020603050405020304" pitchFamily="18" charset="0"/>
+              </a:rPr>
+              <a:t>    </a:t>
+            </a:r>
+            <a:r>
+              <a:rPr lang="en-US" sz="900" dirty="0" err="1">
+                <a:solidFill>
+                  <a:srgbClr val="000000"/>
+                </a:solidFill>
+                <a:latin typeface="Courier New" panose="02070309020205020404" pitchFamily="49" charset="0"/>
+                <a:ea typeface="Times New Roman" panose="02020603050405020304" pitchFamily="18" charset="0"/>
+                <a:cs typeface="Times New Roman" panose="02020603050405020304" pitchFamily="18" charset="0"/>
+              </a:rPr>
+              <a:t>dataLines</a:t>
+            </a:r>
+            <a:r>
+              <a:rPr lang="en-US" sz="900" dirty="0">
+                <a:solidFill>
+                  <a:srgbClr val="000000"/>
+                </a:solidFill>
+                <a:latin typeface="Courier New" panose="02070309020205020404" pitchFamily="49" charset="0"/>
+                <a:ea typeface="Times New Roman" panose="02020603050405020304" pitchFamily="18" charset="0"/>
+                <a:cs typeface="Times New Roman" panose="02020603050405020304" pitchFamily="18" charset="0"/>
+              </a:rPr>
+              <a:t> = []</a:t>
+            </a:r>
+            <a:br>
+              <a:rPr lang="en-US" sz="900" dirty="0">
+                <a:solidFill>
+                  <a:srgbClr val="000000"/>
+                </a:solidFill>
+                <a:latin typeface="Courier New" panose="02070309020205020404" pitchFamily="49" charset="0"/>
+                <a:ea typeface="Times New Roman" panose="02020603050405020304" pitchFamily="18" charset="0"/>
+                <a:cs typeface="Times New Roman" panose="02020603050405020304" pitchFamily="18" charset="0"/>
+              </a:rPr>
+            </a:br>
+            <a:r>
+              <a:rPr lang="en-US" sz="900" dirty="0">
+                <a:solidFill>
+                  <a:srgbClr val="000000"/>
+                </a:solidFill>
+                <a:latin typeface="Courier New" panose="02070309020205020404" pitchFamily="49" charset="0"/>
+                <a:ea typeface="Times New Roman" panose="02020603050405020304" pitchFamily="18" charset="0"/>
+                <a:cs typeface="Times New Roman" panose="02020603050405020304" pitchFamily="18" charset="0"/>
+              </a:rPr>
+              <a:t>    </a:t>
+            </a:r>
+            <a:r>
+              <a:rPr lang="en-US" sz="900" dirty="0" err="1">
+                <a:solidFill>
+                  <a:srgbClr val="000000"/>
+                </a:solidFill>
+                <a:latin typeface="Courier New" panose="02070309020205020404" pitchFamily="49" charset="0"/>
+                <a:ea typeface="Times New Roman" panose="02020603050405020304" pitchFamily="18" charset="0"/>
+                <a:cs typeface="Times New Roman" panose="02020603050405020304" pitchFamily="18" charset="0"/>
+              </a:rPr>
+              <a:t>dataLine</a:t>
+            </a:r>
+            <a:r>
+              <a:rPr lang="en-US" sz="900" dirty="0">
+                <a:solidFill>
+                  <a:srgbClr val="000000"/>
+                </a:solidFill>
+                <a:latin typeface="Courier New" panose="02070309020205020404" pitchFamily="49" charset="0"/>
+                <a:ea typeface="Times New Roman" panose="02020603050405020304" pitchFamily="18" charset="0"/>
+                <a:cs typeface="Times New Roman" panose="02020603050405020304" pitchFamily="18" charset="0"/>
+              </a:rPr>
+              <a:t> = []</a:t>
+            </a:r>
+            <a:br>
+              <a:rPr lang="en-US" sz="900" dirty="0">
+                <a:solidFill>
+                  <a:srgbClr val="000000"/>
+                </a:solidFill>
+                <a:latin typeface="Courier New" panose="02070309020205020404" pitchFamily="49" charset="0"/>
+                <a:ea typeface="Times New Roman" panose="02020603050405020304" pitchFamily="18" charset="0"/>
+                <a:cs typeface="Times New Roman" panose="02020603050405020304" pitchFamily="18" charset="0"/>
+              </a:rPr>
+            </a:br>
+            <a:br>
+              <a:rPr lang="en-US" sz="900" dirty="0">
+                <a:solidFill>
+                  <a:srgbClr val="000000"/>
+                </a:solidFill>
+                <a:latin typeface="Courier New" panose="02070309020205020404" pitchFamily="49" charset="0"/>
+                <a:ea typeface="Times New Roman" panose="02020603050405020304" pitchFamily="18" charset="0"/>
+                <a:cs typeface="Times New Roman" panose="02020603050405020304" pitchFamily="18" charset="0"/>
+              </a:rPr>
+            </a:br>
+            <a:r>
+              <a:rPr lang="en-US" sz="900" dirty="0">
+                <a:solidFill>
+                  <a:srgbClr val="000000"/>
+                </a:solidFill>
+                <a:latin typeface="Courier New" panose="02070309020205020404" pitchFamily="49" charset="0"/>
+                <a:ea typeface="Times New Roman" panose="02020603050405020304" pitchFamily="18" charset="0"/>
+                <a:cs typeface="Times New Roman" panose="02020603050405020304" pitchFamily="18" charset="0"/>
+              </a:rPr>
+              <a:t>    </a:t>
+            </a:r>
+            <a:r>
+              <a:rPr lang="en-US" sz="900" b="1" dirty="0">
+                <a:solidFill>
+                  <a:srgbClr val="000080"/>
+                </a:solidFill>
+                <a:latin typeface="Courier New" panose="02070309020205020404" pitchFamily="49" charset="0"/>
+                <a:ea typeface="Times New Roman" panose="02020603050405020304" pitchFamily="18" charset="0"/>
+                <a:cs typeface="Times New Roman" panose="02020603050405020304" pitchFamily="18" charset="0"/>
+              </a:rPr>
+              <a:t>for </a:t>
+            </a:r>
+            <a:r>
+              <a:rPr lang="en-US" sz="900" dirty="0">
+                <a:solidFill>
+                  <a:srgbClr val="000000"/>
+                </a:solidFill>
+                <a:latin typeface="Courier New" panose="02070309020205020404" pitchFamily="49" charset="0"/>
+                <a:ea typeface="Times New Roman" panose="02020603050405020304" pitchFamily="18" charset="0"/>
+                <a:cs typeface="Times New Roman" panose="02020603050405020304" pitchFamily="18" charset="0"/>
+              </a:rPr>
+              <a:t>precinct </a:t>
+            </a:r>
+            <a:r>
+              <a:rPr lang="en-US" sz="900" b="1" dirty="0">
+                <a:solidFill>
+                  <a:srgbClr val="000080"/>
+                </a:solidFill>
+                <a:latin typeface="Courier New" panose="02070309020205020404" pitchFamily="49" charset="0"/>
+                <a:ea typeface="Times New Roman" panose="02020603050405020304" pitchFamily="18" charset="0"/>
+                <a:cs typeface="Times New Roman" panose="02020603050405020304" pitchFamily="18" charset="0"/>
+              </a:rPr>
+              <a:t>in </a:t>
+            </a:r>
+            <a:r>
+              <a:rPr lang="en-US" sz="900" dirty="0">
+                <a:solidFill>
+                  <a:srgbClr val="000000"/>
+                </a:solidFill>
+                <a:latin typeface="Courier New" panose="02070309020205020404" pitchFamily="49" charset="0"/>
+                <a:ea typeface="Times New Roman" panose="02020603050405020304" pitchFamily="18" charset="0"/>
+                <a:cs typeface="Times New Roman" panose="02020603050405020304" pitchFamily="18" charset="0"/>
+              </a:rPr>
+              <a:t>Precincts:</a:t>
+            </a:r>
+            <a:br>
+              <a:rPr lang="en-US" sz="900" dirty="0">
+                <a:solidFill>
+                  <a:srgbClr val="000000"/>
+                </a:solidFill>
+                <a:latin typeface="Courier New" panose="02070309020205020404" pitchFamily="49" charset="0"/>
+                <a:ea typeface="Times New Roman" panose="02020603050405020304" pitchFamily="18" charset="0"/>
+                <a:cs typeface="Times New Roman" panose="02020603050405020304" pitchFamily="18" charset="0"/>
+              </a:rPr>
+            </a:br>
+            <a:r>
+              <a:rPr lang="en-US" sz="900" dirty="0">
+                <a:solidFill>
+                  <a:srgbClr val="000000"/>
+                </a:solidFill>
+                <a:latin typeface="Courier New" panose="02070309020205020404" pitchFamily="49" charset="0"/>
+                <a:ea typeface="Times New Roman" panose="02020603050405020304" pitchFamily="18" charset="0"/>
+                <a:cs typeface="Times New Roman" panose="02020603050405020304" pitchFamily="18" charset="0"/>
+              </a:rPr>
+              <a:t>        </a:t>
+            </a:r>
+            <a:r>
+              <a:rPr lang="en-US" sz="900" b="1" dirty="0">
+                <a:solidFill>
+                  <a:srgbClr val="000080"/>
+                </a:solidFill>
+                <a:latin typeface="Courier New" panose="02070309020205020404" pitchFamily="49" charset="0"/>
+                <a:ea typeface="Times New Roman" panose="02020603050405020304" pitchFamily="18" charset="0"/>
+                <a:cs typeface="Times New Roman" panose="02020603050405020304" pitchFamily="18" charset="0"/>
+              </a:rPr>
+              <a:t>if </a:t>
+            </a:r>
+            <a:r>
+              <a:rPr lang="en-US" sz="900" dirty="0">
+                <a:solidFill>
+                  <a:srgbClr val="000000"/>
+                </a:solidFill>
+                <a:latin typeface="Courier New" panose="02070309020205020404" pitchFamily="49" charset="0"/>
+                <a:ea typeface="Times New Roman" panose="02020603050405020304" pitchFamily="18" charset="0"/>
+                <a:cs typeface="Times New Roman" panose="02020603050405020304" pitchFamily="18" charset="0"/>
+              </a:rPr>
+              <a:t>precinct[</a:t>
+            </a:r>
+            <a:r>
+              <a:rPr lang="en-US" sz="900" b="1" dirty="0">
+                <a:solidFill>
+                  <a:srgbClr val="008080"/>
+                </a:solidFill>
+                <a:latin typeface="Courier New" panose="02070309020205020404" pitchFamily="49" charset="0"/>
+                <a:ea typeface="Times New Roman" panose="02020603050405020304" pitchFamily="18" charset="0"/>
+                <a:cs typeface="Times New Roman" panose="02020603050405020304" pitchFamily="18" charset="0"/>
+              </a:rPr>
+              <a:t>'</a:t>
+            </a:r>
+            <a:r>
+              <a:rPr lang="en-US" sz="900" b="1" dirty="0" err="1">
+                <a:solidFill>
+                  <a:srgbClr val="008080"/>
+                </a:solidFill>
+                <a:latin typeface="Courier New" panose="02070309020205020404" pitchFamily="49" charset="0"/>
+                <a:ea typeface="Times New Roman" panose="02020603050405020304" pitchFamily="18" charset="0"/>
+                <a:cs typeface="Times New Roman" panose="02020603050405020304" pitchFamily="18" charset="0"/>
+              </a:rPr>
+              <a:t>CountyName</a:t>
+            </a:r>
+            <a:r>
+              <a:rPr lang="en-US" sz="900" b="1" dirty="0">
+                <a:solidFill>
+                  <a:srgbClr val="008080"/>
+                </a:solidFill>
+                <a:latin typeface="Courier New" panose="02070309020205020404" pitchFamily="49" charset="0"/>
+                <a:ea typeface="Times New Roman" panose="02020603050405020304" pitchFamily="18" charset="0"/>
+                <a:cs typeface="Times New Roman" panose="02020603050405020304" pitchFamily="18" charset="0"/>
+              </a:rPr>
+              <a:t>'</a:t>
+            </a:r>
+            <a:r>
+              <a:rPr lang="en-US" sz="900" dirty="0">
+                <a:solidFill>
+                  <a:srgbClr val="000000"/>
+                </a:solidFill>
+                <a:latin typeface="Courier New" panose="02070309020205020404" pitchFamily="49" charset="0"/>
+                <a:ea typeface="Times New Roman" panose="02020603050405020304" pitchFamily="18" charset="0"/>
+                <a:cs typeface="Times New Roman" panose="02020603050405020304" pitchFamily="18" charset="0"/>
+              </a:rPr>
+              <a:t>] == </a:t>
+            </a:r>
+            <a:r>
+              <a:rPr lang="en-US" sz="900" dirty="0" err="1">
+                <a:solidFill>
+                  <a:srgbClr val="000000"/>
+                </a:solidFill>
+                <a:latin typeface="Courier New" panose="02070309020205020404" pitchFamily="49" charset="0"/>
+                <a:ea typeface="Times New Roman" panose="02020603050405020304" pitchFamily="18" charset="0"/>
+                <a:cs typeface="Times New Roman" panose="02020603050405020304" pitchFamily="18" charset="0"/>
+              </a:rPr>
+              <a:t>currentCountyName</a:t>
+            </a:r>
+            <a:r>
+              <a:rPr lang="en-US" sz="900" dirty="0">
+                <a:solidFill>
+                  <a:srgbClr val="000000"/>
+                </a:solidFill>
+                <a:latin typeface="Courier New" panose="02070309020205020404" pitchFamily="49" charset="0"/>
+                <a:ea typeface="Times New Roman" panose="02020603050405020304" pitchFamily="18" charset="0"/>
+                <a:cs typeface="Times New Roman" panose="02020603050405020304" pitchFamily="18" charset="0"/>
+              </a:rPr>
+              <a:t>:</a:t>
+            </a:r>
+            <a:br>
+              <a:rPr lang="en-US" sz="900" dirty="0">
+                <a:solidFill>
+                  <a:srgbClr val="000000"/>
+                </a:solidFill>
+                <a:latin typeface="Courier New" panose="02070309020205020404" pitchFamily="49" charset="0"/>
+                <a:ea typeface="Times New Roman" panose="02020603050405020304" pitchFamily="18" charset="0"/>
+                <a:cs typeface="Times New Roman" panose="02020603050405020304" pitchFamily="18" charset="0"/>
+              </a:rPr>
+            </a:br>
+            <a:r>
+              <a:rPr lang="en-US" sz="900" dirty="0">
+                <a:solidFill>
+                  <a:srgbClr val="000000"/>
+                </a:solidFill>
+                <a:latin typeface="Courier New" panose="02070309020205020404" pitchFamily="49" charset="0"/>
+                <a:ea typeface="Times New Roman" panose="02020603050405020304" pitchFamily="18" charset="0"/>
+                <a:cs typeface="Times New Roman" panose="02020603050405020304" pitchFamily="18" charset="0"/>
+              </a:rPr>
+              <a:t>            </a:t>
+            </a:r>
+            <a:r>
+              <a:rPr lang="en-US" sz="900" b="1" dirty="0">
+                <a:solidFill>
+                  <a:srgbClr val="000080"/>
+                </a:solidFill>
+                <a:latin typeface="Courier New" panose="02070309020205020404" pitchFamily="49" charset="0"/>
+                <a:ea typeface="Times New Roman" panose="02020603050405020304" pitchFamily="18" charset="0"/>
+                <a:cs typeface="Times New Roman" panose="02020603050405020304" pitchFamily="18" charset="0"/>
+              </a:rPr>
+              <a:t>if </a:t>
+            </a:r>
+            <a:r>
+              <a:rPr lang="en-US" sz="900" dirty="0">
+                <a:solidFill>
+                  <a:srgbClr val="000000"/>
+                </a:solidFill>
+                <a:latin typeface="Courier New" panose="02070309020205020404" pitchFamily="49" charset="0"/>
+                <a:ea typeface="Times New Roman" panose="02020603050405020304" pitchFamily="18" charset="0"/>
+                <a:cs typeface="Times New Roman" panose="02020603050405020304" pitchFamily="18" charset="0"/>
+              </a:rPr>
+              <a:t>precinct[</a:t>
+            </a:r>
+            <a:r>
+              <a:rPr lang="en-US" sz="900" b="1" dirty="0">
+                <a:solidFill>
+                  <a:srgbClr val="008080"/>
+                </a:solidFill>
+                <a:latin typeface="Courier New" panose="02070309020205020404" pitchFamily="49" charset="0"/>
+                <a:ea typeface="Times New Roman" panose="02020603050405020304" pitchFamily="18" charset="0"/>
+                <a:cs typeface="Times New Roman" panose="02020603050405020304" pitchFamily="18" charset="0"/>
+              </a:rPr>
+              <a:t>'Party'</a:t>
+            </a:r>
+            <a:r>
+              <a:rPr lang="en-US" sz="900" dirty="0">
+                <a:solidFill>
+                  <a:srgbClr val="000000"/>
+                </a:solidFill>
+                <a:latin typeface="Courier New" panose="02070309020205020404" pitchFamily="49" charset="0"/>
+                <a:ea typeface="Times New Roman" panose="02020603050405020304" pitchFamily="18" charset="0"/>
+                <a:cs typeface="Times New Roman" panose="02020603050405020304" pitchFamily="18" charset="0"/>
+              </a:rPr>
+              <a:t>] == </a:t>
+            </a:r>
+            <a:r>
+              <a:rPr lang="en-US" sz="900" b="1" dirty="0">
+                <a:solidFill>
+                  <a:srgbClr val="008080"/>
+                </a:solidFill>
+                <a:latin typeface="Courier New" panose="02070309020205020404" pitchFamily="49" charset="0"/>
+                <a:ea typeface="Times New Roman" panose="02020603050405020304" pitchFamily="18" charset="0"/>
+                <a:cs typeface="Times New Roman" panose="02020603050405020304" pitchFamily="18" charset="0"/>
+              </a:rPr>
+              <a:t>'R'</a:t>
+            </a:r>
+            <a:r>
+              <a:rPr lang="en-US" sz="900" dirty="0">
+                <a:solidFill>
+                  <a:srgbClr val="000000"/>
+                </a:solidFill>
+                <a:latin typeface="Courier New" panose="02070309020205020404" pitchFamily="49" charset="0"/>
+                <a:ea typeface="Times New Roman" panose="02020603050405020304" pitchFamily="18" charset="0"/>
+                <a:cs typeface="Times New Roman" panose="02020603050405020304" pitchFamily="18" charset="0"/>
+              </a:rPr>
+              <a:t>:</a:t>
+            </a:r>
+            <a:br>
+              <a:rPr lang="en-US" sz="900" dirty="0">
+                <a:solidFill>
+                  <a:srgbClr val="000000"/>
+                </a:solidFill>
+                <a:latin typeface="Courier New" panose="02070309020205020404" pitchFamily="49" charset="0"/>
+                <a:ea typeface="Times New Roman" panose="02020603050405020304" pitchFamily="18" charset="0"/>
+                <a:cs typeface="Times New Roman" panose="02020603050405020304" pitchFamily="18" charset="0"/>
+              </a:rPr>
+            </a:br>
+            <a:r>
+              <a:rPr lang="en-US" sz="900" dirty="0">
+                <a:solidFill>
+                  <a:srgbClr val="000000"/>
+                </a:solidFill>
+                <a:latin typeface="Courier New" panose="02070309020205020404" pitchFamily="49" charset="0"/>
+                <a:ea typeface="Times New Roman" panose="02020603050405020304" pitchFamily="18" charset="0"/>
+                <a:cs typeface="Times New Roman" panose="02020603050405020304" pitchFamily="18" charset="0"/>
+              </a:rPr>
+              <a:t>                </a:t>
+            </a:r>
+            <a:r>
+              <a:rPr lang="en-US" sz="900" dirty="0" err="1">
+                <a:solidFill>
+                  <a:srgbClr val="000000"/>
+                </a:solidFill>
+                <a:latin typeface="Courier New" panose="02070309020205020404" pitchFamily="49" charset="0"/>
+                <a:ea typeface="Times New Roman" panose="02020603050405020304" pitchFamily="18" charset="0"/>
+                <a:cs typeface="Times New Roman" panose="02020603050405020304" pitchFamily="18" charset="0"/>
+              </a:rPr>
+              <a:t>dataLine</a:t>
+            </a:r>
+            <a:r>
+              <a:rPr lang="en-US" sz="900" dirty="0">
+                <a:solidFill>
+                  <a:srgbClr val="000000"/>
+                </a:solidFill>
+                <a:latin typeface="Courier New" panose="02070309020205020404" pitchFamily="49" charset="0"/>
+                <a:ea typeface="Times New Roman" panose="02020603050405020304" pitchFamily="18" charset="0"/>
+                <a:cs typeface="Times New Roman" panose="02020603050405020304" pitchFamily="18" charset="0"/>
+              </a:rPr>
+              <a:t>[</a:t>
+            </a:r>
+            <a:r>
+              <a:rPr lang="en-US" sz="900" dirty="0">
+                <a:solidFill>
+                  <a:srgbClr val="0000FF"/>
+                </a:solidFill>
+                <a:latin typeface="Courier New" panose="02070309020205020404" pitchFamily="49" charset="0"/>
+                <a:ea typeface="Times New Roman" panose="02020603050405020304" pitchFamily="18" charset="0"/>
+                <a:cs typeface="Times New Roman" panose="02020603050405020304" pitchFamily="18" charset="0"/>
+              </a:rPr>
+              <a:t>4</a:t>
+            </a:r>
+            <a:r>
+              <a:rPr lang="en-US" sz="900" dirty="0">
+                <a:solidFill>
+                  <a:srgbClr val="000000"/>
+                </a:solidFill>
+                <a:latin typeface="Courier New" panose="02070309020205020404" pitchFamily="49" charset="0"/>
+                <a:ea typeface="Times New Roman" panose="02020603050405020304" pitchFamily="18" charset="0"/>
+                <a:cs typeface="Times New Roman" panose="02020603050405020304" pitchFamily="18" charset="0"/>
+              </a:rPr>
+              <a:t>] += precinct[</a:t>
+            </a:r>
+            <a:r>
+              <a:rPr lang="en-US" sz="900" b="1" dirty="0">
+                <a:solidFill>
+                  <a:srgbClr val="008080"/>
+                </a:solidFill>
+                <a:latin typeface="Courier New" panose="02070309020205020404" pitchFamily="49" charset="0"/>
+                <a:ea typeface="Times New Roman" panose="02020603050405020304" pitchFamily="18" charset="0"/>
+                <a:cs typeface="Times New Roman" panose="02020603050405020304" pitchFamily="18" charset="0"/>
+              </a:rPr>
+              <a:t>'</a:t>
+            </a:r>
+            <a:r>
+              <a:rPr lang="en-US" sz="900" b="1" dirty="0" err="1">
+                <a:solidFill>
+                  <a:srgbClr val="008080"/>
+                </a:solidFill>
+                <a:latin typeface="Courier New" panose="02070309020205020404" pitchFamily="49" charset="0"/>
+                <a:ea typeface="Times New Roman" panose="02020603050405020304" pitchFamily="18" charset="0"/>
+                <a:cs typeface="Times New Roman" panose="02020603050405020304" pitchFamily="18" charset="0"/>
+              </a:rPr>
+              <a:t>PartyVotes</a:t>
+            </a:r>
+            <a:r>
+              <a:rPr lang="en-US" sz="900" b="1" dirty="0">
+                <a:solidFill>
+                  <a:srgbClr val="008080"/>
+                </a:solidFill>
+                <a:latin typeface="Courier New" panose="02070309020205020404" pitchFamily="49" charset="0"/>
+                <a:ea typeface="Times New Roman" panose="02020603050405020304" pitchFamily="18" charset="0"/>
+                <a:cs typeface="Times New Roman" panose="02020603050405020304" pitchFamily="18" charset="0"/>
+              </a:rPr>
+              <a:t>'</a:t>
+            </a:r>
+            <a:r>
+              <a:rPr lang="en-US" sz="900" dirty="0">
+                <a:solidFill>
+                  <a:srgbClr val="000000"/>
+                </a:solidFill>
+                <a:latin typeface="Courier New" panose="02070309020205020404" pitchFamily="49" charset="0"/>
+                <a:ea typeface="Times New Roman" panose="02020603050405020304" pitchFamily="18" charset="0"/>
+                <a:cs typeface="Times New Roman" panose="02020603050405020304" pitchFamily="18" charset="0"/>
+              </a:rPr>
+              <a:t>]</a:t>
+            </a:r>
+            <a:br>
+              <a:rPr lang="en-US" sz="900" dirty="0">
+                <a:solidFill>
+                  <a:srgbClr val="000000"/>
+                </a:solidFill>
+                <a:latin typeface="Courier New" panose="02070309020205020404" pitchFamily="49" charset="0"/>
+                <a:ea typeface="Times New Roman" panose="02020603050405020304" pitchFamily="18" charset="0"/>
+                <a:cs typeface="Times New Roman" panose="02020603050405020304" pitchFamily="18" charset="0"/>
+              </a:rPr>
+            </a:br>
+            <a:r>
+              <a:rPr lang="en-US" sz="900" dirty="0">
+                <a:solidFill>
+                  <a:srgbClr val="000000"/>
+                </a:solidFill>
+                <a:latin typeface="Courier New" panose="02070309020205020404" pitchFamily="49" charset="0"/>
+                <a:ea typeface="Times New Roman" panose="02020603050405020304" pitchFamily="18" charset="0"/>
+                <a:cs typeface="Times New Roman" panose="02020603050405020304" pitchFamily="18" charset="0"/>
+              </a:rPr>
+              <a:t>            </a:t>
+            </a:r>
+            <a:r>
+              <a:rPr lang="en-US" sz="900" b="1" dirty="0" err="1">
+                <a:solidFill>
+                  <a:srgbClr val="000080"/>
+                </a:solidFill>
+                <a:latin typeface="Courier New" panose="02070309020205020404" pitchFamily="49" charset="0"/>
+                <a:ea typeface="Times New Roman" panose="02020603050405020304" pitchFamily="18" charset="0"/>
+                <a:cs typeface="Times New Roman" panose="02020603050405020304" pitchFamily="18" charset="0"/>
+              </a:rPr>
+              <a:t>elif</a:t>
+            </a:r>
+            <a:r>
+              <a:rPr lang="en-US" sz="900" b="1" dirty="0">
+                <a:solidFill>
+                  <a:srgbClr val="000080"/>
+                </a:solidFill>
+                <a:latin typeface="Courier New" panose="02070309020205020404" pitchFamily="49" charset="0"/>
+                <a:ea typeface="Times New Roman" panose="02020603050405020304" pitchFamily="18" charset="0"/>
+                <a:cs typeface="Times New Roman" panose="02020603050405020304" pitchFamily="18" charset="0"/>
+              </a:rPr>
+              <a:t> </a:t>
+            </a:r>
+            <a:r>
+              <a:rPr lang="en-US" sz="900" dirty="0">
+                <a:solidFill>
+                  <a:srgbClr val="000000"/>
+                </a:solidFill>
+                <a:latin typeface="Courier New" panose="02070309020205020404" pitchFamily="49" charset="0"/>
+                <a:ea typeface="Times New Roman" panose="02020603050405020304" pitchFamily="18" charset="0"/>
+                <a:cs typeface="Times New Roman" panose="02020603050405020304" pitchFamily="18" charset="0"/>
+              </a:rPr>
+              <a:t>precinct[</a:t>
+            </a:r>
+            <a:r>
+              <a:rPr lang="en-US" sz="900" b="1" dirty="0">
+                <a:solidFill>
+                  <a:srgbClr val="008080"/>
+                </a:solidFill>
+                <a:latin typeface="Courier New" panose="02070309020205020404" pitchFamily="49" charset="0"/>
+                <a:ea typeface="Times New Roman" panose="02020603050405020304" pitchFamily="18" charset="0"/>
+                <a:cs typeface="Times New Roman" panose="02020603050405020304" pitchFamily="18" charset="0"/>
+              </a:rPr>
+              <a:t>'Party'</a:t>
+            </a:r>
+            <a:r>
+              <a:rPr lang="en-US" sz="900" dirty="0">
+                <a:solidFill>
+                  <a:srgbClr val="000000"/>
+                </a:solidFill>
+                <a:latin typeface="Courier New" panose="02070309020205020404" pitchFamily="49" charset="0"/>
+                <a:ea typeface="Times New Roman" panose="02020603050405020304" pitchFamily="18" charset="0"/>
+                <a:cs typeface="Times New Roman" panose="02020603050405020304" pitchFamily="18" charset="0"/>
+              </a:rPr>
+              <a:t>] == </a:t>
+            </a:r>
+            <a:r>
+              <a:rPr lang="en-US" sz="900" b="1" dirty="0">
+                <a:solidFill>
+                  <a:srgbClr val="008080"/>
+                </a:solidFill>
+                <a:latin typeface="Courier New" panose="02070309020205020404" pitchFamily="49" charset="0"/>
+                <a:ea typeface="Times New Roman" panose="02020603050405020304" pitchFamily="18" charset="0"/>
+                <a:cs typeface="Times New Roman" panose="02020603050405020304" pitchFamily="18" charset="0"/>
+              </a:rPr>
+              <a:t>'DFL'</a:t>
+            </a:r>
+            <a:r>
+              <a:rPr lang="en-US" sz="900" dirty="0">
+                <a:solidFill>
+                  <a:srgbClr val="000000"/>
+                </a:solidFill>
+                <a:latin typeface="Courier New" panose="02070309020205020404" pitchFamily="49" charset="0"/>
+                <a:ea typeface="Times New Roman" panose="02020603050405020304" pitchFamily="18" charset="0"/>
+                <a:cs typeface="Times New Roman" panose="02020603050405020304" pitchFamily="18" charset="0"/>
+              </a:rPr>
+              <a:t>:</a:t>
+            </a:r>
+            <a:br>
+              <a:rPr lang="en-US" sz="900" dirty="0">
+                <a:solidFill>
+                  <a:srgbClr val="000000"/>
+                </a:solidFill>
+                <a:latin typeface="Courier New" panose="02070309020205020404" pitchFamily="49" charset="0"/>
+                <a:ea typeface="Times New Roman" panose="02020603050405020304" pitchFamily="18" charset="0"/>
+                <a:cs typeface="Times New Roman" panose="02020603050405020304" pitchFamily="18" charset="0"/>
+              </a:rPr>
+            </a:br>
+            <a:r>
+              <a:rPr lang="en-US" sz="900" dirty="0">
+                <a:solidFill>
+                  <a:srgbClr val="000000"/>
+                </a:solidFill>
+                <a:latin typeface="Courier New" panose="02070309020205020404" pitchFamily="49" charset="0"/>
+                <a:ea typeface="Times New Roman" panose="02020603050405020304" pitchFamily="18" charset="0"/>
+                <a:cs typeface="Times New Roman" panose="02020603050405020304" pitchFamily="18" charset="0"/>
+              </a:rPr>
+              <a:t>                </a:t>
+            </a:r>
+            <a:r>
+              <a:rPr lang="en-US" sz="900" dirty="0" err="1">
+                <a:solidFill>
+                  <a:srgbClr val="000000"/>
+                </a:solidFill>
+                <a:latin typeface="Courier New" panose="02070309020205020404" pitchFamily="49" charset="0"/>
+                <a:ea typeface="Times New Roman" panose="02020603050405020304" pitchFamily="18" charset="0"/>
+                <a:cs typeface="Times New Roman" panose="02020603050405020304" pitchFamily="18" charset="0"/>
+              </a:rPr>
+              <a:t>dataLine</a:t>
+            </a:r>
+            <a:r>
+              <a:rPr lang="en-US" sz="900" dirty="0">
+                <a:solidFill>
+                  <a:srgbClr val="000000"/>
+                </a:solidFill>
+                <a:latin typeface="Courier New" panose="02070309020205020404" pitchFamily="49" charset="0"/>
+                <a:ea typeface="Times New Roman" panose="02020603050405020304" pitchFamily="18" charset="0"/>
+                <a:cs typeface="Times New Roman" panose="02020603050405020304" pitchFamily="18" charset="0"/>
+              </a:rPr>
+              <a:t>[</a:t>
+            </a:r>
+            <a:r>
+              <a:rPr lang="en-US" sz="900" dirty="0">
+                <a:solidFill>
+                  <a:srgbClr val="0000FF"/>
+                </a:solidFill>
+                <a:latin typeface="Courier New" panose="02070309020205020404" pitchFamily="49" charset="0"/>
+                <a:ea typeface="Times New Roman" panose="02020603050405020304" pitchFamily="18" charset="0"/>
+                <a:cs typeface="Times New Roman" panose="02020603050405020304" pitchFamily="18" charset="0"/>
+              </a:rPr>
+              <a:t>5</a:t>
+            </a:r>
+            <a:r>
+              <a:rPr lang="en-US" sz="900" dirty="0">
+                <a:solidFill>
+                  <a:srgbClr val="000000"/>
+                </a:solidFill>
+                <a:latin typeface="Courier New" panose="02070309020205020404" pitchFamily="49" charset="0"/>
+                <a:ea typeface="Times New Roman" panose="02020603050405020304" pitchFamily="18" charset="0"/>
+                <a:cs typeface="Times New Roman" panose="02020603050405020304" pitchFamily="18" charset="0"/>
+              </a:rPr>
+              <a:t>] += precinct[</a:t>
+            </a:r>
+            <a:r>
+              <a:rPr lang="en-US" sz="900" b="1" dirty="0">
+                <a:solidFill>
+                  <a:srgbClr val="008080"/>
+                </a:solidFill>
+                <a:latin typeface="Courier New" panose="02070309020205020404" pitchFamily="49" charset="0"/>
+                <a:ea typeface="Times New Roman" panose="02020603050405020304" pitchFamily="18" charset="0"/>
+                <a:cs typeface="Times New Roman" panose="02020603050405020304" pitchFamily="18" charset="0"/>
+              </a:rPr>
+              <a:t>'</a:t>
+            </a:r>
+            <a:r>
+              <a:rPr lang="en-US" sz="900" b="1" dirty="0" err="1">
+                <a:solidFill>
+                  <a:srgbClr val="008080"/>
+                </a:solidFill>
+                <a:latin typeface="Courier New" panose="02070309020205020404" pitchFamily="49" charset="0"/>
+                <a:ea typeface="Times New Roman" panose="02020603050405020304" pitchFamily="18" charset="0"/>
+                <a:cs typeface="Times New Roman" panose="02020603050405020304" pitchFamily="18" charset="0"/>
+              </a:rPr>
+              <a:t>PartyVotes</a:t>
+            </a:r>
+            <a:r>
+              <a:rPr lang="en-US" sz="900" b="1" dirty="0">
+                <a:solidFill>
+                  <a:srgbClr val="008080"/>
+                </a:solidFill>
+                <a:latin typeface="Courier New" panose="02070309020205020404" pitchFamily="49" charset="0"/>
+                <a:ea typeface="Times New Roman" panose="02020603050405020304" pitchFamily="18" charset="0"/>
+                <a:cs typeface="Times New Roman" panose="02020603050405020304" pitchFamily="18" charset="0"/>
+              </a:rPr>
+              <a:t>'</a:t>
+            </a:r>
+            <a:r>
+              <a:rPr lang="en-US" sz="900" dirty="0">
+                <a:solidFill>
+                  <a:srgbClr val="000000"/>
+                </a:solidFill>
+                <a:latin typeface="Courier New" panose="02070309020205020404" pitchFamily="49" charset="0"/>
+                <a:ea typeface="Times New Roman" panose="02020603050405020304" pitchFamily="18" charset="0"/>
+                <a:cs typeface="Times New Roman" panose="02020603050405020304" pitchFamily="18" charset="0"/>
+              </a:rPr>
+              <a:t>]</a:t>
+            </a:r>
+            <a:br>
+              <a:rPr lang="en-US" sz="900" dirty="0">
+                <a:solidFill>
+                  <a:srgbClr val="000000"/>
+                </a:solidFill>
+                <a:latin typeface="Courier New" panose="02070309020205020404" pitchFamily="49" charset="0"/>
+                <a:ea typeface="Times New Roman" panose="02020603050405020304" pitchFamily="18" charset="0"/>
+                <a:cs typeface="Times New Roman" panose="02020603050405020304" pitchFamily="18" charset="0"/>
+              </a:rPr>
+            </a:br>
+            <a:r>
+              <a:rPr lang="en-US" sz="900" dirty="0">
+                <a:solidFill>
+                  <a:srgbClr val="000000"/>
+                </a:solidFill>
+                <a:latin typeface="Courier New" panose="02070309020205020404" pitchFamily="49" charset="0"/>
+                <a:ea typeface="Times New Roman" panose="02020603050405020304" pitchFamily="18" charset="0"/>
+                <a:cs typeface="Times New Roman" panose="02020603050405020304" pitchFamily="18" charset="0"/>
+              </a:rPr>
+              <a:t>            </a:t>
+            </a:r>
+            <a:r>
+              <a:rPr lang="en-US" sz="900" b="1" dirty="0">
+                <a:solidFill>
+                  <a:srgbClr val="000080"/>
+                </a:solidFill>
+                <a:latin typeface="Courier New" panose="02070309020205020404" pitchFamily="49" charset="0"/>
+                <a:ea typeface="Times New Roman" panose="02020603050405020304" pitchFamily="18" charset="0"/>
+                <a:cs typeface="Times New Roman" panose="02020603050405020304" pitchFamily="18" charset="0"/>
+              </a:rPr>
+              <a:t>else</a:t>
+            </a:r>
+            <a:r>
+              <a:rPr lang="en-US" sz="900" dirty="0">
+                <a:solidFill>
+                  <a:srgbClr val="000000"/>
+                </a:solidFill>
+                <a:latin typeface="Courier New" panose="02070309020205020404" pitchFamily="49" charset="0"/>
+                <a:ea typeface="Times New Roman" panose="02020603050405020304" pitchFamily="18" charset="0"/>
+                <a:cs typeface="Times New Roman" panose="02020603050405020304" pitchFamily="18" charset="0"/>
+              </a:rPr>
+              <a:t>:</a:t>
+            </a:r>
+            <a:br>
+              <a:rPr lang="en-US" sz="900" dirty="0">
+                <a:solidFill>
+                  <a:srgbClr val="000000"/>
+                </a:solidFill>
+                <a:latin typeface="Courier New" panose="02070309020205020404" pitchFamily="49" charset="0"/>
+                <a:ea typeface="Times New Roman" panose="02020603050405020304" pitchFamily="18" charset="0"/>
+                <a:cs typeface="Times New Roman" panose="02020603050405020304" pitchFamily="18" charset="0"/>
+              </a:rPr>
+            </a:br>
+            <a:r>
+              <a:rPr lang="en-US" sz="900" dirty="0">
+                <a:solidFill>
+                  <a:srgbClr val="000000"/>
+                </a:solidFill>
+                <a:latin typeface="Courier New" panose="02070309020205020404" pitchFamily="49" charset="0"/>
+                <a:ea typeface="Times New Roman" panose="02020603050405020304" pitchFamily="18" charset="0"/>
+                <a:cs typeface="Times New Roman" panose="02020603050405020304" pitchFamily="18" charset="0"/>
+              </a:rPr>
+              <a:t>                </a:t>
+            </a:r>
+            <a:r>
+              <a:rPr lang="en-US" sz="900" dirty="0" err="1">
+                <a:solidFill>
+                  <a:srgbClr val="000000"/>
+                </a:solidFill>
+                <a:latin typeface="Courier New" panose="02070309020205020404" pitchFamily="49" charset="0"/>
+                <a:ea typeface="Times New Roman" panose="02020603050405020304" pitchFamily="18" charset="0"/>
+                <a:cs typeface="Times New Roman" panose="02020603050405020304" pitchFamily="18" charset="0"/>
+              </a:rPr>
+              <a:t>dataLine</a:t>
+            </a:r>
+            <a:r>
+              <a:rPr lang="en-US" sz="900" dirty="0">
+                <a:solidFill>
+                  <a:srgbClr val="000000"/>
+                </a:solidFill>
+                <a:latin typeface="Courier New" panose="02070309020205020404" pitchFamily="49" charset="0"/>
+                <a:ea typeface="Times New Roman" panose="02020603050405020304" pitchFamily="18" charset="0"/>
+                <a:cs typeface="Times New Roman" panose="02020603050405020304" pitchFamily="18" charset="0"/>
+              </a:rPr>
+              <a:t>[</a:t>
+            </a:r>
+            <a:r>
+              <a:rPr lang="en-US" sz="900" dirty="0">
+                <a:solidFill>
+                  <a:srgbClr val="0000FF"/>
+                </a:solidFill>
+                <a:latin typeface="Courier New" panose="02070309020205020404" pitchFamily="49" charset="0"/>
+                <a:ea typeface="Times New Roman" panose="02020603050405020304" pitchFamily="18" charset="0"/>
+                <a:cs typeface="Times New Roman" panose="02020603050405020304" pitchFamily="18" charset="0"/>
+              </a:rPr>
+              <a:t>6</a:t>
+            </a:r>
+            <a:r>
+              <a:rPr lang="en-US" sz="900" dirty="0">
+                <a:solidFill>
+                  <a:srgbClr val="000000"/>
+                </a:solidFill>
+                <a:latin typeface="Courier New" panose="02070309020205020404" pitchFamily="49" charset="0"/>
+                <a:ea typeface="Times New Roman" panose="02020603050405020304" pitchFamily="18" charset="0"/>
+                <a:cs typeface="Times New Roman" panose="02020603050405020304" pitchFamily="18" charset="0"/>
+              </a:rPr>
+              <a:t>] += precinct[</a:t>
+            </a:r>
+            <a:r>
+              <a:rPr lang="en-US" sz="900" b="1" dirty="0">
+                <a:solidFill>
+                  <a:srgbClr val="008080"/>
+                </a:solidFill>
+                <a:latin typeface="Courier New" panose="02070309020205020404" pitchFamily="49" charset="0"/>
+                <a:ea typeface="Times New Roman" panose="02020603050405020304" pitchFamily="18" charset="0"/>
+                <a:cs typeface="Times New Roman" panose="02020603050405020304" pitchFamily="18" charset="0"/>
+              </a:rPr>
+              <a:t>'</a:t>
+            </a:r>
+            <a:r>
+              <a:rPr lang="en-US" sz="900" b="1" dirty="0" err="1">
+                <a:solidFill>
+                  <a:srgbClr val="008080"/>
+                </a:solidFill>
+                <a:latin typeface="Courier New" panose="02070309020205020404" pitchFamily="49" charset="0"/>
+                <a:ea typeface="Times New Roman" panose="02020603050405020304" pitchFamily="18" charset="0"/>
+                <a:cs typeface="Times New Roman" panose="02020603050405020304" pitchFamily="18" charset="0"/>
+              </a:rPr>
+              <a:t>PartyVotes</a:t>
+            </a:r>
+            <a:r>
+              <a:rPr lang="en-US" sz="900" b="1" dirty="0">
+                <a:solidFill>
+                  <a:srgbClr val="008080"/>
+                </a:solidFill>
+                <a:latin typeface="Courier New" panose="02070309020205020404" pitchFamily="49" charset="0"/>
+                <a:ea typeface="Times New Roman" panose="02020603050405020304" pitchFamily="18" charset="0"/>
+                <a:cs typeface="Times New Roman" panose="02020603050405020304" pitchFamily="18" charset="0"/>
+              </a:rPr>
+              <a:t>'</a:t>
+            </a:r>
+            <a:r>
+              <a:rPr lang="en-US" sz="900" dirty="0">
+                <a:solidFill>
+                  <a:srgbClr val="000000"/>
+                </a:solidFill>
+                <a:latin typeface="Courier New" panose="02070309020205020404" pitchFamily="49" charset="0"/>
+                <a:ea typeface="Times New Roman" panose="02020603050405020304" pitchFamily="18" charset="0"/>
+                <a:cs typeface="Times New Roman" panose="02020603050405020304" pitchFamily="18" charset="0"/>
+              </a:rPr>
+              <a:t>]</a:t>
+            </a:r>
+            <a:endParaRPr lang="en-US" sz="1200" dirty="0">
+              <a:effectLst/>
+              <a:latin typeface="Calibri" panose="020F0502020204030204" pitchFamily="34" charset="0"/>
+              <a:ea typeface="Calibri" panose="020F0502020204030204" pitchFamily="34" charset="0"/>
+              <a:cs typeface="Times New Roman" panose="02020603050405020304" pitchFamily="18" charset="0"/>
+            </a:endParaRPr>
+          </a:p>
+        </p:txBody>
+      </p:sp>
+      <p:sp>
+        <p:nvSpPr>
+          <p:cNvPr id="14" name="TextBox 13">
+            <a:extLst>
+              <a:ext uri="{FF2B5EF4-FFF2-40B4-BE49-F238E27FC236}">
+                <a16:creationId xmlns:a16="http://schemas.microsoft.com/office/drawing/2014/main" id="{557F370E-B726-4C95-AA0A-DE81D14837A5}"/>
+              </a:ext>
+            </a:extLst>
+          </p:cNvPr>
+          <p:cNvSpPr txBox="1"/>
+          <p:nvPr/>
+        </p:nvSpPr>
+        <p:spPr>
+          <a:xfrm>
+            <a:off x="1118586" y="3429000"/>
+            <a:ext cx="4732795" cy="2554545"/>
+          </a:xfrm>
+          <a:prstGeom prst="rect">
+            <a:avLst/>
+          </a:prstGeom>
+          <a:noFill/>
+          <a:ln w="57150">
+            <a:solidFill>
+              <a:schemeClr val="accent2">
+                <a:lumMod val="75000"/>
+              </a:schemeClr>
+            </a:solidFill>
+          </a:ln>
+        </p:spPr>
+        <p:txBody>
+          <a:bodyPr wrap="square" rtlCol="0">
+            <a:spAutoFit/>
+          </a:bodyPr>
+          <a:lstStyle/>
+          <a:p>
+            <a:r>
+              <a:rPr lang="en-US" sz="800" dirty="0"/>
+              <a:t>FIPS,STATE,COUNTY,TOTAL_VOTES,R_VOTES,D_VOTES,O_VOTES</a:t>
+            </a:r>
+          </a:p>
+          <a:p>
+            <a:r>
+              <a:rPr lang="en-US" sz="800" dirty="0"/>
+              <a:t>27001,Minnesota,Aitkin,8144,4481,3360,303</a:t>
+            </a:r>
+          </a:p>
+          <a:p>
+            <a:r>
+              <a:rPr lang="en-US" sz="800" dirty="0"/>
+              <a:t>27003,Minnesota,Anoka,159282,75957,76234,7091</a:t>
+            </a:r>
+          </a:p>
+          <a:p>
+            <a:r>
+              <a:rPr lang="en-US" sz="800" dirty="0"/>
+              <a:t>27005,Minnesota,Becker,14727,8784,5400,543</a:t>
+            </a:r>
+          </a:p>
+          <a:p>
+            <a:r>
+              <a:rPr lang="en-US" sz="800" dirty="0"/>
+              <a:t>27007,Minnesota,Beltrami,17954,8328,8848,778</a:t>
+            </a:r>
+          </a:p>
+          <a:p>
+            <a:r>
+              <a:rPr lang="en-US" sz="800" dirty="0"/>
+              <a:t>27009,Minnesota,Benton,16049,9406,6020,623</a:t>
+            </a:r>
+          </a:p>
+          <a:p>
+            <a:r>
+              <a:rPr lang="en-US" sz="800" dirty="0"/>
+              <a:t>27011,Minnesota,Big Stone,2573,1353,1111,109</a:t>
+            </a:r>
+          </a:p>
+          <a:p>
+            <a:r>
+              <a:rPr lang="en-US" sz="800" dirty="0"/>
+              <a:t>27013,Minnesota,Blue Earth,28135,10806,16317,1012</a:t>
+            </a:r>
+          </a:p>
+          <a:p>
+            <a:r>
+              <a:rPr lang="en-US" sz="800" dirty="0"/>
+              <a:t>27015,Minnesota,Brown,11809,6461,4932,416</a:t>
+            </a:r>
+          </a:p>
+          <a:p>
+            <a:r>
+              <a:rPr lang="en-US" sz="800" dirty="0"/>
+              <a:t>27017,Minnesota,Carlton,16312,6621,9051,640</a:t>
+            </a:r>
+          </a:p>
+          <a:p>
+            <a:r>
+              <a:rPr lang="en-US" sz="800" dirty="0"/>
+              <a:t>27019,Minnesota,Carver,50856,26822,22334,1700</a:t>
+            </a:r>
+          </a:p>
+          <a:p>
+            <a:r>
+              <a:rPr lang="en-US" sz="800" dirty="0"/>
+              <a:t>27021,Minnesota,Cass,13979,8145,5317,517</a:t>
+            </a:r>
+          </a:p>
+          <a:p>
+            <a:r>
+              <a:rPr lang="en-US" sz="800" dirty="0"/>
+              <a:t>27023,Minnesota,Chippewa,5507,3008,2261,238</a:t>
+            </a:r>
+          </a:p>
+          <a:p>
+            <a:r>
+              <a:rPr lang="en-US" sz="800" dirty="0"/>
+              <a:t>27025,Minnesota,Chisago,25773,14556,10090,1127</a:t>
+            </a:r>
+          </a:p>
+          <a:p>
+            <a:r>
+              <a:rPr lang="en-US" sz="800" dirty="0"/>
+              <a:t>27027,Minnesota,Clay,24219,10301,12748,1170</a:t>
+            </a:r>
+          </a:p>
+          <a:p>
+            <a:r>
+              <a:rPr lang="en-US" sz="800" dirty="0"/>
+              <a:t>27029,Minnesota,Clearwater,3467,2239,1125,103</a:t>
+            </a:r>
+          </a:p>
+          <a:p>
+            <a:r>
+              <a:rPr lang="en-US" sz="800" dirty="0"/>
+              <a:t>27031,Minnesota,Cook,3191,1009,2054,128</a:t>
+            </a:r>
+          </a:p>
+          <a:p>
+            <a:r>
+              <a:rPr lang="en-US" sz="800" dirty="0"/>
+              <a:t>27033,Minnesota,Cottonwood,5019,2843,2045,131</a:t>
+            </a:r>
+          </a:p>
+          <a:p>
+            <a:r>
+              <a:rPr lang="en-US" sz="800" dirty="0"/>
+              <a:t>27035,Minnesota,Crow Wing,31310,18176,11866,1268</a:t>
+            </a:r>
+          </a:p>
+          <a:p>
+            <a:endParaRPr lang="en-US" sz="800" dirty="0"/>
+          </a:p>
+        </p:txBody>
+      </p:sp>
+    </p:spTree>
+    <p:extLst>
+      <p:ext uri="{BB962C8B-B14F-4D97-AF65-F5344CB8AC3E}">
+        <p14:creationId xmlns:p14="http://schemas.microsoft.com/office/powerpoint/2010/main" val="3475812986"/>
+      </p:ext>
+    </p:extLst>
+  </p:cSld>
+  <p:clrMapOvr>
+    <a:masterClrMapping/>
+  </p:clrMapOvr>
+</p:sld>
+</file>
+
+<file path=ppt/slides/slide9.xml><?xml version="1.0" encoding="utf-8"?>
 <p:sld xmlns:a="http://schemas.openxmlformats.org/drawingml/2006/main" xmlns:r="http://schemas.openxmlformats.org/officeDocument/2006/relationships" xmlns:p="http://schemas.openxmlformats.org/presentationml/2006/main">
   <p:cSld>
     <p:spTree>
@@ -10342,9 +14040,7 @@
         </p:nvSpPr>
         <p:spPr/>
         <p:txBody>
-          <a:bodyPr>
-            <a:normAutofit fontScale="90000"/>
-          </a:bodyPr>
+          <a:bodyPr/>
           <a:lstStyle/>
           <a:p>
             <a:r>
@@ -10355,16 +14051,6 @@
               <a:rPr lang="en-US" dirty="0" err="1"/>
               <a:t>Plotly</a:t>
             </a:r>
-            <a:br>
-              <a:rPr lang="en-US" dirty="0"/>
-            </a:br>
-            <a:r>
-              <a:rPr lang="en-US" dirty="0"/>
-              <a:t>Horizontal Bar Chart</a:t>
-            </a:r>
-            <a:br>
-              <a:rPr lang="en-US" dirty="0"/>
-            </a:br>
             <a:endParaRPr lang="en-US" dirty="0"/>
           </a:p>
         </p:txBody>
@@ -10385,65 +14071,347 @@
             <p:ph idx="1"/>
           </p:nvPr>
         </p:nvSpPr>
-        <p:spPr/>
+        <p:spPr>
+          <a:xfrm>
+            <a:off x="1943169" y="1517373"/>
+            <a:ext cx="7594726" cy="1746331"/>
+          </a:xfrm>
+        </p:spPr>
         <p:txBody>
           <a:bodyPr>
-            <a:normAutofit/>
+            <a:normAutofit fontScale="92500" lnSpcReduction="20000"/>
           </a:bodyPr>
           <a:lstStyle/>
           <a:p>
             <a:r>
-              <a:rPr lang="en-US" dirty="0">
-                <a:hlinkClick r:id="rId2"/>
-              </a:rPr>
-              <a:t>https://plot.ly/python/horizontal-bar-charts/</a:t>
-            </a:r>
-            <a:endParaRPr lang="en-US" dirty="0"/>
-          </a:p>
-          <a:p>
-            <a:r>
-              <a:rPr lang="en-US" dirty="0"/>
-              <a:t>Learned how to use lists</a:t>
-            </a:r>
-          </a:p>
-          <a:p>
-            <a:r>
-              <a:rPr lang="en-US" dirty="0"/>
-              <a:t>Learned how to use dictionaries</a:t>
-            </a:r>
-          </a:p>
-          <a:p>
-            <a:r>
               <a:rPr lang="en-US" dirty="0" err="1"/>
               <a:t>Plotly</a:t>
             </a:r>
             <a:r>
               <a:rPr lang="en-US" dirty="0"/>
-              <a:t> is powerful but you need </a:t>
+              <a:t> maps rely on FIPS codes (Federal Information Processing Standards).</a:t>
+            </a:r>
+          </a:p>
+          <a:p>
+            <a:r>
+              <a:rPr lang="en-US" dirty="0"/>
+              <a:t>Import the </a:t>
             </a:r>
             <a:r>
               <a:rPr lang="en-US" dirty="0" err="1"/>
-              <a:t>ot</a:t>
+              <a:t>plotly</a:t>
             </a:r>
             <a:r>
               <a:rPr lang="en-US" dirty="0"/>
-              <a:t> know </a:t>
-            </a:r>
-            <a:r>
-              <a:rPr lang="en-US"/>
-              <a:t>some basic </a:t>
-            </a:r>
+              <a:t> figure factory</a:t>
+            </a:r>
+          </a:p>
+          <a:p>
             <a:r>
               <a:rPr lang="en-US" dirty="0"/>
-              <a:t>UI technologies</a:t>
-            </a:r>
+              <a:t>Create a map by executing </a:t>
+            </a:r>
+            <a:r>
+              <a:rPr lang="en-US" dirty="0" err="1"/>
+              <a:t>create_choropleth</a:t>
+            </a:r>
+            <a:r>
+              <a:rPr lang="en-US" dirty="0"/>
+              <a:t>, and pass a set of lists, colors, bins, and other options.</a:t>
+            </a:r>
+          </a:p>
+          <a:p>
+            <a:r>
+              <a:rPr lang="en-US" dirty="0"/>
+              <a:t>Send your map to </a:t>
+            </a:r>
+            <a:r>
+              <a:rPr lang="en-US" dirty="0" err="1"/>
+              <a:t>plotly</a:t>
+            </a:r>
+            <a:r>
+              <a:rPr lang="en-US" dirty="0"/>
+              <a:t>.</a:t>
+            </a:r>
+          </a:p>
+          <a:p>
+            <a:pPr lvl="1"/>
+            <a:endParaRPr lang="en-US" dirty="0"/>
+          </a:p>
+        </p:txBody>
+      </p:sp>
+      <p:sp>
+        <p:nvSpPr>
+          <p:cNvPr id="6" name="Rectangle 1">
+            <a:extLst>
+              <a:ext uri="{FF2B5EF4-FFF2-40B4-BE49-F238E27FC236}">
+                <a16:creationId xmlns:a16="http://schemas.microsoft.com/office/drawing/2014/main" id="{CBF7476D-ECDF-4440-B124-3B6715565D53}"/>
+              </a:ext>
+            </a:extLst>
+          </p:cNvPr>
+          <p:cNvSpPr>
+            <a:spLocks noChangeArrowheads="1"/>
+          </p:cNvSpPr>
+          <p:nvPr/>
+        </p:nvSpPr>
+        <p:spPr bwMode="auto">
+          <a:xfrm>
+            <a:off x="1099107" y="3564973"/>
+            <a:ext cx="9844637" cy="3046988"/>
+          </a:xfrm>
+          <a:prstGeom prst="rect">
+            <a:avLst/>
+          </a:prstGeom>
+          <a:solidFill>
+            <a:srgbClr val="FFFFFF"/>
+          </a:solidFill>
+          <a:ln w="44450">
+            <a:solidFill>
+              <a:schemeClr val="accent1"/>
+            </a:solidFill>
+            <a:miter lim="800000"/>
+            <a:headEnd/>
+            <a:tailEnd/>
+          </a:ln>
+          <a:effectLst/>
+          <a:extLst>
+            <a:ext uri="{AF507438-7753-43E0-B8FC-AC1667EBCBE1}">
+              <a14:hiddenEffects xmlns:a14="http://schemas.microsoft.com/office/drawing/2010/main">
+                <a:effectLst>
+                  <a:outerShdw dist="35921" dir="2700000" algn="ctr" rotWithShape="0">
+                    <a:schemeClr val="bg2"/>
+                  </a:outerShdw>
+                </a:effectLst>
+              </a14:hiddenEffects>
+            </a:ext>
+          </a:extLst>
+        </p:spPr>
+        <p:txBody>
+          <a:bodyPr vert="horz" wrap="square" lIns="91440" tIns="45720" rIns="91440" bIns="45720" numCol="1" anchor="ctr" anchorCtr="0" compatLnSpc="1">
+            <a:prstTxWarp prst="textNoShape">
+              <a:avLst/>
+            </a:prstTxWarp>
+            <a:spAutoFit/>
+          </a:bodyPr>
+          <a:lstStyle/>
+          <a:p>
+            <a:r>
+              <a:rPr lang="en-US" sz="2400" dirty="0" err="1"/>
+              <a:t>myMap</a:t>
+            </a:r>
+            <a:r>
+              <a:rPr lang="en-US" sz="2400" dirty="0"/>
+              <a:t> = </a:t>
+            </a:r>
+            <a:r>
+              <a:rPr lang="en-US" sz="2400" dirty="0" err="1"/>
+              <a:t>ff.create_choropleth</a:t>
+            </a:r>
+            <a:r>
+              <a:rPr lang="en-US" sz="2400" dirty="0"/>
+              <a:t>(</a:t>
+            </a:r>
+            <a:br>
+              <a:rPr lang="en-US" sz="2400" dirty="0"/>
+            </a:br>
+            <a:r>
+              <a:rPr lang="en-US" sz="2400" dirty="0"/>
+              <a:t>    </a:t>
+            </a:r>
+            <a:r>
+              <a:rPr lang="en-US" sz="2400" dirty="0" err="1"/>
+              <a:t>fips</a:t>
+            </a:r>
+            <a:r>
+              <a:rPr lang="en-US" sz="2400" dirty="0"/>
+              <a:t>=</a:t>
+            </a:r>
+            <a:r>
+              <a:rPr lang="en-US" sz="2400" dirty="0" err="1"/>
+              <a:t>fips</a:t>
+            </a:r>
+            <a:r>
+              <a:rPr lang="en-US" sz="2400" dirty="0"/>
+              <a:t>, values=</a:t>
+            </a:r>
+            <a:r>
+              <a:rPr lang="en-US" sz="2400" dirty="0" err="1"/>
+              <a:t>vote_diffs</a:t>
+            </a:r>
+            <a:r>
+              <a:rPr lang="en-US" sz="2400" dirty="0"/>
+              <a:t>,</a:t>
+            </a:r>
+            <a:br>
+              <a:rPr lang="en-US" sz="2400" dirty="0"/>
+            </a:br>
+            <a:r>
+              <a:rPr lang="en-US" sz="2400" dirty="0"/>
+              <a:t>    scope=states,</a:t>
+            </a:r>
+            <a:br>
+              <a:rPr lang="en-US" sz="2400" dirty="0"/>
+            </a:br>
+            <a:r>
+              <a:rPr lang="en-US" sz="2400" dirty="0"/>
+              <a:t>    </a:t>
+            </a:r>
+            <a:r>
+              <a:rPr lang="en-US" sz="2400" dirty="0" err="1"/>
+              <a:t>county_outline</a:t>
+            </a:r>
+            <a:r>
+              <a:rPr lang="en-US" sz="2400" dirty="0"/>
+              <a:t>={</a:t>
+            </a:r>
+            <a:r>
+              <a:rPr lang="en-US" sz="2400" b="1" dirty="0"/>
+              <a:t>'color'</a:t>
+            </a:r>
+            <a:r>
+              <a:rPr lang="en-US" sz="2400" dirty="0"/>
+              <a:t>: </a:t>
+            </a:r>
+            <a:r>
+              <a:rPr lang="en-US" sz="2400" b="1" dirty="0"/>
+              <a:t>'</a:t>
+            </a:r>
+            <a:r>
+              <a:rPr lang="en-US" sz="2400" b="1" dirty="0" err="1"/>
+              <a:t>rgb</a:t>
+            </a:r>
+            <a:r>
+              <a:rPr lang="en-US" sz="2400" b="1" dirty="0"/>
+              <a:t>(192,192,192)'</a:t>
+            </a:r>
+            <a:r>
+              <a:rPr lang="en-US" sz="2400" dirty="0"/>
+              <a:t>, </a:t>
+            </a:r>
+            <a:r>
+              <a:rPr lang="en-US" sz="2400" b="1" dirty="0"/>
+              <a:t>'width'</a:t>
+            </a:r>
+            <a:r>
+              <a:rPr lang="en-US" sz="2400" dirty="0"/>
+              <a:t>: 0.5},</a:t>
+            </a:r>
+            <a:br>
+              <a:rPr lang="en-US" sz="2400" dirty="0"/>
+            </a:br>
+            <a:r>
+              <a:rPr lang="en-US" sz="2400" dirty="0"/>
+              <a:t>    </a:t>
+            </a:r>
+            <a:r>
+              <a:rPr lang="en-US" sz="2400" dirty="0" err="1"/>
+              <a:t>state_outline</a:t>
+            </a:r>
+            <a:r>
+              <a:rPr lang="en-US" sz="2400" dirty="0"/>
+              <a:t>={</a:t>
+            </a:r>
+            <a:r>
+              <a:rPr lang="en-US" sz="2400" b="1" dirty="0"/>
+              <a:t>'color'</a:t>
+            </a:r>
+            <a:r>
+              <a:rPr lang="en-US" sz="2400" dirty="0"/>
+              <a:t>: </a:t>
+            </a:r>
+            <a:r>
+              <a:rPr lang="en-US" sz="2400" b="1" dirty="0"/>
+              <a:t>'</a:t>
+            </a:r>
+            <a:r>
+              <a:rPr lang="en-US" sz="2400" b="1" dirty="0" err="1"/>
+              <a:t>rgb</a:t>
+            </a:r>
+            <a:r>
+              <a:rPr lang="en-US" sz="2400" b="1" dirty="0"/>
+              <a:t>(0,0,0)'</a:t>
+            </a:r>
+            <a:r>
+              <a:rPr lang="en-US" sz="2400" dirty="0"/>
+              <a:t>, </a:t>
+            </a:r>
+            <a:r>
+              <a:rPr lang="en-US" sz="2400" b="1" dirty="0"/>
+              <a:t>'width'</a:t>
+            </a:r>
+            <a:r>
+              <a:rPr lang="en-US" sz="2400" dirty="0"/>
+              <a:t>: 0.5},</a:t>
+            </a:r>
+            <a:br>
+              <a:rPr lang="en-US" sz="2400" dirty="0"/>
+            </a:br>
+            <a:r>
+              <a:rPr lang="en-US" sz="2400" dirty="0"/>
+              <a:t>    </a:t>
+            </a:r>
+            <a:r>
+              <a:rPr lang="en-US" sz="2400" dirty="0" err="1"/>
+              <a:t>binning_endpoints</a:t>
+            </a:r>
+            <a:r>
+              <a:rPr lang="en-US" sz="2400" dirty="0"/>
+              <a:t>=[-0.3, -0.2,-0.1, 0, 0.1, 0.2, 0.3],</a:t>
+            </a:r>
+            <a:br>
+              <a:rPr lang="en-US" sz="2400" dirty="0"/>
+            </a:br>
+            <a:r>
+              <a:rPr lang="en-US" sz="2400" dirty="0"/>
+              <a:t>    </a:t>
+            </a:r>
+            <a:r>
+              <a:rPr lang="en-US" sz="2400" dirty="0" err="1"/>
+              <a:t>legend_title</a:t>
+            </a:r>
+            <a:r>
+              <a:rPr lang="en-US" sz="2400" dirty="0"/>
+              <a:t>=</a:t>
+            </a:r>
+            <a:r>
+              <a:rPr lang="en-US" sz="2400" b="1" dirty="0"/>
+              <a:t>'Margin of Difference per County'</a:t>
+            </a:r>
+            <a:r>
+              <a:rPr lang="en-US" sz="2400" dirty="0"/>
+              <a:t>,</a:t>
+            </a:r>
+            <a:br>
+              <a:rPr lang="en-US" sz="2400" dirty="0"/>
+            </a:br>
+            <a:r>
+              <a:rPr lang="en-US" sz="2400" dirty="0"/>
+              <a:t>    </a:t>
+            </a:r>
+            <a:r>
+              <a:rPr lang="en-US" sz="2400" dirty="0" err="1"/>
+              <a:t>colorscale</a:t>
+            </a:r>
+            <a:r>
+              <a:rPr lang="en-US" sz="2400" dirty="0"/>
+              <a:t>=</a:t>
+            </a:r>
+            <a:r>
+              <a:rPr lang="en-US" sz="2400" dirty="0" err="1"/>
+              <a:t>blue_to_red</a:t>
+            </a:r>
+            <a:r>
+              <a:rPr lang="en-US" sz="2400" dirty="0"/>
+              <a:t>)</a:t>
+            </a:r>
+            <a:endParaRPr lang="en-US" sz="1400" dirty="0"/>
           </a:p>
         </p:txBody>
       </p:sp>
     </p:spTree>
     <p:extLst>
       <p:ext uri="{BB962C8B-B14F-4D97-AF65-F5344CB8AC3E}">
-        <p14:creationId xmlns:p14="http://schemas.microsoft.com/office/powerpoint/2010/main" val="1744850629"/>
+        <p14:creationId xmlns:p14="http://schemas.microsoft.com/office/powerpoint/2010/main" val="2263898069"/>
       </p:ext>
     </p:extLst>
   </p:cSld>
@@ -10694,4 +14662,299 @@
     </a:ext>
   </a:extLst>
 </a:theme>
+</file>
+
+<file path=ppt/theme/theme2.xml><?xml version="1.0" encoding="utf-8"?>
+<a:theme xmlns:a="http://schemas.openxmlformats.org/drawingml/2006/main" name="Office Theme">
+  <a:themeElements>
+    <a:clrScheme name="Office">
+      <a:dk1>
+        <a:sysClr val="windowText" lastClr="000000"/>
+      </a:dk1>
+      <a:lt1>
+        <a:sysClr val="window" lastClr="FFFFFF"/>
+      </a:lt1>
+      <a:dk2>
+        <a:srgbClr val="44546A"/>
+      </a:dk2>
+      <a:lt2>
+        <a:srgbClr val="E7E6E6"/>
+      </a:lt2>
+      <a:accent1>
+        <a:srgbClr val="4472C4"/>
+      </a:accent1>
+      <a:accent2>
+        <a:srgbClr val="ED7D31"/>
+      </a:accent2>
+      <a:accent3>
+        <a:srgbClr val="A5A5A5"/>
+      </a:accent3>
+      <a:accent4>
+        <a:srgbClr val="FFC000"/>
+      </a:accent4>
+      <a:accent5>
+        <a:srgbClr val="5B9BD5"/>
+      </a:accent5>
+      <a:accent6>
+        <a:srgbClr val="70AD47"/>
+      </a:accent6>
+      <a:hlink>
+        <a:srgbClr val="0563C1"/>
+      </a:hlink>
+      <a:folHlink>
+        <a:srgbClr val="954F72"/>
+      </a:folHlink>
+    </a:clrScheme>
+    <a:fontScheme name="Office">
+      <a:majorFont>
+        <a:latin typeface="Calibri Light" panose="020F0302020204030204"/>
+        <a:ea typeface=""/>
+        <a:cs typeface=""/>
+        <a:font script="Jpan" typeface="游ゴシック Light"/>
+        <a:font script="Hang" typeface="맑은 고딕"/>
+        <a:font script="Hans" typeface="等线 Light"/>
+        <a:font script="Hant" typeface="新細明體"/>
+        <a:font script="Arab" typeface="Times New Roman"/>
+        <a:font script="Hebr" typeface="Times New Roman"/>
+        <a:font script="Thai" typeface="Angsana New"/>
+        <a:font script="Ethi" typeface="Nyala"/>
+        <a:font script="Beng" typeface="Vrinda"/>
+        <a:font script="Gujr" typeface="Shruti"/>
+        <a:font script="Khmr" typeface="MoolBoran"/>
+        <a:font script="Knda" typeface="Tunga"/>
+        <a:font script="Guru" typeface="Raavi"/>
+        <a:font script="Cans" typeface="Euphemia"/>
+        <a:font script="Cher" typeface="Plantagenet Cherokee"/>
+        <a:font script="Yiii" typeface="Microsoft Yi Baiti"/>
+        <a:font script="Tibt" typeface="Microsoft Himalaya"/>
+        <a:font script="Thaa" typeface="MV Boli"/>
+        <a:font script="Deva" typeface="Mangal"/>
+        <a:font script="Telu" typeface="Gautami"/>
+        <a:font script="Taml" typeface="Latha"/>
+        <a:font script="Syrc" typeface="Estrangelo Edessa"/>
+        <a:font script="Orya" typeface="Kalinga"/>
+        <a:font script="Mlym" typeface="Kartika"/>
+        <a:font script="Laoo" typeface="DokChampa"/>
+        <a:font script="Sinh" typeface="Iskoola Pota"/>
+        <a:font script="Mong" typeface="Mongolian Baiti"/>
+        <a:font script="Viet" typeface="Times New Roman"/>
+        <a:font script="Uigh" typeface="Microsoft Uighur"/>
+        <a:font script="Geor" typeface="Sylfaen"/>
+        <a:font script="Armn" typeface="Arial"/>
+        <a:font script="Bugi" typeface="Leelawadee UI"/>
+        <a:font script="Bopo" typeface="Microsoft JhengHei"/>
+        <a:font script="Java" typeface="Javanese Text"/>
+        <a:font script="Lisu" typeface="Segoe UI"/>
+        <a:font script="Mymr" typeface="Myanmar Text"/>
+        <a:font script="Nkoo" typeface="Ebrima"/>
+        <a:font script="Olck" typeface="Nirmala UI"/>
+        <a:font script="Osma" typeface="Ebrima"/>
+        <a:font script="Phag" typeface="Phagspa"/>
+        <a:font script="Syrn" typeface="Estrangelo Edessa"/>
+        <a:font script="Syrj" typeface="Estrangelo Edessa"/>
+        <a:font script="Syre" typeface="Estrangelo Edessa"/>
+        <a:font script="Sora" typeface="Nirmala UI"/>
+        <a:font script="Tale" typeface="Microsoft Tai Le"/>
+        <a:font script="Talu" typeface="Microsoft New Tai Lue"/>
+        <a:font script="Tfng" typeface="Ebrima"/>
+      </a:majorFont>
+      <a:minorFont>
+        <a:latin typeface="Calibri" panose="020F0502020204030204"/>
+        <a:ea typeface=""/>
+        <a:cs typeface=""/>
+        <a:font script="Jpan" typeface="游ゴシック"/>
+        <a:font script="Hang" typeface="맑은 고딕"/>
+        <a:font script="Hans" typeface="等线"/>
+        <a:font script="Hant" typeface="新細明體"/>
+        <a:font script="Arab" typeface="Arial"/>
+        <a:font script="Hebr" typeface="Arial"/>
+        <a:font script="Thai" typeface="Cordia New"/>
+        <a:font script="Ethi" typeface="Nyala"/>
+        <a:font script="Beng" typeface="Vrinda"/>
+        <a:font script="Gujr" typeface="Shruti"/>
+        <a:font script="Khmr" typeface="DaunPenh"/>
+        <a:font script="Knda" typeface="Tunga"/>
+        <a:font script="Guru" typeface="Raavi"/>
+        <a:font script="Cans" typeface="Euphemia"/>
+        <a:font script="Cher" typeface="Plantagenet Cherokee"/>
+        <a:font script="Yiii" typeface="Microsoft Yi Baiti"/>
+        <a:font script="Tibt" typeface="Microsoft Himalaya"/>
+        <a:font script="Thaa" typeface="MV Boli"/>
+        <a:font script="Deva" typeface="Mangal"/>
+        <a:font script="Telu" typeface="Gautami"/>
+        <a:font script="Taml" typeface="Latha"/>
+        <a:font script="Syrc" typeface="Estrangelo Edessa"/>
+        <a:font script="Orya" typeface="Kalinga"/>
+        <a:font script="Mlym" typeface="Kartika"/>
+        <a:font script="Laoo" typeface="DokChampa"/>
+        <a:font script="Sinh" typeface="Iskoola Pota"/>
+        <a:font script="Mong" typeface="Mongolian Baiti"/>
+        <a:font script="Viet" typeface="Arial"/>
+        <a:font script="Uigh" typeface="Microsoft Uighur"/>
+        <a:font script="Geor" typeface="Sylfaen"/>
+        <a:font script="Armn" typeface="Arial"/>
+        <a:font script="Bugi" typeface="Leelawadee UI"/>
+        <a:font script="Bopo" typeface="Microsoft JhengHei"/>
+        <a:font script="Java" typeface="Javanese Text"/>
+        <a:font script="Lisu" typeface="Segoe UI"/>
+        <a:font script="Mymr" typeface="Myanmar Text"/>
+        <a:font script="Nkoo" typeface="Ebrima"/>
+        <a:font script="Olck" typeface="Nirmala UI"/>
+        <a:font script="Osma" typeface="Ebrima"/>
+        <a:font script="Phag" typeface="Phagspa"/>
+        <a:font script="Syrn" typeface="Estrangelo Edessa"/>
+        <a:font script="Syrj" typeface="Estrangelo Edessa"/>
+        <a:font script="Syre" typeface="Estrangelo Edessa"/>
+        <a:font script="Sora" typeface="Nirmala UI"/>
+        <a:font script="Tale" typeface="Microsoft Tai Le"/>
+        <a:font script="Talu" typeface="Microsoft New Tai Lue"/>
+        <a:font script="Tfng" typeface="Ebrima"/>
+      </a:minorFont>
+    </a:fontScheme>
+    <a:fmtScheme name="Office">
+      <a:fillStyleLst>
+        <a:solidFill>
+          <a:schemeClr val="phClr"/>
+        </a:solidFill>
+        <a:gradFill rotWithShape="1">
+          <a:gsLst>
+            <a:gs pos="0">
+              <a:schemeClr val="phClr">
+                <a:lumMod val="110000"/>
+                <a:satMod val="105000"/>
+                <a:tint val="67000"/>
+              </a:schemeClr>
+            </a:gs>
+            <a:gs pos="50000">
+              <a:schemeClr val="phClr">
+                <a:lumMod val="105000"/>
+                <a:satMod val="103000"/>
+                <a:tint val="73000"/>
+              </a:schemeClr>
+            </a:gs>
+            <a:gs pos="100000">
+              <a:schemeClr val="phClr">
+                <a:lumMod val="105000"/>
+                <a:satMod val="109000"/>
+                <a:tint val="81000"/>
+              </a:schemeClr>
+            </a:gs>
+          </a:gsLst>
+          <a:lin ang="5400000" scaled="0"/>
+        </a:gradFill>
+        <a:gradFill rotWithShape="1">
+          <a:gsLst>
+            <a:gs pos="0">
+              <a:schemeClr val="phClr">
+                <a:satMod val="103000"/>
+                <a:lumMod val="102000"/>
+                <a:tint val="94000"/>
+              </a:schemeClr>
+            </a:gs>
+            <a:gs pos="50000">
+              <a:schemeClr val="phClr">
+                <a:satMod val="110000"/>
+                <a:lumMod val="100000"/>
+                <a:shade val="100000"/>
+              </a:schemeClr>
+            </a:gs>
+            <a:gs pos="100000">
+              <a:schemeClr val="phClr">
+                <a:lumMod val="99000"/>
+                <a:satMod val="120000"/>
+                <a:shade val="78000"/>
+              </a:schemeClr>
+            </a:gs>
+          </a:gsLst>
+          <a:lin ang="5400000" scaled="0"/>
+        </a:gradFill>
+      </a:fillStyleLst>
+      <a:lnStyleLst>
+        <a:ln w="6350" cap="flat" cmpd="sng" algn="ctr">
+          <a:solidFill>
+            <a:schemeClr val="phClr"/>
+          </a:solidFill>
+          <a:prstDash val="solid"/>
+          <a:miter lim="800000"/>
+        </a:ln>
+        <a:ln w="12700" cap="flat" cmpd="sng" algn="ctr">
+          <a:solidFill>
+            <a:schemeClr val="phClr"/>
+          </a:solidFill>
+          <a:prstDash val="solid"/>
+          <a:miter lim="800000"/>
+        </a:ln>
+        <a:ln w="19050" cap="flat" cmpd="sng" algn="ctr">
+          <a:solidFill>
+            <a:schemeClr val="phClr"/>
+          </a:solidFill>
+          <a:prstDash val="solid"/>
+          <a:miter lim="800000"/>
+        </a:ln>
+      </a:lnStyleLst>
+      <a:effectStyleLst>
+        <a:effectStyle>
+          <a:effectLst/>
+        </a:effectStyle>
+        <a:effectStyle>
+          <a:effectLst/>
+        </a:effectStyle>
+        <a:effectStyle>
+          <a:effectLst>
+            <a:outerShdw blurRad="57150" dist="19050" dir="5400000" algn="ctr" rotWithShape="0">
+              <a:srgbClr val="000000">
+                <a:alpha val="63000"/>
+              </a:srgbClr>
+            </a:outerShdw>
+          </a:effectLst>
+        </a:effectStyle>
+      </a:effectStyleLst>
+      <a:bgFillStyleLst>
+        <a:solidFill>
+          <a:schemeClr val="phClr"/>
+        </a:solidFill>
+        <a:solidFill>
+          <a:schemeClr val="phClr">
+            <a:tint val="95000"/>
+            <a:satMod val="170000"/>
+          </a:schemeClr>
+        </a:solidFill>
+        <a:gradFill rotWithShape="1">
+          <a:gsLst>
+            <a:gs pos="0">
+              <a:schemeClr val="phClr">
+                <a:tint val="93000"/>
+                <a:satMod val="150000"/>
+                <a:shade val="98000"/>
+                <a:lumMod val="102000"/>
+              </a:schemeClr>
+            </a:gs>
+            <a:gs pos="50000">
+              <a:schemeClr val="phClr">
+                <a:tint val="98000"/>
+                <a:satMod val="130000"/>
+                <a:shade val="90000"/>
+                <a:lumMod val="103000"/>
+              </a:schemeClr>
+            </a:gs>
+            <a:gs pos="100000">
+              <a:schemeClr val="phClr">
+                <a:shade val="63000"/>
+                <a:satMod val="120000"/>
+              </a:schemeClr>
+            </a:gs>
+          </a:gsLst>
+          <a:lin ang="5400000" scaled="0"/>
+        </a:gradFill>
+      </a:bgFillStyleLst>
+    </a:fmtScheme>
+  </a:themeElements>
+  <a:objectDefaults/>
+  <a:extraClrSchemeLst/>
+  <a:extLst>
+    <a:ext uri="{05A4C25C-085E-4340-85A3-A5531E510DB2}">
+      <thm15:themeFamily xmlns:thm15="http://schemas.microsoft.com/office/thememl/2012/main" name="Office Theme" id="{62F939B6-93AF-4DB8-9C6B-D6C7DFDC589F}" vid="{4A3C46E8-61CC-4603-A589-7422A47A8E4A}"/>
+    </a:ext>
+  </a:extLst>
+</a:theme>
 </file>
--- a/Election Data Study.pptx
+++ b/Election Data Study.pptx
@@ -5,20 +5,21 @@
     <p:sldMasterId id="2147483648" r:id="rId1"/>
   </p:sldMasterIdLst>
   <p:notesMasterIdLst>
-    <p:notesMasterId r:id="rId13"/>
+    <p:notesMasterId r:id="rId14"/>
   </p:notesMasterIdLst>
   <p:sldIdLst>
     <p:sldId id="256" r:id="rId2"/>
     <p:sldId id="257" r:id="rId3"/>
-    <p:sldId id="269" r:id="rId4"/>
-    <p:sldId id="270" r:id="rId5"/>
-    <p:sldId id="259" r:id="rId6"/>
-    <p:sldId id="260" r:id="rId7"/>
-    <p:sldId id="262" r:id="rId8"/>
-    <p:sldId id="265" r:id="rId9"/>
-    <p:sldId id="268" r:id="rId10"/>
-    <p:sldId id="261" r:id="rId11"/>
-    <p:sldId id="267" r:id="rId12"/>
+    <p:sldId id="271" r:id="rId4"/>
+    <p:sldId id="272" r:id="rId5"/>
+    <p:sldId id="273" r:id="rId6"/>
+    <p:sldId id="259" r:id="rId7"/>
+    <p:sldId id="260" r:id="rId8"/>
+    <p:sldId id="262" r:id="rId9"/>
+    <p:sldId id="265" r:id="rId10"/>
+    <p:sldId id="268" r:id="rId11"/>
+    <p:sldId id="261" r:id="rId12"/>
+    <p:sldId id="267" r:id="rId13"/>
   </p:sldIdLst>
   <p:sldSz cx="12192000" cy="6858000"/>
   <p:notesSz cx="6858000" cy="9144000"/>
@@ -390,7 +391,7 @@
           <a:p>
             <a:fld id="{0F71EEA0-B7A1-4F0C-ADB3-C0B710EA81CA}" type="datetimeFigureOut">
               <a:rPr lang="en-US" smtClean="0"/>
-              <a:t>11/29/2018</a:t>
+              <a:t>12/3/2018</a:t>
             </a:fld>
             <a:endParaRPr lang="en-US"/>
           </a:p>
@@ -760,18 +761,78 @@
           <a:bodyPr/>
           <a:lstStyle/>
           <a:p>
+            <a:pPr marL="0" marR="0" lvl="0" indent="0" algn="r" defTabSz="457200" rtl="0" eaLnBrk="1" fontAlgn="auto" latinLnBrk="0" hangingPunct="1">
+              <a:lnSpc>
+                <a:spcPct val="100000"/>
+              </a:lnSpc>
+              <a:spcBef>
+                <a:spcPts val="0"/>
+              </a:spcBef>
+              <a:spcAft>
+                <a:spcPts val="0"/>
+              </a:spcAft>
+              <a:buClrTx/>
+              <a:buSzTx/>
+              <a:buFontTx/>
+              <a:buNone/>
+              <a:tabLst/>
+              <a:defRPr/>
+            </a:pPr>
             <a:fld id="{8772F2C1-EE30-458F-AF1C-192D50BF6A06}" type="slidenum">
-              <a:rPr lang="en-US" smtClean="0"/>
-              <a:t>6</a:t>
+              <a:rPr kumimoji="0" lang="en-US" sz="1200" b="0" i="0" u="none" strike="noStrike" kern="1200" cap="none" spc="0" normalizeH="0" baseline="0" noProof="0" smtClean="0">
+                <a:ln>
+                  <a:noFill/>
+                </a:ln>
+                <a:solidFill>
+                  <a:prstClr val="black"/>
+                </a:solidFill>
+                <a:effectLst/>
+                <a:uLnTx/>
+                <a:uFillTx/>
+                <a:latin typeface="Calibri" panose="020F0502020204030204"/>
+                <a:ea typeface="+mn-ea"/>
+                <a:cs typeface="+mn-cs"/>
+              </a:rPr>
+              <a:pPr marL="0" marR="0" lvl="0" indent="0" algn="r" defTabSz="457200" rtl="0" eaLnBrk="1" fontAlgn="auto" latinLnBrk="0" hangingPunct="1">
+                <a:lnSpc>
+                  <a:spcPct val="100000"/>
+                </a:lnSpc>
+                <a:spcBef>
+                  <a:spcPts val="0"/>
+                </a:spcBef>
+                <a:spcAft>
+                  <a:spcPts val="0"/>
+                </a:spcAft>
+                <a:buClrTx/>
+                <a:buSzTx/>
+                <a:buFontTx/>
+                <a:buNone/>
+                <a:tabLst/>
+                <a:defRPr/>
+              </a:pPr>
+              <a:t>4</a:t>
             </a:fld>
-            <a:endParaRPr lang="en-US"/>
+            <a:endParaRPr kumimoji="0" lang="en-US" sz="1200" b="0" i="0" u="none" strike="noStrike" kern="1200" cap="none" spc="0" normalizeH="0" baseline="0" noProof="0">
+              <a:ln>
+                <a:noFill/>
+              </a:ln>
+              <a:solidFill>
+                <a:prstClr val="black"/>
+              </a:solidFill>
+              <a:effectLst/>
+              <a:uLnTx/>
+              <a:uFillTx/>
+              <a:latin typeface="Calibri" panose="020F0502020204030204"/>
+              <a:ea typeface="+mn-ea"/>
+              <a:cs typeface="+mn-cs"/>
+            </a:endParaRPr>
           </a:p>
         </p:txBody>
       </p:sp>
     </p:spTree>
     <p:extLst>
       <p:ext uri="{BB962C8B-B14F-4D97-AF65-F5344CB8AC3E}">
-        <p14:creationId xmlns:p14="http://schemas.microsoft.com/office/powerpoint/2010/main" val="511629314"/>
+        <p14:creationId xmlns:p14="http://schemas.microsoft.com/office/powerpoint/2010/main" val="1634129935"/>
       </p:ext>
     </p:extLst>
   </p:cSld>
@@ -886,7 +947,131 @@
           <a:p>
             <a:fld id="{8772F2C1-EE30-458F-AF1C-192D50BF6A06}" type="slidenum">
               <a:rPr lang="en-US" smtClean="0"/>
-              <a:t>9</a:t>
+              <a:t>7</a:t>
+            </a:fld>
+            <a:endParaRPr lang="en-US"/>
+          </a:p>
+        </p:txBody>
+      </p:sp>
+    </p:spTree>
+    <p:extLst>
+      <p:ext uri="{BB962C8B-B14F-4D97-AF65-F5344CB8AC3E}">
+        <p14:creationId xmlns:p14="http://schemas.microsoft.com/office/powerpoint/2010/main" val="511629314"/>
+      </p:ext>
+    </p:extLst>
+  </p:cSld>
+  <p:clrMapOvr>
+    <a:masterClrMapping/>
+  </p:clrMapOvr>
+</p:notes>
+</file>
+
+<file path=ppt/notesSlides/notesSlide3.xml><?xml version="1.0" encoding="utf-8"?>
+<p:notes xmlns:a="http://schemas.openxmlformats.org/drawingml/2006/main" xmlns:r="http://schemas.openxmlformats.org/officeDocument/2006/relationships" xmlns:p="http://schemas.openxmlformats.org/presentationml/2006/main">
+  <p:cSld>
+    <p:spTree>
+      <p:nvGrpSpPr>
+        <p:cNvPr id="1" name=""/>
+        <p:cNvGrpSpPr/>
+        <p:nvPr/>
+      </p:nvGrpSpPr>
+      <p:grpSpPr>
+        <a:xfrm>
+          <a:off x="0" y="0"/>
+          <a:ext cx="0" cy="0"/>
+          <a:chOff x="0" y="0"/>
+          <a:chExt cx="0" cy="0"/>
+        </a:xfrm>
+      </p:grpSpPr>
+      <p:sp>
+        <p:nvSpPr>
+          <p:cNvPr id="2" name="Slide Image Placeholder 1"/>
+          <p:cNvSpPr>
+            <a:spLocks noGrp="1" noRot="1" noChangeAspect="1"/>
+          </p:cNvSpPr>
+          <p:nvPr>
+            <p:ph type="sldImg"/>
+          </p:nvPr>
+        </p:nvSpPr>
+        <p:spPr/>
+      </p:sp>
+      <p:sp>
+        <p:nvSpPr>
+          <p:cNvPr id="3" name="Notes Placeholder 2"/>
+          <p:cNvSpPr>
+            <a:spLocks noGrp="1"/>
+          </p:cNvSpPr>
+          <p:nvPr>
+            <p:ph type="body" idx="1"/>
+          </p:nvPr>
+        </p:nvSpPr>
+        <p:spPr/>
+        <p:txBody>
+          <a:bodyPr/>
+          <a:lstStyle/>
+          <a:p>
+            <a:r>
+              <a:rPr lang="en-US" sz="1200" b="0" i="0" kern="1200" dirty="0" err="1">
+                <a:solidFill>
+                  <a:schemeClr val="tx1"/>
+                </a:solidFill>
+                <a:effectLst/>
+                <a:latin typeface="+mn-lt"/>
+                <a:ea typeface="+mn-ea"/>
+                <a:cs typeface="+mn-cs"/>
+              </a:rPr>
+              <a:t>Javascript</a:t>
+            </a:r>
+            <a:r>
+              <a:rPr lang="en-US" sz="1200" b="0" i="0" kern="1200" dirty="0">
+                <a:solidFill>
+                  <a:schemeClr val="tx1"/>
+                </a:solidFill>
+                <a:effectLst/>
+                <a:latin typeface="+mn-lt"/>
+                <a:ea typeface="+mn-ea"/>
+                <a:cs typeface="+mn-cs"/>
+              </a:rPr>
+              <a:t> is an object-oriented computer programming language commonly used to create interactive effects within web browsers.</a:t>
+            </a:r>
+          </a:p>
+          <a:p>
+            <a:r>
+              <a:rPr lang="en-US" sz="1200" b="0" i="0" kern="1200" dirty="0">
+                <a:solidFill>
+                  <a:schemeClr val="tx1"/>
+                </a:solidFill>
+                <a:effectLst/>
+                <a:latin typeface="+mn-lt"/>
+                <a:ea typeface="+mn-ea"/>
+                <a:cs typeface="+mn-cs"/>
+              </a:rPr>
+              <a:t>A JavaScript library is a library of pre-written JavaScript which allows for easier development of JavaScript-based applications</a:t>
+            </a:r>
+          </a:p>
+          <a:p>
+            <a:endParaRPr lang="en-US" dirty="0"/>
+          </a:p>
+        </p:txBody>
+      </p:sp>
+      <p:sp>
+        <p:nvSpPr>
+          <p:cNvPr id="4" name="Slide Number Placeholder 3"/>
+          <p:cNvSpPr>
+            <a:spLocks noGrp="1"/>
+          </p:cNvSpPr>
+          <p:nvPr>
+            <p:ph type="sldNum" sz="quarter" idx="10"/>
+          </p:nvPr>
+        </p:nvSpPr>
+        <p:spPr/>
+        <p:txBody>
+          <a:bodyPr/>
+          <a:lstStyle/>
+          <a:p>
+            <a:fld id="{8772F2C1-EE30-458F-AF1C-192D50BF6A06}" type="slidenum">
+              <a:rPr lang="en-US" smtClean="0"/>
+              <a:t>10</a:t>
             </a:fld>
             <a:endParaRPr lang="en-US"/>
           </a:p>
@@ -1094,7 +1279,7 @@
             <a:fld id="{B61BEF0D-F0BB-DE4B-95CE-6DB70DBA9567}" type="datetimeFigureOut">
               <a:rPr lang="en-US" dirty="0"/>
               <a:pPr/>
-              <a:t>11/29/2018</a:t>
+              <a:t>12/3/2018</a:t>
             </a:fld>
             <a:endParaRPr lang="en-US" dirty="0"/>
           </a:p>
@@ -1429,7 +1614,7 @@
             <a:fld id="{B61BEF0D-F0BB-DE4B-95CE-6DB70DBA9567}" type="datetimeFigureOut">
               <a:rPr lang="en-US" dirty="0"/>
               <a:pPr/>
-              <a:t>11/29/2018</a:t>
+              <a:t>12/3/2018</a:t>
             </a:fld>
             <a:endParaRPr lang="en-US" dirty="0"/>
           </a:p>
@@ -1827,7 +2012,7 @@
             <a:fld id="{B61BEF0D-F0BB-DE4B-95CE-6DB70DBA9567}" type="datetimeFigureOut">
               <a:rPr lang="en-US" dirty="0"/>
               <a:pPr/>
-              <a:t>11/29/2018</a:t>
+              <a:t>12/3/2018</a:t>
             </a:fld>
             <a:endParaRPr lang="en-US" dirty="0"/>
           </a:p>
@@ -2159,7 +2344,7 @@
             <a:fld id="{B61BEF0D-F0BB-DE4B-95CE-6DB70DBA9567}" type="datetimeFigureOut">
               <a:rPr lang="en-US" dirty="0"/>
               <a:pPr/>
-              <a:t>11/29/2018</a:t>
+              <a:t>12/3/2018</a:t>
             </a:fld>
             <a:endParaRPr lang="en-US" dirty="0"/>
           </a:p>
@@ -2476,7 +2661,7 @@
             <a:fld id="{B61BEF0D-F0BB-DE4B-95CE-6DB70DBA9567}" type="datetimeFigureOut">
               <a:rPr lang="en-US" dirty="0"/>
               <a:pPr/>
-              <a:t>11/29/2018</a:t>
+              <a:t>12/3/2018</a:t>
             </a:fld>
             <a:endParaRPr lang="en-US" dirty="0"/>
           </a:p>
@@ -2869,7 +3054,7 @@
             <a:fld id="{B61BEF0D-F0BB-DE4B-95CE-6DB70DBA9567}" type="datetimeFigureOut">
               <a:rPr lang="en-US" dirty="0"/>
               <a:pPr/>
-              <a:t>11/29/2018</a:t>
+              <a:t>12/3/2018</a:t>
             </a:fld>
             <a:endParaRPr lang="en-US" dirty="0"/>
           </a:p>
@@ -3123,7 +3308,7 @@
             <a:fld id="{B61BEF0D-F0BB-DE4B-95CE-6DB70DBA9567}" type="datetimeFigureOut">
               <a:rPr lang="en-US" dirty="0"/>
               <a:pPr/>
-              <a:t>11/29/2018</a:t>
+              <a:t>12/3/2018</a:t>
             </a:fld>
             <a:endParaRPr lang="en-US" dirty="0"/>
           </a:p>
@@ -3382,7 +3567,7 @@
             <a:fld id="{B61BEF0D-F0BB-DE4B-95CE-6DB70DBA9567}" type="datetimeFigureOut">
               <a:rPr lang="en-US" dirty="0"/>
               <a:pPr/>
-              <a:t>11/29/2018</a:t>
+              <a:t>12/3/2018</a:t>
             </a:fld>
             <a:endParaRPr lang="en-US" dirty="0"/>
           </a:p>
@@ -3641,7 +3826,7 @@
             <a:fld id="{B61BEF0D-F0BB-DE4B-95CE-6DB70DBA9567}" type="datetimeFigureOut">
               <a:rPr lang="en-US" dirty="0"/>
               <a:pPr/>
-              <a:t>11/29/2018</a:t>
+              <a:t>12/3/2018</a:t>
             </a:fld>
             <a:endParaRPr lang="en-US" dirty="0"/>
           </a:p>
@@ -3967,7 +4152,7 @@
             <a:fld id="{B61BEF0D-F0BB-DE4B-95CE-6DB70DBA9567}" type="datetimeFigureOut">
               <a:rPr lang="en-US" dirty="0"/>
               <a:pPr/>
-              <a:t>11/29/2018</a:t>
+              <a:t>12/3/2018</a:t>
             </a:fld>
             <a:endParaRPr lang="en-US" dirty="0"/>
           </a:p>
@@ -4287,7 +4472,7 @@
             <a:fld id="{B61BEF0D-F0BB-DE4B-95CE-6DB70DBA9567}" type="datetimeFigureOut">
               <a:rPr lang="en-US" dirty="0"/>
               <a:pPr/>
-              <a:t>11/29/2018</a:t>
+              <a:t>12/3/2018</a:t>
             </a:fld>
             <a:endParaRPr lang="en-US" dirty="0"/>
           </a:p>
@@ -4741,7 +4926,7 @@
             <a:fld id="{B61BEF0D-F0BB-DE4B-95CE-6DB70DBA9567}" type="datetimeFigureOut">
               <a:rPr lang="en-US" dirty="0"/>
               <a:pPr/>
-              <a:t>11/29/2018</a:t>
+              <a:t>12/3/2018</a:t>
             </a:fld>
             <a:endParaRPr lang="en-US" dirty="0"/>
           </a:p>
@@ -4943,7 +5128,7 @@
             <a:fld id="{B61BEF0D-F0BB-DE4B-95CE-6DB70DBA9567}" type="datetimeFigureOut">
               <a:rPr lang="en-US" dirty="0"/>
               <a:pPr/>
-              <a:t>11/29/2018</a:t>
+              <a:t>12/3/2018</a:t>
             </a:fld>
             <a:endParaRPr lang="en-US" dirty="0"/>
           </a:p>
@@ -5117,7 +5302,7 @@
             <a:fld id="{B61BEF0D-F0BB-DE4B-95CE-6DB70DBA9567}" type="datetimeFigureOut">
               <a:rPr lang="en-US" dirty="0"/>
               <a:pPr/>
-              <a:t>11/29/2018</a:t>
+              <a:t>12/3/2018</a:t>
             </a:fld>
             <a:endParaRPr lang="en-US" dirty="0"/>
           </a:p>
@@ -5447,7 +5632,7 @@
             <a:fld id="{B61BEF0D-F0BB-DE4B-95CE-6DB70DBA9567}" type="datetimeFigureOut">
               <a:rPr lang="en-US" dirty="0"/>
               <a:pPr/>
-              <a:t>11/29/2018</a:t>
+              <a:t>12/3/2018</a:t>
             </a:fld>
             <a:endParaRPr lang="en-US" dirty="0"/>
           </a:p>
@@ -5789,7 +5974,7 @@
             <a:fld id="{B61BEF0D-F0BB-DE4B-95CE-6DB70DBA9567}" type="datetimeFigureOut">
               <a:rPr lang="en-US" dirty="0"/>
               <a:pPr/>
-              <a:t>11/29/2018</a:t>
+              <a:t>12/3/2018</a:t>
             </a:fld>
             <a:endParaRPr lang="en-US" dirty="0"/>
           </a:p>
@@ -7903,7 +8088,7 @@
             <a:fld id="{B61BEF0D-F0BB-DE4B-95CE-6DB70DBA9567}" type="datetimeFigureOut">
               <a:rPr lang="en-US" dirty="0"/>
               <a:pPr/>
-              <a:t>11/29/2018</a:t>
+              <a:t>12/3/2018</a:t>
             </a:fld>
             <a:endParaRPr lang="en-US" dirty="0"/>
           </a:p>
@@ -8535,6 +8720,422 @@
         </p:nvSpPr>
         <p:spPr/>
         <p:txBody>
+          <a:bodyPr/>
+          <a:lstStyle/>
+          <a:p>
+            <a:r>
+              <a:rPr lang="en-US" dirty="0"/>
+              <a:t>Using </a:t>
+            </a:r>
+            <a:r>
+              <a:rPr lang="en-US" dirty="0" err="1"/>
+              <a:t>Plotly</a:t>
+            </a:r>
+            <a:endParaRPr lang="en-US" dirty="0"/>
+          </a:p>
+        </p:txBody>
+      </p:sp>
+      <p:sp>
+        <p:nvSpPr>
+          <p:cNvPr id="3" name="Content Placeholder 2">
+            <a:extLst>
+              <a:ext uri="{FF2B5EF4-FFF2-40B4-BE49-F238E27FC236}">
+                <a16:creationId xmlns:a16="http://schemas.microsoft.com/office/drawing/2014/main" id="{6207D7D2-FD51-4A48-9F71-E86B357BFD98}"/>
+              </a:ext>
+            </a:extLst>
+          </p:cNvPr>
+          <p:cNvSpPr>
+            <a:spLocks noGrp="1"/>
+          </p:cNvSpPr>
+          <p:nvPr>
+            <p:ph idx="1"/>
+          </p:nvPr>
+        </p:nvSpPr>
+        <p:spPr>
+          <a:xfrm>
+            <a:off x="1943169" y="1517373"/>
+            <a:ext cx="7594726" cy="1746331"/>
+          </a:xfrm>
+        </p:spPr>
+        <p:txBody>
+          <a:bodyPr>
+            <a:normAutofit fontScale="92500" lnSpcReduction="20000"/>
+          </a:bodyPr>
+          <a:lstStyle/>
+          <a:p>
+            <a:r>
+              <a:rPr lang="en-US" dirty="0" err="1"/>
+              <a:t>Plotly</a:t>
+            </a:r>
+            <a:r>
+              <a:rPr lang="en-US" dirty="0"/>
+              <a:t> maps rely on FIPS codes (Federal Information Processing Standards).</a:t>
+            </a:r>
+          </a:p>
+          <a:p>
+            <a:r>
+              <a:rPr lang="en-US" dirty="0"/>
+              <a:t>Import the </a:t>
+            </a:r>
+            <a:r>
+              <a:rPr lang="en-US" dirty="0" err="1"/>
+              <a:t>plotly</a:t>
+            </a:r>
+            <a:r>
+              <a:rPr lang="en-US" dirty="0"/>
+              <a:t> figure factory</a:t>
+            </a:r>
+          </a:p>
+          <a:p>
+            <a:r>
+              <a:rPr lang="en-US" dirty="0"/>
+              <a:t>Create a map by executing </a:t>
+            </a:r>
+            <a:r>
+              <a:rPr lang="en-US" dirty="0" err="1"/>
+              <a:t>create_choropleth</a:t>
+            </a:r>
+            <a:r>
+              <a:rPr lang="en-US" dirty="0"/>
+              <a:t>, and pass a set of lists, colors, bins, and other options.</a:t>
+            </a:r>
+          </a:p>
+          <a:p>
+            <a:r>
+              <a:rPr lang="en-US" dirty="0"/>
+              <a:t>Send your map to </a:t>
+            </a:r>
+            <a:r>
+              <a:rPr lang="en-US" dirty="0" err="1"/>
+              <a:t>plotly</a:t>
+            </a:r>
+            <a:r>
+              <a:rPr lang="en-US" dirty="0"/>
+              <a:t>.</a:t>
+            </a:r>
+          </a:p>
+          <a:p>
+            <a:pPr lvl="1"/>
+            <a:endParaRPr lang="en-US" dirty="0"/>
+          </a:p>
+        </p:txBody>
+      </p:sp>
+      <p:sp>
+        <p:nvSpPr>
+          <p:cNvPr id="6" name="Rectangle 1">
+            <a:extLst>
+              <a:ext uri="{FF2B5EF4-FFF2-40B4-BE49-F238E27FC236}">
+                <a16:creationId xmlns:a16="http://schemas.microsoft.com/office/drawing/2014/main" id="{CBF7476D-ECDF-4440-B124-3B6715565D53}"/>
+              </a:ext>
+            </a:extLst>
+          </p:cNvPr>
+          <p:cNvSpPr>
+            <a:spLocks noChangeArrowheads="1"/>
+          </p:cNvSpPr>
+          <p:nvPr/>
+        </p:nvSpPr>
+        <p:spPr bwMode="auto">
+          <a:xfrm>
+            <a:off x="1099107" y="3564973"/>
+            <a:ext cx="9844637" cy="3046988"/>
+          </a:xfrm>
+          <a:prstGeom prst="rect">
+            <a:avLst/>
+          </a:prstGeom>
+          <a:solidFill>
+            <a:srgbClr val="FFFFFF"/>
+          </a:solidFill>
+          <a:ln w="44450">
+            <a:solidFill>
+              <a:schemeClr val="accent1"/>
+            </a:solidFill>
+            <a:miter lim="800000"/>
+            <a:headEnd/>
+            <a:tailEnd/>
+          </a:ln>
+          <a:effectLst/>
+          <a:extLst>
+            <a:ext uri="{AF507438-7753-43E0-B8FC-AC1667EBCBE1}">
+              <a14:hiddenEffects xmlns:a14="http://schemas.microsoft.com/office/drawing/2010/main">
+                <a:effectLst>
+                  <a:outerShdw dist="35921" dir="2700000" algn="ctr" rotWithShape="0">
+                    <a:schemeClr val="bg2"/>
+                  </a:outerShdw>
+                </a:effectLst>
+              </a14:hiddenEffects>
+            </a:ext>
+          </a:extLst>
+        </p:spPr>
+        <p:txBody>
+          <a:bodyPr vert="horz" wrap="square" lIns="91440" tIns="45720" rIns="91440" bIns="45720" numCol="1" anchor="ctr" anchorCtr="0" compatLnSpc="1">
+            <a:prstTxWarp prst="textNoShape">
+              <a:avLst/>
+            </a:prstTxWarp>
+            <a:spAutoFit/>
+          </a:bodyPr>
+          <a:lstStyle/>
+          <a:p>
+            <a:r>
+              <a:rPr lang="en-US" sz="2400" dirty="0" err="1"/>
+              <a:t>myMap</a:t>
+            </a:r>
+            <a:r>
+              <a:rPr lang="en-US" sz="2400" dirty="0"/>
+              <a:t> = </a:t>
+            </a:r>
+            <a:r>
+              <a:rPr lang="en-US" sz="2400" dirty="0" err="1"/>
+              <a:t>ff.create_choropleth</a:t>
+            </a:r>
+            <a:r>
+              <a:rPr lang="en-US" sz="2400" dirty="0"/>
+              <a:t>(</a:t>
+            </a:r>
+            <a:br>
+              <a:rPr lang="en-US" sz="2400" dirty="0"/>
+            </a:br>
+            <a:r>
+              <a:rPr lang="en-US" sz="2400" dirty="0"/>
+              <a:t>    </a:t>
+            </a:r>
+            <a:r>
+              <a:rPr lang="en-US" sz="2400" dirty="0" err="1"/>
+              <a:t>fips</a:t>
+            </a:r>
+            <a:r>
+              <a:rPr lang="en-US" sz="2400" dirty="0"/>
+              <a:t>=</a:t>
+            </a:r>
+            <a:r>
+              <a:rPr lang="en-US" sz="2400" dirty="0" err="1"/>
+              <a:t>fips</a:t>
+            </a:r>
+            <a:r>
+              <a:rPr lang="en-US" sz="2400" dirty="0"/>
+              <a:t>, values=</a:t>
+            </a:r>
+            <a:r>
+              <a:rPr lang="en-US" sz="2400" dirty="0" err="1"/>
+              <a:t>vote_diffs</a:t>
+            </a:r>
+            <a:r>
+              <a:rPr lang="en-US" sz="2400" dirty="0"/>
+              <a:t>,</a:t>
+            </a:r>
+            <a:br>
+              <a:rPr lang="en-US" sz="2400" dirty="0"/>
+            </a:br>
+            <a:r>
+              <a:rPr lang="en-US" sz="2400" dirty="0"/>
+              <a:t>    scope=states,</a:t>
+            </a:r>
+            <a:br>
+              <a:rPr lang="en-US" sz="2400" dirty="0"/>
+            </a:br>
+            <a:r>
+              <a:rPr lang="en-US" sz="2400" dirty="0"/>
+              <a:t>    </a:t>
+            </a:r>
+            <a:r>
+              <a:rPr lang="en-US" sz="2400" dirty="0" err="1"/>
+              <a:t>county_outline</a:t>
+            </a:r>
+            <a:r>
+              <a:rPr lang="en-US" sz="2400" dirty="0"/>
+              <a:t>={</a:t>
+            </a:r>
+            <a:r>
+              <a:rPr lang="en-US" sz="2400" b="1" dirty="0"/>
+              <a:t>'color'</a:t>
+            </a:r>
+            <a:r>
+              <a:rPr lang="en-US" sz="2400" dirty="0"/>
+              <a:t>: </a:t>
+            </a:r>
+            <a:r>
+              <a:rPr lang="en-US" sz="2400" b="1" dirty="0"/>
+              <a:t>'</a:t>
+            </a:r>
+            <a:r>
+              <a:rPr lang="en-US" sz="2400" b="1" dirty="0" err="1"/>
+              <a:t>rgb</a:t>
+            </a:r>
+            <a:r>
+              <a:rPr lang="en-US" sz="2400" b="1" dirty="0"/>
+              <a:t>(192,192,192)'</a:t>
+            </a:r>
+            <a:r>
+              <a:rPr lang="en-US" sz="2400" dirty="0"/>
+              <a:t>, </a:t>
+            </a:r>
+            <a:r>
+              <a:rPr lang="en-US" sz="2400" b="1" dirty="0"/>
+              <a:t>'width'</a:t>
+            </a:r>
+            <a:r>
+              <a:rPr lang="en-US" sz="2400" dirty="0"/>
+              <a:t>: 0.5},</a:t>
+            </a:r>
+            <a:br>
+              <a:rPr lang="en-US" sz="2400" dirty="0"/>
+            </a:br>
+            <a:r>
+              <a:rPr lang="en-US" sz="2400" dirty="0"/>
+              <a:t>    </a:t>
+            </a:r>
+            <a:r>
+              <a:rPr lang="en-US" sz="2400" dirty="0" err="1"/>
+              <a:t>state_outline</a:t>
+            </a:r>
+            <a:r>
+              <a:rPr lang="en-US" sz="2400" dirty="0"/>
+              <a:t>={</a:t>
+            </a:r>
+            <a:r>
+              <a:rPr lang="en-US" sz="2400" b="1" dirty="0"/>
+              <a:t>'color'</a:t>
+            </a:r>
+            <a:r>
+              <a:rPr lang="en-US" sz="2400" dirty="0"/>
+              <a:t>: </a:t>
+            </a:r>
+            <a:r>
+              <a:rPr lang="en-US" sz="2400" b="1" dirty="0"/>
+              <a:t>'</a:t>
+            </a:r>
+            <a:r>
+              <a:rPr lang="en-US" sz="2400" b="1" dirty="0" err="1"/>
+              <a:t>rgb</a:t>
+            </a:r>
+            <a:r>
+              <a:rPr lang="en-US" sz="2400" b="1" dirty="0"/>
+              <a:t>(0,0,0)'</a:t>
+            </a:r>
+            <a:r>
+              <a:rPr lang="en-US" sz="2400" dirty="0"/>
+              <a:t>, </a:t>
+            </a:r>
+            <a:r>
+              <a:rPr lang="en-US" sz="2400" b="1" dirty="0"/>
+              <a:t>'width'</a:t>
+            </a:r>
+            <a:r>
+              <a:rPr lang="en-US" sz="2400" dirty="0"/>
+              <a:t>: 0.5},</a:t>
+            </a:r>
+            <a:br>
+              <a:rPr lang="en-US" sz="2400" dirty="0"/>
+            </a:br>
+            <a:r>
+              <a:rPr lang="en-US" sz="2400" dirty="0"/>
+              <a:t>    </a:t>
+            </a:r>
+            <a:r>
+              <a:rPr lang="en-US" sz="2400" dirty="0" err="1"/>
+              <a:t>binning_endpoints</a:t>
+            </a:r>
+            <a:r>
+              <a:rPr lang="en-US" sz="2400" dirty="0"/>
+              <a:t>=[-0.3, -0.2,-0.1, 0, 0.1, 0.2, 0.3],</a:t>
+            </a:r>
+            <a:br>
+              <a:rPr lang="en-US" sz="2400" dirty="0"/>
+            </a:br>
+            <a:r>
+              <a:rPr lang="en-US" sz="2400" dirty="0"/>
+              <a:t>    </a:t>
+            </a:r>
+            <a:r>
+              <a:rPr lang="en-US" sz="2400" dirty="0" err="1"/>
+              <a:t>legend_title</a:t>
+            </a:r>
+            <a:r>
+              <a:rPr lang="en-US" sz="2400" dirty="0"/>
+              <a:t>=</a:t>
+            </a:r>
+            <a:r>
+              <a:rPr lang="en-US" sz="2400" b="1" dirty="0"/>
+              <a:t>'Margin of Difference per County'</a:t>
+            </a:r>
+            <a:r>
+              <a:rPr lang="en-US" sz="2400" dirty="0"/>
+              <a:t>,</a:t>
+            </a:r>
+            <a:br>
+              <a:rPr lang="en-US" sz="2400" dirty="0"/>
+            </a:br>
+            <a:r>
+              <a:rPr lang="en-US" sz="2400" dirty="0"/>
+              <a:t>    </a:t>
+            </a:r>
+            <a:r>
+              <a:rPr lang="en-US" sz="2400" dirty="0" err="1"/>
+              <a:t>colorscale</a:t>
+            </a:r>
+            <a:r>
+              <a:rPr lang="en-US" sz="2400" dirty="0"/>
+              <a:t>=</a:t>
+            </a:r>
+            <a:r>
+              <a:rPr lang="en-US" sz="2400" dirty="0" err="1"/>
+              <a:t>blue_to_red</a:t>
+            </a:r>
+            <a:r>
+              <a:rPr lang="en-US" sz="2400" dirty="0"/>
+              <a:t>)</a:t>
+            </a:r>
+            <a:endParaRPr lang="en-US" sz="1400" dirty="0"/>
+          </a:p>
+        </p:txBody>
+      </p:sp>
+    </p:spTree>
+    <p:extLst>
+      <p:ext uri="{BB962C8B-B14F-4D97-AF65-F5344CB8AC3E}">
+        <p14:creationId xmlns:p14="http://schemas.microsoft.com/office/powerpoint/2010/main" val="2263898069"/>
+      </p:ext>
+    </p:extLst>
+  </p:cSld>
+  <p:clrMapOvr>
+    <a:masterClrMapping/>
+  </p:clrMapOvr>
+</p:sld>
+</file>
+
+<file path=ppt/slides/slide11.xml><?xml version="1.0" encoding="utf-8"?>
+<p:sld xmlns:a="http://schemas.openxmlformats.org/drawingml/2006/main" xmlns:r="http://schemas.openxmlformats.org/officeDocument/2006/relationships" xmlns:p="http://schemas.openxmlformats.org/presentationml/2006/main">
+  <p:cSld>
+    <p:spTree>
+      <p:nvGrpSpPr>
+        <p:cNvPr id="1" name=""/>
+        <p:cNvGrpSpPr/>
+        <p:nvPr/>
+      </p:nvGrpSpPr>
+      <p:grpSpPr>
+        <a:xfrm>
+          <a:off x="0" y="0"/>
+          <a:ext cx="0" cy="0"/>
+          <a:chOff x="0" y="0"/>
+          <a:chExt cx="0" cy="0"/>
+        </a:xfrm>
+      </p:grpSpPr>
+      <p:sp>
+        <p:nvSpPr>
+          <p:cNvPr id="2" name="Title 1">
+            <a:extLst>
+              <a:ext uri="{FF2B5EF4-FFF2-40B4-BE49-F238E27FC236}">
+                <a16:creationId xmlns:a16="http://schemas.microsoft.com/office/drawing/2014/main" id="{B663AEC8-6646-48B2-A733-C5433CC6061D}"/>
+              </a:ext>
+            </a:extLst>
+          </p:cNvPr>
+          <p:cNvSpPr>
+            <a:spLocks noGrp="1"/>
+          </p:cNvSpPr>
+          <p:nvPr>
+            <p:ph type="title"/>
+          </p:nvPr>
+        </p:nvSpPr>
+        <p:spPr/>
+        <p:txBody>
           <a:bodyPr>
             <a:normAutofit fontScale="90000"/>
           </a:bodyPr>
@@ -8610,7 +9211,7 @@
 </p:sld>
 </file>
 
-<file path=ppt/slides/slide11.xml><?xml version="1.0" encoding="utf-8"?>
+<file path=ppt/slides/slide12.xml><?xml version="1.0" encoding="utf-8"?>
 <p:sld xmlns:a="http://schemas.openxmlformats.org/drawingml/2006/main" xmlns:r="http://schemas.openxmlformats.org/officeDocument/2006/relationships" xmlns:p="http://schemas.openxmlformats.org/presentationml/2006/main">
   <p:cSld>
     <p:spTree>
@@ -8828,6 +9429,46 @@
           </a:p>
         </p:txBody>
       </p:sp>
+      <p:sp>
+        <p:nvSpPr>
+          <p:cNvPr id="5" name="Rectangle 4">
+            <a:extLst>
+              <a:ext uri="{FF2B5EF4-FFF2-40B4-BE49-F238E27FC236}">
+                <a16:creationId xmlns:a16="http://schemas.microsoft.com/office/drawing/2014/main" id="{E786C299-13BC-499F-AAA2-484769D60BF4}"/>
+              </a:ext>
+            </a:extLst>
+          </p:cNvPr>
+          <p:cNvSpPr/>
+          <p:nvPr/>
+        </p:nvSpPr>
+        <p:spPr>
+          <a:xfrm>
+            <a:off x="5974813" y="3244334"/>
+            <a:ext cx="242374" cy="369332"/>
+          </a:xfrm>
+          <a:prstGeom prst="rect">
+            <a:avLst/>
+          </a:prstGeom>
+        </p:spPr>
+        <p:txBody>
+          <a:bodyPr wrap="none">
+            <a:spAutoFit/>
+          </a:bodyPr>
+          <a:lstStyle/>
+          <a:p>
+            <a:r>
+              <a:rPr lang="en-US" dirty="0">
+                <a:solidFill>
+                  <a:srgbClr val="000000"/>
+                </a:solidFill>
+                <a:latin typeface="Times New Roman" panose="02020603050405020304" pitchFamily="18" charset="0"/>
+              </a:rPr>
+              <a:t> </a:t>
+            </a:r>
+            <a:endParaRPr lang="en-US" dirty="0"/>
+          </a:p>
+        </p:txBody>
+      </p:sp>
     </p:spTree>
     <p:extLst>
       <p:ext uri="{BB962C8B-B14F-4D97-AF65-F5344CB8AC3E}">
@@ -8914,13 +9555,33 @@
           <a:p>
             <a:r>
               <a:rPr lang="en-US" dirty="0"/>
-              <a:t>Used the Python Pandas and NumPy Modules</a:t>
-            </a:r>
-          </a:p>
-          <a:p>
+              <a:t>Python Pandas </a:t>
+            </a:r>
+            <a:r>
+              <a:rPr lang="en-US" altLang="zh-CN" dirty="0"/>
+              <a:t>&amp;</a:t>
+            </a:r>
             <a:r>
               <a:rPr lang="en-US" dirty="0"/>
-              <a:t>Pandas read csv as </a:t>
+              <a:t> NumPy Modules</a:t>
+            </a:r>
+          </a:p>
+          <a:p>
+            <a:r>
+              <a:rPr lang="en-US" dirty="0"/>
+              <a:t>Pandas read csv</a:t>
+            </a:r>
+            <a:r>
+              <a:rPr lang="en-US" altLang="zh-CN" dirty="0">
+                <a:sym typeface="Wingdings" pitchFamily="2" charset="2"/>
+              </a:rPr>
+              <a:t></a:t>
+            </a:r>
+            <a:r>
+              <a:rPr lang="zh-CN" altLang="en-US" dirty="0">
+                <a:sym typeface="Wingdings" pitchFamily="2" charset="2"/>
+              </a:rPr>
+              <a:t> </a:t>
             </a:r>
             <a:r>
               <a:rPr lang="en-US" dirty="0" err="1"/>
@@ -8931,7 +9592,7 @@
           <a:p>
             <a:r>
               <a:rPr lang="en-US" dirty="0"/>
-              <a:t>Clean data easily</a:t>
+              <a:t>Clean data</a:t>
             </a:r>
           </a:p>
           <a:p>
@@ -8964,8 +9625,8 @@
         </p:nvSpPr>
         <p:spPr bwMode="auto">
           <a:xfrm>
-            <a:off x="6345021" y="1226088"/>
-            <a:ext cx="5442006" cy="5509200"/>
+            <a:off x="5405480" y="1480003"/>
+            <a:ext cx="6786520" cy="5001369"/>
           </a:xfrm>
           <a:prstGeom prst="rect">
             <a:avLst/>
@@ -9552,14 +10213,98 @@
                 <a:latin typeface="Courier New" panose="02070309020205020404" pitchFamily="49" charset="0"/>
                 <a:cs typeface="Courier New" panose="02070309020205020404" pitchFamily="49" charset="0"/>
               </a:rPr>
-              <a:t>df_clear.iloc</a:t>
+              <a:t>df_clear</a:t>
             </a:r>
             <a:r>
               <a:rPr lang="en-US" altLang="en-US" sz="1100" dirty="0">
                 <a:latin typeface="Courier New" panose="02070309020205020404" pitchFamily="49" charset="0"/>
                 <a:cs typeface="Courier New" panose="02070309020205020404" pitchFamily="49" charset="0"/>
               </a:rPr>
-              <a:t>[[2, 3, -1]]</a:t>
+              <a:t>.</a:t>
+            </a:r>
+            <a:r>
+              <a:rPr lang="en-US" sz="1100" dirty="0">
+                <a:latin typeface="Courier New" panose="02070309020205020404" pitchFamily="49" charset="0"/>
+                <a:cs typeface="Courier New" panose="02070309020205020404" pitchFamily="49" charset="0"/>
+              </a:rPr>
+              <a:t>[['Rep', 'Dem', 'Other Parties']]</a:t>
+            </a:r>
+            <a:r>
+              <a:rPr lang="en-US" altLang="en-US" sz="1100" dirty="0">
+                <a:latin typeface="Courier New" panose="02070309020205020404" pitchFamily="49" charset="0"/>
+                <a:cs typeface="Courier New" panose="02070309020205020404" pitchFamily="49" charset="0"/>
+              </a:rPr>
+              <a:t>    </a:t>
+            </a:r>
+            <a:r>
+              <a:rPr lang="en-US" altLang="en-US" sz="1100" dirty="0" err="1">
+                <a:latin typeface="Courier New" panose="02070309020205020404" pitchFamily="49" charset="0"/>
+                <a:cs typeface="Courier New" panose="02070309020205020404" pitchFamily="49" charset="0"/>
+              </a:rPr>
+              <a:t>parties_election_np</a:t>
+            </a:r>
+            <a:r>
+              <a:rPr lang="en-US" altLang="en-US" sz="1100" dirty="0">
+                <a:latin typeface="Courier New" panose="02070309020205020404" pitchFamily="49" charset="0"/>
+                <a:cs typeface="Courier New" panose="02070309020205020404" pitchFamily="49" charset="0"/>
+              </a:rPr>
+              <a:t> = list(map(lambda x: </a:t>
+            </a:r>
+            <a:r>
+              <a:rPr lang="en-US" altLang="en-US" sz="1100" dirty="0" err="1">
+                <a:latin typeface="Courier New" panose="02070309020205020404" pitchFamily="49" charset="0"/>
+                <a:cs typeface="Courier New" panose="02070309020205020404" pitchFamily="49" charset="0"/>
+              </a:rPr>
+              <a:t>np.array</a:t>
+            </a:r>
+            <a:r>
+              <a:rPr lang="en-US" altLang="en-US" sz="1100" dirty="0">
+                <a:latin typeface="Courier New" panose="02070309020205020404" pitchFamily="49" charset="0"/>
+                <a:cs typeface="Courier New" panose="02070309020205020404" pitchFamily="49" charset="0"/>
+              </a:rPr>
+              <a:t>(</a:t>
+            </a:r>
+            <a:r>
+              <a:rPr lang="en-US" altLang="en-US" sz="1100" dirty="0" err="1">
+                <a:latin typeface="Courier New" panose="02070309020205020404" pitchFamily="49" charset="0"/>
+                <a:cs typeface="Courier New" panose="02070309020205020404" pitchFamily="49" charset="0"/>
+              </a:rPr>
+              <a:t>df_clear</a:t>
+            </a:r>
+            <a:r>
+              <a:rPr lang="en-US" altLang="en-US" sz="1100" dirty="0">
+                <a:latin typeface="Courier New" panose="02070309020205020404" pitchFamily="49" charset="0"/>
+                <a:cs typeface="Courier New" panose="02070309020205020404" pitchFamily="49" charset="0"/>
+              </a:rPr>
+              <a:t>[x]).</a:t>
+            </a:r>
+            <a:r>
+              <a:rPr lang="en-US" altLang="en-US" sz="1100" dirty="0" err="1">
+                <a:latin typeface="Courier New" panose="02070309020205020404" pitchFamily="49" charset="0"/>
+                <a:cs typeface="Courier New" panose="02070309020205020404" pitchFamily="49" charset="0"/>
+              </a:rPr>
+              <a:t>tolist</a:t>
+            </a:r>
+            <a:r>
+              <a:rPr lang="en-US" altLang="en-US" sz="1100" dirty="0">
+                <a:latin typeface="Courier New" panose="02070309020205020404" pitchFamily="49" charset="0"/>
+                <a:cs typeface="Courier New" panose="02070309020205020404" pitchFamily="49" charset="0"/>
+              </a:rPr>
+              <a:t>(),</a:t>
+            </a:r>
+            <a:r>
+              <a:rPr lang="en-US" altLang="en-US" sz="1100" dirty="0" err="1">
+                <a:latin typeface="Courier New" panose="02070309020205020404" pitchFamily="49" charset="0"/>
+                <a:cs typeface="Courier New" panose="02070309020205020404" pitchFamily="49" charset="0"/>
+              </a:rPr>
+              <a:t>parties_election.columns</a:t>
+            </a:r>
+            <a:r>
+              <a:rPr lang="en-US" altLang="en-US" sz="1100" dirty="0">
+                <a:latin typeface="Courier New" panose="02070309020205020404" pitchFamily="49" charset="0"/>
+                <a:cs typeface="Courier New" panose="02070309020205020404" pitchFamily="49" charset="0"/>
+              </a:rPr>
+              <a:t>))</a:t>
             </a:r>
           </a:p>
           <a:p>
@@ -9577,7 +10322,7 @@
                 <a:latin typeface="Courier New" panose="02070309020205020404" pitchFamily="49" charset="0"/>
                 <a:cs typeface="Courier New" panose="02070309020205020404" pitchFamily="49" charset="0"/>
               </a:rPr>
-              <a:t>    </a:t>
+              <a:t>    return </a:t>
             </a:r>
             <a:r>
               <a:rPr lang="en-US" altLang="en-US" sz="1100" dirty="0" err="1">
@@ -9591,63 +10336,7 @@
                 <a:latin typeface="Courier New" panose="02070309020205020404" pitchFamily="49" charset="0"/>
                 <a:cs typeface="Courier New" panose="02070309020205020404" pitchFamily="49" charset="0"/>
               </a:rPr>
-              <a:t> = list(map(lambda x: </a:t>
-            </a:r>
-            <a:r>
-              <a:rPr lang="en-US" altLang="en-US" sz="1100" dirty="0" err="1">
-                <a:latin typeface="Courier New" panose="02070309020205020404" pitchFamily="49" charset="0"/>
-                <a:cs typeface="Courier New" panose="02070309020205020404" pitchFamily="49" charset="0"/>
-              </a:rPr>
-              <a:t>np.array</a:t>
-            </a:r>
-            <a:r>
-              <a:rPr lang="en-US" altLang="en-US" sz="1100" dirty="0">
-                <a:latin typeface="Courier New" panose="02070309020205020404" pitchFamily="49" charset="0"/>
-                <a:cs typeface="Courier New" panose="02070309020205020404" pitchFamily="49" charset="0"/>
-              </a:rPr>
-              <a:t>(</a:t>
-            </a:r>
-            <a:r>
-              <a:rPr lang="en-US" altLang="en-US" sz="1100" dirty="0" err="1">
-                <a:latin typeface="Courier New" panose="02070309020205020404" pitchFamily="49" charset="0"/>
-                <a:cs typeface="Courier New" panose="02070309020205020404" pitchFamily="49" charset="0"/>
-              </a:rPr>
-              <a:t>df_clear</a:t>
-            </a:r>
-            <a:r>
-              <a:rPr lang="en-US" altLang="en-US" sz="1100" dirty="0">
-                <a:latin typeface="Courier New" panose="02070309020205020404" pitchFamily="49" charset="0"/>
-                <a:cs typeface="Courier New" panose="02070309020205020404" pitchFamily="49" charset="0"/>
-              </a:rPr>
-              <a:t>[x]).</a:t>
-            </a:r>
-            <a:r>
-              <a:rPr lang="en-US" altLang="en-US" sz="1100" dirty="0" err="1">
-                <a:latin typeface="Courier New" panose="02070309020205020404" pitchFamily="49" charset="0"/>
-                <a:cs typeface="Courier New" panose="02070309020205020404" pitchFamily="49" charset="0"/>
-              </a:rPr>
-              <a:t>tolist</a:t>
-            </a:r>
-            <a:r>
-              <a:rPr lang="en-US" altLang="en-US" sz="1100" dirty="0">
-                <a:latin typeface="Courier New" panose="02070309020205020404" pitchFamily="49" charset="0"/>
-                <a:cs typeface="Courier New" panose="02070309020205020404" pitchFamily="49" charset="0"/>
-              </a:rPr>
-              <a:t>(),</a:t>
-            </a:r>
-            <a:r>
-              <a:rPr lang="en-US" altLang="en-US" sz="1100" dirty="0" err="1">
-                <a:latin typeface="Courier New" panose="02070309020205020404" pitchFamily="49" charset="0"/>
-                <a:cs typeface="Courier New" panose="02070309020205020404" pitchFamily="49" charset="0"/>
-              </a:rPr>
-              <a:t>parties_election.columns</a:t>
-            </a:r>
-            <a:r>
-              <a:rPr lang="en-US" altLang="en-US" sz="1100" dirty="0">
-                <a:latin typeface="Courier New" panose="02070309020205020404" pitchFamily="49" charset="0"/>
-                <a:cs typeface="Courier New" panose="02070309020205020404" pitchFamily="49" charset="0"/>
-              </a:rPr>
-              <a:t>))</a:t>
+              <a:t>, counties, colors</a:t>
             </a:r>
           </a:p>
           <a:p>
@@ -9665,35 +10354,7 @@
                 <a:latin typeface="Courier New" panose="02070309020205020404" pitchFamily="49" charset="0"/>
                 <a:cs typeface="Courier New" panose="02070309020205020404" pitchFamily="49" charset="0"/>
               </a:rPr>
-              <a:t>    return </a:t>
-            </a:r>
-            <a:r>
-              <a:rPr lang="en-US" altLang="en-US" sz="1100" dirty="0" err="1">
-                <a:latin typeface="Courier New" panose="02070309020205020404" pitchFamily="49" charset="0"/>
-                <a:cs typeface="Courier New" panose="02070309020205020404" pitchFamily="49" charset="0"/>
-              </a:rPr>
-              <a:t>parties_election_np</a:t>
-            </a:r>
-            <a:r>
-              <a:rPr lang="en-US" altLang="en-US" sz="1100" dirty="0">
-                <a:latin typeface="Courier New" panose="02070309020205020404" pitchFamily="49" charset="0"/>
-                <a:cs typeface="Courier New" panose="02070309020205020404" pitchFamily="49" charset="0"/>
-              </a:rPr>
-              <a:t>, counties, </a:t>
-            </a:r>
-            <a:r>
-              <a:rPr lang="en-US" altLang="en-US" sz="1100" dirty="0" err="1">
-                <a:latin typeface="Courier New" panose="02070309020205020404" pitchFamily="49" charset="0"/>
-                <a:cs typeface="Courier New" panose="02070309020205020404" pitchFamily="49" charset="0"/>
-              </a:rPr>
-              <a:t>colorsdef</a:t>
-            </a:r>
-            <a:r>
-              <a:rPr lang="en-US" altLang="en-US" sz="1100" dirty="0">
-                <a:latin typeface="Courier New" panose="02070309020205020404" pitchFamily="49" charset="0"/>
-                <a:cs typeface="Courier New" panose="02070309020205020404" pitchFamily="49" charset="0"/>
-              </a:rPr>
-              <a:t> main():</a:t>
+              <a:t>def main():</a:t>
             </a:r>
           </a:p>
           <a:p>
@@ -9961,7 +10622,7 @@
         </p:blipFill>
         <p:spPr>
           <a:xfrm>
-            <a:off x="821635" y="3371929"/>
+            <a:off x="357400" y="3371929"/>
             <a:ext cx="3722085" cy="2737469"/>
           </a:xfrm>
           <a:prstGeom prst="rect">
@@ -9991,7 +10652,7 @@
         </p:blipFill>
         <p:spPr>
           <a:xfrm>
-            <a:off x="4543720" y="3371929"/>
+            <a:off x="4079485" y="3371929"/>
             <a:ext cx="1325995" cy="2737469"/>
           </a:xfrm>
           <a:prstGeom prst="rect">
@@ -10002,7 +10663,7 @@
     </p:spTree>
     <p:extLst>
       <p:ext uri="{BB962C8B-B14F-4D97-AF65-F5344CB8AC3E}">
-        <p14:creationId xmlns:p14="http://schemas.microsoft.com/office/powerpoint/2010/main" val="1357531516"/>
+        <p14:creationId xmlns:p14="http://schemas.microsoft.com/office/powerpoint/2010/main" val="4213556157"/>
       </p:ext>
     </p:extLst>
   </p:cSld>
@@ -10013,6 +10674,923 @@
 </file>
 
 <file path=ppt/slides/slide4.xml><?xml version="1.0" encoding="utf-8"?>
+<p:sld xmlns:a="http://schemas.openxmlformats.org/drawingml/2006/main" xmlns:r="http://schemas.openxmlformats.org/officeDocument/2006/relationships" xmlns:p="http://schemas.openxmlformats.org/presentationml/2006/main">
+  <p:cSld>
+    <p:spTree>
+      <p:nvGrpSpPr>
+        <p:cNvPr id="1" name=""/>
+        <p:cNvGrpSpPr/>
+        <p:nvPr/>
+      </p:nvGrpSpPr>
+      <p:grpSpPr>
+        <a:xfrm>
+          <a:off x="0" y="0"/>
+          <a:ext cx="0" cy="0"/>
+          <a:chOff x="0" y="0"/>
+          <a:chExt cx="0" cy="0"/>
+        </a:xfrm>
+      </p:grpSpPr>
+      <p:sp>
+        <p:nvSpPr>
+          <p:cNvPr id="2" name="Title 1">
+            <a:extLst>
+              <a:ext uri="{FF2B5EF4-FFF2-40B4-BE49-F238E27FC236}">
+                <a16:creationId xmlns:a16="http://schemas.microsoft.com/office/drawing/2014/main" id="{B663AEC8-6646-48B2-A733-C5433CC6061D}"/>
+              </a:ext>
+            </a:extLst>
+          </p:cNvPr>
+          <p:cNvSpPr>
+            <a:spLocks noGrp="1"/>
+          </p:cNvSpPr>
+          <p:nvPr>
+            <p:ph type="title"/>
+          </p:nvPr>
+        </p:nvSpPr>
+        <p:spPr/>
+        <p:txBody>
+          <a:bodyPr/>
+          <a:lstStyle/>
+          <a:p>
+            <a:r>
+              <a:rPr lang="en-US" dirty="0"/>
+              <a:t>Using </a:t>
+            </a:r>
+            <a:r>
+              <a:rPr lang="en-US" dirty="0" err="1"/>
+              <a:t>Plotly</a:t>
+            </a:r>
+            <a:endParaRPr lang="en-US" dirty="0"/>
+          </a:p>
+        </p:txBody>
+      </p:sp>
+      <p:sp>
+        <p:nvSpPr>
+          <p:cNvPr id="3" name="Content Placeholder 2">
+            <a:extLst>
+              <a:ext uri="{FF2B5EF4-FFF2-40B4-BE49-F238E27FC236}">
+                <a16:creationId xmlns:a16="http://schemas.microsoft.com/office/drawing/2014/main" id="{6207D7D2-FD51-4A48-9F71-E86B357BFD98}"/>
+              </a:ext>
+            </a:extLst>
+          </p:cNvPr>
+          <p:cNvSpPr>
+            <a:spLocks noGrp="1"/>
+          </p:cNvSpPr>
+          <p:nvPr>
+            <p:ph idx="1"/>
+          </p:nvPr>
+        </p:nvSpPr>
+        <p:spPr>
+          <a:xfrm>
+            <a:off x="1943169" y="1517373"/>
+            <a:ext cx="7594726" cy="1746331"/>
+          </a:xfrm>
+        </p:spPr>
+        <p:txBody>
+          <a:bodyPr>
+            <a:normAutofit/>
+          </a:bodyPr>
+          <a:lstStyle/>
+          <a:p>
+            <a:r>
+              <a:rPr lang="en-US" dirty="0"/>
+              <a:t>x and y axes value </a:t>
+            </a:r>
+            <a:r>
+              <a:rPr lang="en-US" altLang="zh-CN" dirty="0">
+                <a:sym typeface="Wingdings" pitchFamily="2" charset="2"/>
+              </a:rPr>
+              <a:t></a:t>
+            </a:r>
+            <a:r>
+              <a:rPr lang="zh-CN" altLang="en-US" dirty="0">
+                <a:sym typeface="Wingdings" pitchFamily="2" charset="2"/>
+              </a:rPr>
+              <a:t> </a:t>
+            </a:r>
+            <a:r>
+              <a:rPr lang="en-US" dirty="0"/>
+              <a:t>bar chart</a:t>
+            </a:r>
+          </a:p>
+          <a:p>
+            <a:r>
+              <a:rPr lang="en-US" dirty="0"/>
+              <a:t>Built-in zip function</a:t>
+            </a:r>
+            <a:r>
+              <a:rPr lang="zh-CN" altLang="en-US" dirty="0"/>
+              <a:t> </a:t>
+            </a:r>
+            <a:r>
+              <a:rPr lang="en-US" altLang="zh-CN" dirty="0">
+                <a:sym typeface="Wingdings" pitchFamily="2" charset="2"/>
+              </a:rPr>
+              <a:t></a:t>
+            </a:r>
+            <a:r>
+              <a:rPr lang="zh-CN" altLang="en-US" dirty="0">
+                <a:sym typeface="Wingdings" pitchFamily="2" charset="2"/>
+              </a:rPr>
+              <a:t> </a:t>
+            </a:r>
+            <a:r>
+              <a:rPr lang="en-US" dirty="0"/>
+              <a:t>loop multiple lists</a:t>
+            </a:r>
+          </a:p>
+          <a:p>
+            <a:r>
+              <a:rPr lang="en-US" altLang="zh-CN" dirty="0"/>
+              <a:t>Layout &amp; figure</a:t>
+            </a:r>
+            <a:r>
+              <a:rPr lang="zh-CN" altLang="en-US" dirty="0"/>
+              <a:t> </a:t>
+            </a:r>
+            <a:r>
+              <a:rPr lang="en-US" altLang="zh-CN" dirty="0">
+                <a:sym typeface="Wingdings" pitchFamily="2" charset="2"/>
+              </a:rPr>
+              <a:t></a:t>
+            </a:r>
+            <a:r>
+              <a:rPr lang="zh-CN" altLang="en-US" dirty="0">
+                <a:sym typeface="Wingdings" pitchFamily="2" charset="2"/>
+              </a:rPr>
+              <a:t> </a:t>
+            </a:r>
+            <a:r>
+              <a:rPr lang="en-US" altLang="zh-CN" dirty="0"/>
+              <a:t>set chart form</a:t>
+            </a:r>
+          </a:p>
+          <a:p>
+            <a:endParaRPr lang="en-US" dirty="0"/>
+          </a:p>
+        </p:txBody>
+      </p:sp>
+      <p:sp>
+        <p:nvSpPr>
+          <p:cNvPr id="6" name="Rectangle 1">
+            <a:extLst>
+              <a:ext uri="{FF2B5EF4-FFF2-40B4-BE49-F238E27FC236}">
+                <a16:creationId xmlns:a16="http://schemas.microsoft.com/office/drawing/2014/main" id="{CBF7476D-ECDF-4440-B124-3B6715565D53}"/>
+              </a:ext>
+            </a:extLst>
+          </p:cNvPr>
+          <p:cNvSpPr>
+            <a:spLocks noChangeArrowheads="1"/>
+          </p:cNvSpPr>
+          <p:nvPr/>
+        </p:nvSpPr>
+        <p:spPr bwMode="auto">
+          <a:xfrm>
+            <a:off x="6855824" y="1295114"/>
+            <a:ext cx="4847310" cy="5339923"/>
+          </a:xfrm>
+          <a:prstGeom prst="rect">
+            <a:avLst/>
+          </a:prstGeom>
+          <a:solidFill>
+            <a:srgbClr val="FFFFFF"/>
+          </a:solidFill>
+          <a:ln w="44450">
+            <a:solidFill>
+              <a:schemeClr val="accent1"/>
+            </a:solidFill>
+            <a:miter lim="800000"/>
+            <a:headEnd/>
+            <a:tailEnd/>
+          </a:ln>
+          <a:effectLst/>
+          <a:extLst>
+            <a:ext uri="{AF507438-7753-43E0-B8FC-AC1667EBCBE1}">
+              <a14:hiddenEffects xmlns:a14="http://schemas.microsoft.com/office/drawing/2010/main">
+                <a:effectLst>
+                  <a:outerShdw dist="35921" dir="2700000" algn="ctr" rotWithShape="0">
+                    <a:schemeClr val="bg2"/>
+                  </a:outerShdw>
+                </a:effectLst>
+              </a14:hiddenEffects>
+            </a:ext>
+          </a:extLst>
+        </p:spPr>
+        <p:txBody>
+          <a:bodyPr vert="horz" wrap="square" lIns="91440" tIns="45720" rIns="91440" bIns="45720" numCol="1" anchor="ctr" anchorCtr="0" compatLnSpc="1">
+            <a:prstTxWarp prst="textNoShape">
+              <a:avLst/>
+            </a:prstTxWarp>
+            <a:spAutoFit/>
+          </a:bodyPr>
+          <a:lstStyle/>
+          <a:p>
+            <a:pPr lvl="0"/>
+            <a:r>
+              <a:rPr lang="en-US" sz="1100" dirty="0">
+                <a:solidFill>
+                  <a:prstClr val="black"/>
+                </a:solidFill>
+                <a:latin typeface="Courier New" panose="02070309020205020404" pitchFamily="49" charset="0"/>
+                <a:cs typeface="Courier New" panose="02070309020205020404" pitchFamily="49" charset="0"/>
+              </a:rPr>
+              <a:t>def </a:t>
+            </a:r>
+            <a:r>
+              <a:rPr lang="en-US" sz="1100" dirty="0" err="1">
+                <a:solidFill>
+                  <a:prstClr val="black"/>
+                </a:solidFill>
+                <a:latin typeface="Courier New" panose="02070309020205020404" pitchFamily="49" charset="0"/>
+                <a:cs typeface="Courier New" panose="02070309020205020404" pitchFamily="49" charset="0"/>
+              </a:rPr>
+              <a:t>draw_bar</a:t>
+            </a:r>
+            <a:r>
+              <a:rPr lang="en-US" sz="1100" dirty="0">
+                <a:solidFill>
+                  <a:prstClr val="black"/>
+                </a:solidFill>
+                <a:latin typeface="Courier New" panose="02070309020205020404" pitchFamily="49" charset="0"/>
+                <a:cs typeface="Courier New" panose="02070309020205020404" pitchFamily="49" charset="0"/>
+              </a:rPr>
+              <a:t>(</a:t>
+            </a:r>
+            <a:r>
+              <a:rPr lang="en-US" sz="1100" dirty="0" err="1">
+                <a:solidFill>
+                  <a:prstClr val="black"/>
+                </a:solidFill>
+                <a:latin typeface="Courier New" panose="02070309020205020404" pitchFamily="49" charset="0"/>
+                <a:cs typeface="Courier New" panose="02070309020205020404" pitchFamily="49" charset="0"/>
+              </a:rPr>
+              <a:t>parties_election</a:t>
+            </a:r>
+            <a:r>
+              <a:rPr lang="en-US" sz="1100" dirty="0">
+                <a:solidFill>
+                  <a:prstClr val="black"/>
+                </a:solidFill>
+                <a:latin typeface="Courier New" panose="02070309020205020404" pitchFamily="49" charset="0"/>
+                <a:cs typeface="Courier New" panose="02070309020205020404" pitchFamily="49" charset="0"/>
+              </a:rPr>
+              <a:t>, counties, colors, title):</a:t>
+            </a:r>
+          </a:p>
+          <a:p>
+            <a:pPr lvl="0"/>
+            <a:r>
+              <a:rPr lang="en-US" sz="1100" dirty="0">
+                <a:solidFill>
+                  <a:prstClr val="black"/>
+                </a:solidFill>
+                <a:latin typeface="Courier New" panose="02070309020205020404" pitchFamily="49" charset="0"/>
+                <a:cs typeface="Courier New" panose="02070309020205020404" pitchFamily="49" charset="0"/>
+              </a:rPr>
+              <a:t>    '''</a:t>
+            </a:r>
+          </a:p>
+          <a:p>
+            <a:pPr lvl="0"/>
+            <a:r>
+              <a:rPr lang="en-US" sz="1100" dirty="0">
+                <a:solidFill>
+                  <a:prstClr val="black"/>
+                </a:solidFill>
+                <a:latin typeface="Courier New" panose="02070309020205020404" pitchFamily="49" charset="0"/>
+                <a:cs typeface="Courier New" panose="02070309020205020404" pitchFamily="49" charset="0"/>
+              </a:rPr>
+              <a:t>    :param </a:t>
+            </a:r>
+            <a:r>
+              <a:rPr lang="en-US" sz="1100" dirty="0" err="1">
+                <a:solidFill>
+                  <a:prstClr val="black"/>
+                </a:solidFill>
+                <a:latin typeface="Courier New" panose="02070309020205020404" pitchFamily="49" charset="0"/>
+                <a:cs typeface="Courier New" panose="02070309020205020404" pitchFamily="49" charset="0"/>
+              </a:rPr>
+              <a:t>parties_election</a:t>
+            </a:r>
+            <a:r>
+              <a:rPr lang="en-US" sz="1100" dirty="0">
+                <a:solidFill>
+                  <a:prstClr val="black"/>
+                </a:solidFill>
+                <a:latin typeface="Courier New" panose="02070309020205020404" pitchFamily="49" charset="0"/>
+                <a:cs typeface="Courier New" panose="02070309020205020404" pitchFamily="49" charset="0"/>
+              </a:rPr>
+              <a:t>: a two-dimension list of parties' election results</a:t>
+            </a:r>
+          </a:p>
+          <a:p>
+            <a:pPr lvl="0"/>
+            <a:r>
+              <a:rPr lang="en-US" sz="1100" dirty="0">
+                <a:solidFill>
+                  <a:prstClr val="black"/>
+                </a:solidFill>
+                <a:latin typeface="Courier New" panose="02070309020205020404" pitchFamily="49" charset="0"/>
+                <a:cs typeface="Courier New" panose="02070309020205020404" pitchFamily="49" charset="0"/>
+              </a:rPr>
+              <a:t>    :param counties: a list of counties\</a:t>
+            </a:r>
+          </a:p>
+          <a:p>
+            <a:pPr lvl="0"/>
+            <a:r>
+              <a:rPr lang="en-US" sz="1100" dirty="0">
+                <a:solidFill>
+                  <a:prstClr val="black"/>
+                </a:solidFill>
+                <a:latin typeface="Courier New" panose="02070309020205020404" pitchFamily="49" charset="0"/>
+                <a:cs typeface="Courier New" panose="02070309020205020404" pitchFamily="49" charset="0"/>
+              </a:rPr>
+              <a:t>    :param colors: the colors of </a:t>
+            </a:r>
+            <a:r>
+              <a:rPr lang="en-US" sz="1100" dirty="0" err="1">
+                <a:solidFill>
+                  <a:prstClr val="black"/>
+                </a:solidFill>
+                <a:latin typeface="Courier New" panose="02070309020205020404" pitchFamily="49" charset="0"/>
+                <a:cs typeface="Courier New" panose="02070309020205020404" pitchFamily="49" charset="0"/>
+              </a:rPr>
+              <a:t>diffetent</a:t>
+            </a:r>
+            <a:r>
+              <a:rPr lang="en-US" sz="1100" dirty="0">
+                <a:solidFill>
+                  <a:prstClr val="black"/>
+                </a:solidFill>
+                <a:latin typeface="Courier New" panose="02070309020205020404" pitchFamily="49" charset="0"/>
+                <a:cs typeface="Courier New" panose="02070309020205020404" pitchFamily="49" charset="0"/>
+              </a:rPr>
+              <a:t> parties</a:t>
+            </a:r>
+          </a:p>
+          <a:p>
+            <a:pPr lvl="0"/>
+            <a:r>
+              <a:rPr lang="en-US" sz="1100" dirty="0">
+                <a:solidFill>
+                  <a:prstClr val="black"/>
+                </a:solidFill>
+                <a:latin typeface="Courier New" panose="02070309020205020404" pitchFamily="49" charset="0"/>
+                <a:cs typeface="Courier New" panose="02070309020205020404" pitchFamily="49" charset="0"/>
+              </a:rPr>
+              <a:t>    :return:  a bar chart</a:t>
+            </a:r>
+          </a:p>
+          <a:p>
+            <a:pPr lvl="0"/>
+            <a:r>
+              <a:rPr lang="en-US" sz="1100" dirty="0">
+                <a:solidFill>
+                  <a:prstClr val="black"/>
+                </a:solidFill>
+                <a:latin typeface="Courier New" panose="02070309020205020404" pitchFamily="49" charset="0"/>
+                <a:cs typeface="Courier New" panose="02070309020205020404" pitchFamily="49" charset="0"/>
+              </a:rPr>
+              <a:t>    '''</a:t>
+            </a:r>
+          </a:p>
+          <a:p>
+            <a:pPr lvl="0"/>
+            <a:r>
+              <a:rPr lang="en-US" sz="1100" dirty="0">
+                <a:solidFill>
+                  <a:prstClr val="black"/>
+                </a:solidFill>
+                <a:latin typeface="Courier New" panose="02070309020205020404" pitchFamily="49" charset="0"/>
+                <a:cs typeface="Courier New" panose="02070309020205020404" pitchFamily="49" charset="0"/>
+              </a:rPr>
+              <a:t>    parties = ['</a:t>
+            </a:r>
+            <a:r>
+              <a:rPr lang="en-US" sz="1100" dirty="0" err="1">
+                <a:solidFill>
+                  <a:prstClr val="black"/>
+                </a:solidFill>
+                <a:latin typeface="Courier New" panose="02070309020205020404" pitchFamily="49" charset="0"/>
+                <a:cs typeface="Courier New" panose="02070309020205020404" pitchFamily="49" charset="0"/>
+              </a:rPr>
+              <a:t>Replican</a:t>
+            </a:r>
+            <a:r>
+              <a:rPr lang="en-US" sz="1100" dirty="0">
+                <a:solidFill>
+                  <a:prstClr val="black"/>
+                </a:solidFill>
+                <a:latin typeface="Courier New" panose="02070309020205020404" pitchFamily="49" charset="0"/>
+                <a:cs typeface="Courier New" panose="02070309020205020404" pitchFamily="49" charset="0"/>
+              </a:rPr>
+              <a:t>', 'Democrat', 'Other parties’]</a:t>
+            </a:r>
+          </a:p>
+          <a:p>
+            <a:pPr lvl="0"/>
+            <a:endParaRPr lang="en-US" sz="1100" dirty="0">
+              <a:solidFill>
+                <a:prstClr val="black"/>
+              </a:solidFill>
+              <a:latin typeface="Courier New" panose="02070309020205020404" pitchFamily="49" charset="0"/>
+              <a:cs typeface="Courier New" panose="02070309020205020404" pitchFamily="49" charset="0"/>
+            </a:endParaRPr>
+          </a:p>
+          <a:p>
+            <a:pPr lvl="0"/>
+            <a:r>
+              <a:rPr lang="en-US" sz="1100" dirty="0">
+                <a:solidFill>
+                  <a:prstClr val="black"/>
+                </a:solidFill>
+                <a:latin typeface="Courier New" panose="02070309020205020404" pitchFamily="49" charset="0"/>
+                <a:cs typeface="Courier New" panose="02070309020205020404" pitchFamily="49" charset="0"/>
+              </a:rPr>
+              <a:t>    #use </a:t>
+            </a:r>
+            <a:r>
+              <a:rPr lang="en-US" sz="1100" dirty="0" err="1">
+                <a:solidFill>
+                  <a:prstClr val="black"/>
+                </a:solidFill>
+                <a:latin typeface="Courier New" panose="02070309020205020404" pitchFamily="49" charset="0"/>
+                <a:cs typeface="Courier New" panose="02070309020205020404" pitchFamily="49" charset="0"/>
+              </a:rPr>
+              <a:t>go.Bar</a:t>
+            </a:r>
+            <a:r>
+              <a:rPr lang="en-US" sz="1100" dirty="0">
+                <a:solidFill>
+                  <a:prstClr val="black"/>
+                </a:solidFill>
+                <a:latin typeface="Courier New" panose="02070309020205020404" pitchFamily="49" charset="0"/>
+                <a:cs typeface="Courier New" panose="02070309020205020404" pitchFamily="49" charset="0"/>
+              </a:rPr>
+              <a:t> to establish three traces and add them to data</a:t>
+            </a:r>
+          </a:p>
+          <a:p>
+            <a:pPr lvl="0"/>
+            <a:r>
+              <a:rPr lang="en-US" sz="1100" dirty="0">
+                <a:solidFill>
+                  <a:prstClr val="black"/>
+                </a:solidFill>
+                <a:latin typeface="Courier New" panose="02070309020205020404" pitchFamily="49" charset="0"/>
+                <a:cs typeface="Courier New" panose="02070309020205020404" pitchFamily="49" charset="0"/>
+              </a:rPr>
+              <a:t>    data = [</a:t>
+            </a:r>
+            <a:r>
+              <a:rPr lang="en-US" sz="1100" dirty="0" err="1">
+                <a:solidFill>
+                  <a:prstClr val="black"/>
+                </a:solidFill>
+                <a:latin typeface="Courier New" panose="02070309020205020404" pitchFamily="49" charset="0"/>
+                <a:cs typeface="Courier New" panose="02070309020205020404" pitchFamily="49" charset="0"/>
+              </a:rPr>
+              <a:t>go.Bar</a:t>
+            </a:r>
+            <a:r>
+              <a:rPr lang="en-US" sz="1100" dirty="0">
+                <a:solidFill>
+                  <a:prstClr val="black"/>
+                </a:solidFill>
+                <a:latin typeface="Courier New" panose="02070309020205020404" pitchFamily="49" charset="0"/>
+                <a:cs typeface="Courier New" panose="02070309020205020404" pitchFamily="49" charset="0"/>
+              </a:rPr>
+              <a:t>(x = counties, y = </a:t>
+            </a:r>
+            <a:r>
+              <a:rPr lang="en-US" sz="1100" dirty="0" err="1">
+                <a:solidFill>
+                  <a:prstClr val="black"/>
+                </a:solidFill>
+                <a:latin typeface="Courier New" panose="02070309020205020404" pitchFamily="49" charset="0"/>
+                <a:cs typeface="Courier New" panose="02070309020205020404" pitchFamily="49" charset="0"/>
+              </a:rPr>
+              <a:t>party_election</a:t>
+            </a:r>
+            <a:r>
+              <a:rPr lang="en-US" sz="1100" dirty="0">
+                <a:solidFill>
+                  <a:prstClr val="black"/>
+                </a:solidFill>
+                <a:latin typeface="Courier New" panose="02070309020205020404" pitchFamily="49" charset="0"/>
+                <a:cs typeface="Courier New" panose="02070309020205020404" pitchFamily="49" charset="0"/>
+              </a:rPr>
+              <a:t>, name = party, marker = </a:t>
+            </a:r>
+            <a:r>
+              <a:rPr lang="en-US" sz="1100" dirty="0" err="1">
+                <a:solidFill>
+                  <a:prstClr val="black"/>
+                </a:solidFill>
+                <a:latin typeface="Courier New" panose="02070309020205020404" pitchFamily="49" charset="0"/>
+                <a:cs typeface="Courier New" panose="02070309020205020404" pitchFamily="49" charset="0"/>
+              </a:rPr>
+              <a:t>dict</a:t>
+            </a:r>
+            <a:r>
+              <a:rPr lang="en-US" sz="1100" dirty="0">
+                <a:solidFill>
+                  <a:prstClr val="black"/>
+                </a:solidFill>
+                <a:latin typeface="Courier New" panose="02070309020205020404" pitchFamily="49" charset="0"/>
+                <a:cs typeface="Courier New" panose="02070309020205020404" pitchFamily="49" charset="0"/>
+              </a:rPr>
+              <a:t>(color = color)) for </a:t>
+            </a:r>
+            <a:r>
+              <a:rPr lang="en-US" sz="1100" dirty="0" err="1">
+                <a:solidFill>
+                  <a:prstClr val="black"/>
+                </a:solidFill>
+                <a:latin typeface="Courier New" panose="02070309020205020404" pitchFamily="49" charset="0"/>
+                <a:cs typeface="Courier New" panose="02070309020205020404" pitchFamily="49" charset="0"/>
+              </a:rPr>
+              <a:t>party_election</a:t>
+            </a:r>
+            <a:r>
+              <a:rPr lang="en-US" sz="1100" dirty="0">
+                <a:solidFill>
+                  <a:prstClr val="black"/>
+                </a:solidFill>
+                <a:latin typeface="Courier New" panose="02070309020205020404" pitchFamily="49" charset="0"/>
+                <a:cs typeface="Courier New" panose="02070309020205020404" pitchFamily="49" charset="0"/>
+              </a:rPr>
+              <a:t>, party, color in zip(</a:t>
+            </a:r>
+            <a:r>
+              <a:rPr lang="en-US" sz="1100" dirty="0" err="1">
+                <a:solidFill>
+                  <a:prstClr val="black"/>
+                </a:solidFill>
+                <a:latin typeface="Courier New" panose="02070309020205020404" pitchFamily="49" charset="0"/>
+                <a:cs typeface="Courier New" panose="02070309020205020404" pitchFamily="49" charset="0"/>
+              </a:rPr>
+              <a:t>parties_election</a:t>
+            </a:r>
+            <a:r>
+              <a:rPr lang="en-US" sz="1100" dirty="0">
+                <a:solidFill>
+                  <a:prstClr val="black"/>
+                </a:solidFill>
+                <a:latin typeface="Courier New" panose="02070309020205020404" pitchFamily="49" charset="0"/>
+                <a:cs typeface="Courier New" panose="02070309020205020404" pitchFamily="49" charset="0"/>
+              </a:rPr>
+              <a:t>, parties, colors)]</a:t>
+            </a:r>
+          </a:p>
+          <a:p>
+            <a:pPr lvl="0"/>
+            <a:r>
+              <a:rPr lang="en-US" sz="1100" dirty="0">
+                <a:solidFill>
+                  <a:prstClr val="black"/>
+                </a:solidFill>
+                <a:latin typeface="Courier New" panose="02070309020205020404" pitchFamily="49" charset="0"/>
+                <a:cs typeface="Courier New" panose="02070309020205020404" pitchFamily="49" charset="0"/>
+              </a:rPr>
+              <a:t>   </a:t>
+            </a:r>
+          </a:p>
+          <a:p>
+            <a:pPr lvl="0"/>
+            <a:r>
+              <a:rPr lang="en-US" sz="1100" dirty="0">
+                <a:solidFill>
+                  <a:prstClr val="black"/>
+                </a:solidFill>
+                <a:latin typeface="Courier New" panose="02070309020205020404" pitchFamily="49" charset="0"/>
+                <a:cs typeface="Courier New" panose="02070309020205020404" pitchFamily="49" charset="0"/>
+              </a:rPr>
+              <a:t>    #set layout</a:t>
+            </a:r>
+          </a:p>
+          <a:p>
+            <a:pPr lvl="0"/>
+            <a:r>
+              <a:rPr lang="en-US" sz="1100" dirty="0">
+                <a:solidFill>
+                  <a:prstClr val="black"/>
+                </a:solidFill>
+                <a:latin typeface="Courier New" panose="02070309020205020404" pitchFamily="49" charset="0"/>
+                <a:cs typeface="Courier New" panose="02070309020205020404" pitchFamily="49" charset="0"/>
+              </a:rPr>
+              <a:t>    layout = </a:t>
+            </a:r>
+            <a:r>
+              <a:rPr lang="en-US" sz="1100" dirty="0" err="1">
+                <a:solidFill>
+                  <a:prstClr val="black"/>
+                </a:solidFill>
+                <a:latin typeface="Courier New" panose="02070309020205020404" pitchFamily="49" charset="0"/>
+                <a:cs typeface="Courier New" panose="02070309020205020404" pitchFamily="49" charset="0"/>
+              </a:rPr>
+              <a:t>go.Layout</a:t>
+            </a:r>
+            <a:r>
+              <a:rPr lang="en-US" sz="1100" dirty="0">
+                <a:solidFill>
+                  <a:prstClr val="black"/>
+                </a:solidFill>
+                <a:latin typeface="Courier New" panose="02070309020205020404" pitchFamily="49" charset="0"/>
+                <a:cs typeface="Courier New" panose="02070309020205020404" pitchFamily="49" charset="0"/>
+              </a:rPr>
+              <a:t>(</a:t>
+            </a:r>
+          </a:p>
+          <a:p>
+            <a:pPr lvl="0"/>
+            <a:r>
+              <a:rPr lang="en-US" sz="1100" dirty="0">
+                <a:solidFill>
+                  <a:prstClr val="black"/>
+                </a:solidFill>
+                <a:latin typeface="Courier New" panose="02070309020205020404" pitchFamily="49" charset="0"/>
+                <a:cs typeface="Courier New" panose="02070309020205020404" pitchFamily="49" charset="0"/>
+              </a:rPr>
+              <a:t>        title= title,</a:t>
+            </a:r>
+          </a:p>
+          <a:p>
+            <a:pPr lvl="0"/>
+            <a:r>
+              <a:rPr lang="en-US" sz="1100" dirty="0">
+                <a:solidFill>
+                  <a:prstClr val="black"/>
+                </a:solidFill>
+                <a:latin typeface="Courier New" panose="02070309020205020404" pitchFamily="49" charset="0"/>
+                <a:cs typeface="Courier New" panose="02070309020205020404" pitchFamily="49" charset="0"/>
+              </a:rPr>
+              <a:t>        </a:t>
+            </a:r>
+            <a:r>
+              <a:rPr lang="en-US" sz="1100" dirty="0" err="1">
+                <a:solidFill>
+                  <a:prstClr val="black"/>
+                </a:solidFill>
+                <a:latin typeface="Courier New" panose="02070309020205020404" pitchFamily="49" charset="0"/>
+                <a:cs typeface="Courier New" panose="02070309020205020404" pitchFamily="49" charset="0"/>
+              </a:rPr>
+              <a:t>xaxis</a:t>
+            </a:r>
+            <a:r>
+              <a:rPr lang="en-US" sz="1100" dirty="0">
+                <a:solidFill>
+                  <a:prstClr val="black"/>
+                </a:solidFill>
+                <a:latin typeface="Courier New" panose="02070309020205020404" pitchFamily="49" charset="0"/>
+                <a:cs typeface="Courier New" panose="02070309020205020404" pitchFamily="49" charset="0"/>
+              </a:rPr>
+              <a:t> = </a:t>
+            </a:r>
+            <a:r>
+              <a:rPr lang="en-US" sz="1100" dirty="0" err="1">
+                <a:solidFill>
+                  <a:prstClr val="black"/>
+                </a:solidFill>
+                <a:latin typeface="Courier New" panose="02070309020205020404" pitchFamily="49" charset="0"/>
+                <a:cs typeface="Courier New" panose="02070309020205020404" pitchFamily="49" charset="0"/>
+              </a:rPr>
+              <a:t>dict</a:t>
+            </a:r>
+            <a:r>
+              <a:rPr lang="en-US" sz="1100" dirty="0">
+                <a:solidFill>
+                  <a:prstClr val="black"/>
+                </a:solidFill>
+                <a:latin typeface="Courier New" panose="02070309020205020404" pitchFamily="49" charset="0"/>
+                <a:cs typeface="Courier New" panose="02070309020205020404" pitchFamily="49" charset="0"/>
+              </a:rPr>
+              <a:t>(</a:t>
+            </a:r>
+            <a:r>
+              <a:rPr lang="en-US" sz="1100" dirty="0" err="1">
+                <a:solidFill>
+                  <a:prstClr val="black"/>
+                </a:solidFill>
+                <a:latin typeface="Courier New" panose="02070309020205020404" pitchFamily="49" charset="0"/>
+                <a:cs typeface="Courier New" panose="02070309020205020404" pitchFamily="49" charset="0"/>
+              </a:rPr>
+              <a:t>tickangle</a:t>
+            </a:r>
+            <a:r>
+              <a:rPr lang="en-US" sz="1100" dirty="0">
+                <a:solidFill>
+                  <a:prstClr val="black"/>
+                </a:solidFill>
+                <a:latin typeface="Courier New" panose="02070309020205020404" pitchFamily="49" charset="0"/>
+                <a:cs typeface="Courier New" panose="02070309020205020404" pitchFamily="49" charset="0"/>
+              </a:rPr>
+              <a:t> = 45),</a:t>
+            </a:r>
+          </a:p>
+          <a:p>
+            <a:pPr lvl="0"/>
+            <a:r>
+              <a:rPr lang="en-US" sz="1100" dirty="0">
+                <a:solidFill>
+                  <a:prstClr val="black"/>
+                </a:solidFill>
+                <a:latin typeface="Courier New" panose="02070309020205020404" pitchFamily="49" charset="0"/>
+                <a:cs typeface="Courier New" panose="02070309020205020404" pitchFamily="49" charset="0"/>
+              </a:rPr>
+              <a:t>        </a:t>
+            </a:r>
+            <a:r>
+              <a:rPr lang="en-US" sz="1100" dirty="0" err="1">
+                <a:solidFill>
+                  <a:prstClr val="black"/>
+                </a:solidFill>
+                <a:latin typeface="Courier New" panose="02070309020205020404" pitchFamily="49" charset="0"/>
+                <a:cs typeface="Courier New" panose="02070309020205020404" pitchFamily="49" charset="0"/>
+              </a:rPr>
+              <a:t>barmode</a:t>
+            </a:r>
+            <a:r>
+              <a:rPr lang="en-US" sz="1100" dirty="0">
+                <a:solidFill>
+                  <a:prstClr val="black"/>
+                </a:solidFill>
+                <a:latin typeface="Courier New" panose="02070309020205020404" pitchFamily="49" charset="0"/>
+                <a:cs typeface="Courier New" panose="02070309020205020404" pitchFamily="49" charset="0"/>
+              </a:rPr>
+              <a:t> = 'group'</a:t>
+            </a:r>
+          </a:p>
+          <a:p>
+            <a:pPr lvl="0"/>
+            <a:r>
+              <a:rPr lang="en-US" sz="1100" dirty="0">
+                <a:solidFill>
+                  <a:prstClr val="black"/>
+                </a:solidFill>
+                <a:latin typeface="Courier New" panose="02070309020205020404" pitchFamily="49" charset="0"/>
+                <a:cs typeface="Courier New" panose="02070309020205020404" pitchFamily="49" charset="0"/>
+              </a:rPr>
+              <a:t>    ) </a:t>
+            </a:r>
+          </a:p>
+          <a:p>
+            <a:pPr lvl="0"/>
+            <a:r>
+              <a:rPr lang="en-US" sz="1100" dirty="0">
+                <a:solidFill>
+                  <a:prstClr val="black"/>
+                </a:solidFill>
+                <a:latin typeface="Courier New" panose="02070309020205020404" pitchFamily="49" charset="0"/>
+                <a:cs typeface="Courier New" panose="02070309020205020404" pitchFamily="49" charset="0"/>
+              </a:rPr>
+              <a:t>  </a:t>
+            </a:r>
+          </a:p>
+          <a:p>
+            <a:pPr lvl="0"/>
+            <a:r>
+              <a:rPr lang="en-US" sz="1100" dirty="0">
+                <a:solidFill>
+                  <a:prstClr val="black"/>
+                </a:solidFill>
+                <a:latin typeface="Courier New" panose="02070309020205020404" pitchFamily="49" charset="0"/>
+                <a:cs typeface="Courier New" panose="02070309020205020404" pitchFamily="49" charset="0"/>
+              </a:rPr>
+              <a:t>    #add fig</a:t>
+            </a:r>
+          </a:p>
+          <a:p>
+            <a:pPr lvl="0"/>
+            <a:r>
+              <a:rPr lang="en-US" sz="1100" dirty="0">
+                <a:solidFill>
+                  <a:prstClr val="black"/>
+                </a:solidFill>
+                <a:latin typeface="Courier New" panose="02070309020205020404" pitchFamily="49" charset="0"/>
+                <a:cs typeface="Courier New" panose="02070309020205020404" pitchFamily="49" charset="0"/>
+              </a:rPr>
+              <a:t>    fig = </a:t>
+            </a:r>
+            <a:r>
+              <a:rPr lang="en-US" sz="1100" dirty="0" err="1">
+                <a:solidFill>
+                  <a:prstClr val="black"/>
+                </a:solidFill>
+                <a:latin typeface="Courier New" panose="02070309020205020404" pitchFamily="49" charset="0"/>
+                <a:cs typeface="Courier New" panose="02070309020205020404" pitchFamily="49" charset="0"/>
+              </a:rPr>
+              <a:t>go.Figure</a:t>
+            </a:r>
+            <a:r>
+              <a:rPr lang="en-US" sz="1100" dirty="0">
+                <a:solidFill>
+                  <a:prstClr val="black"/>
+                </a:solidFill>
+                <a:latin typeface="Courier New" panose="02070309020205020404" pitchFamily="49" charset="0"/>
+                <a:cs typeface="Courier New" panose="02070309020205020404" pitchFamily="49" charset="0"/>
+              </a:rPr>
+              <a:t>(data = data, </a:t>
+            </a:r>
+          </a:p>
+          <a:p>
+            <a:pPr lvl="0"/>
+            <a:r>
+              <a:rPr lang="en-US" sz="1100" dirty="0">
+                <a:solidFill>
+                  <a:prstClr val="black"/>
+                </a:solidFill>
+                <a:latin typeface="Courier New" panose="02070309020205020404" pitchFamily="49" charset="0"/>
+                <a:cs typeface="Courier New" panose="02070309020205020404" pitchFamily="49" charset="0"/>
+              </a:rPr>
+              <a:t>                    layout = layout)</a:t>
+            </a:r>
+          </a:p>
+          <a:p>
+            <a:pPr lvl="0"/>
+            <a:endParaRPr lang="en-US" sz="1100" dirty="0">
+              <a:solidFill>
+                <a:prstClr val="black"/>
+              </a:solidFill>
+              <a:latin typeface="Courier New" panose="02070309020205020404" pitchFamily="49" charset="0"/>
+              <a:cs typeface="Courier New" panose="02070309020205020404" pitchFamily="49" charset="0"/>
+            </a:endParaRPr>
+          </a:p>
+          <a:p>
+            <a:pPr lvl="0"/>
+            <a:r>
+              <a:rPr lang="en-US" sz="1100" dirty="0">
+                <a:solidFill>
+                  <a:prstClr val="black"/>
+                </a:solidFill>
+                <a:latin typeface="Courier New" panose="02070309020205020404" pitchFamily="49" charset="0"/>
+                <a:cs typeface="Courier New" panose="02070309020205020404" pitchFamily="49" charset="0"/>
+              </a:rPr>
+              <a:t>    # add state</a:t>
+            </a:r>
+          </a:p>
+          <a:p>
+            <a:pPr lvl="0"/>
+            <a:r>
+              <a:rPr lang="en-US" sz="1100" dirty="0">
+                <a:solidFill>
+                  <a:prstClr val="black"/>
+                </a:solidFill>
+                <a:latin typeface="Courier New" panose="02070309020205020404" pitchFamily="49" charset="0"/>
+                <a:cs typeface="Courier New" panose="02070309020205020404" pitchFamily="49" charset="0"/>
+              </a:rPr>
+              <a:t>    </a:t>
+            </a:r>
+            <a:r>
+              <a:rPr lang="en-US" sz="1100" dirty="0" err="1">
+                <a:solidFill>
+                  <a:prstClr val="black"/>
+                </a:solidFill>
+                <a:latin typeface="Courier New" panose="02070309020205020404" pitchFamily="49" charset="0"/>
+                <a:cs typeface="Courier New" panose="02070309020205020404" pitchFamily="49" charset="0"/>
+              </a:rPr>
+              <a:t>py.plot</a:t>
+            </a:r>
+            <a:r>
+              <a:rPr lang="en-US" sz="1100" dirty="0">
+                <a:solidFill>
+                  <a:prstClr val="black"/>
+                </a:solidFill>
+                <a:latin typeface="Courier New" panose="02070309020205020404" pitchFamily="49" charset="0"/>
+                <a:cs typeface="Courier New" panose="02070309020205020404" pitchFamily="49" charset="0"/>
+              </a:rPr>
+              <a:t>(fig) </a:t>
+            </a:r>
+            <a:endParaRPr kumimoji="0" lang="en-US" sz="1100" b="0" i="0" u="none" strike="noStrike" kern="1200" cap="none" spc="0" normalizeH="0" baseline="0" noProof="0" dirty="0">
+              <a:ln>
+                <a:noFill/>
+              </a:ln>
+              <a:solidFill>
+                <a:prstClr val="black"/>
+              </a:solidFill>
+              <a:effectLst/>
+              <a:uLnTx/>
+              <a:uFillTx/>
+              <a:latin typeface="Courier New" panose="02070309020205020404" pitchFamily="49" charset="0"/>
+              <a:cs typeface="Courier New" panose="02070309020205020404" pitchFamily="49" charset="0"/>
+            </a:endParaRPr>
+          </a:p>
+        </p:txBody>
+      </p:sp>
+    </p:spTree>
+    <p:extLst>
+      <p:ext uri="{BB962C8B-B14F-4D97-AF65-F5344CB8AC3E}">
+        <p14:creationId xmlns:p14="http://schemas.microsoft.com/office/powerpoint/2010/main" val="640195763"/>
+      </p:ext>
+    </p:extLst>
+  </p:cSld>
+  <p:clrMapOvr>
+    <a:masterClrMapping/>
+  </p:clrMapOvr>
+</p:sld>
+</file>
+
+<file path=ppt/slides/slide5.xml><?xml version="1.0" encoding="utf-8"?>
 <p:sld xmlns:a="http://schemas.openxmlformats.org/drawingml/2006/main" xmlns:r="http://schemas.openxmlformats.org/officeDocument/2006/relationships" xmlns:p="http://schemas.openxmlformats.org/presentationml/2006/main">
   <p:cSld>
     <p:spTree>
@@ -10108,7 +11686,7 @@
     </p:spTree>
     <p:extLst>
       <p:ext uri="{BB962C8B-B14F-4D97-AF65-F5344CB8AC3E}">
-        <p14:creationId xmlns:p14="http://schemas.microsoft.com/office/powerpoint/2010/main" val="3470662803"/>
+        <p14:creationId xmlns:p14="http://schemas.microsoft.com/office/powerpoint/2010/main" val="2827514838"/>
       </p:ext>
     </p:extLst>
   </p:cSld>
@@ -10118,7 +11696,7 @@
 </p:sld>
 </file>
 
-<file path=ppt/slides/slide5.xml><?xml version="1.0" encoding="utf-8"?>
+<file path=ppt/slides/slide6.xml><?xml version="1.0" encoding="utf-8"?>
 <p:sld xmlns:a="http://schemas.openxmlformats.org/drawingml/2006/main" xmlns:r="http://schemas.openxmlformats.org/officeDocument/2006/relationships" xmlns:p="http://schemas.openxmlformats.org/presentationml/2006/main">
   <p:cSld>
     <p:spTree>
@@ -12097,7 +13675,7 @@
           <a:graphicData uri="http://schemas.openxmlformats.org/presentationml/2006/ole">
             <mc:AlternateContent xmlns:mc="http://schemas.openxmlformats.org/markup-compatibility/2006">
               <mc:Choice xmlns:v="urn:schemas-microsoft-com:vml" Requires="v">
-                <p:oleObj spid="_x0000_s1030" name="Worksheet" r:id="rId3" imgW="5191233" imgH="3057538" progId="Excel.Sheet.12">
+                <p:oleObj spid="_x0000_s1032" name="Worksheet" r:id="rId3" imgW="5191233" imgH="3057538" progId="Excel.Sheet.12">
                   <p:embed/>
                 </p:oleObj>
               </mc:Choice>
@@ -12151,7 +13729,7 @@
 </p:sld>
 </file>
 
-<file path=ppt/slides/slide6.xml><?xml version="1.0" encoding="utf-8"?>
+<file path=ppt/slides/slide7.xml><?xml version="1.0" encoding="utf-8"?>
 <p:sld xmlns:a="http://schemas.openxmlformats.org/drawingml/2006/main" xmlns:r="http://schemas.openxmlformats.org/officeDocument/2006/relationships" xmlns:p="http://schemas.openxmlformats.org/presentationml/2006/main">
   <p:cSld>
     <p:spTree>
@@ -12550,7 +14128,7 @@
 </p:sld>
 </file>
 
-<file path=ppt/slides/slide7.xml><?xml version="1.0" encoding="utf-8"?>
+<file path=ppt/slides/slide8.xml><?xml version="1.0" encoding="utf-8"?>
 <p:sld xmlns:a="http://schemas.openxmlformats.org/drawingml/2006/main" xmlns:r="http://schemas.openxmlformats.org/officeDocument/2006/relationships" xmlns:p="http://schemas.openxmlformats.org/presentationml/2006/main">
   <p:cSld>
     <p:spTree>
@@ -12667,7 +14245,7 @@
 </p:sld>
 </file>
 
-<file path=ppt/slides/slide8.xml><?xml version="1.0" encoding="utf-8"?>
+<file path=ppt/slides/slide9.xml><?xml version="1.0" encoding="utf-8"?>
 <p:sld xmlns:a="http://schemas.openxmlformats.org/drawingml/2006/main" xmlns:r="http://schemas.openxmlformats.org/officeDocument/2006/relationships" xmlns:p="http://schemas.openxmlformats.org/presentationml/2006/main">
   <p:cSld>
     <p:spTree>
@@ -13996,422 +15574,6 @@
     <p:extLst>
       <p:ext uri="{BB962C8B-B14F-4D97-AF65-F5344CB8AC3E}">
         <p14:creationId xmlns:p14="http://schemas.microsoft.com/office/powerpoint/2010/main" val="3475812986"/>
-      </p:ext>
-    </p:extLst>
-  </p:cSld>
-  <p:clrMapOvr>
-    <a:masterClrMapping/>
-  </p:clrMapOvr>
-</p:sld>
-</file>
-
-<file path=ppt/slides/slide9.xml><?xml version="1.0" encoding="utf-8"?>
-<p:sld xmlns:a="http://schemas.openxmlformats.org/drawingml/2006/main" xmlns:r="http://schemas.openxmlformats.org/officeDocument/2006/relationships" xmlns:p="http://schemas.openxmlformats.org/presentationml/2006/main">
-  <p:cSld>
-    <p:spTree>
-      <p:nvGrpSpPr>
-        <p:cNvPr id="1" name=""/>
-        <p:cNvGrpSpPr/>
-        <p:nvPr/>
-      </p:nvGrpSpPr>
-      <p:grpSpPr>
-        <a:xfrm>
-          <a:off x="0" y="0"/>
-          <a:ext cx="0" cy="0"/>
-          <a:chOff x="0" y="0"/>
-          <a:chExt cx="0" cy="0"/>
-        </a:xfrm>
-      </p:grpSpPr>
-      <p:sp>
-        <p:nvSpPr>
-          <p:cNvPr id="2" name="Title 1">
-            <a:extLst>
-              <a:ext uri="{FF2B5EF4-FFF2-40B4-BE49-F238E27FC236}">
-                <a16:creationId xmlns:a16="http://schemas.microsoft.com/office/drawing/2014/main" id="{B663AEC8-6646-48B2-A733-C5433CC6061D}"/>
-              </a:ext>
-            </a:extLst>
-          </p:cNvPr>
-          <p:cNvSpPr>
-            <a:spLocks noGrp="1"/>
-          </p:cNvSpPr>
-          <p:nvPr>
-            <p:ph type="title"/>
-          </p:nvPr>
-        </p:nvSpPr>
-        <p:spPr/>
-        <p:txBody>
-          <a:bodyPr/>
-          <a:lstStyle/>
-          <a:p>
-            <a:r>
-              <a:rPr lang="en-US" dirty="0"/>
-              <a:t>Using </a:t>
-            </a:r>
-            <a:r>
-              <a:rPr lang="en-US" dirty="0" err="1"/>
-              <a:t>Plotly</a:t>
-            </a:r>
-            <a:endParaRPr lang="en-US" dirty="0"/>
-          </a:p>
-        </p:txBody>
-      </p:sp>
-      <p:sp>
-        <p:nvSpPr>
-          <p:cNvPr id="3" name="Content Placeholder 2">
-            <a:extLst>
-              <a:ext uri="{FF2B5EF4-FFF2-40B4-BE49-F238E27FC236}">
-                <a16:creationId xmlns:a16="http://schemas.microsoft.com/office/drawing/2014/main" id="{6207D7D2-FD51-4A48-9F71-E86B357BFD98}"/>
-              </a:ext>
-            </a:extLst>
-          </p:cNvPr>
-          <p:cNvSpPr>
-            <a:spLocks noGrp="1"/>
-          </p:cNvSpPr>
-          <p:nvPr>
-            <p:ph idx="1"/>
-          </p:nvPr>
-        </p:nvSpPr>
-        <p:spPr>
-          <a:xfrm>
-            <a:off x="1943169" y="1517373"/>
-            <a:ext cx="7594726" cy="1746331"/>
-          </a:xfrm>
-        </p:spPr>
-        <p:txBody>
-          <a:bodyPr>
-            <a:normAutofit fontScale="92500" lnSpcReduction="20000"/>
-          </a:bodyPr>
-          <a:lstStyle/>
-          <a:p>
-            <a:r>
-              <a:rPr lang="en-US" dirty="0" err="1"/>
-              <a:t>Plotly</a:t>
-            </a:r>
-            <a:r>
-              <a:rPr lang="en-US" dirty="0"/>
-              <a:t> maps rely on FIPS codes (Federal Information Processing Standards).</a:t>
-            </a:r>
-          </a:p>
-          <a:p>
-            <a:r>
-              <a:rPr lang="en-US" dirty="0"/>
-              <a:t>Import the </a:t>
-            </a:r>
-            <a:r>
-              <a:rPr lang="en-US" dirty="0" err="1"/>
-              <a:t>plotly</a:t>
-            </a:r>
-            <a:r>
-              <a:rPr lang="en-US" dirty="0"/>
-              <a:t> figure factory</a:t>
-            </a:r>
-          </a:p>
-          <a:p>
-            <a:r>
-              <a:rPr lang="en-US" dirty="0"/>
-              <a:t>Create a map by executing </a:t>
-            </a:r>
-            <a:r>
-              <a:rPr lang="en-US" dirty="0" err="1"/>
-              <a:t>create_choropleth</a:t>
-            </a:r>
-            <a:r>
-              <a:rPr lang="en-US" dirty="0"/>
-              <a:t>, and pass a set of lists, colors, bins, and other options.</a:t>
-            </a:r>
-          </a:p>
-          <a:p>
-            <a:r>
-              <a:rPr lang="en-US" dirty="0"/>
-              <a:t>Send your map to </a:t>
-            </a:r>
-            <a:r>
-              <a:rPr lang="en-US" dirty="0" err="1"/>
-              <a:t>plotly</a:t>
-            </a:r>
-            <a:r>
-              <a:rPr lang="en-US" dirty="0"/>
-              <a:t>.</a:t>
-            </a:r>
-          </a:p>
-          <a:p>
-            <a:pPr lvl="1"/>
-            <a:endParaRPr lang="en-US" dirty="0"/>
-          </a:p>
-        </p:txBody>
-      </p:sp>
-      <p:sp>
-        <p:nvSpPr>
-          <p:cNvPr id="6" name="Rectangle 1">
-            <a:extLst>
-              <a:ext uri="{FF2B5EF4-FFF2-40B4-BE49-F238E27FC236}">
-                <a16:creationId xmlns:a16="http://schemas.microsoft.com/office/drawing/2014/main" id="{CBF7476D-ECDF-4440-B124-3B6715565D53}"/>
-              </a:ext>
-            </a:extLst>
-          </p:cNvPr>
-          <p:cNvSpPr>
-            <a:spLocks noChangeArrowheads="1"/>
-          </p:cNvSpPr>
-          <p:nvPr/>
-        </p:nvSpPr>
-        <p:spPr bwMode="auto">
-          <a:xfrm>
-            <a:off x="1099107" y="3564973"/>
-            <a:ext cx="9844637" cy="3046988"/>
-          </a:xfrm>
-          <a:prstGeom prst="rect">
-            <a:avLst/>
-          </a:prstGeom>
-          <a:solidFill>
-            <a:srgbClr val="FFFFFF"/>
-          </a:solidFill>
-          <a:ln w="44450">
-            <a:solidFill>
-              <a:schemeClr val="accent1"/>
-            </a:solidFill>
-            <a:miter lim="800000"/>
-            <a:headEnd/>
-            <a:tailEnd/>
-          </a:ln>
-          <a:effectLst/>
-          <a:extLst>
-            <a:ext uri="{AF507438-7753-43E0-B8FC-AC1667EBCBE1}">
-              <a14:hiddenEffects xmlns:a14="http://schemas.microsoft.com/office/drawing/2010/main">
-                <a:effectLst>
-                  <a:outerShdw dist="35921" dir="2700000" algn="ctr" rotWithShape="0">
-                    <a:schemeClr val="bg2"/>
-                  </a:outerShdw>
-                </a:effectLst>
-              </a14:hiddenEffects>
-            </a:ext>
-          </a:extLst>
-        </p:spPr>
-        <p:txBody>
-          <a:bodyPr vert="horz" wrap="square" lIns="91440" tIns="45720" rIns="91440" bIns="45720" numCol="1" anchor="ctr" anchorCtr="0" compatLnSpc="1">
-            <a:prstTxWarp prst="textNoShape">
-              <a:avLst/>
-            </a:prstTxWarp>
-            <a:spAutoFit/>
-          </a:bodyPr>
-          <a:lstStyle/>
-          <a:p>
-            <a:r>
-              <a:rPr lang="en-US" sz="2400" dirty="0" err="1"/>
-              <a:t>myMap</a:t>
-            </a:r>
-            <a:r>
-              <a:rPr lang="en-US" sz="2400" dirty="0"/>
-              <a:t> = </a:t>
-            </a:r>
-            <a:r>
-              <a:rPr lang="en-US" sz="2400" dirty="0" err="1"/>
-              <a:t>ff.create_choropleth</a:t>
-            </a:r>
-            <a:r>
-              <a:rPr lang="en-US" sz="2400" dirty="0"/>
-              <a:t>(</a:t>
-            </a:r>
-            <a:br>
-              <a:rPr lang="en-US" sz="2400" dirty="0"/>
-            </a:br>
-            <a:r>
-              <a:rPr lang="en-US" sz="2400" dirty="0"/>
-              <a:t>    </a:t>
-            </a:r>
-            <a:r>
-              <a:rPr lang="en-US" sz="2400" dirty="0" err="1"/>
-              <a:t>fips</a:t>
-            </a:r>
-            <a:r>
-              <a:rPr lang="en-US" sz="2400" dirty="0"/>
-              <a:t>=</a:t>
-            </a:r>
-            <a:r>
-              <a:rPr lang="en-US" sz="2400" dirty="0" err="1"/>
-              <a:t>fips</a:t>
-            </a:r>
-            <a:r>
-              <a:rPr lang="en-US" sz="2400" dirty="0"/>
-              <a:t>, values=</a:t>
-            </a:r>
-            <a:r>
-              <a:rPr lang="en-US" sz="2400" dirty="0" err="1"/>
-              <a:t>vote_diffs</a:t>
-            </a:r>
-            <a:r>
-              <a:rPr lang="en-US" sz="2400" dirty="0"/>
-              <a:t>,</a:t>
-            </a:r>
-            <a:br>
-              <a:rPr lang="en-US" sz="2400" dirty="0"/>
-            </a:br>
-            <a:r>
-              <a:rPr lang="en-US" sz="2400" dirty="0"/>
-              <a:t>    scope=states,</a:t>
-            </a:r>
-            <a:br>
-              <a:rPr lang="en-US" sz="2400" dirty="0"/>
-            </a:br>
-            <a:r>
-              <a:rPr lang="en-US" sz="2400" dirty="0"/>
-              <a:t>    </a:t>
-            </a:r>
-            <a:r>
-              <a:rPr lang="en-US" sz="2400" dirty="0" err="1"/>
-              <a:t>county_outline</a:t>
-            </a:r>
-            <a:r>
-              <a:rPr lang="en-US" sz="2400" dirty="0"/>
-              <a:t>={</a:t>
-            </a:r>
-            <a:r>
-              <a:rPr lang="en-US" sz="2400" b="1" dirty="0"/>
-              <a:t>'color'</a:t>
-            </a:r>
-            <a:r>
-              <a:rPr lang="en-US" sz="2400" dirty="0"/>
-              <a:t>: </a:t>
-            </a:r>
-            <a:r>
-              <a:rPr lang="en-US" sz="2400" b="1" dirty="0"/>
-              <a:t>'</a:t>
-            </a:r>
-            <a:r>
-              <a:rPr lang="en-US" sz="2400" b="1" dirty="0" err="1"/>
-              <a:t>rgb</a:t>
-            </a:r>
-            <a:r>
-              <a:rPr lang="en-US" sz="2400" b="1" dirty="0"/>
-              <a:t>(192,192,192)'</a:t>
-            </a:r>
-            <a:r>
-              <a:rPr lang="en-US" sz="2400" dirty="0"/>
-              <a:t>, </a:t>
-            </a:r>
-            <a:r>
-              <a:rPr lang="en-US" sz="2400" b="1" dirty="0"/>
-              <a:t>'width'</a:t>
-            </a:r>
-            <a:r>
-              <a:rPr lang="en-US" sz="2400" dirty="0"/>
-              <a:t>: 0.5},</a:t>
-            </a:r>
-            <a:br>
-              <a:rPr lang="en-US" sz="2400" dirty="0"/>
-            </a:br>
-            <a:r>
-              <a:rPr lang="en-US" sz="2400" dirty="0"/>
-              <a:t>    </a:t>
-            </a:r>
-            <a:r>
-              <a:rPr lang="en-US" sz="2400" dirty="0" err="1"/>
-              <a:t>state_outline</a:t>
-            </a:r>
-            <a:r>
-              <a:rPr lang="en-US" sz="2400" dirty="0"/>
-              <a:t>={</a:t>
-            </a:r>
-            <a:r>
-              <a:rPr lang="en-US" sz="2400" b="1" dirty="0"/>
-              <a:t>'color'</a:t>
-            </a:r>
-            <a:r>
-              <a:rPr lang="en-US" sz="2400" dirty="0"/>
-              <a:t>: </a:t>
-            </a:r>
-            <a:r>
-              <a:rPr lang="en-US" sz="2400" b="1" dirty="0"/>
-              <a:t>'</a:t>
-            </a:r>
-            <a:r>
-              <a:rPr lang="en-US" sz="2400" b="1" dirty="0" err="1"/>
-              <a:t>rgb</a:t>
-            </a:r>
-            <a:r>
-              <a:rPr lang="en-US" sz="2400" b="1" dirty="0"/>
-              <a:t>(0,0,0)'</a:t>
-            </a:r>
-            <a:r>
-              <a:rPr lang="en-US" sz="2400" dirty="0"/>
-              <a:t>, </a:t>
-            </a:r>
-            <a:r>
-              <a:rPr lang="en-US" sz="2400" b="1" dirty="0"/>
-              <a:t>'width'</a:t>
-            </a:r>
-            <a:r>
-              <a:rPr lang="en-US" sz="2400" dirty="0"/>
-              <a:t>: 0.5},</a:t>
-            </a:r>
-            <a:br>
-              <a:rPr lang="en-US" sz="2400" dirty="0"/>
-            </a:br>
-            <a:r>
-              <a:rPr lang="en-US" sz="2400" dirty="0"/>
-              <a:t>    </a:t>
-            </a:r>
-            <a:r>
-              <a:rPr lang="en-US" sz="2400" dirty="0" err="1"/>
-              <a:t>binning_endpoints</a:t>
-            </a:r>
-            <a:r>
-              <a:rPr lang="en-US" sz="2400" dirty="0"/>
-              <a:t>=[-0.3, -0.2,-0.1, 0, 0.1, 0.2, 0.3],</a:t>
-            </a:r>
-            <a:br>
-              <a:rPr lang="en-US" sz="2400" dirty="0"/>
-            </a:br>
-            <a:r>
-              <a:rPr lang="en-US" sz="2400" dirty="0"/>
-              <a:t>    </a:t>
-            </a:r>
-            <a:r>
-              <a:rPr lang="en-US" sz="2400" dirty="0" err="1"/>
-              <a:t>legend_title</a:t>
-            </a:r>
-            <a:r>
-              <a:rPr lang="en-US" sz="2400" dirty="0"/>
-              <a:t>=</a:t>
-            </a:r>
-            <a:r>
-              <a:rPr lang="en-US" sz="2400" b="1" dirty="0"/>
-              <a:t>'Margin of Difference per County'</a:t>
-            </a:r>
-            <a:r>
-              <a:rPr lang="en-US" sz="2400" dirty="0"/>
-              <a:t>,</a:t>
-            </a:r>
-            <a:br>
-              <a:rPr lang="en-US" sz="2400" dirty="0"/>
-            </a:br>
-            <a:r>
-              <a:rPr lang="en-US" sz="2400" dirty="0"/>
-              <a:t>    </a:t>
-            </a:r>
-            <a:r>
-              <a:rPr lang="en-US" sz="2400" dirty="0" err="1"/>
-              <a:t>colorscale</a:t>
-            </a:r>
-            <a:r>
-              <a:rPr lang="en-US" sz="2400" dirty="0"/>
-              <a:t>=</a:t>
-            </a:r>
-            <a:r>
-              <a:rPr lang="en-US" sz="2400" dirty="0" err="1"/>
-              <a:t>blue_to_red</a:t>
-            </a:r>
-            <a:r>
-              <a:rPr lang="en-US" sz="2400" dirty="0"/>
-              <a:t>)</a:t>
-            </a:r>
-            <a:endParaRPr lang="en-US" sz="1400" dirty="0"/>
-          </a:p>
-        </p:txBody>
-      </p:sp>
-    </p:spTree>
-    <p:extLst>
-      <p:ext uri="{BB962C8B-B14F-4D97-AF65-F5344CB8AC3E}">
-        <p14:creationId xmlns:p14="http://schemas.microsoft.com/office/powerpoint/2010/main" val="2263898069"/>
       </p:ext>
     </p:extLst>
   </p:cSld>
